--- a/doc/ADS_Proj4_Presentation_Group11.pptx
+++ b/doc/ADS_Proj4_Presentation_Group11.pptx
@@ -1,54 +1,54 @@
 
 <file path=ppt/presentation.xml><?xml version="1.0" encoding="utf-8"?>
-<p:presentation xmlns:a="http://schemas.openxmlformats.org/drawingml/2006/main" xmlns:r="http://schemas.openxmlformats.org/officeDocument/2006/relationships" xmlns:mc="http://schemas.openxmlformats.org/markup-compatibility/2006" xmlns:mv="urn:schemas-microsoft-com:mac:vml" xmlns:p="http://schemas.openxmlformats.org/presentationml/2006/main" xmlns:c="http://schemas.openxmlformats.org/drawingml/2006/chart" xmlns:dgm="http://schemas.openxmlformats.org/drawingml/2006/diagram" xmlns:o="urn:schemas-microsoft-com:office:office" xmlns:v="urn:schemas-microsoft-com:vml" xmlns:pvml="urn:schemas-microsoft-com:office:powerpoint" xmlns:com="http://schemas.openxmlformats.org/drawingml/2006/compatibility" xmlns:p14="http://schemas.microsoft.com/office/powerpoint/2010/main" xmlns:p15="http://schemas.microsoft.com/office/powerpoint/2012/main" xmlns:ahyp="http://schemas.microsoft.com/office/drawing/2018/hyperlinkcolor" autoCompressPictures="0" embedTrueTypeFonts="1" strictFirstAndLastChars="0" saveSubsetFonts="1">
+<p:presentation xmlns:a="http://schemas.openxmlformats.org/drawingml/2006/main" xmlns:r="http://schemas.openxmlformats.org/officeDocument/2006/relationships" xmlns:p="http://schemas.openxmlformats.org/presentationml/2006/main" strictFirstAndLastChars="0" embedTrueTypeFonts="1" saveSubsetFonts="1" autoCompressPictures="0">
   <p:sldMasterIdLst>
-    <p:sldMasterId id="2147483659" r:id="rId5"/>
+    <p:sldMasterId id="2147483659" r:id="rId1"/>
   </p:sldMasterIdLst>
   <p:notesMasterIdLst>
-    <p:notesMasterId r:id="rId6"/>
+    <p:notesMasterId r:id="rId22"/>
   </p:notesMasterIdLst>
   <p:sldIdLst>
-    <p:sldId id="256" r:id="rId7"/>
-    <p:sldId id="257" r:id="rId8"/>
-    <p:sldId id="258" r:id="rId9"/>
-    <p:sldId id="259" r:id="rId10"/>
-    <p:sldId id="260" r:id="rId11"/>
-    <p:sldId id="261" r:id="rId12"/>
-    <p:sldId id="262" r:id="rId13"/>
-    <p:sldId id="263" r:id="rId14"/>
-    <p:sldId id="264" r:id="rId15"/>
-    <p:sldId id="265" r:id="rId16"/>
-    <p:sldId id="266" r:id="rId17"/>
-    <p:sldId id="267" r:id="rId18"/>
-    <p:sldId id="268" r:id="rId19"/>
-    <p:sldId id="269" r:id="rId20"/>
-    <p:sldId id="270" r:id="rId21"/>
-    <p:sldId id="271" r:id="rId22"/>
-    <p:sldId id="272" r:id="rId23"/>
-    <p:sldId id="273" r:id="rId24"/>
-    <p:sldId id="274" r:id="rId25"/>
-    <p:sldId id="275" r:id="rId26"/>
+    <p:sldId id="256" r:id="rId2"/>
+    <p:sldId id="257" r:id="rId3"/>
+    <p:sldId id="258" r:id="rId4"/>
+    <p:sldId id="259" r:id="rId5"/>
+    <p:sldId id="260" r:id="rId6"/>
+    <p:sldId id="261" r:id="rId7"/>
+    <p:sldId id="262" r:id="rId8"/>
+    <p:sldId id="263" r:id="rId9"/>
+    <p:sldId id="264" r:id="rId10"/>
+    <p:sldId id="265" r:id="rId11"/>
+    <p:sldId id="266" r:id="rId12"/>
+    <p:sldId id="267" r:id="rId13"/>
+    <p:sldId id="268" r:id="rId14"/>
+    <p:sldId id="269" r:id="rId15"/>
+    <p:sldId id="270" r:id="rId16"/>
+    <p:sldId id="271" r:id="rId17"/>
+    <p:sldId id="272" r:id="rId18"/>
+    <p:sldId id="273" r:id="rId19"/>
+    <p:sldId id="274" r:id="rId20"/>
+    <p:sldId id="275" r:id="rId21"/>
   </p:sldIdLst>
-  <p:sldSz cy="5143500" cx="9144000"/>
+  <p:sldSz cx="9144000" cy="5143500" type="screen16x9"/>
   <p:notesSz cx="6858000" cy="9144000"/>
   <p:embeddedFontLst>
     <p:embeddedFont>
-      <p:font typeface="Raleway"/>
+      <p:font typeface="Lato" panose="020F0502020204030203" pitchFamily="34" charset="0"/>
+      <p:regular r:id="rId23"/>
+      <p:bold r:id="rId24"/>
+      <p:italic r:id="rId25"/>
+      <p:boldItalic r:id="rId26"/>
+    </p:embeddedFont>
+    <p:embeddedFont>
+      <p:font typeface="Raleway" panose="020B0604020202020204" pitchFamily="2" charset="0"/>
       <p:regular r:id="rId27"/>
       <p:bold r:id="rId28"/>
       <p:italic r:id="rId29"/>
       <p:boldItalic r:id="rId30"/>
     </p:embeddedFont>
-    <p:embeddedFont>
-      <p:font typeface="Lato"/>
-      <p:regular r:id="rId31"/>
-      <p:bold r:id="rId32"/>
-      <p:italic r:id="rId33"/>
-      <p:boldItalic r:id="rId34"/>
-    </p:embeddedFont>
   </p:embeddedFontLst>
   <p:defaultTextStyle>
-    <a:defPPr lvl="0" marR="0" rtl="0" algn="l">
+    <a:defPPr marR="0" lvl="0" algn="l" rtl="0">
       <a:lnSpc>
         <a:spcPct val="100000"/>
       </a:lnSpc>
@@ -59,7 +59,7 @@
         <a:spcPts val="0"/>
       </a:spcAft>
     </a:defPPr>
-    <a:lvl1pPr lvl="0" marR="0" rtl="0" algn="l">
+    <a:lvl1pPr marR="0" lvl="0" algn="l" rtl="0">
       <a:lnSpc>
         <a:spcPct val="100000"/>
       </a:lnSpc>
@@ -73,7 +73,7 @@
         <a:srgbClr val="000000"/>
       </a:buClr>
       <a:buFont typeface="Arial"/>
-      <a:defRPr b="0" i="0" sz="1400" u="none" cap="none" strike="noStrike">
+      <a:defRPr sz="1400" b="0" i="0" u="none" strike="noStrike" cap="none">
         <a:solidFill>
           <a:srgbClr val="000000"/>
         </a:solidFill>
@@ -83,7 +83,7 @@
         <a:sym typeface="Arial"/>
       </a:defRPr>
     </a:lvl1pPr>
-    <a:lvl2pPr lvl="1" marR="0" rtl="0" algn="l">
+    <a:lvl2pPr marR="0" lvl="1" algn="l" rtl="0">
       <a:lnSpc>
         <a:spcPct val="100000"/>
       </a:lnSpc>
@@ -97,7 +97,7 @@
         <a:srgbClr val="000000"/>
       </a:buClr>
       <a:buFont typeface="Arial"/>
-      <a:defRPr b="0" i="0" sz="1400" u="none" cap="none" strike="noStrike">
+      <a:defRPr sz="1400" b="0" i="0" u="none" strike="noStrike" cap="none">
         <a:solidFill>
           <a:srgbClr val="000000"/>
         </a:solidFill>
@@ -107,7 +107,7 @@
         <a:sym typeface="Arial"/>
       </a:defRPr>
     </a:lvl2pPr>
-    <a:lvl3pPr lvl="2" marR="0" rtl="0" algn="l">
+    <a:lvl3pPr marR="0" lvl="2" algn="l" rtl="0">
       <a:lnSpc>
         <a:spcPct val="100000"/>
       </a:lnSpc>
@@ -121,7 +121,7 @@
         <a:srgbClr val="000000"/>
       </a:buClr>
       <a:buFont typeface="Arial"/>
-      <a:defRPr b="0" i="0" sz="1400" u="none" cap="none" strike="noStrike">
+      <a:defRPr sz="1400" b="0" i="0" u="none" strike="noStrike" cap="none">
         <a:solidFill>
           <a:srgbClr val="000000"/>
         </a:solidFill>
@@ -131,7 +131,7 @@
         <a:sym typeface="Arial"/>
       </a:defRPr>
     </a:lvl3pPr>
-    <a:lvl4pPr lvl="3" marR="0" rtl="0" algn="l">
+    <a:lvl4pPr marR="0" lvl="3" algn="l" rtl="0">
       <a:lnSpc>
         <a:spcPct val="100000"/>
       </a:lnSpc>
@@ -145,7 +145,7 @@
         <a:srgbClr val="000000"/>
       </a:buClr>
       <a:buFont typeface="Arial"/>
-      <a:defRPr b="0" i="0" sz="1400" u="none" cap="none" strike="noStrike">
+      <a:defRPr sz="1400" b="0" i="0" u="none" strike="noStrike" cap="none">
         <a:solidFill>
           <a:srgbClr val="000000"/>
         </a:solidFill>
@@ -155,7 +155,7 @@
         <a:sym typeface="Arial"/>
       </a:defRPr>
     </a:lvl4pPr>
-    <a:lvl5pPr lvl="4" marR="0" rtl="0" algn="l">
+    <a:lvl5pPr marR="0" lvl="4" algn="l" rtl="0">
       <a:lnSpc>
         <a:spcPct val="100000"/>
       </a:lnSpc>
@@ -169,7 +169,7 @@
         <a:srgbClr val="000000"/>
       </a:buClr>
       <a:buFont typeface="Arial"/>
-      <a:defRPr b="0" i="0" sz="1400" u="none" cap="none" strike="noStrike">
+      <a:defRPr sz="1400" b="0" i="0" u="none" strike="noStrike" cap="none">
         <a:solidFill>
           <a:srgbClr val="000000"/>
         </a:solidFill>
@@ -179,7 +179,7 @@
         <a:sym typeface="Arial"/>
       </a:defRPr>
     </a:lvl5pPr>
-    <a:lvl6pPr lvl="5" marR="0" rtl="0" algn="l">
+    <a:lvl6pPr marR="0" lvl="5" algn="l" rtl="0">
       <a:lnSpc>
         <a:spcPct val="100000"/>
       </a:lnSpc>
@@ -193,7 +193,7 @@
         <a:srgbClr val="000000"/>
       </a:buClr>
       <a:buFont typeface="Arial"/>
-      <a:defRPr b="0" i="0" sz="1400" u="none" cap="none" strike="noStrike">
+      <a:defRPr sz="1400" b="0" i="0" u="none" strike="noStrike" cap="none">
         <a:solidFill>
           <a:srgbClr val="000000"/>
         </a:solidFill>
@@ -203,7 +203,7 @@
         <a:sym typeface="Arial"/>
       </a:defRPr>
     </a:lvl6pPr>
-    <a:lvl7pPr lvl="6" marR="0" rtl="0" algn="l">
+    <a:lvl7pPr marR="0" lvl="6" algn="l" rtl="0">
       <a:lnSpc>
         <a:spcPct val="100000"/>
       </a:lnSpc>
@@ -217,7 +217,7 @@
         <a:srgbClr val="000000"/>
       </a:buClr>
       <a:buFont typeface="Arial"/>
-      <a:defRPr b="0" i="0" sz="1400" u="none" cap="none" strike="noStrike">
+      <a:defRPr sz="1400" b="0" i="0" u="none" strike="noStrike" cap="none">
         <a:solidFill>
           <a:srgbClr val="000000"/>
         </a:solidFill>
@@ -227,7 +227,7 @@
         <a:sym typeface="Arial"/>
       </a:defRPr>
     </a:lvl7pPr>
-    <a:lvl8pPr lvl="7" marR="0" rtl="0" algn="l">
+    <a:lvl8pPr marR="0" lvl="7" algn="l" rtl="0">
       <a:lnSpc>
         <a:spcPct val="100000"/>
       </a:lnSpc>
@@ -241,7 +241,7 @@
         <a:srgbClr val="000000"/>
       </a:buClr>
       <a:buFont typeface="Arial"/>
-      <a:defRPr b="0" i="0" sz="1400" u="none" cap="none" strike="noStrike">
+      <a:defRPr sz="1400" b="0" i="0" u="none" strike="noStrike" cap="none">
         <a:solidFill>
           <a:srgbClr val="000000"/>
         </a:solidFill>
@@ -251,7 +251,7 @@
         <a:sym typeface="Arial"/>
       </a:defRPr>
     </a:lvl8pPr>
-    <a:lvl9pPr lvl="8" marR="0" rtl="0" algn="l">
+    <a:lvl9pPr marR="0" lvl="8" algn="l" rtl="0">
       <a:lnSpc>
         <a:spcPct val="100000"/>
       </a:lnSpc>
@@ -265,7 +265,7 @@
         <a:srgbClr val="000000"/>
       </a:buClr>
       <a:buFont typeface="Arial"/>
-      <a:defRPr b="0" i="0" sz="1400" u="none" cap="none" strike="noStrike">
+      <a:defRPr sz="1400" b="0" i="0" u="none" strike="noStrike" cap="none">
         <a:solidFill>
           <a:srgbClr val="000000"/>
         </a:solidFill>
@@ -278,7 +278,7 @@
   </p:defaultTextStyle>
   <p:extLst>
     <p:ext uri="{EFAFB233-063F-42B5-8137-9DF3F51BA10A}">
-      <p15:sldGuideLst>
+      <p15:sldGuideLst xmlns:p15="http://schemas.microsoft.com/office/powerpoint/2012/main">
         <p15:guide id="1" orient="horz" pos="1620">
           <p15:clr>
             <a:srgbClr val="A4A3A4"/>
@@ -296,11 +296,16 @@
 </file>
 
 <file path=ppt/notesMasters/notesMaster1.xml><?xml version="1.0" encoding="utf-8"?>
-<p:notesMaster xmlns:a="http://schemas.openxmlformats.org/drawingml/2006/main" xmlns:r="http://schemas.openxmlformats.org/officeDocument/2006/relationships" xmlns:mc="http://schemas.openxmlformats.org/markup-compatibility/2006" xmlns:mv="urn:schemas-microsoft-com:mac:vml" xmlns:p="http://schemas.openxmlformats.org/presentationml/2006/main" xmlns:c="http://schemas.openxmlformats.org/drawingml/2006/chart" xmlns:dgm="http://schemas.openxmlformats.org/drawingml/2006/diagram" xmlns:o="urn:schemas-microsoft-com:office:office" xmlns:v="urn:schemas-microsoft-com:vml" xmlns:pvml="urn:schemas-microsoft-com:office:powerpoint" xmlns:com="http://schemas.openxmlformats.org/drawingml/2006/compatibility" xmlns:p14="http://schemas.microsoft.com/office/powerpoint/2010/main" xmlns:p15="http://schemas.microsoft.com/office/powerpoint/2012/main" xmlns:ahyp="http://schemas.microsoft.com/office/drawing/2018/hyperlinkcolor">
+<p:notesMaster xmlns:a="http://schemas.openxmlformats.org/drawingml/2006/main" xmlns:r="http://schemas.openxmlformats.org/officeDocument/2006/relationships" xmlns:p="http://schemas.openxmlformats.org/presentationml/2006/main">
   <p:cSld>
+    <p:bg>
+      <p:bgRef idx="1001">
+        <a:schemeClr val="bg1"/>
+      </p:bgRef>
+    </p:bg>
     <p:spTree>
       <p:nvGrpSpPr>
-        <p:cNvPr id="2" name="Shape 2"/>
+        <p:cNvPr id="1" name="Shape 2"/>
         <p:cNvGrpSpPr/>
         <p:nvPr/>
       </p:nvGrpSpPr>
@@ -315,9 +320,11 @@
       <p:sp>
         <p:nvSpPr>
           <p:cNvPr id="3" name="Google Shape;3;n"/>
-          <p:cNvSpPr/>
+          <p:cNvSpPr>
+            <a:spLocks noGrp="1" noRot="1" noChangeAspect="1"/>
+          </p:cNvSpPr>
           <p:nvPr>
-            <p:ph idx="2" type="sldImg"/>
+            <p:ph type="sldImg" idx="2"/>
           </p:nvPr>
         </p:nvSpPr>
         <p:spPr>
@@ -326,9 +333,13 @@
             <a:ext cx="6096075" cy="3429000"/>
           </a:xfrm>
           <a:custGeom>
-            <a:rect b="b" l="l" r="r" t="t"/>
+            <a:avLst/>
+            <a:gdLst/>
+            <a:ahLst/>
+            <a:cxnLst/>
+            <a:rect l="l" t="t" r="r" b="b"/>
             <a:pathLst>
-              <a:path extrusionOk="0" h="120000" w="120000">
+              <a:path w="120000" h="120000" extrusionOk="0">
                 <a:moveTo>
                   <a:pt x="0" y="0"/>
                 </a:moveTo>
@@ -346,23 +357,25 @@
             </a:pathLst>
           </a:custGeom>
           <a:noFill/>
-          <a:ln cap="flat" cmpd="sng" w="9525">
+          <a:ln w="9525" cap="flat" cmpd="sng">
             <a:solidFill>
               <a:srgbClr val="000000"/>
             </a:solidFill>
             <a:prstDash val="solid"/>
             <a:round/>
-            <a:headEnd len="sm" w="sm" type="none"/>
-            <a:tailEnd len="sm" w="sm" type="none"/>
+            <a:headEnd type="none" w="sm" len="sm"/>
+            <a:tailEnd type="none" w="sm" len="sm"/>
           </a:ln>
         </p:spPr>
       </p:sp>
       <p:sp>
         <p:nvSpPr>
           <p:cNvPr id="4" name="Google Shape;4;n"/>
-          <p:cNvSpPr txBox="1"/>
+          <p:cNvSpPr txBox="1">
+            <a:spLocks noGrp="1"/>
+          </p:cNvSpPr>
           <p:nvPr>
-            <p:ph idx="1" type="body"/>
+            <p:ph type="body" idx="1"/>
           </p:nvPr>
         </p:nvSpPr>
         <p:spPr>
@@ -379,11 +392,11 @@
           </a:ln>
         </p:spPr>
         <p:txBody>
-          <a:bodyPr anchorCtr="0" anchor="t" bIns="91425" lIns="91425" spcFirstLastPara="1" rIns="91425" wrap="square" tIns="91425">
+          <a:bodyPr spcFirstLastPara="1" wrap="square" lIns="91425" tIns="91425" rIns="91425" bIns="91425" anchor="t" anchorCtr="0">
             <a:noAutofit/>
           </a:bodyPr>
           <a:lstStyle>
-            <a:lvl1pPr indent="-298450" lvl="0" marL="457200">
+            <a:lvl1pPr marL="457200" lvl="0" indent="-298450">
               <a:spcBef>
                 <a:spcPts val="0"/>
               </a:spcBef>
@@ -394,7 +407,7 @@
               <a:buChar char="●"/>
               <a:defRPr sz="1100"/>
             </a:lvl1pPr>
-            <a:lvl2pPr indent="-298450" lvl="1" marL="914400">
+            <a:lvl2pPr marL="914400" lvl="1" indent="-298450">
               <a:spcBef>
                 <a:spcPts val="0"/>
               </a:spcBef>
@@ -405,7 +418,7 @@
               <a:buChar char="○"/>
               <a:defRPr sz="1100"/>
             </a:lvl2pPr>
-            <a:lvl3pPr indent="-298450" lvl="2" marL="1371600">
+            <a:lvl3pPr marL="1371600" lvl="2" indent="-298450">
               <a:spcBef>
                 <a:spcPts val="0"/>
               </a:spcBef>
@@ -416,7 +429,7 @@
               <a:buChar char="■"/>
               <a:defRPr sz="1100"/>
             </a:lvl3pPr>
-            <a:lvl4pPr indent="-298450" lvl="3" marL="1828800">
+            <a:lvl4pPr marL="1828800" lvl="3" indent="-298450">
               <a:spcBef>
                 <a:spcPts val="0"/>
               </a:spcBef>
@@ -427,7 +440,7 @@
               <a:buChar char="●"/>
               <a:defRPr sz="1100"/>
             </a:lvl4pPr>
-            <a:lvl5pPr indent="-298450" lvl="4" marL="2286000">
+            <a:lvl5pPr marL="2286000" lvl="4" indent="-298450">
               <a:spcBef>
                 <a:spcPts val="0"/>
               </a:spcBef>
@@ -438,7 +451,7 @@
               <a:buChar char="○"/>
               <a:defRPr sz="1100"/>
             </a:lvl5pPr>
-            <a:lvl6pPr indent="-298450" lvl="5" marL="2743200">
+            <a:lvl6pPr marL="2743200" lvl="5" indent="-298450">
               <a:spcBef>
                 <a:spcPts val="0"/>
               </a:spcBef>
@@ -449,7 +462,7 @@
               <a:buChar char="■"/>
               <a:defRPr sz="1100"/>
             </a:lvl6pPr>
-            <a:lvl7pPr indent="-298450" lvl="6" marL="3200400">
+            <a:lvl7pPr marL="3200400" lvl="6" indent="-298450">
               <a:spcBef>
                 <a:spcPts val="0"/>
               </a:spcBef>
@@ -460,7 +473,7 @@
               <a:buChar char="●"/>
               <a:defRPr sz="1100"/>
             </a:lvl7pPr>
-            <a:lvl8pPr indent="-298450" lvl="7" marL="3657600">
+            <a:lvl8pPr marL="3657600" lvl="7" indent="-298450">
               <a:spcBef>
                 <a:spcPts val="0"/>
               </a:spcBef>
@@ -471,7 +484,7 @@
               <a:buChar char="○"/>
               <a:defRPr sz="1100"/>
             </a:lvl8pPr>
-            <a:lvl9pPr indent="-298450" lvl="8" marL="4114800">
+            <a:lvl9pPr marL="4114800" lvl="8" indent="-298450">
               <a:spcBef>
                 <a:spcPts val="0"/>
               </a:spcBef>
@@ -483,14 +496,16 @@
               <a:defRPr sz="1100"/>
             </a:lvl9pPr>
           </a:lstStyle>
-          <a:p/>
+          <a:p>
+            <a:endParaRPr/>
+          </a:p>
         </p:txBody>
       </p:sp>
     </p:spTree>
   </p:cSld>
-  <p:clrMap accent1="accent1" accent2="accent2" accent3="accent3" accent4="accent4" accent5="accent5" accent6="accent6" bg1="lt1" bg2="dk2" tx1="dk1" tx2="lt2" folHlink="folHlink" hlink="hlink"/>
+  <p:clrMap bg1="lt1" tx1="dk1" bg2="dk2" tx2="lt2" accent1="accent1" accent2="accent2" accent3="accent3" accent4="accent4" accent5="accent5" accent6="accent6" hlink="hlink" folHlink="folHlink"/>
   <p:notesStyle>
-    <a:defPPr lvl="0" marR="0" rtl="0" algn="l">
+    <a:defPPr marR="0" lvl="0" algn="l" rtl="0">
       <a:lnSpc>
         <a:spcPct val="100000"/>
       </a:lnSpc>
@@ -501,7 +516,7 @@
         <a:spcPts val="0"/>
       </a:spcAft>
     </a:defPPr>
-    <a:lvl1pPr lvl="0" marR="0" rtl="0" algn="l">
+    <a:lvl1pPr marR="0" lvl="0" algn="l" rtl="0">
       <a:lnSpc>
         <a:spcPct val="100000"/>
       </a:lnSpc>
@@ -515,7 +530,7 @@
         <a:srgbClr val="000000"/>
       </a:buClr>
       <a:buFont typeface="Arial"/>
-      <a:defRPr b="0" i="0" sz="1400" u="none" cap="none" strike="noStrike">
+      <a:defRPr sz="1400" b="0" i="0" u="none" strike="noStrike" cap="none">
         <a:solidFill>
           <a:srgbClr val="000000"/>
         </a:solidFill>
@@ -525,7 +540,7 @@
         <a:sym typeface="Arial"/>
       </a:defRPr>
     </a:lvl1pPr>
-    <a:lvl2pPr lvl="1" marR="0" rtl="0" algn="l">
+    <a:lvl2pPr marR="0" lvl="1" algn="l" rtl="0">
       <a:lnSpc>
         <a:spcPct val="100000"/>
       </a:lnSpc>
@@ -539,7 +554,7 @@
         <a:srgbClr val="000000"/>
       </a:buClr>
       <a:buFont typeface="Arial"/>
-      <a:defRPr b="0" i="0" sz="1400" u="none" cap="none" strike="noStrike">
+      <a:defRPr sz="1400" b="0" i="0" u="none" strike="noStrike" cap="none">
         <a:solidFill>
           <a:srgbClr val="000000"/>
         </a:solidFill>
@@ -549,7 +564,7 @@
         <a:sym typeface="Arial"/>
       </a:defRPr>
     </a:lvl2pPr>
-    <a:lvl3pPr lvl="2" marR="0" rtl="0" algn="l">
+    <a:lvl3pPr marR="0" lvl="2" algn="l" rtl="0">
       <a:lnSpc>
         <a:spcPct val="100000"/>
       </a:lnSpc>
@@ -563,7 +578,7 @@
         <a:srgbClr val="000000"/>
       </a:buClr>
       <a:buFont typeface="Arial"/>
-      <a:defRPr b="0" i="0" sz="1400" u="none" cap="none" strike="noStrike">
+      <a:defRPr sz="1400" b="0" i="0" u="none" strike="noStrike" cap="none">
         <a:solidFill>
           <a:srgbClr val="000000"/>
         </a:solidFill>
@@ -573,7 +588,7 @@
         <a:sym typeface="Arial"/>
       </a:defRPr>
     </a:lvl3pPr>
-    <a:lvl4pPr lvl="3" marR="0" rtl="0" algn="l">
+    <a:lvl4pPr marR="0" lvl="3" algn="l" rtl="0">
       <a:lnSpc>
         <a:spcPct val="100000"/>
       </a:lnSpc>
@@ -587,7 +602,7 @@
         <a:srgbClr val="000000"/>
       </a:buClr>
       <a:buFont typeface="Arial"/>
-      <a:defRPr b="0" i="0" sz="1400" u="none" cap="none" strike="noStrike">
+      <a:defRPr sz="1400" b="0" i="0" u="none" strike="noStrike" cap="none">
         <a:solidFill>
           <a:srgbClr val="000000"/>
         </a:solidFill>
@@ -597,7 +612,7 @@
         <a:sym typeface="Arial"/>
       </a:defRPr>
     </a:lvl4pPr>
-    <a:lvl5pPr lvl="4" marR="0" rtl="0" algn="l">
+    <a:lvl5pPr marR="0" lvl="4" algn="l" rtl="0">
       <a:lnSpc>
         <a:spcPct val="100000"/>
       </a:lnSpc>
@@ -611,7 +626,7 @@
         <a:srgbClr val="000000"/>
       </a:buClr>
       <a:buFont typeface="Arial"/>
-      <a:defRPr b="0" i="0" sz="1400" u="none" cap="none" strike="noStrike">
+      <a:defRPr sz="1400" b="0" i="0" u="none" strike="noStrike" cap="none">
         <a:solidFill>
           <a:srgbClr val="000000"/>
         </a:solidFill>
@@ -621,7 +636,7 @@
         <a:sym typeface="Arial"/>
       </a:defRPr>
     </a:lvl5pPr>
-    <a:lvl6pPr lvl="5" marR="0" rtl="0" algn="l">
+    <a:lvl6pPr marR="0" lvl="5" algn="l" rtl="0">
       <a:lnSpc>
         <a:spcPct val="100000"/>
       </a:lnSpc>
@@ -635,7 +650,7 @@
         <a:srgbClr val="000000"/>
       </a:buClr>
       <a:buFont typeface="Arial"/>
-      <a:defRPr b="0" i="0" sz="1400" u="none" cap="none" strike="noStrike">
+      <a:defRPr sz="1400" b="0" i="0" u="none" strike="noStrike" cap="none">
         <a:solidFill>
           <a:srgbClr val="000000"/>
         </a:solidFill>
@@ -645,7 +660,7 @@
         <a:sym typeface="Arial"/>
       </a:defRPr>
     </a:lvl6pPr>
-    <a:lvl7pPr lvl="6" marR="0" rtl="0" algn="l">
+    <a:lvl7pPr marR="0" lvl="6" algn="l" rtl="0">
       <a:lnSpc>
         <a:spcPct val="100000"/>
       </a:lnSpc>
@@ -659,7 +674,7 @@
         <a:srgbClr val="000000"/>
       </a:buClr>
       <a:buFont typeface="Arial"/>
-      <a:defRPr b="0" i="0" sz="1400" u="none" cap="none" strike="noStrike">
+      <a:defRPr sz="1400" b="0" i="0" u="none" strike="noStrike" cap="none">
         <a:solidFill>
           <a:srgbClr val="000000"/>
         </a:solidFill>
@@ -669,7 +684,7 @@
         <a:sym typeface="Arial"/>
       </a:defRPr>
     </a:lvl7pPr>
-    <a:lvl8pPr lvl="7" marR="0" rtl="0" algn="l">
+    <a:lvl8pPr marR="0" lvl="7" algn="l" rtl="0">
       <a:lnSpc>
         <a:spcPct val="100000"/>
       </a:lnSpc>
@@ -683,7 +698,7 @@
         <a:srgbClr val="000000"/>
       </a:buClr>
       <a:buFont typeface="Arial"/>
-      <a:defRPr b="0" i="0" sz="1400" u="none" cap="none" strike="noStrike">
+      <a:defRPr sz="1400" b="0" i="0" u="none" strike="noStrike" cap="none">
         <a:solidFill>
           <a:srgbClr val="000000"/>
         </a:solidFill>
@@ -693,7 +708,7 @@
         <a:sym typeface="Arial"/>
       </a:defRPr>
     </a:lvl8pPr>
-    <a:lvl9pPr lvl="8" marR="0" rtl="0" algn="l">
+    <a:lvl9pPr marR="0" lvl="8" algn="l" rtl="0">
       <a:lnSpc>
         <a:spcPct val="100000"/>
       </a:lnSpc>
@@ -707,7 +722,7 @@
         <a:srgbClr val="000000"/>
       </a:buClr>
       <a:buFont typeface="Arial"/>
-      <a:defRPr b="0" i="0" sz="1400" u="none" cap="none" strike="noStrike">
+      <a:defRPr sz="1400" b="0" i="0" u="none" strike="noStrike" cap="none">
         <a:solidFill>
           <a:srgbClr val="000000"/>
         </a:solidFill>
@@ -722,11 +737,11 @@
 </file>
 
 <file path=ppt/notesSlides/notesSlide1.xml><?xml version="1.0" encoding="utf-8"?>
-<p:notes xmlns:a="http://schemas.openxmlformats.org/drawingml/2006/main" xmlns:r="http://schemas.openxmlformats.org/officeDocument/2006/relationships" xmlns:mc="http://schemas.openxmlformats.org/markup-compatibility/2006" xmlns:mv="urn:schemas-microsoft-com:mac:vml" xmlns:p="http://schemas.openxmlformats.org/presentationml/2006/main" xmlns:c="http://schemas.openxmlformats.org/drawingml/2006/chart" xmlns:dgm="http://schemas.openxmlformats.org/drawingml/2006/diagram" xmlns:o="urn:schemas-microsoft-com:office:office" xmlns:v="urn:schemas-microsoft-com:vml" xmlns:pvml="urn:schemas-microsoft-com:office:powerpoint" xmlns:com="http://schemas.openxmlformats.org/drawingml/2006/compatibility" xmlns:p14="http://schemas.microsoft.com/office/powerpoint/2010/main" xmlns:p15="http://schemas.microsoft.com/office/powerpoint/2012/main" xmlns:ahyp="http://schemas.microsoft.com/office/drawing/2018/hyperlinkcolor" showMasterPhAnim="0" showMasterSp="0">
+<p:notes xmlns:a="http://schemas.openxmlformats.org/drawingml/2006/main" xmlns:r="http://schemas.openxmlformats.org/officeDocument/2006/relationships" xmlns:p="http://schemas.openxmlformats.org/presentationml/2006/main" showMasterSp="0" showMasterPhAnim="0">
   <p:cSld>
     <p:spTree>
       <p:nvGrpSpPr>
-        <p:cNvPr id="82" name="Shape 82"/>
+        <p:cNvPr id="1" name="Shape 82"/>
         <p:cNvGrpSpPr/>
         <p:nvPr/>
       </p:nvGrpSpPr>
@@ -741,9 +756,11 @@
       <p:sp>
         <p:nvSpPr>
           <p:cNvPr id="83" name="Google Shape;83;p:notes"/>
-          <p:cNvSpPr/>
+          <p:cNvSpPr>
+            <a:spLocks noGrp="1" noRot="1" noChangeAspect="1"/>
+          </p:cNvSpPr>
           <p:nvPr>
-            <p:ph idx="2" type="sldImg"/>
+            <p:ph type="sldImg" idx="2"/>
           </p:nvPr>
         </p:nvSpPr>
         <p:spPr>
@@ -752,9 +769,13 @@
             <a:ext cx="6096075" cy="3429000"/>
           </a:xfrm>
           <a:custGeom>
-            <a:rect b="b" l="l" r="r" t="t"/>
+            <a:avLst/>
+            <a:gdLst/>
+            <a:ahLst/>
+            <a:cxnLst/>
+            <a:rect l="l" t="t" r="r" b="b"/>
             <a:pathLst>
-              <a:path extrusionOk="0" h="120000" w="120000">
+              <a:path w="120000" h="120000" extrusionOk="0">
                 <a:moveTo>
                   <a:pt x="0" y="0"/>
                 </a:moveTo>
@@ -776,9 +797,11 @@
       <p:sp>
         <p:nvSpPr>
           <p:cNvPr id="84" name="Google Shape;84;p:notes"/>
-          <p:cNvSpPr txBox="1"/>
+          <p:cNvSpPr txBox="1">
+            <a:spLocks noGrp="1"/>
+          </p:cNvSpPr>
           <p:nvPr>
-            <p:ph idx="1" type="body"/>
+            <p:ph type="body" idx="1"/>
           </p:nvPr>
         </p:nvSpPr>
         <p:spPr>
@@ -791,12 +814,12 @@
           </a:prstGeom>
         </p:spPr>
         <p:txBody>
-          <a:bodyPr anchorCtr="0" anchor="t" bIns="91425" lIns="91425" spcFirstLastPara="1" rIns="91425" wrap="square" tIns="91425">
+          <a:bodyPr spcFirstLastPara="1" wrap="square" lIns="91425" tIns="91425" rIns="91425" bIns="91425" anchor="t" anchorCtr="0">
             <a:noAutofit/>
           </a:bodyPr>
           <a:lstStyle/>
           <a:p>
-            <a:pPr indent="0" lvl="0" marL="0" rtl="0" algn="l">
+            <a:pPr marL="0" lvl="0" indent="0" algn="l" rtl="0">
               <a:spcBef>
                 <a:spcPts val="0"/>
               </a:spcBef>
@@ -805,9 +828,6 @@
               </a:spcAft>
               <a:buNone/>
             </a:pPr>
-            <a:r>
-              <a:t/>
-            </a:r>
             <a:endParaRPr/>
           </a:p>
         </p:txBody>
@@ -821,11 +841,11 @@
 </file>
 
 <file path=ppt/notesSlides/notesSlide10.xml><?xml version="1.0" encoding="utf-8"?>
-<p:notes xmlns:a="http://schemas.openxmlformats.org/drawingml/2006/main" xmlns:r="http://schemas.openxmlformats.org/officeDocument/2006/relationships" xmlns:mc="http://schemas.openxmlformats.org/markup-compatibility/2006" xmlns:mv="urn:schemas-microsoft-com:mac:vml" xmlns:p="http://schemas.openxmlformats.org/presentationml/2006/main" xmlns:c="http://schemas.openxmlformats.org/drawingml/2006/chart" xmlns:dgm="http://schemas.openxmlformats.org/drawingml/2006/diagram" xmlns:o="urn:schemas-microsoft-com:office:office" xmlns:v="urn:schemas-microsoft-com:vml" xmlns:pvml="urn:schemas-microsoft-com:office:powerpoint" xmlns:com="http://schemas.openxmlformats.org/drawingml/2006/compatibility" xmlns:p14="http://schemas.microsoft.com/office/powerpoint/2010/main" xmlns:p15="http://schemas.microsoft.com/office/powerpoint/2012/main" xmlns:ahyp="http://schemas.microsoft.com/office/drawing/2018/hyperlinkcolor" showMasterPhAnim="0" showMasterSp="0">
+<p:notes xmlns:a="http://schemas.openxmlformats.org/drawingml/2006/main" xmlns:r="http://schemas.openxmlformats.org/officeDocument/2006/relationships" xmlns:p="http://schemas.openxmlformats.org/presentationml/2006/main" showMasterSp="0" showMasterPhAnim="0">
   <p:cSld>
     <p:spTree>
       <p:nvGrpSpPr>
-        <p:cNvPr id="161" name="Shape 161"/>
+        <p:cNvPr id="1" name="Shape 161"/>
         <p:cNvGrpSpPr/>
         <p:nvPr/>
       </p:nvGrpSpPr>
@@ -840,9 +860,11 @@
       <p:sp>
         <p:nvSpPr>
           <p:cNvPr id="162" name="Google Shape;162;g123d167f8e9_1_83:notes"/>
-          <p:cNvSpPr/>
+          <p:cNvSpPr>
+            <a:spLocks noGrp="1" noRot="1" noChangeAspect="1"/>
+          </p:cNvSpPr>
           <p:nvPr>
-            <p:ph idx="2" type="sldImg"/>
+            <p:ph type="sldImg" idx="2"/>
           </p:nvPr>
         </p:nvSpPr>
         <p:spPr>
@@ -851,9 +873,13 @@
             <a:ext cx="6096000" cy="3429000"/>
           </a:xfrm>
           <a:custGeom>
-            <a:rect b="b" l="l" r="r" t="t"/>
+            <a:avLst/>
+            <a:gdLst/>
+            <a:ahLst/>
+            <a:cxnLst/>
+            <a:rect l="l" t="t" r="r" b="b"/>
             <a:pathLst>
-              <a:path extrusionOk="0" h="120000" w="120000">
+              <a:path w="120000" h="120000" extrusionOk="0">
                 <a:moveTo>
                   <a:pt x="0" y="0"/>
                 </a:moveTo>
@@ -875,9 +901,11 @@
       <p:sp>
         <p:nvSpPr>
           <p:cNvPr id="163" name="Google Shape;163;g123d167f8e9_1_83:notes"/>
-          <p:cNvSpPr txBox="1"/>
+          <p:cNvSpPr txBox="1">
+            <a:spLocks noGrp="1"/>
+          </p:cNvSpPr>
           <p:nvPr>
-            <p:ph idx="1" type="body"/>
+            <p:ph type="body" idx="1"/>
           </p:nvPr>
         </p:nvSpPr>
         <p:spPr>
@@ -890,12 +918,12 @@
           </a:prstGeom>
         </p:spPr>
         <p:txBody>
-          <a:bodyPr anchorCtr="0" anchor="t" bIns="91425" lIns="91425" spcFirstLastPara="1" rIns="91425" wrap="square" tIns="91425">
+          <a:bodyPr spcFirstLastPara="1" wrap="square" lIns="91425" tIns="91425" rIns="91425" bIns="91425" anchor="t" anchorCtr="0">
             <a:noAutofit/>
           </a:bodyPr>
           <a:lstStyle/>
           <a:p>
-            <a:pPr indent="0" lvl="0" marL="0" rtl="0" algn="l">
+            <a:pPr marL="0" lvl="0" indent="0" algn="l" rtl="0">
               <a:spcBef>
                 <a:spcPts val="0"/>
               </a:spcBef>
@@ -911,7 +939,7 @@
             <a:endParaRPr/>
           </a:p>
           <a:p>
-            <a:pPr indent="0" lvl="0" marL="0" rtl="0" algn="l">
+            <a:pPr marL="0" lvl="0" indent="0" algn="l" rtl="0">
               <a:spcBef>
                 <a:spcPts val="0"/>
               </a:spcBef>
@@ -937,11 +965,11 @@
 </file>
 
 <file path=ppt/notesSlides/notesSlide11.xml><?xml version="1.0" encoding="utf-8"?>
-<p:notes xmlns:a="http://schemas.openxmlformats.org/drawingml/2006/main" xmlns:r="http://schemas.openxmlformats.org/officeDocument/2006/relationships" xmlns:mc="http://schemas.openxmlformats.org/markup-compatibility/2006" xmlns:mv="urn:schemas-microsoft-com:mac:vml" xmlns:p="http://schemas.openxmlformats.org/presentationml/2006/main" xmlns:c="http://schemas.openxmlformats.org/drawingml/2006/chart" xmlns:dgm="http://schemas.openxmlformats.org/drawingml/2006/diagram" xmlns:o="urn:schemas-microsoft-com:office:office" xmlns:v="urn:schemas-microsoft-com:vml" xmlns:pvml="urn:schemas-microsoft-com:office:powerpoint" xmlns:com="http://schemas.openxmlformats.org/drawingml/2006/compatibility" xmlns:p14="http://schemas.microsoft.com/office/powerpoint/2010/main" xmlns:p15="http://schemas.microsoft.com/office/powerpoint/2012/main" xmlns:ahyp="http://schemas.microsoft.com/office/drawing/2018/hyperlinkcolor" showMasterPhAnim="0" showMasterSp="0">
+<p:notes xmlns:a="http://schemas.openxmlformats.org/drawingml/2006/main" xmlns:r="http://schemas.openxmlformats.org/officeDocument/2006/relationships" xmlns:p="http://schemas.openxmlformats.org/presentationml/2006/main" showMasterSp="0" showMasterPhAnim="0">
   <p:cSld>
     <p:spTree>
       <p:nvGrpSpPr>
-        <p:cNvPr id="174" name="Shape 174"/>
+        <p:cNvPr id="1" name="Shape 174"/>
         <p:cNvGrpSpPr/>
         <p:nvPr/>
       </p:nvGrpSpPr>
@@ -956,20 +984,26 @@
       <p:sp>
         <p:nvSpPr>
           <p:cNvPr id="175" name="Google Shape;175;g123d167f8e9_1_112:notes"/>
-          <p:cNvSpPr/>
+          <p:cNvSpPr>
+            <a:spLocks noGrp="1" noRot="1" noChangeAspect="1"/>
+          </p:cNvSpPr>
           <p:nvPr>
-            <p:ph idx="2" type="sldImg"/>
+            <p:ph type="sldImg" idx="2"/>
           </p:nvPr>
         </p:nvSpPr>
         <p:spPr>
           <a:xfrm>
-            <a:off x="381300" y="685800"/>
+            <a:off x="381000" y="685800"/>
             <a:ext cx="6096000" cy="3429000"/>
           </a:xfrm>
           <a:custGeom>
-            <a:rect b="b" l="l" r="r" t="t"/>
+            <a:avLst/>
+            <a:gdLst/>
+            <a:ahLst/>
+            <a:cxnLst/>
+            <a:rect l="l" t="t" r="r" b="b"/>
             <a:pathLst>
-              <a:path extrusionOk="0" h="120000" w="120000">
+              <a:path w="120000" h="120000" extrusionOk="0">
                 <a:moveTo>
                   <a:pt x="0" y="0"/>
                 </a:moveTo>
@@ -991,9 +1025,11 @@
       <p:sp>
         <p:nvSpPr>
           <p:cNvPr id="176" name="Google Shape;176;g123d167f8e9_1_112:notes"/>
-          <p:cNvSpPr txBox="1"/>
+          <p:cNvSpPr txBox="1">
+            <a:spLocks noGrp="1"/>
+          </p:cNvSpPr>
           <p:nvPr>
-            <p:ph idx="1" type="body"/>
+            <p:ph type="body" idx="1"/>
           </p:nvPr>
         </p:nvSpPr>
         <p:spPr>
@@ -1006,12 +1042,12 @@
           </a:prstGeom>
         </p:spPr>
         <p:txBody>
-          <a:bodyPr anchorCtr="0" anchor="t" bIns="91425" lIns="91425" spcFirstLastPara="1" rIns="91425" wrap="square" tIns="91425">
+          <a:bodyPr spcFirstLastPara="1" wrap="square" lIns="91425" tIns="91425" rIns="91425" bIns="91425" anchor="t" anchorCtr="0">
             <a:noAutofit/>
           </a:bodyPr>
           <a:lstStyle/>
           <a:p>
-            <a:pPr indent="0" lvl="0" marL="0" rtl="0" algn="l">
+            <a:pPr marL="0" lvl="0" indent="0" algn="l" rtl="0">
               <a:spcBef>
                 <a:spcPts val="0"/>
               </a:spcBef>
@@ -1027,7 +1063,7 @@
             <a:endParaRPr/>
           </a:p>
           <a:p>
-            <a:pPr indent="0" lvl="0" marL="0" rtl="0" algn="l">
+            <a:pPr marL="0" lvl="0" indent="0" algn="l" rtl="0">
               <a:spcBef>
                 <a:spcPts val="0"/>
               </a:spcBef>
@@ -1053,11 +1089,11 @@
 </file>
 
 <file path=ppt/notesSlides/notesSlide12.xml><?xml version="1.0" encoding="utf-8"?>
-<p:notes xmlns:a="http://schemas.openxmlformats.org/drawingml/2006/main" xmlns:r="http://schemas.openxmlformats.org/officeDocument/2006/relationships" xmlns:mc="http://schemas.openxmlformats.org/markup-compatibility/2006" xmlns:mv="urn:schemas-microsoft-com:mac:vml" xmlns:p="http://schemas.openxmlformats.org/presentationml/2006/main" xmlns:c="http://schemas.openxmlformats.org/drawingml/2006/chart" xmlns:dgm="http://schemas.openxmlformats.org/drawingml/2006/diagram" xmlns:o="urn:schemas-microsoft-com:office:office" xmlns:v="urn:schemas-microsoft-com:vml" xmlns:pvml="urn:schemas-microsoft-com:office:powerpoint" xmlns:com="http://schemas.openxmlformats.org/drawingml/2006/compatibility" xmlns:p14="http://schemas.microsoft.com/office/powerpoint/2010/main" xmlns:p15="http://schemas.microsoft.com/office/powerpoint/2012/main" xmlns:ahyp="http://schemas.microsoft.com/office/drawing/2018/hyperlinkcolor" showMasterPhAnim="0" showMasterSp="0">
+<p:notes xmlns:a="http://schemas.openxmlformats.org/drawingml/2006/main" xmlns:r="http://schemas.openxmlformats.org/officeDocument/2006/relationships" xmlns:p="http://schemas.openxmlformats.org/presentationml/2006/main" showMasterSp="0" showMasterPhAnim="0">
   <p:cSld>
     <p:spTree>
       <p:nvGrpSpPr>
-        <p:cNvPr id="185" name="Shape 185"/>
+        <p:cNvPr id="1" name="Shape 185"/>
         <p:cNvGrpSpPr/>
         <p:nvPr/>
       </p:nvGrpSpPr>
@@ -1072,20 +1108,26 @@
       <p:sp>
         <p:nvSpPr>
           <p:cNvPr id="186" name="Google Shape;186;g123d167f8e9_2_19:notes"/>
-          <p:cNvSpPr/>
+          <p:cNvSpPr>
+            <a:spLocks noGrp="1" noRot="1" noChangeAspect="1"/>
+          </p:cNvSpPr>
           <p:nvPr>
-            <p:ph idx="2" type="sldImg"/>
+            <p:ph type="sldImg" idx="2"/>
           </p:nvPr>
         </p:nvSpPr>
         <p:spPr>
           <a:xfrm>
-            <a:off x="381300" y="685800"/>
+            <a:off x="381000" y="685800"/>
             <a:ext cx="6096000" cy="3429000"/>
           </a:xfrm>
           <a:custGeom>
-            <a:rect b="b" l="l" r="r" t="t"/>
+            <a:avLst/>
+            <a:gdLst/>
+            <a:ahLst/>
+            <a:cxnLst/>
+            <a:rect l="l" t="t" r="r" b="b"/>
             <a:pathLst>
-              <a:path extrusionOk="0" h="120000" w="120000">
+              <a:path w="120000" h="120000" extrusionOk="0">
                 <a:moveTo>
                   <a:pt x="0" y="0"/>
                 </a:moveTo>
@@ -1107,9 +1149,11 @@
       <p:sp>
         <p:nvSpPr>
           <p:cNvPr id="187" name="Google Shape;187;g123d167f8e9_2_19:notes"/>
-          <p:cNvSpPr txBox="1"/>
+          <p:cNvSpPr txBox="1">
+            <a:spLocks noGrp="1"/>
+          </p:cNvSpPr>
           <p:nvPr>
-            <p:ph idx="1" type="body"/>
+            <p:ph type="body" idx="1"/>
           </p:nvPr>
         </p:nvSpPr>
         <p:spPr>
@@ -1122,12 +1166,12 @@
           </a:prstGeom>
         </p:spPr>
         <p:txBody>
-          <a:bodyPr anchorCtr="0" anchor="t" bIns="91425" lIns="91425" spcFirstLastPara="1" rIns="91425" wrap="square" tIns="91425">
+          <a:bodyPr spcFirstLastPara="1" wrap="square" lIns="91425" tIns="91425" rIns="91425" bIns="91425" anchor="t" anchorCtr="0">
             <a:noAutofit/>
           </a:bodyPr>
           <a:lstStyle/>
           <a:p>
-            <a:pPr indent="0" lvl="0" marL="0" rtl="0" algn="l">
+            <a:pPr marL="0" lvl="0" indent="0" algn="l" rtl="0">
               <a:spcBef>
                 <a:spcPts val="0"/>
               </a:spcBef>
@@ -1143,7 +1187,7 @@
             <a:endParaRPr/>
           </a:p>
           <a:p>
-            <a:pPr indent="0" lvl="0" marL="0" rtl="0" algn="l">
+            <a:pPr marL="0" lvl="0" indent="0" algn="l" rtl="0">
               <a:spcBef>
                 <a:spcPts val="0"/>
               </a:spcBef>
@@ -1169,11 +1213,11 @@
 </file>
 
 <file path=ppt/notesSlides/notesSlide13.xml><?xml version="1.0" encoding="utf-8"?>
-<p:notes xmlns:a="http://schemas.openxmlformats.org/drawingml/2006/main" xmlns:r="http://schemas.openxmlformats.org/officeDocument/2006/relationships" xmlns:mc="http://schemas.openxmlformats.org/markup-compatibility/2006" xmlns:mv="urn:schemas-microsoft-com:mac:vml" xmlns:p="http://schemas.openxmlformats.org/presentationml/2006/main" xmlns:c="http://schemas.openxmlformats.org/drawingml/2006/chart" xmlns:dgm="http://schemas.openxmlformats.org/drawingml/2006/diagram" xmlns:o="urn:schemas-microsoft-com:office:office" xmlns:v="urn:schemas-microsoft-com:vml" xmlns:pvml="urn:schemas-microsoft-com:office:powerpoint" xmlns:com="http://schemas.openxmlformats.org/drawingml/2006/compatibility" xmlns:p14="http://schemas.microsoft.com/office/powerpoint/2010/main" xmlns:p15="http://schemas.microsoft.com/office/powerpoint/2012/main" xmlns:ahyp="http://schemas.microsoft.com/office/drawing/2018/hyperlinkcolor" showMasterPhAnim="0" showMasterSp="0">
+<p:notes xmlns:a="http://schemas.openxmlformats.org/drawingml/2006/main" xmlns:r="http://schemas.openxmlformats.org/officeDocument/2006/relationships" xmlns:p="http://schemas.openxmlformats.org/presentationml/2006/main" showMasterSp="0" showMasterPhAnim="0">
   <p:cSld>
     <p:spTree>
       <p:nvGrpSpPr>
-        <p:cNvPr id="193" name="Shape 193"/>
+        <p:cNvPr id="1" name="Shape 193"/>
         <p:cNvGrpSpPr/>
         <p:nvPr/>
       </p:nvGrpSpPr>
@@ -1188,9 +1232,11 @@
       <p:sp>
         <p:nvSpPr>
           <p:cNvPr id="194" name="Google Shape;194;g121a74e82bd_3_0:notes"/>
-          <p:cNvSpPr/>
+          <p:cNvSpPr>
+            <a:spLocks noGrp="1" noRot="1" noChangeAspect="1"/>
+          </p:cNvSpPr>
           <p:nvPr>
-            <p:ph idx="2" type="sldImg"/>
+            <p:ph type="sldImg" idx="2"/>
           </p:nvPr>
         </p:nvSpPr>
         <p:spPr>
@@ -1199,9 +1245,13 @@
             <a:ext cx="6096000" cy="3429000"/>
           </a:xfrm>
           <a:custGeom>
-            <a:rect b="b" l="l" r="r" t="t"/>
+            <a:avLst/>
+            <a:gdLst/>
+            <a:ahLst/>
+            <a:cxnLst/>
+            <a:rect l="l" t="t" r="r" b="b"/>
             <a:pathLst>
-              <a:path extrusionOk="0" h="120000" w="120000">
+              <a:path w="120000" h="120000" extrusionOk="0">
                 <a:moveTo>
                   <a:pt x="0" y="0"/>
                 </a:moveTo>
@@ -1223,9 +1273,11 @@
       <p:sp>
         <p:nvSpPr>
           <p:cNvPr id="195" name="Google Shape;195;g121a74e82bd_3_0:notes"/>
-          <p:cNvSpPr txBox="1"/>
+          <p:cNvSpPr txBox="1">
+            <a:spLocks noGrp="1"/>
+          </p:cNvSpPr>
           <p:nvPr>
-            <p:ph idx="1" type="body"/>
+            <p:ph type="body" idx="1"/>
           </p:nvPr>
         </p:nvSpPr>
         <p:spPr>
@@ -1238,12 +1290,12 @@
           </a:prstGeom>
         </p:spPr>
         <p:txBody>
-          <a:bodyPr anchorCtr="0" anchor="t" bIns="91425" lIns="91425" spcFirstLastPara="1" rIns="91425" wrap="square" tIns="91425">
+          <a:bodyPr spcFirstLastPara="1" wrap="square" lIns="91425" tIns="91425" rIns="91425" bIns="91425" anchor="t" anchorCtr="0">
             <a:noAutofit/>
           </a:bodyPr>
           <a:lstStyle/>
           <a:p>
-            <a:pPr indent="0" lvl="0" marL="0" rtl="0" algn="l">
+            <a:pPr marL="0" lvl="0" indent="0" algn="l" rtl="0">
               <a:spcBef>
                 <a:spcPts val="0"/>
               </a:spcBef>
@@ -1252,9 +1304,6 @@
               </a:spcAft>
               <a:buNone/>
             </a:pPr>
-            <a:r>
-              <a:t/>
-            </a:r>
             <a:endParaRPr/>
           </a:p>
         </p:txBody>
@@ -1268,11 +1317,11 @@
 </file>
 
 <file path=ppt/notesSlides/notesSlide14.xml><?xml version="1.0" encoding="utf-8"?>
-<p:notes xmlns:a="http://schemas.openxmlformats.org/drawingml/2006/main" xmlns:r="http://schemas.openxmlformats.org/officeDocument/2006/relationships" xmlns:mc="http://schemas.openxmlformats.org/markup-compatibility/2006" xmlns:mv="urn:schemas-microsoft-com:mac:vml" xmlns:p="http://schemas.openxmlformats.org/presentationml/2006/main" xmlns:c="http://schemas.openxmlformats.org/drawingml/2006/chart" xmlns:dgm="http://schemas.openxmlformats.org/drawingml/2006/diagram" xmlns:o="urn:schemas-microsoft-com:office:office" xmlns:v="urn:schemas-microsoft-com:vml" xmlns:pvml="urn:schemas-microsoft-com:office:powerpoint" xmlns:com="http://schemas.openxmlformats.org/drawingml/2006/compatibility" xmlns:p14="http://schemas.microsoft.com/office/powerpoint/2010/main" xmlns:p15="http://schemas.microsoft.com/office/powerpoint/2012/main" xmlns:ahyp="http://schemas.microsoft.com/office/drawing/2018/hyperlinkcolor" showMasterPhAnim="0" showMasterSp="0">
+<p:notes xmlns:a="http://schemas.openxmlformats.org/drawingml/2006/main" xmlns:r="http://schemas.openxmlformats.org/officeDocument/2006/relationships" xmlns:p="http://schemas.openxmlformats.org/presentationml/2006/main" showMasterSp="0" showMasterPhAnim="0">
   <p:cSld>
     <p:spTree>
       <p:nvGrpSpPr>
-        <p:cNvPr id="198" name="Shape 198"/>
+        <p:cNvPr id="1" name="Shape 198"/>
         <p:cNvGrpSpPr/>
         <p:nvPr/>
       </p:nvGrpSpPr>
@@ -1287,9 +1336,11 @@
       <p:sp>
         <p:nvSpPr>
           <p:cNvPr id="199" name="Google Shape;199;g121a74e82bd_3_8:notes"/>
-          <p:cNvSpPr/>
+          <p:cNvSpPr>
+            <a:spLocks noGrp="1" noRot="1" noChangeAspect="1"/>
+          </p:cNvSpPr>
           <p:nvPr>
-            <p:ph idx="2" type="sldImg"/>
+            <p:ph type="sldImg" idx="2"/>
           </p:nvPr>
         </p:nvSpPr>
         <p:spPr>
@@ -1298,9 +1349,13 @@
             <a:ext cx="6096000" cy="3429000"/>
           </a:xfrm>
           <a:custGeom>
-            <a:rect b="b" l="l" r="r" t="t"/>
+            <a:avLst/>
+            <a:gdLst/>
+            <a:ahLst/>
+            <a:cxnLst/>
+            <a:rect l="l" t="t" r="r" b="b"/>
             <a:pathLst>
-              <a:path extrusionOk="0" h="120000" w="120000">
+              <a:path w="120000" h="120000" extrusionOk="0">
                 <a:moveTo>
                   <a:pt x="0" y="0"/>
                 </a:moveTo>
@@ -1322,9 +1377,11 @@
       <p:sp>
         <p:nvSpPr>
           <p:cNvPr id="200" name="Google Shape;200;g121a74e82bd_3_8:notes"/>
-          <p:cNvSpPr txBox="1"/>
+          <p:cNvSpPr txBox="1">
+            <a:spLocks noGrp="1"/>
+          </p:cNvSpPr>
           <p:nvPr>
-            <p:ph idx="1" type="body"/>
+            <p:ph type="body" idx="1"/>
           </p:nvPr>
         </p:nvSpPr>
         <p:spPr>
@@ -1337,12 +1394,12 @@
           </a:prstGeom>
         </p:spPr>
         <p:txBody>
-          <a:bodyPr anchorCtr="0" anchor="t" bIns="91425" lIns="91425" spcFirstLastPara="1" rIns="91425" wrap="square" tIns="91425">
+          <a:bodyPr spcFirstLastPara="1" wrap="square" lIns="91425" tIns="91425" rIns="91425" bIns="91425" anchor="t" anchorCtr="0">
             <a:noAutofit/>
           </a:bodyPr>
           <a:lstStyle/>
           <a:p>
-            <a:pPr indent="0" lvl="0" marL="0" rtl="0" algn="l">
+            <a:pPr marL="0" lvl="0" indent="0" algn="l" rtl="0">
               <a:spcBef>
                 <a:spcPts val="0"/>
               </a:spcBef>
@@ -1351,9 +1408,6 @@
               </a:spcAft>
               <a:buNone/>
             </a:pPr>
-            <a:r>
-              <a:t/>
-            </a:r>
             <a:endParaRPr/>
           </a:p>
         </p:txBody>
@@ -1367,11 +1421,11 @@
 </file>
 
 <file path=ppt/notesSlides/notesSlide15.xml><?xml version="1.0" encoding="utf-8"?>
-<p:notes xmlns:a="http://schemas.openxmlformats.org/drawingml/2006/main" xmlns:r="http://schemas.openxmlformats.org/officeDocument/2006/relationships" xmlns:mc="http://schemas.openxmlformats.org/markup-compatibility/2006" xmlns:mv="urn:schemas-microsoft-com:mac:vml" xmlns:p="http://schemas.openxmlformats.org/presentationml/2006/main" xmlns:c="http://schemas.openxmlformats.org/drawingml/2006/chart" xmlns:dgm="http://schemas.openxmlformats.org/drawingml/2006/diagram" xmlns:o="urn:schemas-microsoft-com:office:office" xmlns:v="urn:schemas-microsoft-com:vml" xmlns:pvml="urn:schemas-microsoft-com:office:powerpoint" xmlns:com="http://schemas.openxmlformats.org/drawingml/2006/compatibility" xmlns:p14="http://schemas.microsoft.com/office/powerpoint/2010/main" xmlns:p15="http://schemas.microsoft.com/office/powerpoint/2012/main" xmlns:ahyp="http://schemas.microsoft.com/office/drawing/2018/hyperlinkcolor" showMasterPhAnim="0" showMasterSp="0">
+<p:notes xmlns:a="http://schemas.openxmlformats.org/drawingml/2006/main" xmlns:r="http://schemas.openxmlformats.org/officeDocument/2006/relationships" xmlns:p="http://schemas.openxmlformats.org/presentationml/2006/main" showMasterSp="0" showMasterPhAnim="0">
   <p:cSld>
     <p:spTree>
       <p:nvGrpSpPr>
-        <p:cNvPr id="203" name="Shape 203"/>
+        <p:cNvPr id="1" name="Shape 203"/>
         <p:cNvGrpSpPr/>
         <p:nvPr/>
       </p:nvGrpSpPr>
@@ -1386,9 +1440,11 @@
       <p:sp>
         <p:nvSpPr>
           <p:cNvPr id="204" name="Google Shape;204;g123e914a031_2_8:notes"/>
-          <p:cNvSpPr/>
+          <p:cNvSpPr>
+            <a:spLocks noGrp="1" noRot="1" noChangeAspect="1"/>
+          </p:cNvSpPr>
           <p:nvPr>
-            <p:ph idx="2" type="sldImg"/>
+            <p:ph type="sldImg" idx="2"/>
           </p:nvPr>
         </p:nvSpPr>
         <p:spPr>
@@ -1397,9 +1453,13 @@
             <a:ext cx="6096000" cy="3429000"/>
           </a:xfrm>
           <a:custGeom>
-            <a:rect b="b" l="l" r="r" t="t"/>
+            <a:avLst/>
+            <a:gdLst/>
+            <a:ahLst/>
+            <a:cxnLst/>
+            <a:rect l="l" t="t" r="r" b="b"/>
             <a:pathLst>
-              <a:path extrusionOk="0" h="120000" w="120000">
+              <a:path w="120000" h="120000" extrusionOk="0">
                 <a:moveTo>
                   <a:pt x="0" y="0"/>
                 </a:moveTo>
@@ -1421,9 +1481,11 @@
       <p:sp>
         <p:nvSpPr>
           <p:cNvPr id="205" name="Google Shape;205;g123e914a031_2_8:notes"/>
-          <p:cNvSpPr txBox="1"/>
+          <p:cNvSpPr txBox="1">
+            <a:spLocks noGrp="1"/>
+          </p:cNvSpPr>
           <p:nvPr>
-            <p:ph idx="1" type="body"/>
+            <p:ph type="body" idx="1"/>
           </p:nvPr>
         </p:nvSpPr>
         <p:spPr>
@@ -1436,12 +1498,12 @@
           </a:prstGeom>
         </p:spPr>
         <p:txBody>
-          <a:bodyPr anchorCtr="0" anchor="t" bIns="91425" lIns="91425" spcFirstLastPara="1" rIns="91425" wrap="square" tIns="91425">
+          <a:bodyPr spcFirstLastPara="1" wrap="square" lIns="91425" tIns="91425" rIns="91425" bIns="91425" anchor="t" anchorCtr="0">
             <a:noAutofit/>
           </a:bodyPr>
           <a:lstStyle/>
           <a:p>
-            <a:pPr indent="0" lvl="0" marL="0" rtl="0" algn="l">
+            <a:pPr marL="0" lvl="0" indent="0" algn="l" rtl="0">
               <a:spcBef>
                 <a:spcPts val="0"/>
               </a:spcBef>
@@ -1450,9 +1512,6 @@
               </a:spcAft>
               <a:buNone/>
             </a:pPr>
-            <a:r>
-              <a:t/>
-            </a:r>
             <a:endParaRPr/>
           </a:p>
         </p:txBody>
@@ -1466,11 +1525,11 @@
 </file>
 
 <file path=ppt/notesSlides/notesSlide16.xml><?xml version="1.0" encoding="utf-8"?>
-<p:notes xmlns:a="http://schemas.openxmlformats.org/drawingml/2006/main" xmlns:r="http://schemas.openxmlformats.org/officeDocument/2006/relationships" xmlns:mc="http://schemas.openxmlformats.org/markup-compatibility/2006" xmlns:mv="urn:schemas-microsoft-com:mac:vml" xmlns:p="http://schemas.openxmlformats.org/presentationml/2006/main" xmlns:c="http://schemas.openxmlformats.org/drawingml/2006/chart" xmlns:dgm="http://schemas.openxmlformats.org/drawingml/2006/diagram" xmlns:o="urn:schemas-microsoft-com:office:office" xmlns:v="urn:schemas-microsoft-com:vml" xmlns:pvml="urn:schemas-microsoft-com:office:powerpoint" xmlns:com="http://schemas.openxmlformats.org/drawingml/2006/compatibility" xmlns:p14="http://schemas.microsoft.com/office/powerpoint/2010/main" xmlns:p15="http://schemas.microsoft.com/office/powerpoint/2012/main" xmlns:ahyp="http://schemas.microsoft.com/office/drawing/2018/hyperlinkcolor" showMasterPhAnim="0" showMasterSp="0">
+<p:notes xmlns:a="http://schemas.openxmlformats.org/drawingml/2006/main" xmlns:r="http://schemas.openxmlformats.org/officeDocument/2006/relationships" xmlns:p="http://schemas.openxmlformats.org/presentationml/2006/main" showMasterSp="0" showMasterPhAnim="0">
   <p:cSld>
     <p:spTree>
       <p:nvGrpSpPr>
-        <p:cNvPr id="214" name="Shape 214"/>
+        <p:cNvPr id="1" name="Shape 214"/>
         <p:cNvGrpSpPr/>
         <p:nvPr/>
       </p:nvGrpSpPr>
@@ -1485,9 +1544,11 @@
       <p:sp>
         <p:nvSpPr>
           <p:cNvPr id="215" name="Google Shape;215;g121a74e82bd_3_29:notes"/>
-          <p:cNvSpPr/>
+          <p:cNvSpPr>
+            <a:spLocks noGrp="1" noRot="1" noChangeAspect="1"/>
+          </p:cNvSpPr>
           <p:nvPr>
-            <p:ph idx="2" type="sldImg"/>
+            <p:ph type="sldImg" idx="2"/>
           </p:nvPr>
         </p:nvSpPr>
         <p:spPr>
@@ -1496,9 +1557,13 @@
             <a:ext cx="6096000" cy="3429000"/>
           </a:xfrm>
           <a:custGeom>
-            <a:rect b="b" l="l" r="r" t="t"/>
+            <a:avLst/>
+            <a:gdLst/>
+            <a:ahLst/>
+            <a:cxnLst/>
+            <a:rect l="l" t="t" r="r" b="b"/>
             <a:pathLst>
-              <a:path extrusionOk="0" h="120000" w="120000">
+              <a:path w="120000" h="120000" extrusionOk="0">
                 <a:moveTo>
                   <a:pt x="0" y="0"/>
                 </a:moveTo>
@@ -1520,9 +1585,11 @@
       <p:sp>
         <p:nvSpPr>
           <p:cNvPr id="216" name="Google Shape;216;g121a74e82bd_3_29:notes"/>
-          <p:cNvSpPr txBox="1"/>
+          <p:cNvSpPr txBox="1">
+            <a:spLocks noGrp="1"/>
+          </p:cNvSpPr>
           <p:nvPr>
-            <p:ph idx="1" type="body"/>
+            <p:ph type="body" idx="1"/>
           </p:nvPr>
         </p:nvSpPr>
         <p:spPr>
@@ -1535,12 +1602,12 @@
           </a:prstGeom>
         </p:spPr>
         <p:txBody>
-          <a:bodyPr anchorCtr="0" anchor="t" bIns="91425" lIns="91425" spcFirstLastPara="1" rIns="91425" wrap="square" tIns="91425">
+          <a:bodyPr spcFirstLastPara="1" wrap="square" lIns="91425" tIns="91425" rIns="91425" bIns="91425" anchor="t" anchorCtr="0">
             <a:noAutofit/>
           </a:bodyPr>
           <a:lstStyle/>
           <a:p>
-            <a:pPr indent="0" lvl="0" marL="0" rtl="0" algn="l">
+            <a:pPr marL="0" lvl="0" indent="0" algn="l" rtl="0">
               <a:spcBef>
                 <a:spcPts val="0"/>
               </a:spcBef>
@@ -1549,9 +1616,6 @@
               </a:spcAft>
               <a:buNone/>
             </a:pPr>
-            <a:r>
-              <a:t/>
-            </a:r>
             <a:endParaRPr/>
           </a:p>
         </p:txBody>
@@ -1565,11 +1629,11 @@
 </file>
 
 <file path=ppt/notesSlides/notesSlide17.xml><?xml version="1.0" encoding="utf-8"?>
-<p:notes xmlns:a="http://schemas.openxmlformats.org/drawingml/2006/main" xmlns:r="http://schemas.openxmlformats.org/officeDocument/2006/relationships" xmlns:mc="http://schemas.openxmlformats.org/markup-compatibility/2006" xmlns:mv="urn:schemas-microsoft-com:mac:vml" xmlns:p="http://schemas.openxmlformats.org/presentationml/2006/main" xmlns:c="http://schemas.openxmlformats.org/drawingml/2006/chart" xmlns:dgm="http://schemas.openxmlformats.org/drawingml/2006/diagram" xmlns:o="urn:schemas-microsoft-com:office:office" xmlns:v="urn:schemas-microsoft-com:vml" xmlns:pvml="urn:schemas-microsoft-com:office:powerpoint" xmlns:com="http://schemas.openxmlformats.org/drawingml/2006/compatibility" xmlns:p14="http://schemas.microsoft.com/office/powerpoint/2010/main" xmlns:p15="http://schemas.microsoft.com/office/powerpoint/2012/main" xmlns:ahyp="http://schemas.microsoft.com/office/drawing/2018/hyperlinkcolor" showMasterPhAnim="0" showMasterSp="0">
+<p:notes xmlns:a="http://schemas.openxmlformats.org/drawingml/2006/main" xmlns:r="http://schemas.openxmlformats.org/officeDocument/2006/relationships" xmlns:p="http://schemas.openxmlformats.org/presentationml/2006/main" showMasterSp="0" showMasterPhAnim="0">
   <p:cSld>
     <p:spTree>
       <p:nvGrpSpPr>
-        <p:cNvPr id="220" name="Shape 220"/>
+        <p:cNvPr id="1" name="Shape 220"/>
         <p:cNvGrpSpPr/>
         <p:nvPr/>
       </p:nvGrpSpPr>
@@ -1584,9 +1648,11 @@
       <p:sp>
         <p:nvSpPr>
           <p:cNvPr id="221" name="Google Shape;221;g121c762f7f8_0_0:notes"/>
-          <p:cNvSpPr/>
+          <p:cNvSpPr>
+            <a:spLocks noGrp="1" noRot="1" noChangeAspect="1"/>
+          </p:cNvSpPr>
           <p:nvPr>
-            <p:ph idx="2" type="sldImg"/>
+            <p:ph type="sldImg" idx="2"/>
           </p:nvPr>
         </p:nvSpPr>
         <p:spPr>
@@ -1595,9 +1661,13 @@
             <a:ext cx="6096000" cy="3429000"/>
           </a:xfrm>
           <a:custGeom>
-            <a:rect b="b" l="l" r="r" t="t"/>
+            <a:avLst/>
+            <a:gdLst/>
+            <a:ahLst/>
+            <a:cxnLst/>
+            <a:rect l="l" t="t" r="r" b="b"/>
             <a:pathLst>
-              <a:path extrusionOk="0" h="120000" w="120000">
+              <a:path w="120000" h="120000" extrusionOk="0">
                 <a:moveTo>
                   <a:pt x="0" y="0"/>
                 </a:moveTo>
@@ -1619,9 +1689,11 @@
       <p:sp>
         <p:nvSpPr>
           <p:cNvPr id="222" name="Google Shape;222;g121c762f7f8_0_0:notes"/>
-          <p:cNvSpPr txBox="1"/>
+          <p:cNvSpPr txBox="1">
+            <a:spLocks noGrp="1"/>
+          </p:cNvSpPr>
           <p:nvPr>
-            <p:ph idx="1" type="body"/>
+            <p:ph type="body" idx="1"/>
           </p:nvPr>
         </p:nvSpPr>
         <p:spPr>
@@ -1634,12 +1706,12 @@
           </a:prstGeom>
         </p:spPr>
         <p:txBody>
-          <a:bodyPr anchorCtr="0" anchor="t" bIns="91425" lIns="91425" spcFirstLastPara="1" rIns="91425" wrap="square" tIns="91425">
+          <a:bodyPr spcFirstLastPara="1" wrap="square" lIns="91425" tIns="91425" rIns="91425" bIns="91425" anchor="t" anchorCtr="0">
             <a:noAutofit/>
           </a:bodyPr>
           <a:lstStyle/>
           <a:p>
-            <a:pPr indent="0" lvl="0" marL="0" rtl="0" algn="l">
+            <a:pPr marL="0" lvl="0" indent="0" algn="l" rtl="0">
               <a:spcBef>
                 <a:spcPts val="0"/>
               </a:spcBef>
@@ -1648,9 +1720,6 @@
               </a:spcAft>
               <a:buNone/>
             </a:pPr>
-            <a:r>
-              <a:t/>
-            </a:r>
             <a:endParaRPr/>
           </a:p>
         </p:txBody>
@@ -1664,11 +1733,11 @@
 </file>
 
 <file path=ppt/notesSlides/notesSlide18.xml><?xml version="1.0" encoding="utf-8"?>
-<p:notes xmlns:a="http://schemas.openxmlformats.org/drawingml/2006/main" xmlns:r="http://schemas.openxmlformats.org/officeDocument/2006/relationships" xmlns:mc="http://schemas.openxmlformats.org/markup-compatibility/2006" xmlns:mv="urn:schemas-microsoft-com:mac:vml" xmlns:p="http://schemas.openxmlformats.org/presentationml/2006/main" xmlns:c="http://schemas.openxmlformats.org/drawingml/2006/chart" xmlns:dgm="http://schemas.openxmlformats.org/drawingml/2006/diagram" xmlns:o="urn:schemas-microsoft-com:office:office" xmlns:v="urn:schemas-microsoft-com:vml" xmlns:pvml="urn:schemas-microsoft-com:office:powerpoint" xmlns:com="http://schemas.openxmlformats.org/drawingml/2006/compatibility" xmlns:p14="http://schemas.microsoft.com/office/powerpoint/2010/main" xmlns:p15="http://schemas.microsoft.com/office/powerpoint/2012/main" xmlns:ahyp="http://schemas.microsoft.com/office/drawing/2018/hyperlinkcolor" showMasterPhAnim="0" showMasterSp="0">
+<p:notes xmlns:a="http://schemas.openxmlformats.org/drawingml/2006/main" xmlns:r="http://schemas.openxmlformats.org/officeDocument/2006/relationships" xmlns:p="http://schemas.openxmlformats.org/presentationml/2006/main" showMasterSp="0" showMasterPhAnim="0">
   <p:cSld>
     <p:spTree>
       <p:nvGrpSpPr>
-        <p:cNvPr id="227" name="Shape 227"/>
+        <p:cNvPr id="1" name="Shape 227"/>
         <p:cNvGrpSpPr/>
         <p:nvPr/>
       </p:nvGrpSpPr>
@@ -1683,9 +1752,11 @@
       <p:sp>
         <p:nvSpPr>
           <p:cNvPr id="228" name="Google Shape;228;g121a74e82bd_3_22:notes"/>
-          <p:cNvSpPr/>
+          <p:cNvSpPr>
+            <a:spLocks noGrp="1" noRot="1" noChangeAspect="1"/>
+          </p:cNvSpPr>
           <p:nvPr>
-            <p:ph idx="2" type="sldImg"/>
+            <p:ph type="sldImg" idx="2"/>
           </p:nvPr>
         </p:nvSpPr>
         <p:spPr>
@@ -1694,9 +1765,13 @@
             <a:ext cx="6096000" cy="3429000"/>
           </a:xfrm>
           <a:custGeom>
-            <a:rect b="b" l="l" r="r" t="t"/>
+            <a:avLst/>
+            <a:gdLst/>
+            <a:ahLst/>
+            <a:cxnLst/>
+            <a:rect l="l" t="t" r="r" b="b"/>
             <a:pathLst>
-              <a:path extrusionOk="0" h="120000" w="120000">
+              <a:path w="120000" h="120000" extrusionOk="0">
                 <a:moveTo>
                   <a:pt x="0" y="0"/>
                 </a:moveTo>
@@ -1718,9 +1793,11 @@
       <p:sp>
         <p:nvSpPr>
           <p:cNvPr id="229" name="Google Shape;229;g121a74e82bd_3_22:notes"/>
-          <p:cNvSpPr txBox="1"/>
+          <p:cNvSpPr txBox="1">
+            <a:spLocks noGrp="1"/>
+          </p:cNvSpPr>
           <p:nvPr>
-            <p:ph idx="1" type="body"/>
+            <p:ph type="body" idx="1"/>
           </p:nvPr>
         </p:nvSpPr>
         <p:spPr>
@@ -1733,12 +1810,12 @@
           </a:prstGeom>
         </p:spPr>
         <p:txBody>
-          <a:bodyPr anchorCtr="0" anchor="t" bIns="91425" lIns="91425" spcFirstLastPara="1" rIns="91425" wrap="square" tIns="91425">
+          <a:bodyPr spcFirstLastPara="1" wrap="square" lIns="91425" tIns="91425" rIns="91425" bIns="91425" anchor="t" anchorCtr="0">
             <a:noAutofit/>
           </a:bodyPr>
           <a:lstStyle/>
           <a:p>
-            <a:pPr indent="0" lvl="0" marL="0" rtl="0" algn="l">
+            <a:pPr marL="0" lvl="0" indent="0" algn="l" rtl="0">
               <a:spcBef>
                 <a:spcPts val="0"/>
               </a:spcBef>
@@ -1747,9 +1824,6 @@
               </a:spcAft>
               <a:buNone/>
             </a:pPr>
-            <a:r>
-              <a:t/>
-            </a:r>
             <a:endParaRPr/>
           </a:p>
         </p:txBody>
@@ -1763,11 +1837,11 @@
 </file>
 
 <file path=ppt/notesSlides/notesSlide19.xml><?xml version="1.0" encoding="utf-8"?>
-<p:notes xmlns:a="http://schemas.openxmlformats.org/drawingml/2006/main" xmlns:r="http://schemas.openxmlformats.org/officeDocument/2006/relationships" xmlns:mc="http://schemas.openxmlformats.org/markup-compatibility/2006" xmlns:mv="urn:schemas-microsoft-com:mac:vml" xmlns:p="http://schemas.openxmlformats.org/presentationml/2006/main" xmlns:c="http://schemas.openxmlformats.org/drawingml/2006/chart" xmlns:dgm="http://schemas.openxmlformats.org/drawingml/2006/diagram" xmlns:o="urn:schemas-microsoft-com:office:office" xmlns:v="urn:schemas-microsoft-com:vml" xmlns:pvml="urn:schemas-microsoft-com:office:powerpoint" xmlns:com="http://schemas.openxmlformats.org/drawingml/2006/compatibility" xmlns:p14="http://schemas.microsoft.com/office/powerpoint/2010/main" xmlns:p15="http://schemas.microsoft.com/office/powerpoint/2012/main" xmlns:ahyp="http://schemas.microsoft.com/office/drawing/2018/hyperlinkcolor" showMasterPhAnim="0" showMasterSp="0">
+<p:notes xmlns:a="http://schemas.openxmlformats.org/drawingml/2006/main" xmlns:r="http://schemas.openxmlformats.org/officeDocument/2006/relationships" xmlns:p="http://schemas.openxmlformats.org/presentationml/2006/main" showMasterSp="0" showMasterPhAnim="0">
   <p:cSld>
     <p:spTree>
       <p:nvGrpSpPr>
-        <p:cNvPr id="233" name="Shape 233"/>
+        <p:cNvPr id="1" name="Shape 233"/>
         <p:cNvGrpSpPr/>
         <p:nvPr/>
       </p:nvGrpSpPr>
@@ -1782,9 +1856,11 @@
       <p:sp>
         <p:nvSpPr>
           <p:cNvPr id="234" name="Google Shape;234;g121a74e82bd_3_12:notes"/>
-          <p:cNvSpPr/>
+          <p:cNvSpPr>
+            <a:spLocks noGrp="1" noRot="1" noChangeAspect="1"/>
+          </p:cNvSpPr>
           <p:nvPr>
-            <p:ph idx="2" type="sldImg"/>
+            <p:ph type="sldImg" idx="2"/>
           </p:nvPr>
         </p:nvSpPr>
         <p:spPr>
@@ -1793,9 +1869,13 @@
             <a:ext cx="6096000" cy="3429000"/>
           </a:xfrm>
           <a:custGeom>
-            <a:rect b="b" l="l" r="r" t="t"/>
+            <a:avLst/>
+            <a:gdLst/>
+            <a:ahLst/>
+            <a:cxnLst/>
+            <a:rect l="l" t="t" r="r" b="b"/>
             <a:pathLst>
-              <a:path extrusionOk="0" h="120000" w="120000">
+              <a:path w="120000" h="120000" extrusionOk="0">
                 <a:moveTo>
                   <a:pt x="0" y="0"/>
                 </a:moveTo>
@@ -1817,9 +1897,11 @@
       <p:sp>
         <p:nvSpPr>
           <p:cNvPr id="235" name="Google Shape;235;g121a74e82bd_3_12:notes"/>
-          <p:cNvSpPr txBox="1"/>
+          <p:cNvSpPr txBox="1">
+            <a:spLocks noGrp="1"/>
+          </p:cNvSpPr>
           <p:nvPr>
-            <p:ph idx="1" type="body"/>
+            <p:ph type="body" idx="1"/>
           </p:nvPr>
         </p:nvSpPr>
         <p:spPr>
@@ -1832,12 +1914,12 @@
           </a:prstGeom>
         </p:spPr>
         <p:txBody>
-          <a:bodyPr anchorCtr="0" anchor="t" bIns="91425" lIns="91425" spcFirstLastPara="1" rIns="91425" wrap="square" tIns="91425">
+          <a:bodyPr spcFirstLastPara="1" wrap="square" lIns="91425" tIns="91425" rIns="91425" bIns="91425" anchor="t" anchorCtr="0">
             <a:noAutofit/>
           </a:bodyPr>
           <a:lstStyle/>
           <a:p>
-            <a:pPr indent="0" lvl="0" marL="0" rtl="0" algn="l">
+            <a:pPr marL="0" lvl="0" indent="0" algn="l" rtl="0">
               <a:spcBef>
                 <a:spcPts val="0"/>
               </a:spcBef>
@@ -1846,9 +1928,6 @@
               </a:spcAft>
               <a:buNone/>
             </a:pPr>
-            <a:r>
-              <a:t/>
-            </a:r>
             <a:endParaRPr/>
           </a:p>
         </p:txBody>
@@ -1862,11 +1941,11 @@
 </file>
 
 <file path=ppt/notesSlides/notesSlide2.xml><?xml version="1.0" encoding="utf-8"?>
-<p:notes xmlns:a="http://schemas.openxmlformats.org/drawingml/2006/main" xmlns:r="http://schemas.openxmlformats.org/officeDocument/2006/relationships" xmlns:mc="http://schemas.openxmlformats.org/markup-compatibility/2006" xmlns:mv="urn:schemas-microsoft-com:mac:vml" xmlns:p="http://schemas.openxmlformats.org/presentationml/2006/main" xmlns:c="http://schemas.openxmlformats.org/drawingml/2006/chart" xmlns:dgm="http://schemas.openxmlformats.org/drawingml/2006/diagram" xmlns:o="urn:schemas-microsoft-com:office:office" xmlns:v="urn:schemas-microsoft-com:vml" xmlns:pvml="urn:schemas-microsoft-com:office:powerpoint" xmlns:com="http://schemas.openxmlformats.org/drawingml/2006/compatibility" xmlns:p14="http://schemas.microsoft.com/office/powerpoint/2010/main" xmlns:p15="http://schemas.microsoft.com/office/powerpoint/2012/main" xmlns:ahyp="http://schemas.microsoft.com/office/drawing/2018/hyperlinkcolor" showMasterPhAnim="0" showMasterSp="0">
+<p:notes xmlns:a="http://schemas.openxmlformats.org/drawingml/2006/main" xmlns:r="http://schemas.openxmlformats.org/officeDocument/2006/relationships" xmlns:p="http://schemas.openxmlformats.org/presentationml/2006/main" showMasterSp="0" showMasterPhAnim="0">
   <p:cSld>
     <p:spTree>
       <p:nvGrpSpPr>
-        <p:cNvPr id="88" name="Shape 88"/>
+        <p:cNvPr id="1" name="Shape 88"/>
         <p:cNvGrpSpPr/>
         <p:nvPr/>
       </p:nvGrpSpPr>
@@ -1881,20 +1960,26 @@
       <p:sp>
         <p:nvSpPr>
           <p:cNvPr id="89" name="Google Shape;89;g123d167f8e9_1_96:notes"/>
-          <p:cNvSpPr/>
+          <p:cNvSpPr>
+            <a:spLocks noGrp="1" noRot="1" noChangeAspect="1"/>
+          </p:cNvSpPr>
           <p:nvPr>
-            <p:ph idx="2" type="sldImg"/>
+            <p:ph type="sldImg" idx="2"/>
           </p:nvPr>
         </p:nvSpPr>
         <p:spPr>
           <a:xfrm>
-            <a:off x="381300" y="685800"/>
+            <a:off x="381000" y="685800"/>
             <a:ext cx="6096000" cy="3429000"/>
           </a:xfrm>
           <a:custGeom>
-            <a:rect b="b" l="l" r="r" t="t"/>
+            <a:avLst/>
+            <a:gdLst/>
+            <a:ahLst/>
+            <a:cxnLst/>
+            <a:rect l="l" t="t" r="r" b="b"/>
             <a:pathLst>
-              <a:path extrusionOk="0" h="120000" w="120000">
+              <a:path w="120000" h="120000" extrusionOk="0">
                 <a:moveTo>
                   <a:pt x="0" y="0"/>
                 </a:moveTo>
@@ -1916,9 +2001,11 @@
       <p:sp>
         <p:nvSpPr>
           <p:cNvPr id="90" name="Google Shape;90;g123d167f8e9_1_96:notes"/>
-          <p:cNvSpPr txBox="1"/>
+          <p:cNvSpPr txBox="1">
+            <a:spLocks noGrp="1"/>
+          </p:cNvSpPr>
           <p:nvPr>
-            <p:ph idx="1" type="body"/>
+            <p:ph type="body" idx="1"/>
           </p:nvPr>
         </p:nvSpPr>
         <p:spPr>
@@ -1931,12 +2018,12 @@
           </a:prstGeom>
         </p:spPr>
         <p:txBody>
-          <a:bodyPr anchorCtr="0" anchor="t" bIns="91425" lIns="91425" spcFirstLastPara="1" rIns="91425" wrap="square" tIns="91425">
+          <a:bodyPr spcFirstLastPara="1" wrap="square" lIns="91425" tIns="91425" rIns="91425" bIns="91425" anchor="t" anchorCtr="0">
             <a:noAutofit/>
           </a:bodyPr>
           <a:lstStyle/>
           <a:p>
-            <a:pPr indent="0" lvl="0" marL="0" rtl="0" algn="l">
+            <a:pPr marL="0" lvl="0" indent="0" algn="l" rtl="0">
               <a:spcBef>
                 <a:spcPts val="0"/>
               </a:spcBef>
@@ -1952,7 +2039,7 @@
             <a:endParaRPr/>
           </a:p>
           <a:p>
-            <a:pPr indent="0" lvl="0" marL="0" rtl="0" algn="l">
+            <a:pPr marL="0" lvl="0" indent="0" algn="l" rtl="0">
               <a:spcBef>
                 <a:spcPts val="0"/>
               </a:spcBef>
@@ -1968,7 +2055,7 @@
             <a:endParaRPr/>
           </a:p>
           <a:p>
-            <a:pPr indent="0" lvl="0" marL="0" rtl="0" algn="l">
+            <a:pPr marL="0" lvl="0" indent="0" algn="l" rtl="0">
               <a:spcBef>
                 <a:spcPts val="0"/>
               </a:spcBef>
@@ -1984,7 +2071,7 @@
             <a:endParaRPr/>
           </a:p>
           <a:p>
-            <a:pPr indent="0" lvl="0" marL="0" rtl="0" algn="l">
+            <a:pPr marL="0" lvl="0" indent="0" algn="l" rtl="0">
               <a:spcBef>
                 <a:spcPts val="0"/>
               </a:spcBef>
@@ -2000,7 +2087,7 @@
             <a:endParaRPr/>
           </a:p>
           <a:p>
-            <a:pPr indent="0" lvl="0" marL="0" rtl="0" algn="l">
+            <a:pPr marL="0" lvl="0" indent="0" algn="l" rtl="0">
               <a:spcBef>
                 <a:spcPts val="0"/>
               </a:spcBef>
@@ -2016,7 +2103,7 @@
             <a:endParaRPr/>
           </a:p>
           <a:p>
-            <a:pPr indent="0" lvl="0" marL="0" rtl="0" algn="l">
+            <a:pPr marL="0" lvl="0" indent="0" algn="l" rtl="0">
               <a:spcBef>
                 <a:spcPts val="0"/>
               </a:spcBef>
@@ -2025,13 +2112,10 @@
               </a:spcAft>
               <a:buNone/>
             </a:pPr>
-            <a:r>
-              <a:t/>
-            </a:r>
             <a:endParaRPr/>
           </a:p>
           <a:p>
-            <a:pPr indent="0" lvl="0" marL="0" rtl="0" algn="l">
+            <a:pPr marL="0" lvl="0" indent="0" algn="l" rtl="0">
               <a:spcBef>
                 <a:spcPts val="0"/>
               </a:spcBef>
@@ -2040,9 +2124,6 @@
               </a:spcAft>
               <a:buNone/>
             </a:pPr>
-            <a:r>
-              <a:t/>
-            </a:r>
             <a:endParaRPr/>
           </a:p>
         </p:txBody>
@@ -2056,11 +2137,11 @@
 </file>
 
 <file path=ppt/notesSlides/notesSlide20.xml><?xml version="1.0" encoding="utf-8"?>
-<p:notes xmlns:a="http://schemas.openxmlformats.org/drawingml/2006/main" xmlns:r="http://schemas.openxmlformats.org/officeDocument/2006/relationships" xmlns:mc="http://schemas.openxmlformats.org/markup-compatibility/2006" xmlns:mv="urn:schemas-microsoft-com:mac:vml" xmlns:p="http://schemas.openxmlformats.org/presentationml/2006/main" xmlns:c="http://schemas.openxmlformats.org/drawingml/2006/chart" xmlns:dgm="http://schemas.openxmlformats.org/drawingml/2006/diagram" xmlns:o="urn:schemas-microsoft-com:office:office" xmlns:v="urn:schemas-microsoft-com:vml" xmlns:pvml="urn:schemas-microsoft-com:office:powerpoint" xmlns:com="http://schemas.openxmlformats.org/drawingml/2006/compatibility" xmlns:p14="http://schemas.microsoft.com/office/powerpoint/2010/main" xmlns:p15="http://schemas.microsoft.com/office/powerpoint/2012/main" xmlns:ahyp="http://schemas.microsoft.com/office/drawing/2018/hyperlinkcolor" showMasterPhAnim="0" showMasterSp="0">
+<p:notes xmlns:a="http://schemas.openxmlformats.org/drawingml/2006/main" xmlns:r="http://schemas.openxmlformats.org/officeDocument/2006/relationships" xmlns:p="http://schemas.openxmlformats.org/presentationml/2006/main" showMasterSp="0" showMasterPhAnim="0">
   <p:cSld>
     <p:spTree>
       <p:nvGrpSpPr>
-        <p:cNvPr id="241" name="Shape 241"/>
+        <p:cNvPr id="1" name="Shape 241"/>
         <p:cNvGrpSpPr/>
         <p:nvPr/>
       </p:nvGrpSpPr>
@@ -2075,9 +2156,11 @@
       <p:sp>
         <p:nvSpPr>
           <p:cNvPr id="242" name="Google Shape;242;g123e914a031_1_1:notes"/>
-          <p:cNvSpPr/>
+          <p:cNvSpPr>
+            <a:spLocks noGrp="1" noRot="1" noChangeAspect="1"/>
+          </p:cNvSpPr>
           <p:nvPr>
-            <p:ph idx="2" type="sldImg"/>
+            <p:ph type="sldImg" idx="2"/>
           </p:nvPr>
         </p:nvSpPr>
         <p:spPr>
@@ -2086,9 +2169,13 @@
             <a:ext cx="6096000" cy="3429000"/>
           </a:xfrm>
           <a:custGeom>
-            <a:rect b="b" l="l" r="r" t="t"/>
+            <a:avLst/>
+            <a:gdLst/>
+            <a:ahLst/>
+            <a:cxnLst/>
+            <a:rect l="l" t="t" r="r" b="b"/>
             <a:pathLst>
-              <a:path extrusionOk="0" h="120000" w="120000">
+              <a:path w="120000" h="120000" extrusionOk="0">
                 <a:moveTo>
                   <a:pt x="0" y="0"/>
                 </a:moveTo>
@@ -2110,9 +2197,11 @@
       <p:sp>
         <p:nvSpPr>
           <p:cNvPr id="243" name="Google Shape;243;g123e914a031_1_1:notes"/>
-          <p:cNvSpPr txBox="1"/>
+          <p:cNvSpPr txBox="1">
+            <a:spLocks noGrp="1"/>
+          </p:cNvSpPr>
           <p:nvPr>
-            <p:ph idx="1" type="body"/>
+            <p:ph type="body" idx="1"/>
           </p:nvPr>
         </p:nvSpPr>
         <p:spPr>
@@ -2125,12 +2214,12 @@
           </a:prstGeom>
         </p:spPr>
         <p:txBody>
-          <a:bodyPr anchorCtr="0" anchor="t" bIns="91425" lIns="91425" spcFirstLastPara="1" rIns="91425" wrap="square" tIns="91425">
+          <a:bodyPr spcFirstLastPara="1" wrap="square" lIns="91425" tIns="91425" rIns="91425" bIns="91425" anchor="t" anchorCtr="0">
             <a:noAutofit/>
           </a:bodyPr>
           <a:lstStyle/>
           <a:p>
-            <a:pPr indent="0" lvl="0" marL="0" rtl="0" algn="l">
+            <a:pPr marL="0" lvl="0" indent="0" algn="l" rtl="0">
               <a:spcBef>
                 <a:spcPts val="0"/>
               </a:spcBef>
@@ -2139,9 +2228,6 @@
               </a:spcAft>
               <a:buNone/>
             </a:pPr>
-            <a:r>
-              <a:t/>
-            </a:r>
             <a:endParaRPr/>
           </a:p>
         </p:txBody>
@@ -2155,11 +2241,11 @@
 </file>
 
 <file path=ppt/notesSlides/notesSlide3.xml><?xml version="1.0" encoding="utf-8"?>
-<p:notes xmlns:a="http://schemas.openxmlformats.org/drawingml/2006/main" xmlns:r="http://schemas.openxmlformats.org/officeDocument/2006/relationships" xmlns:mc="http://schemas.openxmlformats.org/markup-compatibility/2006" xmlns:mv="urn:schemas-microsoft-com:mac:vml" xmlns:p="http://schemas.openxmlformats.org/presentationml/2006/main" xmlns:c="http://schemas.openxmlformats.org/drawingml/2006/chart" xmlns:dgm="http://schemas.openxmlformats.org/drawingml/2006/diagram" xmlns:o="urn:schemas-microsoft-com:office:office" xmlns:v="urn:schemas-microsoft-com:vml" xmlns:pvml="urn:schemas-microsoft-com:office:powerpoint" xmlns:com="http://schemas.openxmlformats.org/drawingml/2006/compatibility" xmlns:p14="http://schemas.microsoft.com/office/powerpoint/2010/main" xmlns:p15="http://schemas.microsoft.com/office/powerpoint/2012/main" xmlns:ahyp="http://schemas.microsoft.com/office/drawing/2018/hyperlinkcolor" showMasterPhAnim="0" showMasterSp="0">
+<p:notes xmlns:a="http://schemas.openxmlformats.org/drawingml/2006/main" xmlns:r="http://schemas.openxmlformats.org/officeDocument/2006/relationships" xmlns:p="http://schemas.openxmlformats.org/presentationml/2006/main" showMasterSp="0" showMasterPhAnim="0">
   <p:cSld>
     <p:spTree>
       <p:nvGrpSpPr>
-        <p:cNvPr id="94" name="Shape 94"/>
+        <p:cNvPr id="1" name="Shape 94"/>
         <p:cNvGrpSpPr/>
         <p:nvPr/>
       </p:nvGrpSpPr>
@@ -2174,20 +2260,26 @@
       <p:sp>
         <p:nvSpPr>
           <p:cNvPr id="95" name="Google Shape;95;g123d167f8e9_1_77:notes"/>
-          <p:cNvSpPr/>
+          <p:cNvSpPr>
+            <a:spLocks noGrp="1" noRot="1" noChangeAspect="1"/>
+          </p:cNvSpPr>
           <p:nvPr>
-            <p:ph idx="2" type="sldImg"/>
+            <p:ph type="sldImg" idx="2"/>
           </p:nvPr>
         </p:nvSpPr>
         <p:spPr>
           <a:xfrm>
-            <a:off x="381300" y="685800"/>
+            <a:off x="381000" y="685800"/>
             <a:ext cx="6096000" cy="3429000"/>
           </a:xfrm>
           <a:custGeom>
-            <a:rect b="b" l="l" r="r" t="t"/>
+            <a:avLst/>
+            <a:gdLst/>
+            <a:ahLst/>
+            <a:cxnLst/>
+            <a:rect l="l" t="t" r="r" b="b"/>
             <a:pathLst>
-              <a:path extrusionOk="0" h="120000" w="120000">
+              <a:path w="120000" h="120000" extrusionOk="0">
                 <a:moveTo>
                   <a:pt x="0" y="0"/>
                 </a:moveTo>
@@ -2209,9 +2301,11 @@
       <p:sp>
         <p:nvSpPr>
           <p:cNvPr id="96" name="Google Shape;96;g123d167f8e9_1_77:notes"/>
-          <p:cNvSpPr txBox="1"/>
+          <p:cNvSpPr txBox="1">
+            <a:spLocks noGrp="1"/>
+          </p:cNvSpPr>
           <p:nvPr>
-            <p:ph idx="1" type="body"/>
+            <p:ph type="body" idx="1"/>
           </p:nvPr>
         </p:nvSpPr>
         <p:spPr>
@@ -2224,12 +2318,12 @@
           </a:prstGeom>
         </p:spPr>
         <p:txBody>
-          <a:bodyPr anchorCtr="0" anchor="t" bIns="91425" lIns="91425" spcFirstLastPara="1" rIns="91425" wrap="square" tIns="91425">
+          <a:bodyPr spcFirstLastPara="1" wrap="square" lIns="91425" tIns="91425" rIns="91425" bIns="91425" anchor="t" anchorCtr="0">
             <a:noAutofit/>
           </a:bodyPr>
           <a:lstStyle/>
           <a:p>
-            <a:pPr indent="0" lvl="0" marL="0" rtl="0" algn="l">
+            <a:pPr marL="0" lvl="0" indent="0" algn="l" rtl="0">
               <a:spcBef>
                 <a:spcPts val="0"/>
               </a:spcBef>
@@ -2245,7 +2339,7 @@
             <a:endParaRPr/>
           </a:p>
           <a:p>
-            <a:pPr indent="0" lvl="0" marL="0" rtl="0" algn="l">
+            <a:pPr marL="0" lvl="0" indent="0" algn="l" rtl="0">
               <a:spcBef>
                 <a:spcPts val="0"/>
               </a:spcBef>
@@ -2261,7 +2355,7 @@
             <a:endParaRPr/>
           </a:p>
           <a:p>
-            <a:pPr indent="0" lvl="0" marL="0" rtl="0" algn="l">
+            <a:pPr marL="0" lvl="0" indent="0" algn="l" rtl="0">
               <a:spcBef>
                 <a:spcPts val="0"/>
               </a:spcBef>
@@ -2277,7 +2371,7 @@
             <a:endParaRPr/>
           </a:p>
           <a:p>
-            <a:pPr indent="0" lvl="0" marL="0" rtl="0" algn="l">
+            <a:pPr marL="0" lvl="0" indent="0" algn="l" rtl="0">
               <a:spcBef>
                 <a:spcPts val="0"/>
               </a:spcBef>
@@ -2288,11 +2382,7 @@
             </a:pPr>
             <a:r>
               <a:rPr lang="en"/>
-              <a:t>P</a:t>
-            </a:r>
-            <a:r>
-              <a:rPr lang="en"/>
-              <a:t>ercentage of people who are not going to recommit is predicted as recommitment.</a:t>
+              <a:t>Percentage of people who are not going to recommit is predicted as recommitment.</a:t>
             </a:r>
             <a:endParaRPr/>
           </a:p>
@@ -2307,11 +2397,11 @@
 </file>
 
 <file path=ppt/notesSlides/notesSlide4.xml><?xml version="1.0" encoding="utf-8"?>
-<p:notes xmlns:a="http://schemas.openxmlformats.org/drawingml/2006/main" xmlns:r="http://schemas.openxmlformats.org/officeDocument/2006/relationships" xmlns:mc="http://schemas.openxmlformats.org/markup-compatibility/2006" xmlns:mv="urn:schemas-microsoft-com:mac:vml" xmlns:p="http://schemas.openxmlformats.org/presentationml/2006/main" xmlns:c="http://schemas.openxmlformats.org/drawingml/2006/chart" xmlns:dgm="http://schemas.openxmlformats.org/drawingml/2006/diagram" xmlns:o="urn:schemas-microsoft-com:office:office" xmlns:v="urn:schemas-microsoft-com:vml" xmlns:pvml="urn:schemas-microsoft-com:office:powerpoint" xmlns:com="http://schemas.openxmlformats.org/drawingml/2006/compatibility" xmlns:p14="http://schemas.microsoft.com/office/powerpoint/2010/main" xmlns:p15="http://schemas.microsoft.com/office/powerpoint/2012/main" xmlns:ahyp="http://schemas.microsoft.com/office/drawing/2018/hyperlinkcolor" showMasterPhAnim="0" showMasterSp="0">
+<p:notes xmlns:a="http://schemas.openxmlformats.org/drawingml/2006/main" xmlns:r="http://schemas.openxmlformats.org/officeDocument/2006/relationships" xmlns:p="http://schemas.openxmlformats.org/presentationml/2006/main" showMasterSp="0" showMasterPhAnim="0">
   <p:cSld>
     <p:spTree>
       <p:nvGrpSpPr>
-        <p:cNvPr id="102" name="Shape 102"/>
+        <p:cNvPr id="1" name="Shape 102"/>
         <p:cNvGrpSpPr/>
         <p:nvPr/>
       </p:nvGrpSpPr>
@@ -2326,20 +2416,26 @@
       <p:sp>
         <p:nvSpPr>
           <p:cNvPr id="103" name="Google Shape;103;g123d167f8e9_2_1:notes"/>
-          <p:cNvSpPr/>
+          <p:cNvSpPr>
+            <a:spLocks noGrp="1" noRot="1" noChangeAspect="1"/>
+          </p:cNvSpPr>
           <p:nvPr>
-            <p:ph idx="2" type="sldImg"/>
+            <p:ph type="sldImg" idx="2"/>
           </p:nvPr>
         </p:nvSpPr>
         <p:spPr>
           <a:xfrm>
-            <a:off x="381300" y="685800"/>
+            <a:off x="381000" y="685800"/>
             <a:ext cx="6096000" cy="3429000"/>
           </a:xfrm>
           <a:custGeom>
-            <a:rect b="b" l="l" r="r" t="t"/>
+            <a:avLst/>
+            <a:gdLst/>
+            <a:ahLst/>
+            <a:cxnLst/>
+            <a:rect l="l" t="t" r="r" b="b"/>
             <a:pathLst>
-              <a:path extrusionOk="0" h="120000" w="120000">
+              <a:path w="120000" h="120000" extrusionOk="0">
                 <a:moveTo>
                   <a:pt x="0" y="0"/>
                 </a:moveTo>
@@ -2361,9 +2457,11 @@
       <p:sp>
         <p:nvSpPr>
           <p:cNvPr id="104" name="Google Shape;104;g123d167f8e9_2_1:notes"/>
-          <p:cNvSpPr txBox="1"/>
+          <p:cNvSpPr txBox="1">
+            <a:spLocks noGrp="1"/>
+          </p:cNvSpPr>
           <p:nvPr>
-            <p:ph idx="1" type="body"/>
+            <p:ph type="body" idx="1"/>
           </p:nvPr>
         </p:nvSpPr>
         <p:spPr>
@@ -2376,12 +2474,12 @@
           </a:prstGeom>
         </p:spPr>
         <p:txBody>
-          <a:bodyPr anchorCtr="0" anchor="t" bIns="91425" lIns="91425" spcFirstLastPara="1" rIns="91425" wrap="square" tIns="91425">
+          <a:bodyPr spcFirstLastPara="1" wrap="square" lIns="91425" tIns="91425" rIns="91425" bIns="91425" anchor="t" anchorCtr="0">
             <a:noAutofit/>
           </a:bodyPr>
           <a:lstStyle/>
           <a:p>
-            <a:pPr indent="0" lvl="0" marL="0" rtl="0" algn="l">
+            <a:pPr marL="0" lvl="0" indent="0" algn="l" rtl="0">
               <a:spcBef>
                 <a:spcPts val="0"/>
               </a:spcBef>
@@ -2397,7 +2495,7 @@
             <a:endParaRPr/>
           </a:p>
           <a:p>
-            <a:pPr indent="0" lvl="0" marL="0" rtl="0" algn="l">
+            <a:pPr marL="0" lvl="0" indent="0" algn="l" rtl="0">
               <a:spcBef>
                 <a:spcPts val="0"/>
               </a:spcBef>
@@ -2413,7 +2511,7 @@
             <a:endParaRPr/>
           </a:p>
           <a:p>
-            <a:pPr indent="0" lvl="0" marL="0" rtl="0" algn="l">
+            <a:pPr marL="0" lvl="0" indent="0" algn="l" rtl="0">
               <a:spcBef>
                 <a:spcPts val="0"/>
               </a:spcBef>
@@ -2429,7 +2527,7 @@
             <a:endParaRPr/>
           </a:p>
           <a:p>
-            <a:pPr indent="0" lvl="0" marL="0" rtl="0" algn="l">
+            <a:pPr marL="0" lvl="0" indent="0" algn="l" rtl="0">
               <a:spcBef>
                 <a:spcPts val="0"/>
               </a:spcBef>
@@ -2455,11 +2553,11 @@
 </file>
 
 <file path=ppt/notesSlides/notesSlide5.xml><?xml version="1.0" encoding="utf-8"?>
-<p:notes xmlns:a="http://schemas.openxmlformats.org/drawingml/2006/main" xmlns:r="http://schemas.openxmlformats.org/officeDocument/2006/relationships" xmlns:mc="http://schemas.openxmlformats.org/markup-compatibility/2006" xmlns:mv="urn:schemas-microsoft-com:mac:vml" xmlns:p="http://schemas.openxmlformats.org/presentationml/2006/main" xmlns:c="http://schemas.openxmlformats.org/drawingml/2006/chart" xmlns:dgm="http://schemas.openxmlformats.org/drawingml/2006/diagram" xmlns:o="urn:schemas-microsoft-com:office:office" xmlns:v="urn:schemas-microsoft-com:vml" xmlns:pvml="urn:schemas-microsoft-com:office:powerpoint" xmlns:com="http://schemas.openxmlformats.org/drawingml/2006/compatibility" xmlns:p14="http://schemas.microsoft.com/office/powerpoint/2010/main" xmlns:p15="http://schemas.microsoft.com/office/powerpoint/2012/main" xmlns:ahyp="http://schemas.microsoft.com/office/drawing/2018/hyperlinkcolor" showMasterPhAnim="0" showMasterSp="0">
+<p:notes xmlns:a="http://schemas.openxmlformats.org/drawingml/2006/main" xmlns:r="http://schemas.openxmlformats.org/officeDocument/2006/relationships" xmlns:p="http://schemas.openxmlformats.org/presentationml/2006/main" showMasterSp="0" showMasterPhAnim="0">
   <p:cSld>
     <p:spTree>
       <p:nvGrpSpPr>
-        <p:cNvPr id="112" name="Shape 112"/>
+        <p:cNvPr id="1" name="Shape 112"/>
         <p:cNvGrpSpPr/>
         <p:nvPr/>
       </p:nvGrpSpPr>
@@ -2474,9 +2572,11 @@
       <p:sp>
         <p:nvSpPr>
           <p:cNvPr id="113" name="Google Shape;113;g123e914a031_0_0:notes"/>
-          <p:cNvSpPr/>
+          <p:cNvSpPr>
+            <a:spLocks noGrp="1" noRot="1" noChangeAspect="1"/>
+          </p:cNvSpPr>
           <p:nvPr>
-            <p:ph idx="2" type="sldImg"/>
+            <p:ph type="sldImg" idx="2"/>
           </p:nvPr>
         </p:nvSpPr>
         <p:spPr>
@@ -2485,9 +2585,13 @@
             <a:ext cx="6096000" cy="3429000"/>
           </a:xfrm>
           <a:custGeom>
-            <a:rect b="b" l="l" r="r" t="t"/>
+            <a:avLst/>
+            <a:gdLst/>
+            <a:ahLst/>
+            <a:cxnLst/>
+            <a:rect l="l" t="t" r="r" b="b"/>
             <a:pathLst>
-              <a:path extrusionOk="0" h="120000" w="120000">
+              <a:path w="120000" h="120000" extrusionOk="0">
                 <a:moveTo>
                   <a:pt x="0" y="0"/>
                 </a:moveTo>
@@ -2509,9 +2613,11 @@
       <p:sp>
         <p:nvSpPr>
           <p:cNvPr id="114" name="Google Shape;114;g123e914a031_0_0:notes"/>
-          <p:cNvSpPr txBox="1"/>
+          <p:cNvSpPr txBox="1">
+            <a:spLocks noGrp="1"/>
+          </p:cNvSpPr>
           <p:nvPr>
-            <p:ph idx="1" type="body"/>
+            <p:ph type="body" idx="1"/>
           </p:nvPr>
         </p:nvSpPr>
         <p:spPr>
@@ -2524,12 +2630,12 @@
           </a:prstGeom>
         </p:spPr>
         <p:txBody>
-          <a:bodyPr anchorCtr="0" anchor="t" bIns="91425" lIns="91425" spcFirstLastPara="1" rIns="91425" wrap="square" tIns="91425">
+          <a:bodyPr spcFirstLastPara="1" wrap="square" lIns="91425" tIns="91425" rIns="91425" bIns="91425" anchor="t" anchorCtr="0">
             <a:noAutofit/>
           </a:bodyPr>
           <a:lstStyle/>
           <a:p>
-            <a:pPr indent="0" lvl="0" marL="0" rtl="0" algn="l">
+            <a:pPr marL="0" lvl="0" indent="0" algn="l" rtl="0">
               <a:spcBef>
                 <a:spcPts val="0"/>
               </a:spcBef>
@@ -2545,7 +2651,7 @@
             <a:endParaRPr/>
           </a:p>
           <a:p>
-            <a:pPr indent="0" lvl="0" marL="0" rtl="0" algn="l">
+            <a:pPr marL="0" lvl="0" indent="0" algn="l" rtl="0">
               <a:spcBef>
                 <a:spcPts val="0"/>
               </a:spcBef>
@@ -2561,7 +2667,7 @@
             <a:endParaRPr/>
           </a:p>
           <a:p>
-            <a:pPr indent="0" lvl="0" marL="0" rtl="0" algn="l">
+            <a:pPr marL="0" lvl="0" indent="0" algn="l" rtl="0">
               <a:spcBef>
                 <a:spcPts val="0"/>
               </a:spcBef>
@@ -2572,11 +2678,7 @@
             </a:pPr>
             <a:r>
               <a:rPr lang="en"/>
-              <a:t>Data closest to the decision </a:t>
-            </a:r>
-            <a:r>
-              <a:rPr lang="en"/>
-              <a:t>boundary</a:t>
+              <a:t>Data closest to the decision boundary</a:t>
             </a:r>
             <a:endParaRPr/>
           </a:p>
@@ -2591,11 +2693,11 @@
 </file>
 
 <file path=ppt/notesSlides/notesSlide6.xml><?xml version="1.0" encoding="utf-8"?>
-<p:notes xmlns:a="http://schemas.openxmlformats.org/drawingml/2006/main" xmlns:r="http://schemas.openxmlformats.org/officeDocument/2006/relationships" xmlns:mc="http://schemas.openxmlformats.org/markup-compatibility/2006" xmlns:mv="urn:schemas-microsoft-com:mac:vml" xmlns:p="http://schemas.openxmlformats.org/presentationml/2006/main" xmlns:c="http://schemas.openxmlformats.org/drawingml/2006/chart" xmlns:dgm="http://schemas.openxmlformats.org/drawingml/2006/diagram" xmlns:o="urn:schemas-microsoft-com:office:office" xmlns:v="urn:schemas-microsoft-com:vml" xmlns:pvml="urn:schemas-microsoft-com:office:powerpoint" xmlns:com="http://schemas.openxmlformats.org/drawingml/2006/compatibility" xmlns:p14="http://schemas.microsoft.com/office/powerpoint/2010/main" xmlns:p15="http://schemas.microsoft.com/office/powerpoint/2012/main" xmlns:ahyp="http://schemas.microsoft.com/office/drawing/2018/hyperlinkcolor" showMasterPhAnim="0" showMasterSp="0">
+<p:notes xmlns:a="http://schemas.openxmlformats.org/drawingml/2006/main" xmlns:r="http://schemas.openxmlformats.org/officeDocument/2006/relationships" xmlns:p="http://schemas.openxmlformats.org/presentationml/2006/main" showMasterSp="0" showMasterPhAnim="0">
   <p:cSld>
     <p:spTree>
       <p:nvGrpSpPr>
-        <p:cNvPr id="120" name="Shape 120"/>
+        <p:cNvPr id="1" name="Shape 120"/>
         <p:cNvGrpSpPr/>
         <p:nvPr/>
       </p:nvGrpSpPr>
@@ -2610,9 +2712,11 @@
       <p:sp>
         <p:nvSpPr>
           <p:cNvPr id="121" name="Google Shape;121;g123d167f8e9_2_14:notes"/>
-          <p:cNvSpPr/>
+          <p:cNvSpPr>
+            <a:spLocks noGrp="1" noRot="1" noChangeAspect="1"/>
+          </p:cNvSpPr>
           <p:nvPr>
-            <p:ph idx="2" type="sldImg"/>
+            <p:ph type="sldImg" idx="2"/>
           </p:nvPr>
         </p:nvSpPr>
         <p:spPr>
@@ -2621,9 +2725,13 @@
             <a:ext cx="6096000" cy="3429000"/>
           </a:xfrm>
           <a:custGeom>
-            <a:rect b="b" l="l" r="r" t="t"/>
+            <a:avLst/>
+            <a:gdLst/>
+            <a:ahLst/>
+            <a:cxnLst/>
+            <a:rect l="l" t="t" r="r" b="b"/>
             <a:pathLst>
-              <a:path extrusionOk="0" h="120000" w="120000">
+              <a:path w="120000" h="120000" extrusionOk="0">
                 <a:moveTo>
                   <a:pt x="0" y="0"/>
                 </a:moveTo>
@@ -2645,9 +2753,11 @@
       <p:sp>
         <p:nvSpPr>
           <p:cNvPr id="122" name="Google Shape;122;g123d167f8e9_2_14:notes"/>
-          <p:cNvSpPr txBox="1"/>
+          <p:cNvSpPr txBox="1">
+            <a:spLocks noGrp="1"/>
+          </p:cNvSpPr>
           <p:nvPr>
-            <p:ph idx="1" type="body"/>
+            <p:ph type="body" idx="1"/>
           </p:nvPr>
         </p:nvSpPr>
         <p:spPr>
@@ -2660,12 +2770,12 @@
           </a:prstGeom>
         </p:spPr>
         <p:txBody>
-          <a:bodyPr anchorCtr="0" anchor="t" bIns="91425" lIns="91425" spcFirstLastPara="1" rIns="91425" wrap="square" tIns="91425">
+          <a:bodyPr spcFirstLastPara="1" wrap="square" lIns="91425" tIns="91425" rIns="91425" bIns="91425" anchor="t" anchorCtr="0">
             <a:noAutofit/>
           </a:bodyPr>
           <a:lstStyle/>
           <a:p>
-            <a:pPr indent="0" lvl="0" marL="0" rtl="0" algn="l">
+            <a:pPr marL="0" lvl="0" indent="0" algn="l" rtl="0">
               <a:spcBef>
                 <a:spcPts val="0"/>
               </a:spcBef>
@@ -2681,7 +2791,7 @@
             <a:endParaRPr/>
           </a:p>
           <a:p>
-            <a:pPr indent="0" lvl="0" marL="0" rtl="0" algn="l">
+            <a:pPr marL="0" lvl="0" indent="0" algn="l" rtl="0">
               <a:spcBef>
                 <a:spcPts val="0"/>
               </a:spcBef>
@@ -2697,7 +2807,7 @@
             <a:endParaRPr/>
           </a:p>
           <a:p>
-            <a:pPr indent="0" lvl="0" marL="0" rtl="0" algn="l">
+            <a:pPr marL="0" lvl="0" indent="0" algn="l" rtl="0">
               <a:spcBef>
                 <a:spcPts val="0"/>
               </a:spcBef>
@@ -2713,7 +2823,7 @@
             <a:endParaRPr/>
           </a:p>
           <a:p>
-            <a:pPr indent="0" lvl="0" marL="0" rtl="0" algn="l">
+            <a:pPr marL="0" lvl="0" indent="0" algn="l" rtl="0">
               <a:spcBef>
                 <a:spcPts val="0"/>
               </a:spcBef>
@@ -2722,9 +2832,6 @@
               </a:spcAft>
               <a:buNone/>
             </a:pPr>
-            <a:r>
-              <a:t/>
-            </a:r>
             <a:endParaRPr/>
           </a:p>
         </p:txBody>
@@ -2738,11 +2845,11 @@
 </file>
 
 <file path=ppt/notesSlides/notesSlide7.xml><?xml version="1.0" encoding="utf-8"?>
-<p:notes xmlns:a="http://schemas.openxmlformats.org/drawingml/2006/main" xmlns:r="http://schemas.openxmlformats.org/officeDocument/2006/relationships" xmlns:mc="http://schemas.openxmlformats.org/markup-compatibility/2006" xmlns:mv="urn:schemas-microsoft-com:mac:vml" xmlns:p="http://schemas.openxmlformats.org/presentationml/2006/main" xmlns:c="http://schemas.openxmlformats.org/drawingml/2006/chart" xmlns:dgm="http://schemas.openxmlformats.org/drawingml/2006/diagram" xmlns:o="urn:schemas-microsoft-com:office:office" xmlns:v="urn:schemas-microsoft-com:vml" xmlns:pvml="urn:schemas-microsoft-com:office:powerpoint" xmlns:com="http://schemas.openxmlformats.org/drawingml/2006/compatibility" xmlns:p14="http://schemas.microsoft.com/office/powerpoint/2010/main" xmlns:p15="http://schemas.microsoft.com/office/powerpoint/2012/main" xmlns:ahyp="http://schemas.microsoft.com/office/drawing/2018/hyperlinkcolor" showMasterPhAnim="0" showMasterSp="0">
+<p:notes xmlns:a="http://schemas.openxmlformats.org/drawingml/2006/main" xmlns:r="http://schemas.openxmlformats.org/officeDocument/2006/relationships" xmlns:p="http://schemas.openxmlformats.org/presentationml/2006/main" showMasterSp="0" showMasterPhAnim="0">
   <p:cSld>
     <p:spTree>
       <p:nvGrpSpPr>
-        <p:cNvPr id="132" name="Shape 132"/>
+        <p:cNvPr id="1" name="Shape 132"/>
         <p:cNvGrpSpPr/>
         <p:nvPr/>
       </p:nvGrpSpPr>
@@ -2757,20 +2864,26 @@
       <p:sp>
         <p:nvSpPr>
           <p:cNvPr id="133" name="Google Shape;133;g123e914a031_1_9:notes"/>
-          <p:cNvSpPr/>
+          <p:cNvSpPr>
+            <a:spLocks noGrp="1" noRot="1" noChangeAspect="1"/>
+          </p:cNvSpPr>
           <p:nvPr>
-            <p:ph idx="2" type="sldImg"/>
+            <p:ph type="sldImg" idx="2"/>
           </p:nvPr>
         </p:nvSpPr>
         <p:spPr>
           <a:xfrm>
-            <a:off x="381300" y="685800"/>
+            <a:off x="381000" y="685800"/>
             <a:ext cx="6096000" cy="3429000"/>
           </a:xfrm>
           <a:custGeom>
-            <a:rect b="b" l="l" r="r" t="t"/>
+            <a:avLst/>
+            <a:gdLst/>
+            <a:ahLst/>
+            <a:cxnLst/>
+            <a:rect l="l" t="t" r="r" b="b"/>
             <a:pathLst>
-              <a:path extrusionOk="0" h="120000" w="120000">
+              <a:path w="120000" h="120000" extrusionOk="0">
                 <a:moveTo>
                   <a:pt x="0" y="0"/>
                 </a:moveTo>
@@ -2792,9 +2905,11 @@
       <p:sp>
         <p:nvSpPr>
           <p:cNvPr id="134" name="Google Shape;134;g123e914a031_1_9:notes"/>
-          <p:cNvSpPr txBox="1"/>
+          <p:cNvSpPr txBox="1">
+            <a:spLocks noGrp="1"/>
+          </p:cNvSpPr>
           <p:nvPr>
-            <p:ph idx="1" type="body"/>
+            <p:ph type="body" idx="1"/>
           </p:nvPr>
         </p:nvSpPr>
         <p:spPr>
@@ -2807,12 +2922,12 @@
           </a:prstGeom>
         </p:spPr>
         <p:txBody>
-          <a:bodyPr anchorCtr="0" anchor="t" bIns="91425" lIns="91425" spcFirstLastPara="1" rIns="91425" wrap="square" tIns="91425">
+          <a:bodyPr spcFirstLastPara="1" wrap="square" lIns="91425" tIns="91425" rIns="91425" bIns="91425" anchor="t" anchorCtr="0">
             <a:noAutofit/>
           </a:bodyPr>
           <a:lstStyle/>
           <a:p>
-            <a:pPr indent="0" lvl="0" marL="0" rtl="0" algn="l">
+            <a:pPr marL="0" lvl="0" indent="0" algn="l" rtl="0">
               <a:spcBef>
                 <a:spcPts val="0"/>
               </a:spcBef>
@@ -2828,7 +2943,7 @@
             <a:endParaRPr/>
           </a:p>
           <a:p>
-            <a:pPr indent="0" lvl="0" marL="0" rtl="0" algn="l">
+            <a:pPr marL="0" lvl="0" indent="0" algn="l" rtl="0">
               <a:spcBef>
                 <a:spcPts val="0"/>
               </a:spcBef>
@@ -2844,7 +2959,7 @@
             <a:endParaRPr/>
           </a:p>
           <a:p>
-            <a:pPr indent="0" lvl="0" marL="0" rtl="0" algn="l">
+            <a:pPr marL="0" lvl="0" indent="0" algn="l" rtl="0">
               <a:spcBef>
                 <a:spcPts val="0"/>
               </a:spcBef>
@@ -2855,11 +2970,7 @@
             </a:pPr>
             <a:r>
               <a:rPr lang="en"/>
-              <a:t>LPS </a:t>
-            </a:r>
-            <a:r>
-              <a:rPr lang="en"/>
-              <a:t>overcorrect almost</a:t>
+              <a:t>LPS overcorrect almost</a:t>
             </a:r>
             <a:endParaRPr/>
           </a:p>
@@ -2874,11 +2985,11 @@
 </file>
 
 <file path=ppt/notesSlides/notesSlide8.xml><?xml version="1.0" encoding="utf-8"?>
-<p:notes xmlns:a="http://schemas.openxmlformats.org/drawingml/2006/main" xmlns:r="http://schemas.openxmlformats.org/officeDocument/2006/relationships" xmlns:mc="http://schemas.openxmlformats.org/markup-compatibility/2006" xmlns:mv="urn:schemas-microsoft-com:mac:vml" xmlns:p="http://schemas.openxmlformats.org/presentationml/2006/main" xmlns:c="http://schemas.openxmlformats.org/drawingml/2006/chart" xmlns:dgm="http://schemas.openxmlformats.org/drawingml/2006/diagram" xmlns:o="urn:schemas-microsoft-com:office:office" xmlns:v="urn:schemas-microsoft-com:vml" xmlns:pvml="urn:schemas-microsoft-com:office:powerpoint" xmlns:com="http://schemas.openxmlformats.org/drawingml/2006/compatibility" xmlns:p14="http://schemas.microsoft.com/office/powerpoint/2010/main" xmlns:p15="http://schemas.microsoft.com/office/powerpoint/2012/main" xmlns:ahyp="http://schemas.microsoft.com/office/drawing/2018/hyperlinkcolor" showMasterPhAnim="0" showMasterSp="0">
+<p:notes xmlns:a="http://schemas.openxmlformats.org/drawingml/2006/main" xmlns:r="http://schemas.openxmlformats.org/officeDocument/2006/relationships" xmlns:p="http://schemas.openxmlformats.org/presentationml/2006/main" showMasterSp="0" showMasterPhAnim="0">
   <p:cSld>
     <p:spTree>
       <p:nvGrpSpPr>
-        <p:cNvPr id="143" name="Shape 143"/>
+        <p:cNvPr id="1" name="Shape 143"/>
         <p:cNvGrpSpPr/>
         <p:nvPr/>
       </p:nvGrpSpPr>
@@ -2893,9 +3004,11 @@
       <p:sp>
         <p:nvSpPr>
           <p:cNvPr id="144" name="Google Shape;144;g123d167f8e9_0_10:notes"/>
-          <p:cNvSpPr/>
+          <p:cNvSpPr>
+            <a:spLocks noGrp="1" noRot="1" noChangeAspect="1"/>
+          </p:cNvSpPr>
           <p:nvPr>
-            <p:ph idx="2" type="sldImg"/>
+            <p:ph type="sldImg" idx="2"/>
           </p:nvPr>
         </p:nvSpPr>
         <p:spPr>
@@ -2904,9 +3017,13 @@
             <a:ext cx="6096000" cy="3429000"/>
           </a:xfrm>
           <a:custGeom>
-            <a:rect b="b" l="l" r="r" t="t"/>
+            <a:avLst/>
+            <a:gdLst/>
+            <a:ahLst/>
+            <a:cxnLst/>
+            <a:rect l="l" t="t" r="r" b="b"/>
             <a:pathLst>
-              <a:path extrusionOk="0" h="120000" w="120000">
+              <a:path w="120000" h="120000" extrusionOk="0">
                 <a:moveTo>
                   <a:pt x="0" y="0"/>
                 </a:moveTo>
@@ -2928,9 +3045,11 @@
       <p:sp>
         <p:nvSpPr>
           <p:cNvPr id="145" name="Google Shape;145;g123d167f8e9_0_10:notes"/>
-          <p:cNvSpPr txBox="1"/>
+          <p:cNvSpPr txBox="1">
+            <a:spLocks noGrp="1"/>
+          </p:cNvSpPr>
           <p:nvPr>
-            <p:ph idx="1" type="body"/>
+            <p:ph type="body" idx="1"/>
           </p:nvPr>
         </p:nvSpPr>
         <p:spPr>
@@ -2943,12 +3062,12 @@
           </a:prstGeom>
         </p:spPr>
         <p:txBody>
-          <a:bodyPr anchorCtr="0" anchor="t" bIns="91425" lIns="91425" spcFirstLastPara="1" rIns="91425" wrap="square" tIns="91425">
+          <a:bodyPr spcFirstLastPara="1" wrap="square" lIns="91425" tIns="91425" rIns="91425" bIns="91425" anchor="t" anchorCtr="0">
             <a:noAutofit/>
           </a:bodyPr>
           <a:lstStyle/>
           <a:p>
-            <a:pPr indent="0" lvl="0" marL="0" rtl="0" algn="l">
+            <a:pPr marL="0" lvl="0" indent="0" algn="l" rtl="0">
               <a:spcBef>
                 <a:spcPts val="0"/>
               </a:spcBef>
@@ -2964,7 +3083,7 @@
             <a:endParaRPr/>
           </a:p>
           <a:p>
-            <a:pPr indent="0" lvl="0" marL="0" rtl="0" algn="l">
+            <a:pPr marL="0" lvl="0" indent="0" algn="l" rtl="0">
               <a:spcBef>
                 <a:spcPts val="0"/>
               </a:spcBef>
@@ -2980,7 +3099,7 @@
             <a:endParaRPr/>
           </a:p>
           <a:p>
-            <a:pPr indent="0" lvl="0" marL="0" rtl="0" algn="l">
+            <a:pPr marL="0" lvl="0" indent="0" algn="l" rtl="0">
               <a:spcBef>
                 <a:spcPts val="0"/>
               </a:spcBef>
@@ -2996,7 +3115,7 @@
             <a:endParaRPr/>
           </a:p>
           <a:p>
-            <a:pPr indent="0" lvl="0" marL="0" rtl="0" algn="l">
+            <a:pPr marL="0" lvl="0" indent="0" algn="l" rtl="0">
               <a:spcBef>
                 <a:spcPts val="0"/>
               </a:spcBef>
@@ -3022,11 +3141,11 @@
 </file>
 
 <file path=ppt/notesSlides/notesSlide9.xml><?xml version="1.0" encoding="utf-8"?>
-<p:notes xmlns:a="http://schemas.openxmlformats.org/drawingml/2006/main" xmlns:r="http://schemas.openxmlformats.org/officeDocument/2006/relationships" xmlns:mc="http://schemas.openxmlformats.org/markup-compatibility/2006" xmlns:mv="urn:schemas-microsoft-com:mac:vml" xmlns:p="http://schemas.openxmlformats.org/presentationml/2006/main" xmlns:c="http://schemas.openxmlformats.org/drawingml/2006/chart" xmlns:dgm="http://schemas.openxmlformats.org/drawingml/2006/diagram" xmlns:o="urn:schemas-microsoft-com:office:office" xmlns:v="urn:schemas-microsoft-com:vml" xmlns:pvml="urn:schemas-microsoft-com:office:powerpoint" xmlns:com="http://schemas.openxmlformats.org/drawingml/2006/compatibility" xmlns:p14="http://schemas.microsoft.com/office/powerpoint/2010/main" xmlns:p15="http://schemas.microsoft.com/office/powerpoint/2012/main" xmlns:ahyp="http://schemas.microsoft.com/office/drawing/2018/hyperlinkcolor" showMasterPhAnim="0" showMasterSp="0">
+<p:notes xmlns:a="http://schemas.openxmlformats.org/drawingml/2006/main" xmlns:r="http://schemas.openxmlformats.org/officeDocument/2006/relationships" xmlns:p="http://schemas.openxmlformats.org/presentationml/2006/main" showMasterSp="0" showMasterPhAnim="0">
   <p:cSld>
     <p:spTree>
       <p:nvGrpSpPr>
-        <p:cNvPr id="156" name="Shape 156"/>
+        <p:cNvPr id="1" name="Shape 156"/>
         <p:cNvGrpSpPr/>
         <p:nvPr/>
       </p:nvGrpSpPr>
@@ -3041,9 +3160,11 @@
       <p:sp>
         <p:nvSpPr>
           <p:cNvPr id="157" name="Google Shape;157;g121a74e82bd_3_36:notes"/>
-          <p:cNvSpPr/>
+          <p:cNvSpPr>
+            <a:spLocks noGrp="1" noRot="1" noChangeAspect="1"/>
+          </p:cNvSpPr>
           <p:nvPr>
-            <p:ph idx="2" type="sldImg"/>
+            <p:ph type="sldImg" idx="2"/>
           </p:nvPr>
         </p:nvSpPr>
         <p:spPr>
@@ -3052,9 +3173,13 @@
             <a:ext cx="6096000" cy="3429000"/>
           </a:xfrm>
           <a:custGeom>
-            <a:rect b="b" l="l" r="r" t="t"/>
+            <a:avLst/>
+            <a:gdLst/>
+            <a:ahLst/>
+            <a:cxnLst/>
+            <a:rect l="l" t="t" r="r" b="b"/>
             <a:pathLst>
-              <a:path extrusionOk="0" h="120000" w="120000">
+              <a:path w="120000" h="120000" extrusionOk="0">
                 <a:moveTo>
                   <a:pt x="0" y="0"/>
                 </a:moveTo>
@@ -3076,9 +3201,11 @@
       <p:sp>
         <p:nvSpPr>
           <p:cNvPr id="158" name="Google Shape;158;g121a74e82bd_3_36:notes"/>
-          <p:cNvSpPr txBox="1"/>
+          <p:cNvSpPr txBox="1">
+            <a:spLocks noGrp="1"/>
+          </p:cNvSpPr>
           <p:nvPr>
-            <p:ph idx="1" type="body"/>
+            <p:ph type="body" idx="1"/>
           </p:nvPr>
         </p:nvSpPr>
         <p:spPr>
@@ -3091,12 +3218,12 @@
           </a:prstGeom>
         </p:spPr>
         <p:txBody>
-          <a:bodyPr anchorCtr="0" anchor="t" bIns="91425" lIns="91425" spcFirstLastPara="1" rIns="91425" wrap="square" tIns="91425">
+          <a:bodyPr spcFirstLastPara="1" wrap="square" lIns="91425" tIns="91425" rIns="91425" bIns="91425" anchor="t" anchorCtr="0">
             <a:noAutofit/>
           </a:bodyPr>
           <a:lstStyle/>
           <a:p>
-            <a:pPr indent="0" lvl="0" marL="0" rtl="0" algn="l">
+            <a:pPr marL="0" lvl="0" indent="0" algn="l" rtl="0">
               <a:spcBef>
                 <a:spcPts val="0"/>
               </a:spcBef>
@@ -3112,7 +3239,7 @@
             <a:endParaRPr/>
           </a:p>
           <a:p>
-            <a:pPr indent="0" lvl="0" marL="0" rtl="0" algn="l">
+            <a:pPr marL="0" lvl="0" indent="0" algn="l" rtl="0">
               <a:spcBef>
                 <a:spcPts val="0"/>
               </a:spcBef>
@@ -3138,18 +3265,19 @@
 </file>
 
 <file path=ppt/slideLayouts/slideLayout1.xml><?xml version="1.0" encoding="utf-8"?>
-<p:sldLayout xmlns:a="http://schemas.openxmlformats.org/drawingml/2006/main" xmlns:r="http://schemas.openxmlformats.org/officeDocument/2006/relationships" xmlns:mc="http://schemas.openxmlformats.org/markup-compatibility/2006" xmlns:mv="urn:schemas-microsoft-com:mac:vml" xmlns:p="http://schemas.openxmlformats.org/presentationml/2006/main" xmlns:c="http://schemas.openxmlformats.org/drawingml/2006/chart" xmlns:dgm="http://schemas.openxmlformats.org/drawingml/2006/diagram" xmlns:o="urn:schemas-microsoft-com:office:office" xmlns:v="urn:schemas-microsoft-com:vml" xmlns:pvml="urn:schemas-microsoft-com:office:powerpoint" xmlns:com="http://schemas.openxmlformats.org/drawingml/2006/compatibility" xmlns:p14="http://schemas.microsoft.com/office/powerpoint/2010/main" xmlns:p15="http://schemas.microsoft.com/office/powerpoint/2012/main" xmlns:ahyp="http://schemas.microsoft.com/office/drawing/2018/hyperlinkcolor" matchingName="Title slide" type="title">
+<p:sldLayout xmlns:a="http://schemas.openxmlformats.org/drawingml/2006/main" xmlns:r="http://schemas.openxmlformats.org/officeDocument/2006/relationships" xmlns:p="http://schemas.openxmlformats.org/presentationml/2006/main" matchingName="Title slide" type="title">
   <p:cSld name="TITLE">
     <p:bg>
       <p:bgPr>
         <a:solidFill>
           <a:schemeClr val="lt2"/>
         </a:solidFill>
+        <a:effectLst/>
       </p:bgPr>
     </p:bg>
     <p:spTree>
       <p:nvGrpSpPr>
-        <p:cNvPr id="9" name="Shape 9"/>
+        <p:cNvPr id="1" name="Shape 9"/>
         <p:cNvGrpSpPr/>
         <p:nvPr/>
       </p:nvGrpSpPr>
@@ -3183,12 +3311,12 @@
           </a:ln>
         </p:spPr>
         <p:txBody>
-          <a:bodyPr anchorCtr="0" anchor="ctr" bIns="91425" lIns="91425" spcFirstLastPara="1" rIns="91425" wrap="square" tIns="91425">
+          <a:bodyPr spcFirstLastPara="1" wrap="square" lIns="91425" tIns="91425" rIns="91425" bIns="91425" anchor="ctr" anchorCtr="0">
             <a:noAutofit/>
           </a:bodyPr>
           <a:lstStyle/>
           <a:p>
-            <a:pPr indent="0" lvl="0" marL="0" rtl="0" algn="l">
+            <a:pPr marL="0" lvl="0" indent="0" algn="l" rtl="0">
               <a:spcBef>
                 <a:spcPts val="0"/>
               </a:spcBef>
@@ -3197,9 +3325,6 @@
               </a:spcAft>
               <a:buNone/>
             </a:pPr>
-            <a:r>
-              <a:t/>
-            </a:r>
             <a:endParaRPr/>
           </a:p>
         </p:txBody>
@@ -3240,12 +3365,12 @@
             </a:ln>
           </p:spPr>
           <p:txBody>
-            <a:bodyPr anchorCtr="0" anchor="ctr" bIns="91425" lIns="91425" spcFirstLastPara="1" rIns="91425" wrap="square" tIns="91425">
+            <a:bodyPr spcFirstLastPara="1" wrap="square" lIns="91425" tIns="91425" rIns="91425" bIns="91425" anchor="ctr" anchorCtr="0">
               <a:noAutofit/>
             </a:bodyPr>
             <a:lstStyle/>
             <a:p>
-              <a:pPr indent="0" lvl="0" marL="0" rtl="0" algn="l">
+              <a:pPr marL="0" lvl="0" indent="0" algn="l" rtl="0">
                 <a:spcBef>
                   <a:spcPts val="0"/>
                 </a:spcBef>
@@ -3254,9 +3379,6 @@
                 </a:spcAft>
                 <a:buNone/>
               </a:pPr>
-              <a:r>
-                <a:t/>
-              </a:r>
               <a:endParaRPr/>
             </a:p>
           </p:txBody>
@@ -3283,12 +3405,12 @@
             </a:ln>
           </p:spPr>
           <p:txBody>
-            <a:bodyPr anchorCtr="0" anchor="ctr" bIns="91425" lIns="91425" spcFirstLastPara="1" rIns="91425" wrap="square" tIns="91425">
+            <a:bodyPr spcFirstLastPara="1" wrap="square" lIns="91425" tIns="91425" rIns="91425" bIns="91425" anchor="ctr" anchorCtr="0">
               <a:noAutofit/>
             </a:bodyPr>
             <a:lstStyle/>
             <a:p>
-              <a:pPr indent="0" lvl="0" marL="0" rtl="0" algn="l">
+              <a:pPr marL="0" lvl="0" indent="0" algn="l" rtl="0">
                 <a:spcBef>
                   <a:spcPts val="0"/>
                 </a:spcBef>
@@ -3297,9 +3419,6 @@
                 </a:spcAft>
                 <a:buNone/>
               </a:pPr>
-              <a:r>
-                <a:t/>
-              </a:r>
               <a:endParaRPr/>
             </a:p>
           </p:txBody>
@@ -3308,7 +3427,9 @@
       <p:sp>
         <p:nvSpPr>
           <p:cNvPr id="14" name="Google Shape;14;p2"/>
-          <p:cNvSpPr txBox="1"/>
+          <p:cNvSpPr txBox="1">
+            <a:spLocks noGrp="1"/>
+          </p:cNvSpPr>
           <p:nvPr>
             <p:ph type="ctrTitle"/>
           </p:nvPr>
@@ -3323,7 +3444,7 @@
           </a:prstGeom>
         </p:spPr>
         <p:txBody>
-          <a:bodyPr anchorCtr="0" anchor="t" bIns="91425" lIns="91425" spcFirstLastPara="1" rIns="91425" wrap="square" tIns="91425">
+          <a:bodyPr spcFirstLastPara="1" wrap="square" lIns="91425" tIns="91425" rIns="91425" bIns="91425" anchor="t" anchorCtr="0">
             <a:normAutofit/>
           </a:bodyPr>
           <a:lstStyle>
@@ -3427,15 +3548,19 @@
               <a:defRPr sz="4200"/>
             </a:lvl9pPr>
           </a:lstStyle>
-          <a:p/>
+          <a:p>
+            <a:endParaRPr/>
+          </a:p>
         </p:txBody>
       </p:sp>
       <p:sp>
         <p:nvSpPr>
           <p:cNvPr id="15" name="Google Shape;15;p2"/>
-          <p:cNvSpPr txBox="1"/>
+          <p:cNvSpPr txBox="1">
+            <a:spLocks noGrp="1"/>
+          </p:cNvSpPr>
           <p:nvPr>
-            <p:ph idx="1" type="subTitle"/>
+            <p:ph type="subTitle" idx="1"/>
           </p:nvPr>
         </p:nvSpPr>
         <p:spPr>
@@ -3448,7 +3573,7 @@
           </a:prstGeom>
         </p:spPr>
         <p:txBody>
-          <a:bodyPr anchorCtr="0" anchor="t" bIns="91425" lIns="91425" spcFirstLastPara="1" rIns="91425" wrap="square" tIns="91425">
+          <a:bodyPr spcFirstLastPara="1" wrap="square" lIns="91425" tIns="91425" rIns="91425" bIns="91425" anchor="t" anchorCtr="0">
             <a:normAutofit/>
           </a:bodyPr>
           <a:lstStyle>
@@ -3579,15 +3704,19 @@
               <a:defRPr sz="1600"/>
             </a:lvl9pPr>
           </a:lstStyle>
-          <a:p/>
+          <a:p>
+            <a:endParaRPr/>
+          </a:p>
         </p:txBody>
       </p:sp>
       <p:sp>
         <p:nvSpPr>
           <p:cNvPr id="16" name="Google Shape;16;p2"/>
-          <p:cNvSpPr txBox="1"/>
+          <p:cNvSpPr txBox="1">
+            <a:spLocks noGrp="1"/>
+          </p:cNvSpPr>
           <p:nvPr>
-            <p:ph idx="12" type="sldNum"/>
+            <p:ph type="sldNum" idx="12"/>
           </p:nvPr>
         </p:nvSpPr>
         <p:spPr>
@@ -3600,7 +3729,7 @@
           </a:prstGeom>
         </p:spPr>
         <p:txBody>
-          <a:bodyPr anchorCtr="0" anchor="ctr" bIns="91425" lIns="91425" spcFirstLastPara="1" rIns="91425" wrap="square" tIns="91425">
+          <a:bodyPr spcFirstLastPara="1" wrap="square" lIns="91425" tIns="91425" rIns="91425" bIns="91425" anchor="ctr" anchorCtr="0">
             <a:normAutofit/>
           </a:bodyPr>
           <a:lstStyle>
@@ -3642,7 +3771,7 @@
             </a:lvl9pPr>
           </a:lstStyle>
           <a:p>
-            <a:pPr indent="0" lvl="0" marL="0" rtl="0" algn="r">
+            <a:pPr marL="0" lvl="0" indent="0" algn="r" rtl="0">
               <a:spcBef>
                 <a:spcPts val="0"/>
               </a:spcBef>
@@ -3668,18 +3797,19 @@
 </file>
 
 <file path=ppt/slideLayouts/slideLayout10.xml><?xml version="1.0" encoding="utf-8"?>
-<p:sldLayout xmlns:a="http://schemas.openxmlformats.org/drawingml/2006/main" xmlns:r="http://schemas.openxmlformats.org/officeDocument/2006/relationships" xmlns:mc="http://schemas.openxmlformats.org/markup-compatibility/2006" xmlns:mv="urn:schemas-microsoft-com:mac:vml" xmlns:p="http://schemas.openxmlformats.org/presentationml/2006/main" xmlns:c="http://schemas.openxmlformats.org/drawingml/2006/chart" xmlns:dgm="http://schemas.openxmlformats.org/drawingml/2006/diagram" xmlns:o="urn:schemas-microsoft-com:office:office" xmlns:v="urn:schemas-microsoft-com:vml" xmlns:pvml="urn:schemas-microsoft-com:office:powerpoint" xmlns:com="http://schemas.openxmlformats.org/drawingml/2006/compatibility" xmlns:p14="http://schemas.microsoft.com/office/powerpoint/2010/main" xmlns:p15="http://schemas.microsoft.com/office/powerpoint/2012/main" xmlns:ahyp="http://schemas.microsoft.com/office/drawing/2018/hyperlinkcolor" matchingName="Big number">
+<p:sldLayout xmlns:a="http://schemas.openxmlformats.org/drawingml/2006/main" xmlns:r="http://schemas.openxmlformats.org/officeDocument/2006/relationships" xmlns:p="http://schemas.openxmlformats.org/presentationml/2006/main" matchingName="Big number">
   <p:cSld name="BIG_NUMBER">
     <p:bg>
       <p:bgPr>
         <a:solidFill>
           <a:schemeClr val="dk1"/>
         </a:solidFill>
+        <a:effectLst/>
       </p:bgPr>
     </p:bg>
     <p:spTree>
       <p:nvGrpSpPr>
-        <p:cNvPr id="73" name="Shape 73"/>
+        <p:cNvPr id="1" name="Shape 73"/>
         <p:cNvGrpSpPr/>
         <p:nvPr/>
       </p:nvGrpSpPr>
@@ -3727,12 +3857,12 @@
             </a:ln>
           </p:spPr>
           <p:txBody>
-            <a:bodyPr anchorCtr="0" anchor="ctr" bIns="91425" lIns="91425" spcFirstLastPara="1" rIns="91425" wrap="square" tIns="91425">
+            <a:bodyPr spcFirstLastPara="1" wrap="square" lIns="91425" tIns="91425" rIns="91425" bIns="91425" anchor="ctr" anchorCtr="0">
               <a:noAutofit/>
             </a:bodyPr>
             <a:lstStyle/>
             <a:p>
-              <a:pPr indent="0" lvl="0" marL="0" rtl="0" algn="l">
+              <a:pPr marL="0" lvl="0" indent="0" algn="l" rtl="0">
                 <a:spcBef>
                   <a:spcPts val="0"/>
                 </a:spcBef>
@@ -3741,9 +3871,6 @@
                 </a:spcAft>
                 <a:buNone/>
               </a:pPr>
-              <a:r>
-                <a:t/>
-              </a:r>
               <a:endParaRPr/>
             </a:p>
           </p:txBody>
@@ -3770,12 +3897,12 @@
             </a:ln>
           </p:spPr>
           <p:txBody>
-            <a:bodyPr anchorCtr="0" anchor="ctr" bIns="91425" lIns="91425" spcFirstLastPara="1" rIns="91425" wrap="square" tIns="91425">
+            <a:bodyPr spcFirstLastPara="1" wrap="square" lIns="91425" tIns="91425" rIns="91425" bIns="91425" anchor="ctr" anchorCtr="0">
               <a:noAutofit/>
             </a:bodyPr>
             <a:lstStyle/>
             <a:p>
-              <a:pPr indent="0" lvl="0" marL="0" rtl="0" algn="l">
+              <a:pPr marL="0" lvl="0" indent="0" algn="l" rtl="0">
                 <a:spcBef>
                   <a:spcPts val="0"/>
                 </a:spcBef>
@@ -3784,9 +3911,6 @@
                 </a:spcAft>
                 <a:buNone/>
               </a:pPr>
-              <a:r>
-                <a:t/>
-              </a:r>
               <a:endParaRPr/>
             </a:p>
           </p:txBody>
@@ -3795,9 +3919,11 @@
       <p:sp>
         <p:nvSpPr>
           <p:cNvPr id="77" name="Google Shape;77;p11"/>
-          <p:cNvSpPr txBox="1"/>
+          <p:cNvSpPr txBox="1">
+            <a:spLocks noGrp="1"/>
+          </p:cNvSpPr>
           <p:nvPr>
-            <p:ph hasCustomPrompt="1" type="title"/>
+            <p:ph type="title" hasCustomPrompt="1"/>
           </p:nvPr>
         </p:nvSpPr>
         <p:spPr>
@@ -3810,7 +3936,7 @@
           </a:prstGeom>
         </p:spPr>
         <p:txBody>
-          <a:bodyPr anchorCtr="0" anchor="t" bIns="91425" lIns="91425" spcFirstLastPara="1" rIns="91425" wrap="square" tIns="91425">
+          <a:bodyPr spcFirstLastPara="1" wrap="square" lIns="91425" tIns="91425" rIns="91425" bIns="91425" anchor="t" anchorCtr="0">
             <a:normAutofit/>
           </a:bodyPr>
           <a:lstStyle>
@@ -3987,9 +4113,11 @@
       <p:sp>
         <p:nvSpPr>
           <p:cNvPr id="78" name="Google Shape;78;p11"/>
-          <p:cNvSpPr txBox="1"/>
+          <p:cNvSpPr txBox="1">
+            <a:spLocks noGrp="1"/>
+          </p:cNvSpPr>
           <p:nvPr>
-            <p:ph idx="1" type="body"/>
+            <p:ph type="body" idx="1"/>
           </p:nvPr>
         </p:nvSpPr>
         <p:spPr>
@@ -4002,11 +4130,11 @@
           </a:prstGeom>
         </p:spPr>
         <p:txBody>
-          <a:bodyPr anchorCtr="0" anchor="t" bIns="91425" lIns="91425" spcFirstLastPara="1" rIns="91425" wrap="square" tIns="91425">
+          <a:bodyPr spcFirstLastPara="1" wrap="square" lIns="91425" tIns="91425" rIns="91425" bIns="91425" anchor="t" anchorCtr="0">
             <a:normAutofit/>
           </a:bodyPr>
           <a:lstStyle>
-            <a:lvl1pPr indent="-311150" lvl="0" marL="457200">
+            <a:lvl1pPr marL="457200" lvl="0" indent="-311150">
               <a:spcBef>
                 <a:spcPts val="0"/>
               </a:spcBef>
@@ -4024,7 +4152,7 @@
                 </a:solidFill>
               </a:defRPr>
             </a:lvl1pPr>
-            <a:lvl2pPr indent="-298450" lvl="1" marL="914400">
+            <a:lvl2pPr marL="914400" lvl="1" indent="-298450">
               <a:spcBef>
                 <a:spcPts val="0"/>
               </a:spcBef>
@@ -4042,7 +4170,7 @@
                 </a:solidFill>
               </a:defRPr>
             </a:lvl2pPr>
-            <a:lvl3pPr indent="-298450" lvl="2" marL="1371600">
+            <a:lvl3pPr marL="1371600" lvl="2" indent="-298450">
               <a:spcBef>
                 <a:spcPts val="0"/>
               </a:spcBef>
@@ -4060,7 +4188,7 @@
                 </a:solidFill>
               </a:defRPr>
             </a:lvl3pPr>
-            <a:lvl4pPr indent="-298450" lvl="3" marL="1828800">
+            <a:lvl4pPr marL="1828800" lvl="3" indent="-298450">
               <a:spcBef>
                 <a:spcPts val="0"/>
               </a:spcBef>
@@ -4078,7 +4206,7 @@
                 </a:solidFill>
               </a:defRPr>
             </a:lvl4pPr>
-            <a:lvl5pPr indent="-298450" lvl="4" marL="2286000">
+            <a:lvl5pPr marL="2286000" lvl="4" indent="-298450">
               <a:spcBef>
                 <a:spcPts val="0"/>
               </a:spcBef>
@@ -4096,7 +4224,7 @@
                 </a:solidFill>
               </a:defRPr>
             </a:lvl5pPr>
-            <a:lvl6pPr indent="-298450" lvl="5" marL="2743200">
+            <a:lvl6pPr marL="2743200" lvl="5" indent="-298450">
               <a:spcBef>
                 <a:spcPts val="0"/>
               </a:spcBef>
@@ -4114,7 +4242,7 @@
                 </a:solidFill>
               </a:defRPr>
             </a:lvl6pPr>
-            <a:lvl7pPr indent="-298450" lvl="6" marL="3200400">
+            <a:lvl7pPr marL="3200400" lvl="6" indent="-298450">
               <a:spcBef>
                 <a:spcPts val="0"/>
               </a:spcBef>
@@ -4132,7 +4260,7 @@
                 </a:solidFill>
               </a:defRPr>
             </a:lvl7pPr>
-            <a:lvl8pPr indent="-298450" lvl="7" marL="3657600">
+            <a:lvl8pPr marL="3657600" lvl="7" indent="-298450">
               <a:spcBef>
                 <a:spcPts val="0"/>
               </a:spcBef>
@@ -4150,7 +4278,7 @@
                 </a:solidFill>
               </a:defRPr>
             </a:lvl8pPr>
-            <a:lvl9pPr indent="-298450" lvl="8" marL="4114800">
+            <a:lvl9pPr marL="4114800" lvl="8" indent="-298450">
               <a:spcBef>
                 <a:spcPts val="0"/>
               </a:spcBef>
@@ -4169,15 +4297,19 @@
               </a:defRPr>
             </a:lvl9pPr>
           </a:lstStyle>
-          <a:p/>
+          <a:p>
+            <a:endParaRPr/>
+          </a:p>
         </p:txBody>
       </p:sp>
       <p:sp>
         <p:nvSpPr>
           <p:cNvPr id="79" name="Google Shape;79;p11"/>
-          <p:cNvSpPr txBox="1"/>
+          <p:cNvSpPr txBox="1">
+            <a:spLocks noGrp="1"/>
+          </p:cNvSpPr>
           <p:nvPr>
-            <p:ph idx="12" type="sldNum"/>
+            <p:ph type="sldNum" idx="12"/>
           </p:nvPr>
         </p:nvSpPr>
         <p:spPr>
@@ -4190,7 +4322,7 @@
           </a:prstGeom>
         </p:spPr>
         <p:txBody>
-          <a:bodyPr anchorCtr="0" anchor="ctr" bIns="91425" lIns="91425" spcFirstLastPara="1" rIns="91425" wrap="square" tIns="91425">
+          <a:bodyPr spcFirstLastPara="1" wrap="square" lIns="91425" tIns="91425" rIns="91425" bIns="91425" anchor="ctr" anchorCtr="0">
             <a:normAutofit/>
           </a:bodyPr>
           <a:lstStyle>
@@ -4268,7 +4400,7 @@
             </a:lvl9pPr>
           </a:lstStyle>
           <a:p>
-            <a:pPr indent="0" lvl="0" marL="0" rtl="0" algn="r">
+            <a:pPr marL="0" lvl="0" indent="0" algn="r" rtl="0">
               <a:spcBef>
                 <a:spcPts val="0"/>
               </a:spcBef>
@@ -4294,11 +4426,11 @@
 </file>
 
 <file path=ppt/slideLayouts/slideLayout11.xml><?xml version="1.0" encoding="utf-8"?>
-<p:sldLayout xmlns:a="http://schemas.openxmlformats.org/drawingml/2006/main" xmlns:r="http://schemas.openxmlformats.org/officeDocument/2006/relationships" xmlns:mc="http://schemas.openxmlformats.org/markup-compatibility/2006" xmlns:mv="urn:schemas-microsoft-com:mac:vml" xmlns:p="http://schemas.openxmlformats.org/presentationml/2006/main" xmlns:c="http://schemas.openxmlformats.org/drawingml/2006/chart" xmlns:dgm="http://schemas.openxmlformats.org/drawingml/2006/diagram" xmlns:o="urn:schemas-microsoft-com:office:office" xmlns:v="urn:schemas-microsoft-com:vml" xmlns:pvml="urn:schemas-microsoft-com:office:powerpoint" xmlns:com="http://schemas.openxmlformats.org/drawingml/2006/compatibility" xmlns:p14="http://schemas.microsoft.com/office/powerpoint/2010/main" xmlns:p15="http://schemas.microsoft.com/office/powerpoint/2012/main" xmlns:ahyp="http://schemas.microsoft.com/office/drawing/2018/hyperlinkcolor" matchingName="Blank" type="blank">
+<p:sldLayout xmlns:a="http://schemas.openxmlformats.org/drawingml/2006/main" xmlns:r="http://schemas.openxmlformats.org/officeDocument/2006/relationships" xmlns:p="http://schemas.openxmlformats.org/presentationml/2006/main" matchingName="Blank" type="blank">
   <p:cSld name="BLANK">
     <p:spTree>
       <p:nvGrpSpPr>
-        <p:cNvPr id="80" name="Shape 80"/>
+        <p:cNvPr id="1" name="Shape 80"/>
         <p:cNvGrpSpPr/>
         <p:nvPr/>
       </p:nvGrpSpPr>
@@ -4313,9 +4445,11 @@
       <p:sp>
         <p:nvSpPr>
           <p:cNvPr id="81" name="Google Shape;81;p12"/>
-          <p:cNvSpPr txBox="1"/>
+          <p:cNvSpPr txBox="1">
+            <a:spLocks noGrp="1"/>
+          </p:cNvSpPr>
           <p:nvPr>
-            <p:ph idx="12" type="sldNum"/>
+            <p:ph type="sldNum" idx="12"/>
           </p:nvPr>
         </p:nvSpPr>
         <p:spPr>
@@ -4328,7 +4462,7 @@
           </a:prstGeom>
         </p:spPr>
         <p:txBody>
-          <a:bodyPr anchorCtr="0" anchor="ctr" bIns="91425" lIns="91425" spcFirstLastPara="1" rIns="91425" wrap="square" tIns="91425">
+          <a:bodyPr spcFirstLastPara="1" wrap="square" lIns="91425" tIns="91425" rIns="91425" bIns="91425" anchor="ctr" anchorCtr="0">
             <a:normAutofit/>
           </a:bodyPr>
           <a:lstStyle>
@@ -4370,7 +4504,7 @@
             </a:lvl9pPr>
           </a:lstStyle>
           <a:p>
-            <a:pPr indent="0" lvl="0" marL="0" rtl="0" algn="r">
+            <a:pPr marL="0" lvl="0" indent="0" algn="r" rtl="0">
               <a:spcBef>
                 <a:spcPts val="0"/>
               </a:spcBef>
@@ -4396,18 +4530,19 @@
 </file>
 
 <file path=ppt/slideLayouts/slideLayout2.xml><?xml version="1.0" encoding="utf-8"?>
-<p:sldLayout xmlns:a="http://schemas.openxmlformats.org/drawingml/2006/main" xmlns:r="http://schemas.openxmlformats.org/officeDocument/2006/relationships" xmlns:mc="http://schemas.openxmlformats.org/markup-compatibility/2006" xmlns:mv="urn:schemas-microsoft-com:mac:vml" xmlns:p="http://schemas.openxmlformats.org/presentationml/2006/main" xmlns:c="http://schemas.openxmlformats.org/drawingml/2006/chart" xmlns:dgm="http://schemas.openxmlformats.org/drawingml/2006/diagram" xmlns:o="urn:schemas-microsoft-com:office:office" xmlns:v="urn:schemas-microsoft-com:vml" xmlns:pvml="urn:schemas-microsoft-com:office:powerpoint" xmlns:com="http://schemas.openxmlformats.org/drawingml/2006/compatibility" xmlns:p14="http://schemas.microsoft.com/office/powerpoint/2010/main" xmlns:p15="http://schemas.microsoft.com/office/powerpoint/2012/main" xmlns:ahyp="http://schemas.microsoft.com/office/drawing/2018/hyperlinkcolor" matchingName="Section header" type="secHead">
+<p:sldLayout xmlns:a="http://schemas.openxmlformats.org/drawingml/2006/main" xmlns:r="http://schemas.openxmlformats.org/officeDocument/2006/relationships" xmlns:p="http://schemas.openxmlformats.org/presentationml/2006/main" matchingName="Section header" type="secHead">
   <p:cSld name="SECTION_HEADER">
     <p:bg>
       <p:bgPr>
         <a:solidFill>
           <a:schemeClr val="dk1"/>
         </a:solidFill>
+        <a:effectLst/>
       </p:bgPr>
     </p:bg>
     <p:spTree>
       <p:nvGrpSpPr>
-        <p:cNvPr id="17" name="Shape 17"/>
+        <p:cNvPr id="1" name="Shape 17"/>
         <p:cNvGrpSpPr/>
         <p:nvPr/>
       </p:nvGrpSpPr>
@@ -4455,12 +4590,12 @@
             </a:ln>
           </p:spPr>
           <p:txBody>
-            <a:bodyPr anchorCtr="0" anchor="ctr" bIns="91425" lIns="91425" spcFirstLastPara="1" rIns="91425" wrap="square" tIns="91425">
+            <a:bodyPr spcFirstLastPara="1" wrap="square" lIns="91425" tIns="91425" rIns="91425" bIns="91425" anchor="ctr" anchorCtr="0">
               <a:noAutofit/>
             </a:bodyPr>
             <a:lstStyle/>
             <a:p>
-              <a:pPr indent="0" lvl="0" marL="0" rtl="0" algn="l">
+              <a:pPr marL="0" lvl="0" indent="0" algn="l" rtl="0">
                 <a:spcBef>
                   <a:spcPts val="0"/>
                 </a:spcBef>
@@ -4469,9 +4604,6 @@
                 </a:spcAft>
                 <a:buNone/>
               </a:pPr>
-              <a:r>
-                <a:t/>
-              </a:r>
               <a:endParaRPr/>
             </a:p>
           </p:txBody>
@@ -4498,12 +4630,12 @@
             </a:ln>
           </p:spPr>
           <p:txBody>
-            <a:bodyPr anchorCtr="0" anchor="ctr" bIns="91425" lIns="91425" spcFirstLastPara="1" rIns="91425" wrap="square" tIns="91425">
+            <a:bodyPr spcFirstLastPara="1" wrap="square" lIns="91425" tIns="91425" rIns="91425" bIns="91425" anchor="ctr" anchorCtr="0">
               <a:noAutofit/>
             </a:bodyPr>
             <a:lstStyle/>
             <a:p>
-              <a:pPr indent="0" lvl="0" marL="0" rtl="0" algn="l">
+              <a:pPr marL="0" lvl="0" indent="0" algn="l" rtl="0">
                 <a:spcBef>
                   <a:spcPts val="0"/>
                 </a:spcBef>
@@ -4512,9 +4644,6 @@
                 </a:spcAft>
                 <a:buNone/>
               </a:pPr>
-              <a:r>
-                <a:t/>
-              </a:r>
               <a:endParaRPr/>
             </a:p>
           </p:txBody>
@@ -4523,7 +4652,9 @@
       <p:sp>
         <p:nvSpPr>
           <p:cNvPr id="21" name="Google Shape;21;p3"/>
-          <p:cNvSpPr txBox="1"/>
+          <p:cNvSpPr txBox="1">
+            <a:spLocks noGrp="1"/>
+          </p:cNvSpPr>
           <p:nvPr>
             <p:ph type="title"/>
           </p:nvPr>
@@ -4538,7 +4669,7 @@
           </a:prstGeom>
         </p:spPr>
         <p:txBody>
-          <a:bodyPr anchorCtr="0" anchor="t" bIns="91425" lIns="91425" spcFirstLastPara="1" rIns="91425" wrap="square" tIns="91425">
+          <a:bodyPr spcFirstLastPara="1" wrap="square" lIns="91425" tIns="91425" rIns="91425" bIns="91425" anchor="t" anchorCtr="0">
             <a:normAutofit/>
           </a:bodyPr>
           <a:lstStyle>
@@ -4705,15 +4836,19 @@
               </a:defRPr>
             </a:lvl9pPr>
           </a:lstStyle>
-          <a:p/>
+          <a:p>
+            <a:endParaRPr/>
+          </a:p>
         </p:txBody>
       </p:sp>
       <p:sp>
         <p:nvSpPr>
           <p:cNvPr id="22" name="Google Shape;22;p3"/>
-          <p:cNvSpPr txBox="1"/>
+          <p:cNvSpPr txBox="1">
+            <a:spLocks noGrp="1"/>
+          </p:cNvSpPr>
           <p:nvPr>
-            <p:ph idx="12" type="sldNum"/>
+            <p:ph type="sldNum" idx="12"/>
           </p:nvPr>
         </p:nvSpPr>
         <p:spPr>
@@ -4726,7 +4861,7 @@
           </a:prstGeom>
         </p:spPr>
         <p:txBody>
-          <a:bodyPr anchorCtr="0" anchor="ctr" bIns="91425" lIns="91425" spcFirstLastPara="1" rIns="91425" wrap="square" tIns="91425">
+          <a:bodyPr spcFirstLastPara="1" wrap="square" lIns="91425" tIns="91425" rIns="91425" bIns="91425" anchor="ctr" anchorCtr="0">
             <a:normAutofit/>
           </a:bodyPr>
           <a:lstStyle>
@@ -4804,7 +4939,7 @@
             </a:lvl9pPr>
           </a:lstStyle>
           <a:p>
-            <a:pPr indent="0" lvl="0" marL="0" rtl="0" algn="r">
+            <a:pPr marL="0" lvl="0" indent="0" algn="r" rtl="0">
               <a:spcBef>
                 <a:spcPts val="0"/>
               </a:spcBef>
@@ -4830,11 +4965,11 @@
 </file>
 
 <file path=ppt/slideLayouts/slideLayout3.xml><?xml version="1.0" encoding="utf-8"?>
-<p:sldLayout xmlns:a="http://schemas.openxmlformats.org/drawingml/2006/main" xmlns:r="http://schemas.openxmlformats.org/officeDocument/2006/relationships" xmlns:mc="http://schemas.openxmlformats.org/markup-compatibility/2006" xmlns:mv="urn:schemas-microsoft-com:mac:vml" xmlns:p="http://schemas.openxmlformats.org/presentationml/2006/main" xmlns:c="http://schemas.openxmlformats.org/drawingml/2006/chart" xmlns:dgm="http://schemas.openxmlformats.org/drawingml/2006/diagram" xmlns:o="urn:schemas-microsoft-com:office:office" xmlns:v="urn:schemas-microsoft-com:vml" xmlns:pvml="urn:schemas-microsoft-com:office:powerpoint" xmlns:com="http://schemas.openxmlformats.org/drawingml/2006/compatibility" xmlns:p14="http://schemas.microsoft.com/office/powerpoint/2010/main" xmlns:p15="http://schemas.microsoft.com/office/powerpoint/2012/main" xmlns:ahyp="http://schemas.microsoft.com/office/drawing/2018/hyperlinkcolor" matchingName="Title and body" type="tx">
+<p:sldLayout xmlns:a="http://schemas.openxmlformats.org/drawingml/2006/main" xmlns:r="http://schemas.openxmlformats.org/officeDocument/2006/relationships" xmlns:p="http://schemas.openxmlformats.org/presentationml/2006/main" matchingName="Title and body" type="tx">
   <p:cSld name="TITLE_AND_BODY">
     <p:spTree>
       <p:nvGrpSpPr>
-        <p:cNvPr id="23" name="Shape 23"/>
+        <p:cNvPr id="1" name="Shape 23"/>
         <p:cNvGrpSpPr/>
         <p:nvPr/>
       </p:nvGrpSpPr>
@@ -4868,12 +5003,12 @@
           </a:ln>
         </p:spPr>
         <p:txBody>
-          <a:bodyPr anchorCtr="0" anchor="ctr" bIns="91425" lIns="91425" spcFirstLastPara="1" rIns="91425" wrap="square" tIns="91425">
+          <a:bodyPr spcFirstLastPara="1" wrap="square" lIns="91425" tIns="91425" rIns="91425" bIns="91425" anchor="ctr" anchorCtr="0">
             <a:noAutofit/>
           </a:bodyPr>
           <a:lstStyle/>
           <a:p>
-            <a:pPr indent="0" lvl="0" marL="0" rtl="0" algn="l">
+            <a:pPr marL="0" lvl="0" indent="0" algn="l" rtl="0">
               <a:spcBef>
                 <a:spcPts val="0"/>
               </a:spcBef>
@@ -4882,9 +5017,6 @@
               </a:spcAft>
               <a:buNone/>
             </a:pPr>
-            <a:r>
-              <a:t/>
-            </a:r>
             <a:endParaRPr/>
           </a:p>
         </p:txBody>
@@ -4925,12 +5057,12 @@
             </a:ln>
           </p:spPr>
           <p:txBody>
-            <a:bodyPr anchorCtr="0" anchor="ctr" bIns="91425" lIns="91425" spcFirstLastPara="1" rIns="91425" wrap="square" tIns="91425">
+            <a:bodyPr spcFirstLastPara="1" wrap="square" lIns="91425" tIns="91425" rIns="91425" bIns="91425" anchor="ctr" anchorCtr="0">
               <a:noAutofit/>
             </a:bodyPr>
             <a:lstStyle/>
             <a:p>
-              <a:pPr indent="0" lvl="0" marL="0" rtl="0" algn="l">
+              <a:pPr marL="0" lvl="0" indent="0" algn="l" rtl="0">
                 <a:spcBef>
                   <a:spcPts val="0"/>
                 </a:spcBef>
@@ -4939,9 +5071,6 @@
                 </a:spcAft>
                 <a:buNone/>
               </a:pPr>
-              <a:r>
-                <a:t/>
-              </a:r>
               <a:endParaRPr/>
             </a:p>
           </p:txBody>
@@ -4968,12 +5097,12 @@
             </a:ln>
           </p:spPr>
           <p:txBody>
-            <a:bodyPr anchorCtr="0" anchor="ctr" bIns="91425" lIns="91425" spcFirstLastPara="1" rIns="91425" wrap="square" tIns="91425">
+            <a:bodyPr spcFirstLastPara="1" wrap="square" lIns="91425" tIns="91425" rIns="91425" bIns="91425" anchor="ctr" anchorCtr="0">
               <a:noAutofit/>
             </a:bodyPr>
             <a:lstStyle/>
             <a:p>
-              <a:pPr indent="0" lvl="0" marL="0" rtl="0" algn="l">
+              <a:pPr marL="0" lvl="0" indent="0" algn="l" rtl="0">
                 <a:spcBef>
                   <a:spcPts val="0"/>
                 </a:spcBef>
@@ -4982,9 +5111,6 @@
                 </a:spcAft>
                 <a:buNone/>
               </a:pPr>
-              <a:r>
-                <a:t/>
-              </a:r>
               <a:endParaRPr/>
             </a:p>
           </p:txBody>
@@ -4993,7 +5119,9 @@
       <p:sp>
         <p:nvSpPr>
           <p:cNvPr id="28" name="Google Shape;28;p4"/>
-          <p:cNvSpPr txBox="1"/>
+          <p:cNvSpPr txBox="1">
+            <a:spLocks noGrp="1"/>
+          </p:cNvSpPr>
           <p:nvPr>
             <p:ph type="title"/>
           </p:nvPr>
@@ -5008,7 +5136,7 @@
           </a:prstGeom>
         </p:spPr>
         <p:txBody>
-          <a:bodyPr anchorCtr="0" anchor="t" bIns="91425" lIns="91425" spcFirstLastPara="1" rIns="91425" wrap="square" tIns="91425">
+          <a:bodyPr spcFirstLastPara="1" wrap="square" lIns="91425" tIns="91425" rIns="91425" bIns="91425" anchor="t" anchorCtr="0">
             <a:normAutofit/>
           </a:bodyPr>
           <a:lstStyle>
@@ -5112,15 +5240,19 @@
               <a:defRPr sz="2600"/>
             </a:lvl9pPr>
           </a:lstStyle>
-          <a:p/>
+          <a:p>
+            <a:endParaRPr/>
+          </a:p>
         </p:txBody>
       </p:sp>
       <p:sp>
         <p:nvSpPr>
           <p:cNvPr id="29" name="Google Shape;29;p4"/>
-          <p:cNvSpPr txBox="1"/>
+          <p:cNvSpPr txBox="1">
+            <a:spLocks noGrp="1"/>
+          </p:cNvSpPr>
           <p:nvPr>
-            <p:ph idx="1" type="body"/>
+            <p:ph type="body" idx="1"/>
           </p:nvPr>
         </p:nvSpPr>
         <p:spPr>
@@ -5133,11 +5265,11 @@
           </a:prstGeom>
         </p:spPr>
         <p:txBody>
-          <a:bodyPr anchorCtr="0" anchor="t" bIns="91425" lIns="91425" spcFirstLastPara="1" rIns="91425" wrap="square" tIns="91425">
+          <a:bodyPr spcFirstLastPara="1" wrap="square" lIns="91425" tIns="91425" rIns="91425" bIns="91425" anchor="t" anchorCtr="0">
             <a:normAutofit/>
           </a:bodyPr>
           <a:lstStyle>
-            <a:lvl1pPr indent="-311150" lvl="0" marL="457200">
+            <a:lvl1pPr marL="457200" lvl="0" indent="-311150">
               <a:spcBef>
                 <a:spcPts val="0"/>
               </a:spcBef>
@@ -5148,7 +5280,7 @@
               <a:buChar char="●"/>
               <a:defRPr/>
             </a:lvl1pPr>
-            <a:lvl2pPr indent="-298450" lvl="1" marL="914400">
+            <a:lvl2pPr marL="914400" lvl="1" indent="-298450">
               <a:spcBef>
                 <a:spcPts val="0"/>
               </a:spcBef>
@@ -5159,7 +5291,7 @@
               <a:buChar char="○"/>
               <a:defRPr/>
             </a:lvl2pPr>
-            <a:lvl3pPr indent="-298450" lvl="2" marL="1371600">
+            <a:lvl3pPr marL="1371600" lvl="2" indent="-298450">
               <a:spcBef>
                 <a:spcPts val="0"/>
               </a:spcBef>
@@ -5170,7 +5302,7 @@
               <a:buChar char="■"/>
               <a:defRPr/>
             </a:lvl3pPr>
-            <a:lvl4pPr indent="-298450" lvl="3" marL="1828800">
+            <a:lvl4pPr marL="1828800" lvl="3" indent="-298450">
               <a:spcBef>
                 <a:spcPts val="0"/>
               </a:spcBef>
@@ -5181,7 +5313,7 @@
               <a:buChar char="●"/>
               <a:defRPr/>
             </a:lvl4pPr>
-            <a:lvl5pPr indent="-298450" lvl="4" marL="2286000">
+            <a:lvl5pPr marL="2286000" lvl="4" indent="-298450">
               <a:spcBef>
                 <a:spcPts val="0"/>
               </a:spcBef>
@@ -5192,7 +5324,7 @@
               <a:buChar char="○"/>
               <a:defRPr/>
             </a:lvl5pPr>
-            <a:lvl6pPr indent="-298450" lvl="5" marL="2743200">
+            <a:lvl6pPr marL="2743200" lvl="5" indent="-298450">
               <a:spcBef>
                 <a:spcPts val="0"/>
               </a:spcBef>
@@ -5203,7 +5335,7 @@
               <a:buChar char="■"/>
               <a:defRPr/>
             </a:lvl6pPr>
-            <a:lvl7pPr indent="-298450" lvl="6" marL="3200400">
+            <a:lvl7pPr marL="3200400" lvl="6" indent="-298450">
               <a:spcBef>
                 <a:spcPts val="0"/>
               </a:spcBef>
@@ -5214,7 +5346,7 @@
               <a:buChar char="●"/>
               <a:defRPr/>
             </a:lvl7pPr>
-            <a:lvl8pPr indent="-298450" lvl="7" marL="3657600">
+            <a:lvl8pPr marL="3657600" lvl="7" indent="-298450">
               <a:spcBef>
                 <a:spcPts val="0"/>
               </a:spcBef>
@@ -5225,7 +5357,7 @@
               <a:buChar char="○"/>
               <a:defRPr/>
             </a:lvl8pPr>
-            <a:lvl9pPr indent="-298450" lvl="8" marL="4114800">
+            <a:lvl9pPr marL="4114800" lvl="8" indent="-298450">
               <a:spcBef>
                 <a:spcPts val="0"/>
               </a:spcBef>
@@ -5237,15 +5369,19 @@
               <a:defRPr/>
             </a:lvl9pPr>
           </a:lstStyle>
-          <a:p/>
+          <a:p>
+            <a:endParaRPr/>
+          </a:p>
         </p:txBody>
       </p:sp>
       <p:sp>
         <p:nvSpPr>
           <p:cNvPr id="30" name="Google Shape;30;p4"/>
-          <p:cNvSpPr txBox="1"/>
+          <p:cNvSpPr txBox="1">
+            <a:spLocks noGrp="1"/>
+          </p:cNvSpPr>
           <p:nvPr>
-            <p:ph idx="12" type="sldNum"/>
+            <p:ph type="sldNum" idx="12"/>
           </p:nvPr>
         </p:nvSpPr>
         <p:spPr>
@@ -5258,7 +5394,7 @@
           </a:prstGeom>
         </p:spPr>
         <p:txBody>
-          <a:bodyPr anchorCtr="0" anchor="ctr" bIns="91425" lIns="91425" spcFirstLastPara="1" rIns="91425" wrap="square" tIns="91425">
+          <a:bodyPr spcFirstLastPara="1" wrap="square" lIns="91425" tIns="91425" rIns="91425" bIns="91425" anchor="ctr" anchorCtr="0">
             <a:normAutofit/>
           </a:bodyPr>
           <a:lstStyle>
@@ -5300,7 +5436,7 @@
             </a:lvl9pPr>
           </a:lstStyle>
           <a:p>
-            <a:pPr indent="0" lvl="0" marL="0" rtl="0" algn="r">
+            <a:pPr marL="0" lvl="0" indent="0" algn="r" rtl="0">
               <a:spcBef>
                 <a:spcPts val="0"/>
               </a:spcBef>
@@ -5326,11 +5462,11 @@
 </file>
 
 <file path=ppt/slideLayouts/slideLayout4.xml><?xml version="1.0" encoding="utf-8"?>
-<p:sldLayout xmlns:a="http://schemas.openxmlformats.org/drawingml/2006/main" xmlns:r="http://schemas.openxmlformats.org/officeDocument/2006/relationships" xmlns:mc="http://schemas.openxmlformats.org/markup-compatibility/2006" xmlns:mv="urn:schemas-microsoft-com:mac:vml" xmlns:p="http://schemas.openxmlformats.org/presentationml/2006/main" xmlns:c="http://schemas.openxmlformats.org/drawingml/2006/chart" xmlns:dgm="http://schemas.openxmlformats.org/drawingml/2006/diagram" xmlns:o="urn:schemas-microsoft-com:office:office" xmlns:v="urn:schemas-microsoft-com:vml" xmlns:pvml="urn:schemas-microsoft-com:office:powerpoint" xmlns:com="http://schemas.openxmlformats.org/drawingml/2006/compatibility" xmlns:p14="http://schemas.microsoft.com/office/powerpoint/2010/main" xmlns:p15="http://schemas.microsoft.com/office/powerpoint/2012/main" xmlns:ahyp="http://schemas.microsoft.com/office/drawing/2018/hyperlinkcolor" matchingName="Title and two columns" type="twoColTx">
+<p:sldLayout xmlns:a="http://schemas.openxmlformats.org/drawingml/2006/main" xmlns:r="http://schemas.openxmlformats.org/officeDocument/2006/relationships" xmlns:p="http://schemas.openxmlformats.org/presentationml/2006/main" matchingName="Title and two columns" type="twoColTx">
   <p:cSld name="TITLE_AND_TWO_COLUMNS">
     <p:spTree>
       <p:nvGrpSpPr>
-        <p:cNvPr id="31" name="Shape 31"/>
+        <p:cNvPr id="1" name="Shape 31"/>
         <p:cNvGrpSpPr/>
         <p:nvPr/>
       </p:nvGrpSpPr>
@@ -5364,12 +5500,12 @@
           </a:ln>
         </p:spPr>
         <p:txBody>
-          <a:bodyPr anchorCtr="0" anchor="ctr" bIns="91425" lIns="91425" spcFirstLastPara="1" rIns="91425" wrap="square" tIns="91425">
+          <a:bodyPr spcFirstLastPara="1" wrap="square" lIns="91425" tIns="91425" rIns="91425" bIns="91425" anchor="ctr" anchorCtr="0">
             <a:noAutofit/>
           </a:bodyPr>
           <a:lstStyle/>
           <a:p>
-            <a:pPr indent="0" lvl="0" marL="0" rtl="0" algn="l">
+            <a:pPr marL="0" lvl="0" indent="0" algn="l" rtl="0">
               <a:spcBef>
                 <a:spcPts val="0"/>
               </a:spcBef>
@@ -5378,9 +5514,6 @@
               </a:spcAft>
               <a:buNone/>
             </a:pPr>
-            <a:r>
-              <a:t/>
-            </a:r>
             <a:endParaRPr/>
           </a:p>
         </p:txBody>
@@ -5421,12 +5554,12 @@
             </a:ln>
           </p:spPr>
           <p:txBody>
-            <a:bodyPr anchorCtr="0" anchor="ctr" bIns="91425" lIns="91425" spcFirstLastPara="1" rIns="91425" wrap="square" tIns="91425">
+            <a:bodyPr spcFirstLastPara="1" wrap="square" lIns="91425" tIns="91425" rIns="91425" bIns="91425" anchor="ctr" anchorCtr="0">
               <a:noAutofit/>
             </a:bodyPr>
             <a:lstStyle/>
             <a:p>
-              <a:pPr indent="0" lvl="0" marL="0" rtl="0" algn="l">
+              <a:pPr marL="0" lvl="0" indent="0" algn="l" rtl="0">
                 <a:spcBef>
                   <a:spcPts val="0"/>
                 </a:spcBef>
@@ -5435,9 +5568,6 @@
                 </a:spcAft>
                 <a:buNone/>
               </a:pPr>
-              <a:r>
-                <a:t/>
-              </a:r>
               <a:endParaRPr/>
             </a:p>
           </p:txBody>
@@ -5464,12 +5594,12 @@
             </a:ln>
           </p:spPr>
           <p:txBody>
-            <a:bodyPr anchorCtr="0" anchor="ctr" bIns="91425" lIns="91425" spcFirstLastPara="1" rIns="91425" wrap="square" tIns="91425">
+            <a:bodyPr spcFirstLastPara="1" wrap="square" lIns="91425" tIns="91425" rIns="91425" bIns="91425" anchor="ctr" anchorCtr="0">
               <a:noAutofit/>
             </a:bodyPr>
             <a:lstStyle/>
             <a:p>
-              <a:pPr indent="0" lvl="0" marL="0" rtl="0" algn="l">
+              <a:pPr marL="0" lvl="0" indent="0" algn="l" rtl="0">
                 <a:spcBef>
                   <a:spcPts val="0"/>
                 </a:spcBef>
@@ -5478,9 +5608,6 @@
                 </a:spcAft>
                 <a:buNone/>
               </a:pPr>
-              <a:r>
-                <a:t/>
-              </a:r>
               <a:endParaRPr/>
             </a:p>
           </p:txBody>
@@ -5489,7 +5616,9 @@
       <p:sp>
         <p:nvSpPr>
           <p:cNvPr id="36" name="Google Shape;36;p5"/>
-          <p:cNvSpPr txBox="1"/>
+          <p:cNvSpPr txBox="1">
+            <a:spLocks noGrp="1"/>
+          </p:cNvSpPr>
           <p:nvPr>
             <p:ph type="title"/>
           </p:nvPr>
@@ -5504,7 +5633,7 @@
           </a:prstGeom>
         </p:spPr>
         <p:txBody>
-          <a:bodyPr anchorCtr="0" anchor="t" bIns="91425" lIns="91425" spcFirstLastPara="1" rIns="91425" wrap="square" tIns="91425">
+          <a:bodyPr spcFirstLastPara="1" wrap="square" lIns="91425" tIns="91425" rIns="91425" bIns="91425" anchor="t" anchorCtr="0">
             <a:normAutofit/>
           </a:bodyPr>
           <a:lstStyle>
@@ -5608,15 +5737,19 @@
               <a:defRPr sz="2600"/>
             </a:lvl9pPr>
           </a:lstStyle>
-          <a:p/>
+          <a:p>
+            <a:endParaRPr/>
+          </a:p>
         </p:txBody>
       </p:sp>
       <p:sp>
         <p:nvSpPr>
           <p:cNvPr id="37" name="Google Shape;37;p5"/>
-          <p:cNvSpPr txBox="1"/>
+          <p:cNvSpPr txBox="1">
+            <a:spLocks noGrp="1"/>
+          </p:cNvSpPr>
           <p:nvPr>
-            <p:ph idx="1" type="body"/>
+            <p:ph type="body" idx="1"/>
           </p:nvPr>
         </p:nvSpPr>
         <p:spPr>
@@ -5629,11 +5762,11 @@
           </a:prstGeom>
         </p:spPr>
         <p:txBody>
-          <a:bodyPr anchorCtr="0" anchor="t" bIns="91425" lIns="91425" spcFirstLastPara="1" rIns="91425" wrap="square" tIns="91425">
+          <a:bodyPr spcFirstLastPara="1" wrap="square" lIns="91425" tIns="91425" rIns="91425" bIns="91425" anchor="t" anchorCtr="0">
             <a:normAutofit/>
           </a:bodyPr>
           <a:lstStyle>
-            <a:lvl1pPr indent="-311150" lvl="0" marL="457200">
+            <a:lvl1pPr marL="457200" lvl="0" indent="-311150">
               <a:spcBef>
                 <a:spcPts val="0"/>
               </a:spcBef>
@@ -5644,7 +5777,7 @@
               <a:buChar char="●"/>
               <a:defRPr/>
             </a:lvl1pPr>
-            <a:lvl2pPr indent="-298450" lvl="1" marL="914400">
+            <a:lvl2pPr marL="914400" lvl="1" indent="-298450">
               <a:spcBef>
                 <a:spcPts val="0"/>
               </a:spcBef>
@@ -5655,7 +5788,7 @@
               <a:buChar char="○"/>
               <a:defRPr/>
             </a:lvl2pPr>
-            <a:lvl3pPr indent="-298450" lvl="2" marL="1371600">
+            <a:lvl3pPr marL="1371600" lvl="2" indent="-298450">
               <a:spcBef>
                 <a:spcPts val="0"/>
               </a:spcBef>
@@ -5666,7 +5799,7 @@
               <a:buChar char="■"/>
               <a:defRPr/>
             </a:lvl3pPr>
-            <a:lvl4pPr indent="-298450" lvl="3" marL="1828800">
+            <a:lvl4pPr marL="1828800" lvl="3" indent="-298450">
               <a:spcBef>
                 <a:spcPts val="0"/>
               </a:spcBef>
@@ -5677,7 +5810,7 @@
               <a:buChar char="●"/>
               <a:defRPr/>
             </a:lvl4pPr>
-            <a:lvl5pPr indent="-298450" lvl="4" marL="2286000">
+            <a:lvl5pPr marL="2286000" lvl="4" indent="-298450">
               <a:spcBef>
                 <a:spcPts val="0"/>
               </a:spcBef>
@@ -5688,7 +5821,7 @@
               <a:buChar char="○"/>
               <a:defRPr/>
             </a:lvl5pPr>
-            <a:lvl6pPr indent="-298450" lvl="5" marL="2743200">
+            <a:lvl6pPr marL="2743200" lvl="5" indent="-298450">
               <a:spcBef>
                 <a:spcPts val="0"/>
               </a:spcBef>
@@ -5699,7 +5832,7 @@
               <a:buChar char="■"/>
               <a:defRPr/>
             </a:lvl6pPr>
-            <a:lvl7pPr indent="-298450" lvl="6" marL="3200400">
+            <a:lvl7pPr marL="3200400" lvl="6" indent="-298450">
               <a:spcBef>
                 <a:spcPts val="0"/>
               </a:spcBef>
@@ -5710,7 +5843,7 @@
               <a:buChar char="●"/>
               <a:defRPr/>
             </a:lvl7pPr>
-            <a:lvl8pPr indent="-298450" lvl="7" marL="3657600">
+            <a:lvl8pPr marL="3657600" lvl="7" indent="-298450">
               <a:spcBef>
                 <a:spcPts val="0"/>
               </a:spcBef>
@@ -5721,7 +5854,7 @@
               <a:buChar char="○"/>
               <a:defRPr/>
             </a:lvl8pPr>
-            <a:lvl9pPr indent="-298450" lvl="8" marL="4114800">
+            <a:lvl9pPr marL="4114800" lvl="8" indent="-298450">
               <a:spcBef>
                 <a:spcPts val="0"/>
               </a:spcBef>
@@ -5733,15 +5866,19 @@
               <a:defRPr/>
             </a:lvl9pPr>
           </a:lstStyle>
-          <a:p/>
+          <a:p>
+            <a:endParaRPr/>
+          </a:p>
         </p:txBody>
       </p:sp>
       <p:sp>
         <p:nvSpPr>
           <p:cNvPr id="38" name="Google Shape;38;p5"/>
-          <p:cNvSpPr txBox="1"/>
+          <p:cNvSpPr txBox="1">
+            <a:spLocks noGrp="1"/>
+          </p:cNvSpPr>
           <p:nvPr>
-            <p:ph idx="2" type="body"/>
+            <p:ph type="body" idx="2"/>
           </p:nvPr>
         </p:nvSpPr>
         <p:spPr>
@@ -5754,11 +5891,11 @@
           </a:prstGeom>
         </p:spPr>
         <p:txBody>
-          <a:bodyPr anchorCtr="0" anchor="t" bIns="91425" lIns="91425" spcFirstLastPara="1" rIns="91425" wrap="square" tIns="91425">
+          <a:bodyPr spcFirstLastPara="1" wrap="square" lIns="91425" tIns="91425" rIns="91425" bIns="91425" anchor="t" anchorCtr="0">
             <a:normAutofit/>
           </a:bodyPr>
           <a:lstStyle>
-            <a:lvl1pPr indent="-311150" lvl="0" marL="457200">
+            <a:lvl1pPr marL="457200" lvl="0" indent="-311150">
               <a:spcBef>
                 <a:spcPts val="0"/>
               </a:spcBef>
@@ -5769,7 +5906,7 @@
               <a:buChar char="●"/>
               <a:defRPr/>
             </a:lvl1pPr>
-            <a:lvl2pPr indent="-298450" lvl="1" marL="914400">
+            <a:lvl2pPr marL="914400" lvl="1" indent="-298450">
               <a:spcBef>
                 <a:spcPts val="0"/>
               </a:spcBef>
@@ -5780,7 +5917,7 @@
               <a:buChar char="○"/>
               <a:defRPr/>
             </a:lvl2pPr>
-            <a:lvl3pPr indent="-298450" lvl="2" marL="1371600">
+            <a:lvl3pPr marL="1371600" lvl="2" indent="-298450">
               <a:spcBef>
                 <a:spcPts val="0"/>
               </a:spcBef>
@@ -5791,7 +5928,7 @@
               <a:buChar char="■"/>
               <a:defRPr/>
             </a:lvl3pPr>
-            <a:lvl4pPr indent="-298450" lvl="3" marL="1828800">
+            <a:lvl4pPr marL="1828800" lvl="3" indent="-298450">
               <a:spcBef>
                 <a:spcPts val="0"/>
               </a:spcBef>
@@ -5802,7 +5939,7 @@
               <a:buChar char="●"/>
               <a:defRPr/>
             </a:lvl4pPr>
-            <a:lvl5pPr indent="-298450" lvl="4" marL="2286000">
+            <a:lvl5pPr marL="2286000" lvl="4" indent="-298450">
               <a:spcBef>
                 <a:spcPts val="0"/>
               </a:spcBef>
@@ -5813,7 +5950,7 @@
               <a:buChar char="○"/>
               <a:defRPr/>
             </a:lvl5pPr>
-            <a:lvl6pPr indent="-298450" lvl="5" marL="2743200">
+            <a:lvl6pPr marL="2743200" lvl="5" indent="-298450">
               <a:spcBef>
                 <a:spcPts val="0"/>
               </a:spcBef>
@@ -5824,7 +5961,7 @@
               <a:buChar char="■"/>
               <a:defRPr/>
             </a:lvl6pPr>
-            <a:lvl7pPr indent="-298450" lvl="6" marL="3200400">
+            <a:lvl7pPr marL="3200400" lvl="6" indent="-298450">
               <a:spcBef>
                 <a:spcPts val="0"/>
               </a:spcBef>
@@ -5835,7 +5972,7 @@
               <a:buChar char="●"/>
               <a:defRPr/>
             </a:lvl7pPr>
-            <a:lvl8pPr indent="-298450" lvl="7" marL="3657600">
+            <a:lvl8pPr marL="3657600" lvl="7" indent="-298450">
               <a:spcBef>
                 <a:spcPts val="0"/>
               </a:spcBef>
@@ -5846,7 +5983,7 @@
               <a:buChar char="○"/>
               <a:defRPr/>
             </a:lvl8pPr>
-            <a:lvl9pPr indent="-298450" lvl="8" marL="4114800">
+            <a:lvl9pPr marL="4114800" lvl="8" indent="-298450">
               <a:spcBef>
                 <a:spcPts val="0"/>
               </a:spcBef>
@@ -5858,15 +5995,19 @@
               <a:defRPr/>
             </a:lvl9pPr>
           </a:lstStyle>
-          <a:p/>
+          <a:p>
+            <a:endParaRPr/>
+          </a:p>
         </p:txBody>
       </p:sp>
       <p:sp>
         <p:nvSpPr>
           <p:cNvPr id="39" name="Google Shape;39;p5"/>
-          <p:cNvSpPr txBox="1"/>
+          <p:cNvSpPr txBox="1">
+            <a:spLocks noGrp="1"/>
+          </p:cNvSpPr>
           <p:nvPr>
-            <p:ph idx="12" type="sldNum"/>
+            <p:ph type="sldNum" idx="12"/>
           </p:nvPr>
         </p:nvSpPr>
         <p:spPr>
@@ -5879,7 +6020,7 @@
           </a:prstGeom>
         </p:spPr>
         <p:txBody>
-          <a:bodyPr anchorCtr="0" anchor="ctr" bIns="91425" lIns="91425" spcFirstLastPara="1" rIns="91425" wrap="square" tIns="91425">
+          <a:bodyPr spcFirstLastPara="1" wrap="square" lIns="91425" tIns="91425" rIns="91425" bIns="91425" anchor="ctr" anchorCtr="0">
             <a:normAutofit/>
           </a:bodyPr>
           <a:lstStyle>
@@ -5921,7 +6062,7 @@
             </a:lvl9pPr>
           </a:lstStyle>
           <a:p>
-            <a:pPr indent="0" lvl="0" marL="0" rtl="0" algn="r">
+            <a:pPr marL="0" lvl="0" indent="0" algn="r" rtl="0">
               <a:spcBef>
                 <a:spcPts val="0"/>
               </a:spcBef>
@@ -5947,11 +6088,11 @@
 </file>
 
 <file path=ppt/slideLayouts/slideLayout5.xml><?xml version="1.0" encoding="utf-8"?>
-<p:sldLayout xmlns:a="http://schemas.openxmlformats.org/drawingml/2006/main" xmlns:r="http://schemas.openxmlformats.org/officeDocument/2006/relationships" xmlns:mc="http://schemas.openxmlformats.org/markup-compatibility/2006" xmlns:mv="urn:schemas-microsoft-com:mac:vml" xmlns:p="http://schemas.openxmlformats.org/presentationml/2006/main" xmlns:c="http://schemas.openxmlformats.org/drawingml/2006/chart" xmlns:dgm="http://schemas.openxmlformats.org/drawingml/2006/diagram" xmlns:o="urn:schemas-microsoft-com:office:office" xmlns:v="urn:schemas-microsoft-com:vml" xmlns:pvml="urn:schemas-microsoft-com:office:powerpoint" xmlns:com="http://schemas.openxmlformats.org/drawingml/2006/compatibility" xmlns:p14="http://schemas.microsoft.com/office/powerpoint/2010/main" xmlns:p15="http://schemas.microsoft.com/office/powerpoint/2012/main" xmlns:ahyp="http://schemas.microsoft.com/office/drawing/2018/hyperlinkcolor" matchingName="Title only" type="titleOnly">
+<p:sldLayout xmlns:a="http://schemas.openxmlformats.org/drawingml/2006/main" xmlns:r="http://schemas.openxmlformats.org/officeDocument/2006/relationships" xmlns:p="http://schemas.openxmlformats.org/presentationml/2006/main" matchingName="Title only" type="titleOnly">
   <p:cSld name="TITLE_ONLY">
     <p:spTree>
       <p:nvGrpSpPr>
-        <p:cNvPr id="40" name="Shape 40"/>
+        <p:cNvPr id="1" name="Shape 40"/>
         <p:cNvGrpSpPr/>
         <p:nvPr/>
       </p:nvGrpSpPr>
@@ -5985,12 +6126,12 @@
           </a:ln>
         </p:spPr>
         <p:txBody>
-          <a:bodyPr anchorCtr="0" anchor="ctr" bIns="91425" lIns="91425" spcFirstLastPara="1" rIns="91425" wrap="square" tIns="91425">
+          <a:bodyPr spcFirstLastPara="1" wrap="square" lIns="91425" tIns="91425" rIns="91425" bIns="91425" anchor="ctr" anchorCtr="0">
             <a:noAutofit/>
           </a:bodyPr>
           <a:lstStyle/>
           <a:p>
-            <a:pPr indent="0" lvl="0" marL="0" rtl="0" algn="l">
+            <a:pPr marL="0" lvl="0" indent="0" algn="l" rtl="0">
               <a:spcBef>
                 <a:spcPts val="0"/>
               </a:spcBef>
@@ -5999,9 +6140,6 @@
               </a:spcAft>
               <a:buNone/>
             </a:pPr>
-            <a:r>
-              <a:t/>
-            </a:r>
             <a:endParaRPr/>
           </a:p>
         </p:txBody>
@@ -6042,12 +6180,12 @@
             </a:ln>
           </p:spPr>
           <p:txBody>
-            <a:bodyPr anchorCtr="0" anchor="ctr" bIns="91425" lIns="91425" spcFirstLastPara="1" rIns="91425" wrap="square" tIns="91425">
+            <a:bodyPr spcFirstLastPara="1" wrap="square" lIns="91425" tIns="91425" rIns="91425" bIns="91425" anchor="ctr" anchorCtr="0">
               <a:noAutofit/>
             </a:bodyPr>
             <a:lstStyle/>
             <a:p>
-              <a:pPr indent="0" lvl="0" marL="0" rtl="0" algn="l">
+              <a:pPr marL="0" lvl="0" indent="0" algn="l" rtl="0">
                 <a:spcBef>
                   <a:spcPts val="0"/>
                 </a:spcBef>
@@ -6056,9 +6194,6 @@
                 </a:spcAft>
                 <a:buNone/>
               </a:pPr>
-              <a:r>
-                <a:t/>
-              </a:r>
               <a:endParaRPr/>
             </a:p>
           </p:txBody>
@@ -6085,12 +6220,12 @@
             </a:ln>
           </p:spPr>
           <p:txBody>
-            <a:bodyPr anchorCtr="0" anchor="ctr" bIns="91425" lIns="91425" spcFirstLastPara="1" rIns="91425" wrap="square" tIns="91425">
+            <a:bodyPr spcFirstLastPara="1" wrap="square" lIns="91425" tIns="91425" rIns="91425" bIns="91425" anchor="ctr" anchorCtr="0">
               <a:noAutofit/>
             </a:bodyPr>
             <a:lstStyle/>
             <a:p>
-              <a:pPr indent="0" lvl="0" marL="0" rtl="0" algn="l">
+              <a:pPr marL="0" lvl="0" indent="0" algn="l" rtl="0">
                 <a:spcBef>
                   <a:spcPts val="0"/>
                 </a:spcBef>
@@ -6099,9 +6234,6 @@
                 </a:spcAft>
                 <a:buNone/>
               </a:pPr>
-              <a:r>
-                <a:t/>
-              </a:r>
               <a:endParaRPr/>
             </a:p>
           </p:txBody>
@@ -6110,7 +6242,9 @@
       <p:sp>
         <p:nvSpPr>
           <p:cNvPr id="45" name="Google Shape;45;p6"/>
-          <p:cNvSpPr txBox="1"/>
+          <p:cNvSpPr txBox="1">
+            <a:spLocks noGrp="1"/>
+          </p:cNvSpPr>
           <p:nvPr>
             <p:ph type="title"/>
           </p:nvPr>
@@ -6125,7 +6259,7 @@
           </a:prstGeom>
         </p:spPr>
         <p:txBody>
-          <a:bodyPr anchorCtr="0" anchor="t" bIns="91425" lIns="91425" spcFirstLastPara="1" rIns="91425" wrap="square" tIns="91425">
+          <a:bodyPr spcFirstLastPara="1" wrap="square" lIns="91425" tIns="91425" rIns="91425" bIns="91425" anchor="t" anchorCtr="0">
             <a:normAutofit/>
           </a:bodyPr>
           <a:lstStyle>
@@ -6229,15 +6363,19 @@
               <a:defRPr sz="2600"/>
             </a:lvl9pPr>
           </a:lstStyle>
-          <a:p/>
+          <a:p>
+            <a:endParaRPr/>
+          </a:p>
         </p:txBody>
       </p:sp>
       <p:sp>
         <p:nvSpPr>
           <p:cNvPr id="46" name="Google Shape;46;p6"/>
-          <p:cNvSpPr txBox="1"/>
+          <p:cNvSpPr txBox="1">
+            <a:spLocks noGrp="1"/>
+          </p:cNvSpPr>
           <p:nvPr>
-            <p:ph idx="12" type="sldNum"/>
+            <p:ph type="sldNum" idx="12"/>
           </p:nvPr>
         </p:nvSpPr>
         <p:spPr>
@@ -6250,7 +6388,7 @@
           </a:prstGeom>
         </p:spPr>
         <p:txBody>
-          <a:bodyPr anchorCtr="0" anchor="ctr" bIns="91425" lIns="91425" spcFirstLastPara="1" rIns="91425" wrap="square" tIns="91425">
+          <a:bodyPr spcFirstLastPara="1" wrap="square" lIns="91425" tIns="91425" rIns="91425" bIns="91425" anchor="ctr" anchorCtr="0">
             <a:normAutofit/>
           </a:bodyPr>
           <a:lstStyle>
@@ -6292,7 +6430,7 @@
             </a:lvl9pPr>
           </a:lstStyle>
           <a:p>
-            <a:pPr indent="0" lvl="0" marL="0" rtl="0" algn="r">
+            <a:pPr marL="0" lvl="0" indent="0" algn="r" rtl="0">
               <a:spcBef>
                 <a:spcPts val="0"/>
               </a:spcBef>
@@ -6318,11 +6456,11 @@
 </file>
 
 <file path=ppt/slideLayouts/slideLayout6.xml><?xml version="1.0" encoding="utf-8"?>
-<p:sldLayout xmlns:a="http://schemas.openxmlformats.org/drawingml/2006/main" xmlns:r="http://schemas.openxmlformats.org/officeDocument/2006/relationships" xmlns:mc="http://schemas.openxmlformats.org/markup-compatibility/2006" xmlns:mv="urn:schemas-microsoft-com:mac:vml" xmlns:p="http://schemas.openxmlformats.org/presentationml/2006/main" xmlns:c="http://schemas.openxmlformats.org/drawingml/2006/chart" xmlns:dgm="http://schemas.openxmlformats.org/drawingml/2006/diagram" xmlns:o="urn:schemas-microsoft-com:office:office" xmlns:v="urn:schemas-microsoft-com:vml" xmlns:pvml="urn:schemas-microsoft-com:office:powerpoint" xmlns:com="http://schemas.openxmlformats.org/drawingml/2006/compatibility" xmlns:p14="http://schemas.microsoft.com/office/powerpoint/2010/main" xmlns:p15="http://schemas.microsoft.com/office/powerpoint/2012/main" xmlns:ahyp="http://schemas.microsoft.com/office/drawing/2018/hyperlinkcolor" matchingName="One column text">
+<p:sldLayout xmlns:a="http://schemas.openxmlformats.org/drawingml/2006/main" xmlns:r="http://schemas.openxmlformats.org/officeDocument/2006/relationships" xmlns:p="http://schemas.openxmlformats.org/presentationml/2006/main" matchingName="One column text">
   <p:cSld name="ONE_COLUMN_TEXT">
     <p:spTree>
       <p:nvGrpSpPr>
-        <p:cNvPr id="47" name="Shape 47"/>
+        <p:cNvPr id="1" name="Shape 47"/>
         <p:cNvGrpSpPr/>
         <p:nvPr/>
       </p:nvGrpSpPr>
@@ -6356,12 +6494,12 @@
           </a:ln>
         </p:spPr>
         <p:txBody>
-          <a:bodyPr anchorCtr="0" anchor="ctr" bIns="91425" lIns="91425" spcFirstLastPara="1" rIns="91425" wrap="square" tIns="91425">
+          <a:bodyPr spcFirstLastPara="1" wrap="square" lIns="91425" tIns="91425" rIns="91425" bIns="91425" anchor="ctr" anchorCtr="0">
             <a:noAutofit/>
           </a:bodyPr>
           <a:lstStyle/>
           <a:p>
-            <a:pPr indent="0" lvl="0" marL="0" rtl="0" algn="l">
+            <a:pPr marL="0" lvl="0" indent="0" algn="l" rtl="0">
               <a:spcBef>
                 <a:spcPts val="0"/>
               </a:spcBef>
@@ -6370,9 +6508,6 @@
               </a:spcAft>
               <a:buNone/>
             </a:pPr>
-            <a:r>
-              <a:t/>
-            </a:r>
             <a:endParaRPr/>
           </a:p>
         </p:txBody>
@@ -6413,12 +6548,12 @@
             </a:ln>
           </p:spPr>
           <p:txBody>
-            <a:bodyPr anchorCtr="0" anchor="ctr" bIns="91425" lIns="91425" spcFirstLastPara="1" rIns="91425" wrap="square" tIns="91425">
+            <a:bodyPr spcFirstLastPara="1" wrap="square" lIns="91425" tIns="91425" rIns="91425" bIns="91425" anchor="ctr" anchorCtr="0">
               <a:noAutofit/>
             </a:bodyPr>
             <a:lstStyle/>
             <a:p>
-              <a:pPr indent="0" lvl="0" marL="0" rtl="0" algn="l">
+              <a:pPr marL="0" lvl="0" indent="0" algn="l" rtl="0">
                 <a:spcBef>
                   <a:spcPts val="0"/>
                 </a:spcBef>
@@ -6427,9 +6562,6 @@
                 </a:spcAft>
                 <a:buNone/>
               </a:pPr>
-              <a:r>
-                <a:t/>
-              </a:r>
               <a:endParaRPr/>
             </a:p>
           </p:txBody>
@@ -6456,12 +6588,12 @@
             </a:ln>
           </p:spPr>
           <p:txBody>
-            <a:bodyPr anchorCtr="0" anchor="ctr" bIns="91425" lIns="91425" spcFirstLastPara="1" rIns="91425" wrap="square" tIns="91425">
+            <a:bodyPr spcFirstLastPara="1" wrap="square" lIns="91425" tIns="91425" rIns="91425" bIns="91425" anchor="ctr" anchorCtr="0">
               <a:noAutofit/>
             </a:bodyPr>
             <a:lstStyle/>
             <a:p>
-              <a:pPr indent="0" lvl="0" marL="0" rtl="0" algn="l">
+              <a:pPr marL="0" lvl="0" indent="0" algn="l" rtl="0">
                 <a:spcBef>
                   <a:spcPts val="0"/>
                 </a:spcBef>
@@ -6470,9 +6602,6 @@
                 </a:spcAft>
                 <a:buNone/>
               </a:pPr>
-              <a:r>
-                <a:t/>
-              </a:r>
               <a:endParaRPr/>
             </a:p>
           </p:txBody>
@@ -6481,7 +6610,9 @@
       <p:sp>
         <p:nvSpPr>
           <p:cNvPr id="52" name="Google Shape;52;p7"/>
-          <p:cNvSpPr txBox="1"/>
+          <p:cNvSpPr txBox="1">
+            <a:spLocks noGrp="1"/>
+          </p:cNvSpPr>
           <p:nvPr>
             <p:ph type="title"/>
           </p:nvPr>
@@ -6496,7 +6627,7 @@
           </a:prstGeom>
         </p:spPr>
         <p:txBody>
-          <a:bodyPr anchorCtr="0" anchor="t" bIns="91425" lIns="91425" spcFirstLastPara="1" rIns="91425" wrap="square" tIns="91425">
+          <a:bodyPr spcFirstLastPara="1" wrap="square" lIns="91425" tIns="91425" rIns="91425" bIns="91425" anchor="t" anchorCtr="0">
             <a:normAutofit/>
           </a:bodyPr>
           <a:lstStyle>
@@ -6600,15 +6731,19 @@
               <a:defRPr sz="2600"/>
             </a:lvl9pPr>
           </a:lstStyle>
-          <a:p/>
+          <a:p>
+            <a:endParaRPr/>
+          </a:p>
         </p:txBody>
       </p:sp>
       <p:sp>
         <p:nvSpPr>
           <p:cNvPr id="53" name="Google Shape;53;p7"/>
-          <p:cNvSpPr txBox="1"/>
+          <p:cNvSpPr txBox="1">
+            <a:spLocks noGrp="1"/>
+          </p:cNvSpPr>
           <p:nvPr>
-            <p:ph idx="1" type="body"/>
+            <p:ph type="body" idx="1"/>
           </p:nvPr>
         </p:nvSpPr>
         <p:spPr>
@@ -6621,11 +6756,11 @@
           </a:prstGeom>
         </p:spPr>
         <p:txBody>
-          <a:bodyPr anchorCtr="0" anchor="t" bIns="91425" lIns="91425" spcFirstLastPara="1" rIns="91425" wrap="square" tIns="91425">
+          <a:bodyPr spcFirstLastPara="1" wrap="square" lIns="91425" tIns="91425" rIns="91425" bIns="91425" anchor="t" anchorCtr="0">
             <a:normAutofit/>
           </a:bodyPr>
           <a:lstStyle>
-            <a:lvl1pPr indent="-311150" lvl="0" marL="457200">
+            <a:lvl1pPr marL="457200" lvl="0" indent="-311150">
               <a:spcBef>
                 <a:spcPts val="0"/>
               </a:spcBef>
@@ -6636,7 +6771,7 @@
               <a:buChar char="●"/>
               <a:defRPr/>
             </a:lvl1pPr>
-            <a:lvl2pPr indent="-298450" lvl="1" marL="914400">
+            <a:lvl2pPr marL="914400" lvl="1" indent="-298450">
               <a:spcBef>
                 <a:spcPts val="0"/>
               </a:spcBef>
@@ -6647,7 +6782,7 @@
               <a:buChar char="○"/>
               <a:defRPr/>
             </a:lvl2pPr>
-            <a:lvl3pPr indent="-298450" lvl="2" marL="1371600">
+            <a:lvl3pPr marL="1371600" lvl="2" indent="-298450">
               <a:spcBef>
                 <a:spcPts val="0"/>
               </a:spcBef>
@@ -6658,7 +6793,7 @@
               <a:buChar char="■"/>
               <a:defRPr/>
             </a:lvl3pPr>
-            <a:lvl4pPr indent="-298450" lvl="3" marL="1828800">
+            <a:lvl4pPr marL="1828800" lvl="3" indent="-298450">
               <a:spcBef>
                 <a:spcPts val="0"/>
               </a:spcBef>
@@ -6669,7 +6804,7 @@
               <a:buChar char="●"/>
               <a:defRPr/>
             </a:lvl4pPr>
-            <a:lvl5pPr indent="-298450" lvl="4" marL="2286000">
+            <a:lvl5pPr marL="2286000" lvl="4" indent="-298450">
               <a:spcBef>
                 <a:spcPts val="0"/>
               </a:spcBef>
@@ -6680,7 +6815,7 @@
               <a:buChar char="○"/>
               <a:defRPr/>
             </a:lvl5pPr>
-            <a:lvl6pPr indent="-298450" lvl="5" marL="2743200">
+            <a:lvl6pPr marL="2743200" lvl="5" indent="-298450">
               <a:spcBef>
                 <a:spcPts val="0"/>
               </a:spcBef>
@@ -6691,7 +6826,7 @@
               <a:buChar char="■"/>
               <a:defRPr/>
             </a:lvl6pPr>
-            <a:lvl7pPr indent="-298450" lvl="6" marL="3200400">
+            <a:lvl7pPr marL="3200400" lvl="6" indent="-298450">
               <a:spcBef>
                 <a:spcPts val="0"/>
               </a:spcBef>
@@ -6702,7 +6837,7 @@
               <a:buChar char="●"/>
               <a:defRPr/>
             </a:lvl7pPr>
-            <a:lvl8pPr indent="-298450" lvl="7" marL="3657600">
+            <a:lvl8pPr marL="3657600" lvl="7" indent="-298450">
               <a:spcBef>
                 <a:spcPts val="0"/>
               </a:spcBef>
@@ -6713,7 +6848,7 @@
               <a:buChar char="○"/>
               <a:defRPr/>
             </a:lvl8pPr>
-            <a:lvl9pPr indent="-298450" lvl="8" marL="4114800">
+            <a:lvl9pPr marL="4114800" lvl="8" indent="-298450">
               <a:spcBef>
                 <a:spcPts val="0"/>
               </a:spcBef>
@@ -6725,15 +6860,19 @@
               <a:defRPr/>
             </a:lvl9pPr>
           </a:lstStyle>
-          <a:p/>
+          <a:p>
+            <a:endParaRPr/>
+          </a:p>
         </p:txBody>
       </p:sp>
       <p:sp>
         <p:nvSpPr>
           <p:cNvPr id="54" name="Google Shape;54;p7"/>
-          <p:cNvSpPr txBox="1"/>
+          <p:cNvSpPr txBox="1">
+            <a:spLocks noGrp="1"/>
+          </p:cNvSpPr>
           <p:nvPr>
-            <p:ph idx="12" type="sldNum"/>
+            <p:ph type="sldNum" idx="12"/>
           </p:nvPr>
         </p:nvSpPr>
         <p:spPr>
@@ -6746,7 +6885,7 @@
           </a:prstGeom>
         </p:spPr>
         <p:txBody>
-          <a:bodyPr anchorCtr="0" anchor="ctr" bIns="91425" lIns="91425" spcFirstLastPara="1" rIns="91425" wrap="square" tIns="91425">
+          <a:bodyPr spcFirstLastPara="1" wrap="square" lIns="91425" tIns="91425" rIns="91425" bIns="91425" anchor="ctr" anchorCtr="0">
             <a:normAutofit/>
           </a:bodyPr>
           <a:lstStyle>
@@ -6788,7 +6927,7 @@
             </a:lvl9pPr>
           </a:lstStyle>
           <a:p>
-            <a:pPr indent="0" lvl="0" marL="0" rtl="0" algn="r">
+            <a:pPr marL="0" lvl="0" indent="0" algn="r" rtl="0">
               <a:spcBef>
                 <a:spcPts val="0"/>
               </a:spcBef>
@@ -6814,18 +6953,19 @@
 </file>
 
 <file path=ppt/slideLayouts/slideLayout7.xml><?xml version="1.0" encoding="utf-8"?>
-<p:sldLayout xmlns:a="http://schemas.openxmlformats.org/drawingml/2006/main" xmlns:r="http://schemas.openxmlformats.org/officeDocument/2006/relationships" xmlns:mc="http://schemas.openxmlformats.org/markup-compatibility/2006" xmlns:mv="urn:schemas-microsoft-com:mac:vml" xmlns:p="http://schemas.openxmlformats.org/presentationml/2006/main" xmlns:c="http://schemas.openxmlformats.org/drawingml/2006/chart" xmlns:dgm="http://schemas.openxmlformats.org/drawingml/2006/diagram" xmlns:o="urn:schemas-microsoft-com:office:office" xmlns:v="urn:schemas-microsoft-com:vml" xmlns:pvml="urn:schemas-microsoft-com:office:powerpoint" xmlns:com="http://schemas.openxmlformats.org/drawingml/2006/compatibility" xmlns:p14="http://schemas.microsoft.com/office/powerpoint/2010/main" xmlns:p15="http://schemas.microsoft.com/office/powerpoint/2012/main" xmlns:ahyp="http://schemas.microsoft.com/office/drawing/2018/hyperlinkcolor" matchingName="Main point">
+<p:sldLayout xmlns:a="http://schemas.openxmlformats.org/drawingml/2006/main" xmlns:r="http://schemas.openxmlformats.org/officeDocument/2006/relationships" xmlns:p="http://schemas.openxmlformats.org/presentationml/2006/main" matchingName="Main point">
   <p:cSld name="MAIN_POINT">
     <p:bg>
       <p:bgPr>
         <a:solidFill>
           <a:schemeClr val="accent3"/>
         </a:solidFill>
+        <a:effectLst/>
       </p:bgPr>
     </p:bg>
     <p:spTree>
       <p:nvGrpSpPr>
-        <p:cNvPr id="55" name="Shape 55"/>
+        <p:cNvPr id="1" name="Shape 55"/>
         <p:cNvGrpSpPr/>
         <p:nvPr/>
       </p:nvGrpSpPr>
@@ -6873,12 +7013,12 @@
             </a:ln>
           </p:spPr>
           <p:txBody>
-            <a:bodyPr anchorCtr="0" anchor="ctr" bIns="91425" lIns="91425" spcFirstLastPara="1" rIns="91425" wrap="square" tIns="91425">
+            <a:bodyPr spcFirstLastPara="1" wrap="square" lIns="91425" tIns="91425" rIns="91425" bIns="91425" anchor="ctr" anchorCtr="0">
               <a:noAutofit/>
             </a:bodyPr>
             <a:lstStyle/>
             <a:p>
-              <a:pPr indent="0" lvl="0" marL="0" rtl="0" algn="l">
+              <a:pPr marL="0" lvl="0" indent="0" algn="l" rtl="0">
                 <a:spcBef>
                   <a:spcPts val="0"/>
                 </a:spcBef>
@@ -6887,9 +7027,6 @@
                 </a:spcAft>
                 <a:buNone/>
               </a:pPr>
-              <a:r>
-                <a:t/>
-              </a:r>
               <a:endParaRPr/>
             </a:p>
           </p:txBody>
@@ -6916,12 +7053,12 @@
             </a:ln>
           </p:spPr>
           <p:txBody>
-            <a:bodyPr anchorCtr="0" anchor="ctr" bIns="91425" lIns="91425" spcFirstLastPara="1" rIns="91425" wrap="square" tIns="91425">
+            <a:bodyPr spcFirstLastPara="1" wrap="square" lIns="91425" tIns="91425" rIns="91425" bIns="91425" anchor="ctr" anchorCtr="0">
               <a:noAutofit/>
             </a:bodyPr>
             <a:lstStyle/>
             <a:p>
-              <a:pPr indent="0" lvl="0" marL="0" rtl="0" algn="l">
+              <a:pPr marL="0" lvl="0" indent="0" algn="l" rtl="0">
                 <a:spcBef>
                   <a:spcPts val="0"/>
                 </a:spcBef>
@@ -6930,9 +7067,6 @@
                 </a:spcAft>
                 <a:buNone/>
               </a:pPr>
-              <a:r>
-                <a:t/>
-              </a:r>
               <a:endParaRPr/>
             </a:p>
           </p:txBody>
@@ -6941,7 +7075,9 @@
       <p:sp>
         <p:nvSpPr>
           <p:cNvPr id="59" name="Google Shape;59;p8"/>
-          <p:cNvSpPr txBox="1"/>
+          <p:cNvSpPr txBox="1">
+            <a:spLocks noGrp="1"/>
+          </p:cNvSpPr>
           <p:nvPr>
             <p:ph type="title"/>
           </p:nvPr>
@@ -6956,7 +7092,7 @@
           </a:prstGeom>
         </p:spPr>
         <p:txBody>
-          <a:bodyPr anchorCtr="0" anchor="ctr" bIns="91425" lIns="91425" spcFirstLastPara="1" rIns="91425" wrap="square" tIns="91425">
+          <a:bodyPr spcFirstLastPara="1" wrap="square" lIns="91425" tIns="91425" rIns="91425" bIns="91425" anchor="ctr" anchorCtr="0">
             <a:normAutofit/>
           </a:bodyPr>
           <a:lstStyle>
@@ -7123,15 +7259,19 @@
               </a:defRPr>
             </a:lvl9pPr>
           </a:lstStyle>
-          <a:p/>
+          <a:p>
+            <a:endParaRPr/>
+          </a:p>
         </p:txBody>
       </p:sp>
       <p:sp>
         <p:nvSpPr>
           <p:cNvPr id="60" name="Google Shape;60;p8"/>
-          <p:cNvSpPr txBox="1"/>
+          <p:cNvSpPr txBox="1">
+            <a:spLocks noGrp="1"/>
+          </p:cNvSpPr>
           <p:nvPr>
-            <p:ph idx="12" type="sldNum"/>
+            <p:ph type="sldNum" idx="12"/>
           </p:nvPr>
         </p:nvSpPr>
         <p:spPr>
@@ -7144,7 +7284,7 @@
           </a:prstGeom>
         </p:spPr>
         <p:txBody>
-          <a:bodyPr anchorCtr="0" anchor="ctr" bIns="91425" lIns="91425" spcFirstLastPara="1" rIns="91425" wrap="square" tIns="91425">
+          <a:bodyPr spcFirstLastPara="1" wrap="square" lIns="91425" tIns="91425" rIns="91425" bIns="91425" anchor="ctr" anchorCtr="0">
             <a:normAutofit/>
           </a:bodyPr>
           <a:lstStyle>
@@ -7222,7 +7362,7 @@
             </a:lvl9pPr>
           </a:lstStyle>
           <a:p>
-            <a:pPr indent="0" lvl="0" marL="0" rtl="0" algn="r">
+            <a:pPr marL="0" lvl="0" indent="0" algn="r" rtl="0">
               <a:spcBef>
                 <a:spcPts val="0"/>
               </a:spcBef>
@@ -7248,11 +7388,11 @@
 </file>
 
 <file path=ppt/slideLayouts/slideLayout8.xml><?xml version="1.0" encoding="utf-8"?>
-<p:sldLayout xmlns:a="http://schemas.openxmlformats.org/drawingml/2006/main" xmlns:r="http://schemas.openxmlformats.org/officeDocument/2006/relationships" xmlns:mc="http://schemas.openxmlformats.org/markup-compatibility/2006" xmlns:mv="urn:schemas-microsoft-com:mac:vml" xmlns:p="http://schemas.openxmlformats.org/presentationml/2006/main" xmlns:c="http://schemas.openxmlformats.org/drawingml/2006/chart" xmlns:dgm="http://schemas.openxmlformats.org/drawingml/2006/diagram" xmlns:o="urn:schemas-microsoft-com:office:office" xmlns:v="urn:schemas-microsoft-com:vml" xmlns:pvml="urn:schemas-microsoft-com:office:powerpoint" xmlns:com="http://schemas.openxmlformats.org/drawingml/2006/compatibility" xmlns:p14="http://schemas.microsoft.com/office/powerpoint/2010/main" xmlns:p15="http://schemas.microsoft.com/office/powerpoint/2012/main" xmlns:ahyp="http://schemas.microsoft.com/office/drawing/2018/hyperlinkcolor" matchingName="Section title and description">
+<p:sldLayout xmlns:a="http://schemas.openxmlformats.org/drawingml/2006/main" xmlns:r="http://schemas.openxmlformats.org/officeDocument/2006/relationships" xmlns:p="http://schemas.openxmlformats.org/presentationml/2006/main" matchingName="Section title and description">
   <p:cSld name="SECTION_TITLE_AND_DESCRIPTION">
     <p:spTree>
       <p:nvGrpSpPr>
-        <p:cNvPr id="61" name="Shape 61"/>
+        <p:cNvPr id="1" name="Shape 61"/>
         <p:cNvGrpSpPr/>
         <p:nvPr/>
       </p:nvGrpSpPr>
@@ -7286,12 +7426,12 @@
           </a:ln>
         </p:spPr>
         <p:txBody>
-          <a:bodyPr anchorCtr="0" anchor="ctr" bIns="91425" lIns="91425" spcFirstLastPara="1" rIns="91425" wrap="square" tIns="91425">
+          <a:bodyPr spcFirstLastPara="1" wrap="square" lIns="91425" tIns="91425" rIns="91425" bIns="91425" anchor="ctr" anchorCtr="0">
             <a:noAutofit/>
           </a:bodyPr>
           <a:lstStyle/>
           <a:p>
-            <a:pPr indent="0" lvl="0" marL="0" rtl="0" algn="l">
+            <a:pPr marL="0" lvl="0" indent="0" algn="l" rtl="0">
               <a:spcBef>
                 <a:spcPts val="0"/>
               </a:spcBef>
@@ -7300,9 +7440,6 @@
               </a:spcAft>
               <a:buNone/>
             </a:pPr>
-            <a:r>
-              <a:t/>
-            </a:r>
             <a:endParaRPr/>
           </a:p>
         </p:txBody>
@@ -7343,12 +7480,12 @@
             </a:ln>
           </p:spPr>
           <p:txBody>
-            <a:bodyPr anchorCtr="0" anchor="ctr" bIns="91425" lIns="91425" spcFirstLastPara="1" rIns="91425" wrap="square" tIns="91425">
+            <a:bodyPr spcFirstLastPara="1" wrap="square" lIns="91425" tIns="91425" rIns="91425" bIns="91425" anchor="ctr" anchorCtr="0">
               <a:noAutofit/>
             </a:bodyPr>
             <a:lstStyle/>
             <a:p>
-              <a:pPr indent="0" lvl="0" marL="0" rtl="0" algn="l">
+              <a:pPr marL="0" lvl="0" indent="0" algn="l" rtl="0">
                 <a:spcBef>
                   <a:spcPts val="0"/>
                 </a:spcBef>
@@ -7357,9 +7494,6 @@
                 </a:spcAft>
                 <a:buNone/>
               </a:pPr>
-              <a:r>
-                <a:t/>
-              </a:r>
               <a:endParaRPr/>
             </a:p>
           </p:txBody>
@@ -7386,12 +7520,12 @@
             </a:ln>
           </p:spPr>
           <p:txBody>
-            <a:bodyPr anchorCtr="0" anchor="ctr" bIns="91425" lIns="91425" spcFirstLastPara="1" rIns="91425" wrap="square" tIns="91425">
+            <a:bodyPr spcFirstLastPara="1" wrap="square" lIns="91425" tIns="91425" rIns="91425" bIns="91425" anchor="ctr" anchorCtr="0">
               <a:noAutofit/>
             </a:bodyPr>
             <a:lstStyle/>
             <a:p>
-              <a:pPr indent="0" lvl="0" marL="0" rtl="0" algn="l">
+              <a:pPr marL="0" lvl="0" indent="0" algn="l" rtl="0">
                 <a:spcBef>
                   <a:spcPts val="0"/>
                 </a:spcBef>
@@ -7400,9 +7534,6 @@
                 </a:spcAft>
                 <a:buNone/>
               </a:pPr>
-              <a:r>
-                <a:t/>
-              </a:r>
               <a:endParaRPr/>
             </a:p>
           </p:txBody>
@@ -7411,7 +7542,9 @@
       <p:sp>
         <p:nvSpPr>
           <p:cNvPr id="66" name="Google Shape;66;p9"/>
-          <p:cNvSpPr txBox="1"/>
+          <p:cNvSpPr txBox="1">
+            <a:spLocks noGrp="1"/>
+          </p:cNvSpPr>
           <p:nvPr>
             <p:ph type="title"/>
           </p:nvPr>
@@ -7426,7 +7559,7 @@
           </a:prstGeom>
         </p:spPr>
         <p:txBody>
-          <a:bodyPr anchorCtr="0" anchor="t" bIns="91425" lIns="91425" spcFirstLastPara="1" rIns="91425" wrap="square" tIns="91425">
+          <a:bodyPr spcFirstLastPara="1" wrap="square" lIns="91425" tIns="91425" rIns="91425" bIns="91425" anchor="t" anchorCtr="0">
             <a:normAutofit/>
           </a:bodyPr>
           <a:lstStyle>
@@ -7530,15 +7663,19 @@
               <a:defRPr sz="2600"/>
             </a:lvl9pPr>
           </a:lstStyle>
-          <a:p/>
+          <a:p>
+            <a:endParaRPr/>
+          </a:p>
         </p:txBody>
       </p:sp>
       <p:sp>
         <p:nvSpPr>
           <p:cNvPr id="67" name="Google Shape;67;p9"/>
-          <p:cNvSpPr txBox="1"/>
+          <p:cNvSpPr txBox="1">
+            <a:spLocks noGrp="1"/>
+          </p:cNvSpPr>
           <p:nvPr>
-            <p:ph idx="1" type="subTitle"/>
+            <p:ph type="subTitle" idx="1"/>
           </p:nvPr>
         </p:nvSpPr>
         <p:spPr>
@@ -7551,7 +7688,7 @@
           </a:prstGeom>
         </p:spPr>
         <p:txBody>
-          <a:bodyPr anchorCtr="0" anchor="t" bIns="91425" lIns="91425" spcFirstLastPara="1" rIns="91425" wrap="square" tIns="91425">
+          <a:bodyPr spcFirstLastPara="1" wrap="square" lIns="91425" tIns="91425" rIns="91425" bIns="91425" anchor="t" anchorCtr="0">
             <a:normAutofit/>
           </a:bodyPr>
           <a:lstStyle>
@@ -7682,15 +7819,19 @@
               <a:defRPr sz="1600"/>
             </a:lvl9pPr>
           </a:lstStyle>
-          <a:p/>
+          <a:p>
+            <a:endParaRPr/>
+          </a:p>
         </p:txBody>
       </p:sp>
       <p:sp>
         <p:nvSpPr>
           <p:cNvPr id="68" name="Google Shape;68;p9"/>
-          <p:cNvSpPr txBox="1"/>
+          <p:cNvSpPr txBox="1">
+            <a:spLocks noGrp="1"/>
+          </p:cNvSpPr>
           <p:nvPr>
-            <p:ph idx="2" type="body"/>
+            <p:ph type="body" idx="2"/>
           </p:nvPr>
         </p:nvSpPr>
         <p:spPr>
@@ -7703,11 +7844,11 @@
           </a:prstGeom>
         </p:spPr>
         <p:txBody>
-          <a:bodyPr anchorCtr="0" anchor="t" bIns="91425" lIns="91425" spcFirstLastPara="1" rIns="91425" wrap="square" tIns="91425">
+          <a:bodyPr spcFirstLastPara="1" wrap="square" lIns="91425" tIns="91425" rIns="91425" bIns="91425" anchor="t" anchorCtr="0">
             <a:normAutofit/>
           </a:bodyPr>
           <a:lstStyle>
-            <a:lvl1pPr indent="-311150" lvl="0" marL="457200">
+            <a:lvl1pPr marL="457200" lvl="0" indent="-311150">
               <a:spcBef>
                 <a:spcPts val="0"/>
               </a:spcBef>
@@ -7718,7 +7859,7 @@
               <a:buChar char="●"/>
               <a:defRPr/>
             </a:lvl1pPr>
-            <a:lvl2pPr indent="-298450" lvl="1" marL="914400">
+            <a:lvl2pPr marL="914400" lvl="1" indent="-298450">
               <a:spcBef>
                 <a:spcPts val="0"/>
               </a:spcBef>
@@ -7729,7 +7870,7 @@
               <a:buChar char="○"/>
               <a:defRPr/>
             </a:lvl2pPr>
-            <a:lvl3pPr indent="-298450" lvl="2" marL="1371600">
+            <a:lvl3pPr marL="1371600" lvl="2" indent="-298450">
               <a:spcBef>
                 <a:spcPts val="0"/>
               </a:spcBef>
@@ -7740,7 +7881,7 @@
               <a:buChar char="■"/>
               <a:defRPr/>
             </a:lvl3pPr>
-            <a:lvl4pPr indent="-298450" lvl="3" marL="1828800">
+            <a:lvl4pPr marL="1828800" lvl="3" indent="-298450">
               <a:spcBef>
                 <a:spcPts val="0"/>
               </a:spcBef>
@@ -7751,7 +7892,7 @@
               <a:buChar char="●"/>
               <a:defRPr/>
             </a:lvl4pPr>
-            <a:lvl5pPr indent="-298450" lvl="4" marL="2286000">
+            <a:lvl5pPr marL="2286000" lvl="4" indent="-298450">
               <a:spcBef>
                 <a:spcPts val="0"/>
               </a:spcBef>
@@ -7762,7 +7903,7 @@
               <a:buChar char="○"/>
               <a:defRPr/>
             </a:lvl5pPr>
-            <a:lvl6pPr indent="-298450" lvl="5" marL="2743200">
+            <a:lvl6pPr marL="2743200" lvl="5" indent="-298450">
               <a:spcBef>
                 <a:spcPts val="0"/>
               </a:spcBef>
@@ -7773,7 +7914,7 @@
               <a:buChar char="■"/>
               <a:defRPr/>
             </a:lvl6pPr>
-            <a:lvl7pPr indent="-298450" lvl="6" marL="3200400">
+            <a:lvl7pPr marL="3200400" lvl="6" indent="-298450">
               <a:spcBef>
                 <a:spcPts val="0"/>
               </a:spcBef>
@@ -7784,7 +7925,7 @@
               <a:buChar char="●"/>
               <a:defRPr/>
             </a:lvl7pPr>
-            <a:lvl8pPr indent="-298450" lvl="7" marL="3657600">
+            <a:lvl8pPr marL="3657600" lvl="7" indent="-298450">
               <a:spcBef>
                 <a:spcPts val="0"/>
               </a:spcBef>
@@ -7795,7 +7936,7 @@
               <a:buChar char="○"/>
               <a:defRPr/>
             </a:lvl8pPr>
-            <a:lvl9pPr indent="-298450" lvl="8" marL="4114800">
+            <a:lvl9pPr marL="4114800" lvl="8" indent="-298450">
               <a:spcBef>
                 <a:spcPts val="0"/>
               </a:spcBef>
@@ -7807,15 +7948,19 @@
               <a:defRPr/>
             </a:lvl9pPr>
           </a:lstStyle>
-          <a:p/>
+          <a:p>
+            <a:endParaRPr/>
+          </a:p>
         </p:txBody>
       </p:sp>
       <p:sp>
         <p:nvSpPr>
           <p:cNvPr id="69" name="Google Shape;69;p9"/>
-          <p:cNvSpPr txBox="1"/>
+          <p:cNvSpPr txBox="1">
+            <a:spLocks noGrp="1"/>
+          </p:cNvSpPr>
           <p:nvPr>
-            <p:ph idx="12" type="sldNum"/>
+            <p:ph type="sldNum" idx="12"/>
           </p:nvPr>
         </p:nvSpPr>
         <p:spPr>
@@ -7828,7 +7973,7 @@
           </a:prstGeom>
         </p:spPr>
         <p:txBody>
-          <a:bodyPr anchorCtr="0" anchor="ctr" bIns="91425" lIns="91425" spcFirstLastPara="1" rIns="91425" wrap="square" tIns="91425">
+          <a:bodyPr spcFirstLastPara="1" wrap="square" lIns="91425" tIns="91425" rIns="91425" bIns="91425" anchor="ctr" anchorCtr="0">
             <a:normAutofit/>
           </a:bodyPr>
           <a:lstStyle>
@@ -7870,7 +8015,7 @@
             </a:lvl9pPr>
           </a:lstStyle>
           <a:p>
-            <a:pPr indent="0" lvl="0" marL="0" rtl="0" algn="r">
+            <a:pPr marL="0" lvl="0" indent="0" algn="r" rtl="0">
               <a:spcBef>
                 <a:spcPts val="0"/>
               </a:spcBef>
@@ -7896,11 +8041,11 @@
 </file>
 
 <file path=ppt/slideLayouts/slideLayout9.xml><?xml version="1.0" encoding="utf-8"?>
-<p:sldLayout xmlns:a="http://schemas.openxmlformats.org/drawingml/2006/main" xmlns:r="http://schemas.openxmlformats.org/officeDocument/2006/relationships" xmlns:mc="http://schemas.openxmlformats.org/markup-compatibility/2006" xmlns:mv="urn:schemas-microsoft-com:mac:vml" xmlns:p="http://schemas.openxmlformats.org/presentationml/2006/main" xmlns:c="http://schemas.openxmlformats.org/drawingml/2006/chart" xmlns:dgm="http://schemas.openxmlformats.org/drawingml/2006/diagram" xmlns:o="urn:schemas-microsoft-com:office:office" xmlns:v="urn:schemas-microsoft-com:vml" xmlns:pvml="urn:schemas-microsoft-com:office:powerpoint" xmlns:com="http://schemas.openxmlformats.org/drawingml/2006/compatibility" xmlns:p14="http://schemas.microsoft.com/office/powerpoint/2010/main" xmlns:p15="http://schemas.microsoft.com/office/powerpoint/2012/main" xmlns:ahyp="http://schemas.microsoft.com/office/drawing/2018/hyperlinkcolor" matchingName="Caption">
+<p:sldLayout xmlns:a="http://schemas.openxmlformats.org/drawingml/2006/main" xmlns:r="http://schemas.openxmlformats.org/officeDocument/2006/relationships" xmlns:p="http://schemas.openxmlformats.org/presentationml/2006/main" matchingName="Caption">
   <p:cSld name="CAPTION_ONLY">
     <p:spTree>
       <p:nvGrpSpPr>
-        <p:cNvPr id="70" name="Shape 70"/>
+        <p:cNvPr id="1" name="Shape 70"/>
         <p:cNvGrpSpPr/>
         <p:nvPr/>
       </p:nvGrpSpPr>
@@ -7915,9 +8060,11 @@
       <p:sp>
         <p:nvSpPr>
           <p:cNvPr id="71" name="Google Shape;71;p10"/>
-          <p:cNvSpPr txBox="1"/>
+          <p:cNvSpPr txBox="1">
+            <a:spLocks noGrp="1"/>
+          </p:cNvSpPr>
           <p:nvPr>
-            <p:ph idx="1" type="body"/>
+            <p:ph type="body" idx="1"/>
           </p:nvPr>
         </p:nvSpPr>
         <p:spPr>
@@ -7930,11 +8077,11 @@
           </a:prstGeom>
         </p:spPr>
         <p:txBody>
-          <a:bodyPr anchorCtr="0" anchor="ctr" bIns="91425" lIns="91425" spcFirstLastPara="1" rIns="91425" wrap="square" tIns="91425">
+          <a:bodyPr spcFirstLastPara="1" wrap="square" lIns="91425" tIns="91425" rIns="91425" bIns="91425" anchor="ctr" anchorCtr="0">
             <a:normAutofit/>
           </a:bodyPr>
           <a:lstStyle>
-            <a:lvl1pPr indent="-228600" lvl="0" marL="457200">
+            <a:lvl1pPr marL="457200" lvl="0" indent="-228600">
               <a:lnSpc>
                 <a:spcPct val="100000"/>
               </a:lnSpc>
@@ -7949,15 +8096,19 @@
               <a:defRPr/>
             </a:lvl1pPr>
           </a:lstStyle>
-          <a:p/>
+          <a:p>
+            <a:endParaRPr/>
+          </a:p>
         </p:txBody>
       </p:sp>
       <p:sp>
         <p:nvSpPr>
           <p:cNvPr id="72" name="Google Shape;72;p10"/>
-          <p:cNvSpPr txBox="1"/>
+          <p:cNvSpPr txBox="1">
+            <a:spLocks noGrp="1"/>
+          </p:cNvSpPr>
           <p:nvPr>
-            <p:ph idx="12" type="sldNum"/>
+            <p:ph type="sldNum" idx="12"/>
           </p:nvPr>
         </p:nvSpPr>
         <p:spPr>
@@ -7970,7 +8121,7 @@
           </a:prstGeom>
         </p:spPr>
         <p:txBody>
-          <a:bodyPr anchorCtr="0" anchor="ctr" bIns="91425" lIns="91425" spcFirstLastPara="1" rIns="91425" wrap="square" tIns="91425">
+          <a:bodyPr spcFirstLastPara="1" wrap="square" lIns="91425" tIns="91425" rIns="91425" bIns="91425" anchor="ctr" anchorCtr="0">
             <a:normAutofit/>
           </a:bodyPr>
           <a:lstStyle>
@@ -8012,7 +8163,7 @@
             </a:lvl9pPr>
           </a:lstStyle>
           <a:p>
-            <a:pPr indent="0" lvl="0" marL="0" rtl="0" algn="r">
+            <a:pPr marL="0" lvl="0" indent="0" algn="r" rtl="0">
               <a:spcBef>
                 <a:spcPts val="0"/>
               </a:spcBef>
@@ -8038,18 +8189,19 @@
 </file>
 
 <file path=ppt/slideMasters/slideMaster1.xml><?xml version="1.0" encoding="utf-8"?>
-<p:sldMaster xmlns:a="http://schemas.openxmlformats.org/drawingml/2006/main" xmlns:r="http://schemas.openxmlformats.org/officeDocument/2006/relationships" xmlns:mc="http://schemas.openxmlformats.org/markup-compatibility/2006" xmlns:mv="urn:schemas-microsoft-com:mac:vml" xmlns:p="http://schemas.openxmlformats.org/presentationml/2006/main" xmlns:c="http://schemas.openxmlformats.org/drawingml/2006/chart" xmlns:dgm="http://schemas.openxmlformats.org/drawingml/2006/diagram" xmlns:o="urn:schemas-microsoft-com:office:office" xmlns:v="urn:schemas-microsoft-com:vml" xmlns:pvml="urn:schemas-microsoft-com:office:powerpoint" xmlns:com="http://schemas.openxmlformats.org/drawingml/2006/compatibility" xmlns:p14="http://schemas.microsoft.com/office/powerpoint/2010/main" xmlns:p15="http://schemas.microsoft.com/office/powerpoint/2012/main" xmlns:ahyp="http://schemas.microsoft.com/office/drawing/2018/hyperlinkcolor">
+<p:sldMaster xmlns:a="http://schemas.openxmlformats.org/drawingml/2006/main" xmlns:r="http://schemas.openxmlformats.org/officeDocument/2006/relationships" xmlns:p="http://schemas.openxmlformats.org/presentationml/2006/main">
   <p:cSld name="streamline">
     <p:bg>
       <p:bgPr>
         <a:solidFill>
           <a:schemeClr val="lt1"/>
         </a:solidFill>
+        <a:effectLst/>
       </p:bgPr>
     </p:bg>
     <p:spTree>
       <p:nvGrpSpPr>
-        <p:cNvPr id="5" name="Shape 5"/>
+        <p:cNvPr id="1" name="Shape 5"/>
         <p:cNvGrpSpPr/>
         <p:nvPr/>
       </p:nvGrpSpPr>
@@ -8064,7 +8216,9 @@
       <p:sp>
         <p:nvSpPr>
           <p:cNvPr id="6" name="Google Shape;6;p1"/>
-          <p:cNvSpPr txBox="1"/>
+          <p:cNvSpPr txBox="1">
+            <a:spLocks noGrp="1"/>
+          </p:cNvSpPr>
           <p:nvPr>
             <p:ph type="title"/>
           </p:nvPr>
@@ -8083,7 +8237,7 @@
           </a:ln>
         </p:spPr>
         <p:txBody>
-          <a:bodyPr anchorCtr="0" anchor="t" bIns="91425" lIns="91425" spcFirstLastPara="1" rIns="91425" wrap="square" tIns="91425">
+          <a:bodyPr spcFirstLastPara="1" wrap="square" lIns="91425" tIns="91425" rIns="91425" bIns="91425" anchor="t" anchorCtr="0">
             <a:normAutofit/>
           </a:bodyPr>
           <a:lstStyle>
@@ -8100,7 +8254,7 @@
               <a:buSzPts val="2800"/>
               <a:buFont typeface="Raleway"/>
               <a:buNone/>
-              <a:defRPr b="1" sz="2800">
+              <a:defRPr sz="2800" b="1">
                 <a:solidFill>
                   <a:schemeClr val="dk2"/>
                 </a:solidFill>
@@ -8123,7 +8277,7 @@
               <a:buSzPts val="2800"/>
               <a:buFont typeface="Raleway"/>
               <a:buNone/>
-              <a:defRPr b="1" sz="2800">
+              <a:defRPr sz="2800" b="1">
                 <a:solidFill>
                   <a:schemeClr val="dk2"/>
                 </a:solidFill>
@@ -8146,7 +8300,7 @@
               <a:buSzPts val="2800"/>
               <a:buFont typeface="Raleway"/>
               <a:buNone/>
-              <a:defRPr b="1" sz="2800">
+              <a:defRPr sz="2800" b="1">
                 <a:solidFill>
                   <a:schemeClr val="dk2"/>
                 </a:solidFill>
@@ -8169,7 +8323,7 @@
               <a:buSzPts val="2800"/>
               <a:buFont typeface="Raleway"/>
               <a:buNone/>
-              <a:defRPr b="1" sz="2800">
+              <a:defRPr sz="2800" b="1">
                 <a:solidFill>
                   <a:schemeClr val="dk2"/>
                 </a:solidFill>
@@ -8192,7 +8346,7 @@
               <a:buSzPts val="2800"/>
               <a:buFont typeface="Raleway"/>
               <a:buNone/>
-              <a:defRPr b="1" sz="2800">
+              <a:defRPr sz="2800" b="1">
                 <a:solidFill>
                   <a:schemeClr val="dk2"/>
                 </a:solidFill>
@@ -8215,7 +8369,7 @@
               <a:buSzPts val="2800"/>
               <a:buFont typeface="Raleway"/>
               <a:buNone/>
-              <a:defRPr b="1" sz="2800">
+              <a:defRPr sz="2800" b="1">
                 <a:solidFill>
                   <a:schemeClr val="dk2"/>
                 </a:solidFill>
@@ -8238,7 +8392,7 @@
               <a:buSzPts val="2800"/>
               <a:buFont typeface="Raleway"/>
               <a:buNone/>
-              <a:defRPr b="1" sz="2800">
+              <a:defRPr sz="2800" b="1">
                 <a:solidFill>
                   <a:schemeClr val="dk2"/>
                 </a:solidFill>
@@ -8261,7 +8415,7 @@
               <a:buSzPts val="2800"/>
               <a:buFont typeface="Raleway"/>
               <a:buNone/>
-              <a:defRPr b="1" sz="2800">
+              <a:defRPr sz="2800" b="1">
                 <a:solidFill>
                   <a:schemeClr val="dk2"/>
                 </a:solidFill>
@@ -8284,7 +8438,7 @@
               <a:buSzPts val="2800"/>
               <a:buFont typeface="Raleway"/>
               <a:buNone/>
-              <a:defRPr b="1" sz="2800">
+              <a:defRPr sz="2800" b="1">
                 <a:solidFill>
                   <a:schemeClr val="dk2"/>
                 </a:solidFill>
@@ -8295,15 +8449,19 @@
               </a:defRPr>
             </a:lvl9pPr>
           </a:lstStyle>
-          <a:p/>
+          <a:p>
+            <a:endParaRPr/>
+          </a:p>
         </p:txBody>
       </p:sp>
       <p:sp>
         <p:nvSpPr>
           <p:cNvPr id="7" name="Google Shape;7;p1"/>
-          <p:cNvSpPr txBox="1"/>
+          <p:cNvSpPr txBox="1">
+            <a:spLocks noGrp="1"/>
+          </p:cNvSpPr>
           <p:nvPr>
-            <p:ph idx="1" type="body"/>
+            <p:ph type="body" idx="1"/>
           </p:nvPr>
         </p:nvSpPr>
         <p:spPr>
@@ -8320,11 +8478,11 @@
           </a:ln>
         </p:spPr>
         <p:txBody>
-          <a:bodyPr anchorCtr="0" anchor="t" bIns="91425" lIns="91425" spcFirstLastPara="1" rIns="91425" wrap="square" tIns="91425">
+          <a:bodyPr spcFirstLastPara="1" wrap="square" lIns="91425" tIns="91425" rIns="91425" bIns="91425" anchor="t" anchorCtr="0">
             <a:normAutofit/>
           </a:bodyPr>
           <a:lstStyle>
-            <a:lvl1pPr indent="-311150" lvl="0" marL="457200">
+            <a:lvl1pPr marL="457200" lvl="0" indent="-311150">
               <a:lnSpc>
                 <a:spcPct val="115000"/>
               </a:lnSpc>
@@ -8350,7 +8508,7 @@
                 <a:sym typeface="Lato"/>
               </a:defRPr>
             </a:lvl1pPr>
-            <a:lvl2pPr indent="-298450" lvl="1" marL="914400">
+            <a:lvl2pPr marL="914400" lvl="1" indent="-298450">
               <a:lnSpc>
                 <a:spcPct val="115000"/>
               </a:lnSpc>
@@ -8376,7 +8534,7 @@
                 <a:sym typeface="Lato"/>
               </a:defRPr>
             </a:lvl2pPr>
-            <a:lvl3pPr indent="-298450" lvl="2" marL="1371600">
+            <a:lvl3pPr marL="1371600" lvl="2" indent="-298450">
               <a:lnSpc>
                 <a:spcPct val="115000"/>
               </a:lnSpc>
@@ -8402,7 +8560,7 @@
                 <a:sym typeface="Lato"/>
               </a:defRPr>
             </a:lvl3pPr>
-            <a:lvl4pPr indent="-298450" lvl="3" marL="1828800">
+            <a:lvl4pPr marL="1828800" lvl="3" indent="-298450">
               <a:lnSpc>
                 <a:spcPct val="115000"/>
               </a:lnSpc>
@@ -8428,7 +8586,7 @@
                 <a:sym typeface="Lato"/>
               </a:defRPr>
             </a:lvl4pPr>
-            <a:lvl5pPr indent="-298450" lvl="4" marL="2286000">
+            <a:lvl5pPr marL="2286000" lvl="4" indent="-298450">
               <a:lnSpc>
                 <a:spcPct val="115000"/>
               </a:lnSpc>
@@ -8454,7 +8612,7 @@
                 <a:sym typeface="Lato"/>
               </a:defRPr>
             </a:lvl5pPr>
-            <a:lvl6pPr indent="-298450" lvl="5" marL="2743200">
+            <a:lvl6pPr marL="2743200" lvl="5" indent="-298450">
               <a:lnSpc>
                 <a:spcPct val="115000"/>
               </a:lnSpc>
@@ -8480,7 +8638,7 @@
                 <a:sym typeface="Lato"/>
               </a:defRPr>
             </a:lvl6pPr>
-            <a:lvl7pPr indent="-298450" lvl="6" marL="3200400">
+            <a:lvl7pPr marL="3200400" lvl="6" indent="-298450">
               <a:lnSpc>
                 <a:spcPct val="115000"/>
               </a:lnSpc>
@@ -8506,7 +8664,7 @@
                 <a:sym typeface="Lato"/>
               </a:defRPr>
             </a:lvl7pPr>
-            <a:lvl8pPr indent="-298450" lvl="7" marL="3657600">
+            <a:lvl8pPr marL="3657600" lvl="7" indent="-298450">
               <a:lnSpc>
                 <a:spcPct val="115000"/>
               </a:lnSpc>
@@ -8532,7 +8690,7 @@
                 <a:sym typeface="Lato"/>
               </a:defRPr>
             </a:lvl8pPr>
-            <a:lvl9pPr indent="-298450" lvl="8" marL="4114800">
+            <a:lvl9pPr marL="4114800" lvl="8" indent="-298450">
               <a:lnSpc>
                 <a:spcPct val="115000"/>
               </a:lnSpc>
@@ -8559,15 +8717,19 @@
               </a:defRPr>
             </a:lvl9pPr>
           </a:lstStyle>
-          <a:p/>
+          <a:p>
+            <a:endParaRPr/>
+          </a:p>
         </p:txBody>
       </p:sp>
       <p:sp>
         <p:nvSpPr>
           <p:cNvPr id="8" name="Google Shape;8;p1"/>
-          <p:cNvSpPr txBox="1"/>
+          <p:cNvSpPr txBox="1">
+            <a:spLocks noGrp="1"/>
+          </p:cNvSpPr>
           <p:nvPr>
-            <p:ph idx="12" type="sldNum"/>
+            <p:ph type="sldNum" idx="12"/>
           </p:nvPr>
         </p:nvSpPr>
         <p:spPr>
@@ -8584,7 +8746,7 @@
           </a:ln>
         </p:spPr>
         <p:txBody>
-          <a:bodyPr anchorCtr="0" anchor="ctr" bIns="91425" lIns="91425" spcFirstLastPara="1" rIns="91425" wrap="square" tIns="91425">
+          <a:bodyPr spcFirstLastPara="1" wrap="square" lIns="91425" tIns="91425" rIns="91425" bIns="91425" anchor="ctr" anchorCtr="0">
             <a:normAutofit/>
           </a:bodyPr>
           <a:lstStyle>
@@ -8698,7 +8860,7 @@
             </a:lvl9pPr>
           </a:lstStyle>
           <a:p>
-            <a:pPr indent="0" lvl="0" marL="0" rtl="0" algn="r">
+            <a:pPr marL="0" lvl="0" indent="0" algn="r" rtl="0">
               <a:spcBef>
                 <a:spcPts val="0"/>
               </a:spcBef>
@@ -8717,7 +8879,7 @@
       </p:sp>
     </p:spTree>
   </p:cSld>
-  <p:clrMap accent1="accent1" accent2="accent2" accent3="accent3" accent4="accent4" accent5="accent5" accent6="accent6" bg1="lt1" bg2="dk2" tx1="dk1" tx2="lt2" folHlink="folHlink" hlink="hlink"/>
+  <p:clrMap bg1="lt1" tx1="dk1" bg2="dk2" tx2="lt2" accent1="accent1" accent2="accent2" accent3="accent3" accent4="accent4" accent5="accent5" accent6="accent6" hlink="hlink" folHlink="folHlink"/>
   <p:sldLayoutIdLst>
     <p:sldLayoutId id="2147483648" r:id="rId1"/>
     <p:sldLayoutId id="2147483649" r:id="rId2"/>
@@ -8731,10 +8893,10 @@
     <p:sldLayoutId id="2147483657" r:id="rId10"/>
     <p:sldLayoutId id="2147483658" r:id="rId11"/>
   </p:sldLayoutIdLst>
-  <p:hf dt="0" ftr="0" hdr="0" sldNum="0"/>
+  <p:hf sldNum="0" hdr="0" ftr="0" dt="0"/>
   <p:txStyles>
     <p:titleStyle>
-      <a:defPPr lvl="0" marR="0" rtl="0" algn="l">
+      <a:defPPr marR="0" lvl="0" algn="l" rtl="0">
         <a:lnSpc>
           <a:spcPct val="100000"/>
         </a:lnSpc>
@@ -8745,7 +8907,7 @@
           <a:spcPts val="0"/>
         </a:spcAft>
       </a:defPPr>
-      <a:lvl1pPr lvl="0" marR="0" rtl="0" algn="l">
+      <a:lvl1pPr marR="0" lvl="0" algn="l" rtl="0">
         <a:lnSpc>
           <a:spcPct val="100000"/>
         </a:lnSpc>
@@ -8759,7 +8921,7 @@
           <a:srgbClr val="000000"/>
         </a:buClr>
         <a:buFont typeface="Arial"/>
-        <a:defRPr b="0" i="0" sz="1400" u="none" cap="none" strike="noStrike">
+        <a:defRPr sz="1400" b="0" i="0" u="none" strike="noStrike" cap="none">
           <a:solidFill>
             <a:srgbClr val="000000"/>
           </a:solidFill>
@@ -8769,7 +8931,7 @@
           <a:sym typeface="Arial"/>
         </a:defRPr>
       </a:lvl1pPr>
-      <a:lvl2pPr lvl="1" marR="0" rtl="0" algn="l">
+      <a:lvl2pPr marR="0" lvl="1" algn="l" rtl="0">
         <a:lnSpc>
           <a:spcPct val="100000"/>
         </a:lnSpc>
@@ -8783,7 +8945,7 @@
           <a:srgbClr val="000000"/>
         </a:buClr>
         <a:buFont typeface="Arial"/>
-        <a:defRPr b="0" i="0" sz="1400" u="none" cap="none" strike="noStrike">
+        <a:defRPr sz="1400" b="0" i="0" u="none" strike="noStrike" cap="none">
           <a:solidFill>
             <a:srgbClr val="000000"/>
           </a:solidFill>
@@ -8793,7 +8955,7 @@
           <a:sym typeface="Arial"/>
         </a:defRPr>
       </a:lvl2pPr>
-      <a:lvl3pPr lvl="2" marR="0" rtl="0" algn="l">
+      <a:lvl3pPr marR="0" lvl="2" algn="l" rtl="0">
         <a:lnSpc>
           <a:spcPct val="100000"/>
         </a:lnSpc>
@@ -8807,7 +8969,7 @@
           <a:srgbClr val="000000"/>
         </a:buClr>
         <a:buFont typeface="Arial"/>
-        <a:defRPr b="0" i="0" sz="1400" u="none" cap="none" strike="noStrike">
+        <a:defRPr sz="1400" b="0" i="0" u="none" strike="noStrike" cap="none">
           <a:solidFill>
             <a:srgbClr val="000000"/>
           </a:solidFill>
@@ -8817,7 +8979,7 @@
           <a:sym typeface="Arial"/>
         </a:defRPr>
       </a:lvl3pPr>
-      <a:lvl4pPr lvl="3" marR="0" rtl="0" algn="l">
+      <a:lvl4pPr marR="0" lvl="3" algn="l" rtl="0">
         <a:lnSpc>
           <a:spcPct val="100000"/>
         </a:lnSpc>
@@ -8831,7 +8993,7 @@
           <a:srgbClr val="000000"/>
         </a:buClr>
         <a:buFont typeface="Arial"/>
-        <a:defRPr b="0" i="0" sz="1400" u="none" cap="none" strike="noStrike">
+        <a:defRPr sz="1400" b="0" i="0" u="none" strike="noStrike" cap="none">
           <a:solidFill>
             <a:srgbClr val="000000"/>
           </a:solidFill>
@@ -8841,7 +9003,7 @@
           <a:sym typeface="Arial"/>
         </a:defRPr>
       </a:lvl4pPr>
-      <a:lvl5pPr lvl="4" marR="0" rtl="0" algn="l">
+      <a:lvl5pPr marR="0" lvl="4" algn="l" rtl="0">
         <a:lnSpc>
           <a:spcPct val="100000"/>
         </a:lnSpc>
@@ -8855,7 +9017,7 @@
           <a:srgbClr val="000000"/>
         </a:buClr>
         <a:buFont typeface="Arial"/>
-        <a:defRPr b="0" i="0" sz="1400" u="none" cap="none" strike="noStrike">
+        <a:defRPr sz="1400" b="0" i="0" u="none" strike="noStrike" cap="none">
           <a:solidFill>
             <a:srgbClr val="000000"/>
           </a:solidFill>
@@ -8865,7 +9027,7 @@
           <a:sym typeface="Arial"/>
         </a:defRPr>
       </a:lvl5pPr>
-      <a:lvl6pPr lvl="5" marR="0" rtl="0" algn="l">
+      <a:lvl6pPr marR="0" lvl="5" algn="l" rtl="0">
         <a:lnSpc>
           <a:spcPct val="100000"/>
         </a:lnSpc>
@@ -8879,7 +9041,7 @@
           <a:srgbClr val="000000"/>
         </a:buClr>
         <a:buFont typeface="Arial"/>
-        <a:defRPr b="0" i="0" sz="1400" u="none" cap="none" strike="noStrike">
+        <a:defRPr sz="1400" b="0" i="0" u="none" strike="noStrike" cap="none">
           <a:solidFill>
             <a:srgbClr val="000000"/>
           </a:solidFill>
@@ -8889,7 +9051,7 @@
           <a:sym typeface="Arial"/>
         </a:defRPr>
       </a:lvl6pPr>
-      <a:lvl7pPr lvl="6" marR="0" rtl="0" algn="l">
+      <a:lvl7pPr marR="0" lvl="6" algn="l" rtl="0">
         <a:lnSpc>
           <a:spcPct val="100000"/>
         </a:lnSpc>
@@ -8903,7 +9065,7 @@
           <a:srgbClr val="000000"/>
         </a:buClr>
         <a:buFont typeface="Arial"/>
-        <a:defRPr b="0" i="0" sz="1400" u="none" cap="none" strike="noStrike">
+        <a:defRPr sz="1400" b="0" i="0" u="none" strike="noStrike" cap="none">
           <a:solidFill>
             <a:srgbClr val="000000"/>
           </a:solidFill>
@@ -8913,7 +9075,7 @@
           <a:sym typeface="Arial"/>
         </a:defRPr>
       </a:lvl7pPr>
-      <a:lvl8pPr lvl="7" marR="0" rtl="0" algn="l">
+      <a:lvl8pPr marR="0" lvl="7" algn="l" rtl="0">
         <a:lnSpc>
           <a:spcPct val="100000"/>
         </a:lnSpc>
@@ -8927,7 +9089,7 @@
           <a:srgbClr val="000000"/>
         </a:buClr>
         <a:buFont typeface="Arial"/>
-        <a:defRPr b="0" i="0" sz="1400" u="none" cap="none" strike="noStrike">
+        <a:defRPr sz="1400" b="0" i="0" u="none" strike="noStrike" cap="none">
           <a:solidFill>
             <a:srgbClr val="000000"/>
           </a:solidFill>
@@ -8937,7 +9099,7 @@
           <a:sym typeface="Arial"/>
         </a:defRPr>
       </a:lvl8pPr>
-      <a:lvl9pPr lvl="8" marR="0" rtl="0" algn="l">
+      <a:lvl9pPr marR="0" lvl="8" algn="l" rtl="0">
         <a:lnSpc>
           <a:spcPct val="100000"/>
         </a:lnSpc>
@@ -8951,7 +9113,7 @@
           <a:srgbClr val="000000"/>
         </a:buClr>
         <a:buFont typeface="Arial"/>
-        <a:defRPr b="0" i="0" sz="1400" u="none" cap="none" strike="noStrike">
+        <a:defRPr sz="1400" b="0" i="0" u="none" strike="noStrike" cap="none">
           <a:solidFill>
             <a:srgbClr val="000000"/>
           </a:solidFill>
@@ -8963,7 +9125,7 @@
       </a:lvl9pPr>
     </p:titleStyle>
     <p:bodyStyle>
-      <a:defPPr lvl="0" marR="0" rtl="0" algn="l">
+      <a:defPPr marR="0" lvl="0" algn="l" rtl="0">
         <a:lnSpc>
           <a:spcPct val="100000"/>
         </a:lnSpc>
@@ -8974,7 +9136,7 @@
           <a:spcPts val="0"/>
         </a:spcAft>
       </a:defPPr>
-      <a:lvl1pPr lvl="0" marR="0" rtl="0" algn="l">
+      <a:lvl1pPr marR="0" lvl="0" algn="l" rtl="0">
         <a:lnSpc>
           <a:spcPct val="100000"/>
         </a:lnSpc>
@@ -8988,7 +9150,7 @@
           <a:srgbClr val="000000"/>
         </a:buClr>
         <a:buFont typeface="Arial"/>
-        <a:defRPr b="0" i="0" sz="1400" u="none" cap="none" strike="noStrike">
+        <a:defRPr sz="1400" b="0" i="0" u="none" strike="noStrike" cap="none">
           <a:solidFill>
             <a:srgbClr val="000000"/>
           </a:solidFill>
@@ -8998,7 +9160,7 @@
           <a:sym typeface="Arial"/>
         </a:defRPr>
       </a:lvl1pPr>
-      <a:lvl2pPr lvl="1" marR="0" rtl="0" algn="l">
+      <a:lvl2pPr marR="0" lvl="1" algn="l" rtl="0">
         <a:lnSpc>
           <a:spcPct val="100000"/>
         </a:lnSpc>
@@ -9012,7 +9174,7 @@
           <a:srgbClr val="000000"/>
         </a:buClr>
         <a:buFont typeface="Arial"/>
-        <a:defRPr b="0" i="0" sz="1400" u="none" cap="none" strike="noStrike">
+        <a:defRPr sz="1400" b="0" i="0" u="none" strike="noStrike" cap="none">
           <a:solidFill>
             <a:srgbClr val="000000"/>
           </a:solidFill>
@@ -9022,7 +9184,7 @@
           <a:sym typeface="Arial"/>
         </a:defRPr>
       </a:lvl2pPr>
-      <a:lvl3pPr lvl="2" marR="0" rtl="0" algn="l">
+      <a:lvl3pPr marR="0" lvl="2" algn="l" rtl="0">
         <a:lnSpc>
           <a:spcPct val="100000"/>
         </a:lnSpc>
@@ -9036,7 +9198,7 @@
           <a:srgbClr val="000000"/>
         </a:buClr>
         <a:buFont typeface="Arial"/>
-        <a:defRPr b="0" i="0" sz="1400" u="none" cap="none" strike="noStrike">
+        <a:defRPr sz="1400" b="0" i="0" u="none" strike="noStrike" cap="none">
           <a:solidFill>
             <a:srgbClr val="000000"/>
           </a:solidFill>
@@ -9046,7 +9208,7 @@
           <a:sym typeface="Arial"/>
         </a:defRPr>
       </a:lvl3pPr>
-      <a:lvl4pPr lvl="3" marR="0" rtl="0" algn="l">
+      <a:lvl4pPr marR="0" lvl="3" algn="l" rtl="0">
         <a:lnSpc>
           <a:spcPct val="100000"/>
         </a:lnSpc>
@@ -9060,7 +9222,7 @@
           <a:srgbClr val="000000"/>
         </a:buClr>
         <a:buFont typeface="Arial"/>
-        <a:defRPr b="0" i="0" sz="1400" u="none" cap="none" strike="noStrike">
+        <a:defRPr sz="1400" b="0" i="0" u="none" strike="noStrike" cap="none">
           <a:solidFill>
             <a:srgbClr val="000000"/>
           </a:solidFill>
@@ -9070,7 +9232,7 @@
           <a:sym typeface="Arial"/>
         </a:defRPr>
       </a:lvl4pPr>
-      <a:lvl5pPr lvl="4" marR="0" rtl="0" algn="l">
+      <a:lvl5pPr marR="0" lvl="4" algn="l" rtl="0">
         <a:lnSpc>
           <a:spcPct val="100000"/>
         </a:lnSpc>
@@ -9084,7 +9246,7 @@
           <a:srgbClr val="000000"/>
         </a:buClr>
         <a:buFont typeface="Arial"/>
-        <a:defRPr b="0" i="0" sz="1400" u="none" cap="none" strike="noStrike">
+        <a:defRPr sz="1400" b="0" i="0" u="none" strike="noStrike" cap="none">
           <a:solidFill>
             <a:srgbClr val="000000"/>
           </a:solidFill>
@@ -9094,7 +9256,7 @@
           <a:sym typeface="Arial"/>
         </a:defRPr>
       </a:lvl5pPr>
-      <a:lvl6pPr lvl="5" marR="0" rtl="0" algn="l">
+      <a:lvl6pPr marR="0" lvl="5" algn="l" rtl="0">
         <a:lnSpc>
           <a:spcPct val="100000"/>
         </a:lnSpc>
@@ -9108,7 +9270,7 @@
           <a:srgbClr val="000000"/>
         </a:buClr>
         <a:buFont typeface="Arial"/>
-        <a:defRPr b="0" i="0" sz="1400" u="none" cap="none" strike="noStrike">
+        <a:defRPr sz="1400" b="0" i="0" u="none" strike="noStrike" cap="none">
           <a:solidFill>
             <a:srgbClr val="000000"/>
           </a:solidFill>
@@ -9118,7 +9280,7 @@
           <a:sym typeface="Arial"/>
         </a:defRPr>
       </a:lvl6pPr>
-      <a:lvl7pPr lvl="6" marR="0" rtl="0" algn="l">
+      <a:lvl7pPr marR="0" lvl="6" algn="l" rtl="0">
         <a:lnSpc>
           <a:spcPct val="100000"/>
         </a:lnSpc>
@@ -9132,7 +9294,7 @@
           <a:srgbClr val="000000"/>
         </a:buClr>
         <a:buFont typeface="Arial"/>
-        <a:defRPr b="0" i="0" sz="1400" u="none" cap="none" strike="noStrike">
+        <a:defRPr sz="1400" b="0" i="0" u="none" strike="noStrike" cap="none">
           <a:solidFill>
             <a:srgbClr val="000000"/>
           </a:solidFill>
@@ -9142,7 +9304,7 @@
           <a:sym typeface="Arial"/>
         </a:defRPr>
       </a:lvl7pPr>
-      <a:lvl8pPr lvl="7" marR="0" rtl="0" algn="l">
+      <a:lvl8pPr marR="0" lvl="7" algn="l" rtl="0">
         <a:lnSpc>
           <a:spcPct val="100000"/>
         </a:lnSpc>
@@ -9156,7 +9318,7 @@
           <a:srgbClr val="000000"/>
         </a:buClr>
         <a:buFont typeface="Arial"/>
-        <a:defRPr b="0" i="0" sz="1400" u="none" cap="none" strike="noStrike">
+        <a:defRPr sz="1400" b="0" i="0" u="none" strike="noStrike" cap="none">
           <a:solidFill>
             <a:srgbClr val="000000"/>
           </a:solidFill>
@@ -9166,7 +9328,7 @@
           <a:sym typeface="Arial"/>
         </a:defRPr>
       </a:lvl8pPr>
-      <a:lvl9pPr lvl="8" marR="0" rtl="0" algn="l">
+      <a:lvl9pPr marR="0" lvl="8" algn="l" rtl="0">
         <a:lnSpc>
           <a:spcPct val="100000"/>
         </a:lnSpc>
@@ -9180,7 +9342,7 @@
           <a:srgbClr val="000000"/>
         </a:buClr>
         <a:buFont typeface="Arial"/>
-        <a:defRPr b="0" i="0" sz="1400" u="none" cap="none" strike="noStrike">
+        <a:defRPr sz="1400" b="0" i="0" u="none" strike="noStrike" cap="none">
           <a:solidFill>
             <a:srgbClr val="000000"/>
           </a:solidFill>
@@ -9192,7 +9354,7 @@
       </a:lvl9pPr>
     </p:bodyStyle>
     <p:otherStyle>
-      <a:defPPr lvl="0" marR="0" rtl="0" algn="l">
+      <a:defPPr marR="0" lvl="0" algn="l" rtl="0">
         <a:lnSpc>
           <a:spcPct val="100000"/>
         </a:lnSpc>
@@ -9203,7 +9365,7 @@
           <a:spcPts val="0"/>
         </a:spcAft>
       </a:defPPr>
-      <a:lvl1pPr lvl="0" marR="0" rtl="0" algn="l">
+      <a:lvl1pPr marR="0" lvl="0" algn="l" rtl="0">
         <a:lnSpc>
           <a:spcPct val="100000"/>
         </a:lnSpc>
@@ -9217,7 +9379,7 @@
           <a:srgbClr val="000000"/>
         </a:buClr>
         <a:buFont typeface="Arial"/>
-        <a:defRPr b="0" i="0" sz="1400" u="none" cap="none" strike="noStrike">
+        <a:defRPr sz="1400" b="0" i="0" u="none" strike="noStrike" cap="none">
           <a:solidFill>
             <a:srgbClr val="000000"/>
           </a:solidFill>
@@ -9227,7 +9389,7 @@
           <a:sym typeface="Arial"/>
         </a:defRPr>
       </a:lvl1pPr>
-      <a:lvl2pPr lvl="1" marR="0" rtl="0" algn="l">
+      <a:lvl2pPr marR="0" lvl="1" algn="l" rtl="0">
         <a:lnSpc>
           <a:spcPct val="100000"/>
         </a:lnSpc>
@@ -9241,7 +9403,7 @@
           <a:srgbClr val="000000"/>
         </a:buClr>
         <a:buFont typeface="Arial"/>
-        <a:defRPr b="0" i="0" sz="1400" u="none" cap="none" strike="noStrike">
+        <a:defRPr sz="1400" b="0" i="0" u="none" strike="noStrike" cap="none">
           <a:solidFill>
             <a:srgbClr val="000000"/>
           </a:solidFill>
@@ -9251,7 +9413,7 @@
           <a:sym typeface="Arial"/>
         </a:defRPr>
       </a:lvl2pPr>
-      <a:lvl3pPr lvl="2" marR="0" rtl="0" algn="l">
+      <a:lvl3pPr marR="0" lvl="2" algn="l" rtl="0">
         <a:lnSpc>
           <a:spcPct val="100000"/>
         </a:lnSpc>
@@ -9265,7 +9427,7 @@
           <a:srgbClr val="000000"/>
         </a:buClr>
         <a:buFont typeface="Arial"/>
-        <a:defRPr b="0" i="0" sz="1400" u="none" cap="none" strike="noStrike">
+        <a:defRPr sz="1400" b="0" i="0" u="none" strike="noStrike" cap="none">
           <a:solidFill>
             <a:srgbClr val="000000"/>
           </a:solidFill>
@@ -9275,7 +9437,7 @@
           <a:sym typeface="Arial"/>
         </a:defRPr>
       </a:lvl3pPr>
-      <a:lvl4pPr lvl="3" marR="0" rtl="0" algn="l">
+      <a:lvl4pPr marR="0" lvl="3" algn="l" rtl="0">
         <a:lnSpc>
           <a:spcPct val="100000"/>
         </a:lnSpc>
@@ -9289,7 +9451,7 @@
           <a:srgbClr val="000000"/>
         </a:buClr>
         <a:buFont typeface="Arial"/>
-        <a:defRPr b="0" i="0" sz="1400" u="none" cap="none" strike="noStrike">
+        <a:defRPr sz="1400" b="0" i="0" u="none" strike="noStrike" cap="none">
           <a:solidFill>
             <a:srgbClr val="000000"/>
           </a:solidFill>
@@ -9299,7 +9461,7 @@
           <a:sym typeface="Arial"/>
         </a:defRPr>
       </a:lvl4pPr>
-      <a:lvl5pPr lvl="4" marR="0" rtl="0" algn="l">
+      <a:lvl5pPr marR="0" lvl="4" algn="l" rtl="0">
         <a:lnSpc>
           <a:spcPct val="100000"/>
         </a:lnSpc>
@@ -9313,7 +9475,7 @@
           <a:srgbClr val="000000"/>
         </a:buClr>
         <a:buFont typeface="Arial"/>
-        <a:defRPr b="0" i="0" sz="1400" u="none" cap="none" strike="noStrike">
+        <a:defRPr sz="1400" b="0" i="0" u="none" strike="noStrike" cap="none">
           <a:solidFill>
             <a:srgbClr val="000000"/>
           </a:solidFill>
@@ -9323,7 +9485,7 @@
           <a:sym typeface="Arial"/>
         </a:defRPr>
       </a:lvl5pPr>
-      <a:lvl6pPr lvl="5" marR="0" rtl="0" algn="l">
+      <a:lvl6pPr marR="0" lvl="5" algn="l" rtl="0">
         <a:lnSpc>
           <a:spcPct val="100000"/>
         </a:lnSpc>
@@ -9337,7 +9499,7 @@
           <a:srgbClr val="000000"/>
         </a:buClr>
         <a:buFont typeface="Arial"/>
-        <a:defRPr b="0" i="0" sz="1400" u="none" cap="none" strike="noStrike">
+        <a:defRPr sz="1400" b="0" i="0" u="none" strike="noStrike" cap="none">
           <a:solidFill>
             <a:srgbClr val="000000"/>
           </a:solidFill>
@@ -9347,7 +9509,7 @@
           <a:sym typeface="Arial"/>
         </a:defRPr>
       </a:lvl6pPr>
-      <a:lvl7pPr lvl="6" marR="0" rtl="0" algn="l">
+      <a:lvl7pPr marR="0" lvl="6" algn="l" rtl="0">
         <a:lnSpc>
           <a:spcPct val="100000"/>
         </a:lnSpc>
@@ -9361,7 +9523,7 @@
           <a:srgbClr val="000000"/>
         </a:buClr>
         <a:buFont typeface="Arial"/>
-        <a:defRPr b="0" i="0" sz="1400" u="none" cap="none" strike="noStrike">
+        <a:defRPr sz="1400" b="0" i="0" u="none" strike="noStrike" cap="none">
           <a:solidFill>
             <a:srgbClr val="000000"/>
           </a:solidFill>
@@ -9371,7 +9533,7 @@
           <a:sym typeface="Arial"/>
         </a:defRPr>
       </a:lvl7pPr>
-      <a:lvl8pPr lvl="7" marR="0" rtl="0" algn="l">
+      <a:lvl8pPr marR="0" lvl="7" algn="l" rtl="0">
         <a:lnSpc>
           <a:spcPct val="100000"/>
         </a:lnSpc>
@@ -9385,7 +9547,7 @@
           <a:srgbClr val="000000"/>
         </a:buClr>
         <a:buFont typeface="Arial"/>
-        <a:defRPr b="0" i="0" sz="1400" u="none" cap="none" strike="noStrike">
+        <a:defRPr sz="1400" b="0" i="0" u="none" strike="noStrike" cap="none">
           <a:solidFill>
             <a:srgbClr val="000000"/>
           </a:solidFill>
@@ -9395,7 +9557,7 @@
           <a:sym typeface="Arial"/>
         </a:defRPr>
       </a:lvl8pPr>
-      <a:lvl9pPr lvl="8" marR="0" rtl="0" algn="l">
+      <a:lvl9pPr marR="0" lvl="8" algn="l" rtl="0">
         <a:lnSpc>
           <a:spcPct val="100000"/>
         </a:lnSpc>
@@ -9409,7 +9571,7 @@
           <a:srgbClr val="000000"/>
         </a:buClr>
         <a:buFont typeface="Arial"/>
-        <a:defRPr b="0" i="0" sz="1400" u="none" cap="none" strike="noStrike">
+        <a:defRPr sz="1400" b="0" i="0" u="none" strike="noStrike" cap="none">
           <a:solidFill>
             <a:srgbClr val="000000"/>
           </a:solidFill>
@@ -9425,11 +9587,11 @@
 </file>
 
 <file path=ppt/slides/slide1.xml><?xml version="1.0" encoding="utf-8"?>
-<p:sld xmlns:a="http://schemas.openxmlformats.org/drawingml/2006/main" xmlns:r="http://schemas.openxmlformats.org/officeDocument/2006/relationships" xmlns:mc="http://schemas.openxmlformats.org/markup-compatibility/2006" xmlns:mv="urn:schemas-microsoft-com:mac:vml" xmlns:p="http://schemas.openxmlformats.org/presentationml/2006/main" xmlns:c="http://schemas.openxmlformats.org/drawingml/2006/chart" xmlns:dgm="http://schemas.openxmlformats.org/drawingml/2006/diagram" xmlns:o="urn:schemas-microsoft-com:office:office" xmlns:v="urn:schemas-microsoft-com:vml" xmlns:pvml="urn:schemas-microsoft-com:office:powerpoint" xmlns:com="http://schemas.openxmlformats.org/drawingml/2006/compatibility" xmlns:p14="http://schemas.microsoft.com/office/powerpoint/2010/main" xmlns:p15="http://schemas.microsoft.com/office/powerpoint/2012/main" xmlns:ahyp="http://schemas.microsoft.com/office/drawing/2018/hyperlinkcolor">
+<p:sld xmlns:a="http://schemas.openxmlformats.org/drawingml/2006/main" xmlns:r="http://schemas.openxmlformats.org/officeDocument/2006/relationships" xmlns:p="http://schemas.openxmlformats.org/presentationml/2006/main">
   <p:cSld>
     <p:spTree>
       <p:nvGrpSpPr>
-        <p:cNvPr id="85" name="Shape 85"/>
+        <p:cNvPr id="1" name="Shape 85"/>
         <p:cNvGrpSpPr/>
         <p:nvPr/>
       </p:nvGrpSpPr>
@@ -9444,7 +9606,9 @@
       <p:sp>
         <p:nvSpPr>
           <p:cNvPr id="86" name="Google Shape;86;p13"/>
-          <p:cNvSpPr txBox="1"/>
+          <p:cNvSpPr txBox="1">
+            <a:spLocks noGrp="1"/>
+          </p:cNvSpPr>
           <p:nvPr>
             <p:ph type="ctrTitle"/>
           </p:nvPr>
@@ -9459,12 +9623,12 @@
           </a:prstGeom>
         </p:spPr>
         <p:txBody>
-          <a:bodyPr anchorCtr="0" anchor="t" bIns="91425" lIns="91425" spcFirstLastPara="1" rIns="91425" wrap="square" tIns="91425">
+          <a:bodyPr spcFirstLastPara="1" wrap="square" lIns="91425" tIns="91425" rIns="91425" bIns="91425" anchor="t" anchorCtr="0">
             <a:normAutofit/>
           </a:bodyPr>
           <a:lstStyle/>
           <a:p>
-            <a:pPr indent="0" lvl="0" marL="0" rtl="0" algn="l">
+            <a:pPr marL="0" lvl="0" indent="0" algn="l" rtl="0">
               <a:lnSpc>
                 <a:spcPct val="115000"/>
               </a:lnSpc>
@@ -9491,9 +9655,11 @@
       <p:sp>
         <p:nvSpPr>
           <p:cNvPr id="87" name="Google Shape;87;p13"/>
-          <p:cNvSpPr txBox="1"/>
+          <p:cNvSpPr txBox="1">
+            <a:spLocks noGrp="1"/>
+          </p:cNvSpPr>
           <p:nvPr>
-            <p:ph idx="1" type="subTitle"/>
+            <p:ph type="subTitle" idx="1"/>
           </p:nvPr>
         </p:nvSpPr>
         <p:spPr>
@@ -9506,12 +9672,12 @@
           </a:prstGeom>
         </p:spPr>
         <p:txBody>
-          <a:bodyPr anchorCtr="0" anchor="t" bIns="91425" lIns="91425" spcFirstLastPara="1" rIns="91425" wrap="square" tIns="91425">
+          <a:bodyPr spcFirstLastPara="1" wrap="square" lIns="91425" tIns="91425" rIns="91425" bIns="91425" anchor="t" anchorCtr="0">
             <a:normAutofit lnSpcReduction="10000"/>
           </a:bodyPr>
           <a:lstStyle/>
           <a:p>
-            <a:pPr indent="0" lvl="0" marL="0" rtl="0" algn="l">
+            <a:pPr marL="0" lvl="0" indent="0" algn="l" rtl="0">
               <a:spcBef>
                 <a:spcPts val="0"/>
               </a:spcBef>
@@ -9521,13 +9687,13 @@
               <a:buNone/>
             </a:pPr>
             <a:r>
-              <a:rPr b="1" lang="en"/>
+              <a:rPr lang="en" b="1"/>
               <a:t>Group 11 </a:t>
             </a:r>
             <a:endParaRPr b="1"/>
           </a:p>
           <a:p>
-            <a:pPr indent="0" lvl="0" marL="0" rtl="0" algn="l">
+            <a:pPr marL="0" lvl="0" indent="0" algn="l" rtl="0">
               <a:spcBef>
                 <a:spcPts val="0"/>
               </a:spcBef>
@@ -9536,13 +9702,10 @@
               </a:spcAft>
               <a:buNone/>
             </a:pPr>
-            <a:r>
-              <a:t/>
-            </a:r>
             <a:endParaRPr b="1"/>
           </a:p>
           <a:p>
-            <a:pPr indent="0" lvl="0" marL="0" rtl="0" algn="l">
+            <a:pPr marL="0" lvl="0" indent="0" algn="l" rtl="0">
               <a:spcBef>
                 <a:spcPts val="0"/>
               </a:spcBef>
@@ -9552,14 +9715,10 @@
               <a:buNone/>
             </a:pPr>
             <a:r>
-              <a:rPr b="1" lang="en"/>
-              <a:t>Contributors: Christie Du,</a:t>
+              <a:rPr lang="en" b="1"/>
+              <a:t>Contributors: Christie Du, Shriya Nallamaddi, Kexin Tang, Xile Zhang, Haozhong Zheng</a:t>
             </a:r>
-            <a:r>
-              <a:rPr b="1" lang="en"/>
-              <a:t> Shriya Nallamaddi, Kexin Tang, Xile Zhang, Haozhong Zheng</a:t>
-            </a:r>
-            <a:endParaRPr b="1" sz="1200">
+            <a:endParaRPr sz="1200" b="1">
               <a:solidFill>
                 <a:srgbClr val="C9D1D9"/>
               </a:solidFill>
@@ -9573,7 +9732,7 @@
             </a:endParaRPr>
           </a:p>
           <a:p>
-            <a:pPr indent="0" lvl="0" marL="0" rtl="0" algn="l">
+            <a:pPr marL="0" lvl="0" indent="0" algn="l" rtl="0">
               <a:spcBef>
                 <a:spcPts val="0"/>
               </a:spcBef>
@@ -9582,9 +9741,6 @@
               </a:spcAft>
               <a:buNone/>
             </a:pPr>
-            <a:r>
-              <a:t/>
-            </a:r>
             <a:endParaRPr/>
           </a:p>
         </p:txBody>
@@ -9598,11 +9754,11 @@
 </file>
 
 <file path=ppt/slides/slide10.xml><?xml version="1.0" encoding="utf-8"?>
-<p:sld xmlns:a="http://schemas.openxmlformats.org/drawingml/2006/main" xmlns:r="http://schemas.openxmlformats.org/officeDocument/2006/relationships" xmlns:mc="http://schemas.openxmlformats.org/markup-compatibility/2006" xmlns:mv="urn:schemas-microsoft-com:mac:vml" xmlns:p="http://schemas.openxmlformats.org/presentationml/2006/main" xmlns:c="http://schemas.openxmlformats.org/drawingml/2006/chart" xmlns:dgm="http://schemas.openxmlformats.org/drawingml/2006/diagram" xmlns:o="urn:schemas-microsoft-com:office:office" xmlns:v="urn:schemas-microsoft-com:vml" xmlns:pvml="urn:schemas-microsoft-com:office:powerpoint" xmlns:com="http://schemas.openxmlformats.org/drawingml/2006/compatibility" xmlns:p14="http://schemas.microsoft.com/office/powerpoint/2010/main" xmlns:p15="http://schemas.microsoft.com/office/powerpoint/2012/main" xmlns:ahyp="http://schemas.microsoft.com/office/drawing/2018/hyperlinkcolor">
+<p:sld xmlns:a="http://schemas.openxmlformats.org/drawingml/2006/main" xmlns:r="http://schemas.openxmlformats.org/officeDocument/2006/relationships" xmlns:p="http://schemas.openxmlformats.org/presentationml/2006/main">
   <p:cSld>
     <p:spTree>
       <p:nvGrpSpPr>
-        <p:cNvPr id="164" name="Shape 164"/>
+        <p:cNvPr id="1" name="Shape 164"/>
         <p:cNvGrpSpPr/>
         <p:nvPr/>
       </p:nvGrpSpPr>
@@ -9645,7 +9801,9 @@
       <p:sp>
         <p:nvSpPr>
           <p:cNvPr id="166" name="Google Shape;166;p22"/>
-          <p:cNvSpPr txBox="1"/>
+          <p:cNvSpPr txBox="1">
+            <a:spLocks noGrp="1"/>
+          </p:cNvSpPr>
           <p:nvPr>
             <p:ph type="title"/>
           </p:nvPr>
@@ -9660,12 +9818,12 @@
           </a:prstGeom>
         </p:spPr>
         <p:txBody>
-          <a:bodyPr anchorCtr="0" anchor="t" bIns="91425" lIns="91425" spcFirstLastPara="1" rIns="91425" wrap="square" tIns="91425">
+          <a:bodyPr spcFirstLastPara="1" wrap="square" lIns="91425" tIns="91425" rIns="91425" bIns="91425" anchor="t" anchorCtr="0">
             <a:normAutofit fontScale="90000"/>
           </a:bodyPr>
           <a:lstStyle/>
           <a:p>
-            <a:pPr indent="0" lvl="0" marL="0" rtl="0" algn="l">
+            <a:pPr marL="0" lvl="0" indent="0" algn="l" rtl="0">
               <a:spcBef>
                 <a:spcPts val="0"/>
               </a:spcBef>
@@ -9725,14 +9883,14 @@
             <a:avLst/>
           </a:prstGeom>
           <a:noFill/>
-          <a:ln cap="flat" cmpd="sng" w="9525">
+          <a:ln w="9525" cap="flat" cmpd="sng">
             <a:solidFill>
               <a:schemeClr val="dk2"/>
             </a:solidFill>
             <a:prstDash val="solid"/>
             <a:round/>
-            <a:headEnd len="med" w="med" type="none"/>
-            <a:tailEnd len="med" w="med" type="triangle"/>
+            <a:headEnd type="none" w="med" len="med"/>
+            <a:tailEnd type="triangle" w="med" len="med"/>
           </a:ln>
         </p:spPr>
       </p:cxnSp>
@@ -9756,12 +9914,12 @@
           </a:ln>
         </p:spPr>
         <p:txBody>
-          <a:bodyPr anchorCtr="0" anchor="t" bIns="91425" lIns="91425" spcFirstLastPara="1" rIns="91425" wrap="square" tIns="91425">
+          <a:bodyPr spcFirstLastPara="1" wrap="square" lIns="91425" tIns="91425" rIns="91425" bIns="91425" anchor="t" anchorCtr="0">
             <a:spAutoFit/>
           </a:bodyPr>
           <a:lstStyle/>
           <a:p>
-            <a:pPr indent="0" lvl="0" marL="0" rtl="0" algn="l">
+            <a:pPr marL="0" lvl="0" indent="0" algn="l" rtl="0">
               <a:spcBef>
                 <a:spcPts val="0"/>
               </a:spcBef>
@@ -9787,7 +9945,7 @@
             </a:endParaRPr>
           </a:p>
           <a:p>
-            <a:pPr indent="0" lvl="0" marL="0" rtl="0" algn="l">
+            <a:pPr marL="0" lvl="0" indent="0" algn="l" rtl="0">
               <a:spcBef>
                 <a:spcPts val="0"/>
               </a:spcBef>
@@ -9796,9 +9954,6 @@
               </a:spcAft>
               <a:buNone/>
             </a:pPr>
-            <a:r>
-              <a:t/>
-            </a:r>
             <a:endParaRPr sz="1000">
               <a:latin typeface="Lato"/>
               <a:ea typeface="Lato"/>
@@ -9815,7 +9970,7 @@
           <p:nvPr/>
         </p:nvCxnSpPr>
         <p:spPr>
-          <a:xfrm flipH="1" rot="10800000">
+          <a:xfrm rot="10800000" flipH="1">
             <a:off x="5427450" y="4081225"/>
             <a:ext cx="230100" cy="201300"/>
           </a:xfrm>
@@ -9823,14 +9978,14 @@
             <a:avLst/>
           </a:prstGeom>
           <a:noFill/>
-          <a:ln cap="flat" cmpd="sng" w="9525">
+          <a:ln w="9525" cap="flat" cmpd="sng">
             <a:solidFill>
               <a:schemeClr val="dk2"/>
             </a:solidFill>
             <a:prstDash val="solid"/>
             <a:round/>
-            <a:headEnd len="med" w="med" type="none"/>
-            <a:tailEnd len="med" w="med" type="triangle"/>
+            <a:headEnd type="none" w="med" len="med"/>
+            <a:tailEnd type="triangle" w="med" len="med"/>
           </a:ln>
         </p:spPr>
       </p:cxnSp>
@@ -9854,12 +10009,12 @@
           </a:ln>
         </p:spPr>
         <p:txBody>
-          <a:bodyPr anchorCtr="0" anchor="t" bIns="91425" lIns="91425" spcFirstLastPara="1" rIns="91425" wrap="square" tIns="91425">
+          <a:bodyPr spcFirstLastPara="1" wrap="square" lIns="91425" tIns="91425" rIns="91425" bIns="91425" anchor="t" anchorCtr="0">
             <a:spAutoFit/>
           </a:bodyPr>
           <a:lstStyle/>
           <a:p>
-            <a:pPr indent="0" lvl="0" marL="0" rtl="0" algn="l">
+            <a:pPr marL="0" lvl="0" indent="0" algn="l" rtl="0">
               <a:spcBef>
                 <a:spcPts val="0"/>
               </a:spcBef>
@@ -9893,7 +10048,7 @@
           <p:nvPr/>
         </p:nvCxnSpPr>
         <p:spPr>
-          <a:xfrm flipH="1" rot="10800000">
+          <a:xfrm rot="10800000" flipH="1">
             <a:off x="6360675" y="4172250"/>
             <a:ext cx="195600" cy="500100"/>
           </a:xfrm>
@@ -9901,14 +10056,14 @@
             <a:avLst/>
           </a:prstGeom>
           <a:noFill/>
-          <a:ln cap="flat" cmpd="sng" w="9525">
+          <a:ln w="9525" cap="flat" cmpd="sng">
             <a:solidFill>
               <a:schemeClr val="dk2"/>
             </a:solidFill>
             <a:prstDash val="solid"/>
             <a:round/>
-            <a:headEnd len="med" w="med" type="none"/>
-            <a:tailEnd len="med" w="med" type="triangle"/>
+            <a:headEnd type="none" w="med" len="med"/>
+            <a:tailEnd type="triangle" w="med" len="med"/>
           </a:ln>
         </p:spPr>
       </p:cxnSp>
@@ -9932,12 +10087,12 @@
           </a:ln>
         </p:spPr>
         <p:txBody>
-          <a:bodyPr anchorCtr="0" anchor="t" bIns="91425" lIns="91425" spcFirstLastPara="1" rIns="91425" wrap="square" tIns="91425">
+          <a:bodyPr spcFirstLastPara="1" wrap="square" lIns="91425" tIns="91425" rIns="91425" bIns="91425" anchor="t" anchorCtr="0">
             <a:spAutoFit/>
           </a:bodyPr>
           <a:lstStyle/>
           <a:p>
-            <a:pPr indent="0" lvl="0" marL="0" rtl="0" algn="l">
+            <a:pPr marL="0" lvl="0" indent="0" algn="l" rtl="0">
               <a:spcBef>
                 <a:spcPts val="0"/>
               </a:spcBef>
@@ -9963,7 +10118,7 @@
             </a:endParaRPr>
           </a:p>
           <a:p>
-            <a:pPr indent="0" lvl="0" marL="0" rtl="0" algn="l">
+            <a:pPr marL="0" lvl="0" indent="0" algn="l" rtl="0">
               <a:spcBef>
                 <a:spcPts val="0"/>
               </a:spcBef>
@@ -9989,7 +10144,7 @@
             </a:endParaRPr>
           </a:p>
           <a:p>
-            <a:pPr indent="0" lvl="0" marL="0" rtl="0" algn="l">
+            <a:pPr marL="0" lvl="0" indent="0" algn="l" rtl="0">
               <a:spcBef>
                 <a:spcPts val="0"/>
               </a:spcBef>
@@ -9998,9 +10153,6 @@
               </a:spcAft>
               <a:buNone/>
             </a:pPr>
-            <a:r>
-              <a:t/>
-            </a:r>
             <a:endParaRPr sz="1000">
               <a:latin typeface="Lato"/>
               <a:ea typeface="Lato"/>
@@ -10019,11 +10171,11 @@
 </file>
 
 <file path=ppt/slides/slide11.xml><?xml version="1.0" encoding="utf-8"?>
-<p:sld xmlns:a="http://schemas.openxmlformats.org/drawingml/2006/main" xmlns:r="http://schemas.openxmlformats.org/officeDocument/2006/relationships" xmlns:mc="http://schemas.openxmlformats.org/markup-compatibility/2006" xmlns:mv="urn:schemas-microsoft-com:mac:vml" xmlns:p="http://schemas.openxmlformats.org/presentationml/2006/main" xmlns:c="http://schemas.openxmlformats.org/drawingml/2006/chart" xmlns:dgm="http://schemas.openxmlformats.org/drawingml/2006/diagram" xmlns:o="urn:schemas-microsoft-com:office:office" xmlns:v="urn:schemas-microsoft-com:vml" xmlns:pvml="urn:schemas-microsoft-com:office:powerpoint" xmlns:com="http://schemas.openxmlformats.org/drawingml/2006/compatibility" xmlns:p14="http://schemas.microsoft.com/office/powerpoint/2010/main" xmlns:p15="http://schemas.microsoft.com/office/powerpoint/2012/main" xmlns:ahyp="http://schemas.microsoft.com/office/drawing/2018/hyperlinkcolor">
+<p:sld xmlns:a="http://schemas.openxmlformats.org/drawingml/2006/main" xmlns:r="http://schemas.openxmlformats.org/officeDocument/2006/relationships" xmlns:p="http://schemas.openxmlformats.org/presentationml/2006/main">
   <p:cSld>
     <p:spTree>
       <p:nvGrpSpPr>
-        <p:cNvPr id="177" name="Shape 177"/>
+        <p:cNvPr id="1" name="Shape 177"/>
         <p:cNvGrpSpPr/>
         <p:nvPr/>
       </p:nvGrpSpPr>
@@ -10038,9 +10190,11 @@
       <p:sp>
         <p:nvSpPr>
           <p:cNvPr id="178" name="Google Shape;178;p23"/>
-          <p:cNvSpPr txBox="1"/>
+          <p:cNvSpPr txBox="1">
+            <a:spLocks noGrp="1"/>
+          </p:cNvSpPr>
           <p:nvPr>
-            <p:ph idx="1" type="body"/>
+            <p:ph type="body" idx="1"/>
           </p:nvPr>
         </p:nvSpPr>
         <p:spPr>
@@ -10053,12 +10207,12 @@
           </a:prstGeom>
         </p:spPr>
         <p:txBody>
-          <a:bodyPr anchorCtr="0" anchor="t" bIns="91425" lIns="91425" spcFirstLastPara="1" rIns="91425" wrap="square" tIns="91425">
-            <a:normAutofit/>
+          <a:bodyPr spcFirstLastPara="1" wrap="square" lIns="91425" tIns="91425" rIns="91425" bIns="91425" anchor="t" anchorCtr="0">
+            <a:normAutofit fontScale="25000" lnSpcReduction="20000"/>
           </a:bodyPr>
           <a:lstStyle/>
           <a:p>
-            <a:pPr indent="0" lvl="0" marL="0" rtl="0" algn="ctr">
+            <a:pPr marL="0" lvl="0" indent="0" algn="ctr" rtl="0">
               <a:spcBef>
                 <a:spcPts val="0"/>
               </a:spcBef>
@@ -10068,7 +10222,7 @@
               <a:buNone/>
             </a:pPr>
             <a:r>
-              <a:rPr b="1" lang="en">
+              <a:rPr lang="en" b="1">
                 <a:solidFill>
                   <a:srgbClr val="0D1117"/>
                 </a:solidFill>
@@ -10086,9 +10240,11 @@
       <p:sp>
         <p:nvSpPr>
           <p:cNvPr id="179" name="Google Shape;179;p23"/>
-          <p:cNvSpPr txBox="1"/>
+          <p:cNvSpPr txBox="1">
+            <a:spLocks noGrp="1"/>
+          </p:cNvSpPr>
           <p:nvPr>
-            <p:ph idx="1" type="body"/>
+            <p:ph type="body" idx="1"/>
           </p:nvPr>
         </p:nvSpPr>
         <p:spPr>
@@ -10101,12 +10257,12 @@
           </a:prstGeom>
         </p:spPr>
         <p:txBody>
-          <a:bodyPr anchorCtr="0" anchor="t" bIns="91425" lIns="91425" spcFirstLastPara="1" rIns="91425" wrap="square" tIns="91425">
-            <a:normAutofit/>
+          <a:bodyPr spcFirstLastPara="1" wrap="square" lIns="91425" tIns="91425" rIns="91425" bIns="91425" anchor="t" anchorCtr="0">
+            <a:normAutofit fontScale="25000" lnSpcReduction="20000"/>
           </a:bodyPr>
           <a:lstStyle/>
           <a:p>
-            <a:pPr indent="0" lvl="0" marL="0" rtl="0" algn="ctr">
+            <a:pPr marL="0" lvl="0" indent="0" algn="ctr" rtl="0">
               <a:spcBef>
                 <a:spcPts val="0"/>
               </a:spcBef>
@@ -10116,7 +10272,7 @@
               <a:buNone/>
             </a:pPr>
             <a:r>
-              <a:rPr b="1" lang="en">
+              <a:rPr lang="en" b="1">
                 <a:solidFill>
                   <a:srgbClr val="0D1117"/>
                 </a:solidFill>
@@ -10134,9 +10290,11 @@
       <p:sp>
         <p:nvSpPr>
           <p:cNvPr id="180" name="Google Shape;180;p23"/>
-          <p:cNvSpPr txBox="1"/>
+          <p:cNvSpPr txBox="1">
+            <a:spLocks noGrp="1"/>
+          </p:cNvSpPr>
           <p:nvPr>
-            <p:ph idx="1" type="body"/>
+            <p:ph type="body" idx="1"/>
           </p:nvPr>
         </p:nvSpPr>
         <p:spPr>
@@ -10149,12 +10307,12 @@
           </a:prstGeom>
         </p:spPr>
         <p:txBody>
-          <a:bodyPr anchorCtr="0" anchor="t" bIns="91425" lIns="91425" spcFirstLastPara="1" rIns="91425" wrap="square" tIns="91425">
-            <a:normAutofit/>
+          <a:bodyPr spcFirstLastPara="1" wrap="square" lIns="91425" tIns="91425" rIns="91425" bIns="91425" anchor="t" anchorCtr="0">
+            <a:normAutofit fontScale="25000" lnSpcReduction="20000"/>
           </a:bodyPr>
           <a:lstStyle/>
           <a:p>
-            <a:pPr indent="0" lvl="0" marL="0" rtl="0" algn="ctr">
+            <a:pPr marL="0" lvl="0" indent="0" algn="ctr" rtl="0">
               <a:spcBef>
                 <a:spcPts val="0"/>
               </a:spcBef>
@@ -10164,7 +10322,7 @@
               <a:buNone/>
             </a:pPr>
             <a:r>
-              <a:rPr b="1" lang="en">
+              <a:rPr lang="en" b="1">
                 <a:solidFill>
                   <a:srgbClr val="0D1117"/>
                 </a:solidFill>
@@ -10182,9 +10340,11 @@
       <p:sp>
         <p:nvSpPr>
           <p:cNvPr id="181" name="Google Shape;181;p23"/>
-          <p:cNvSpPr txBox="1"/>
+          <p:cNvSpPr txBox="1">
+            <a:spLocks noGrp="1"/>
+          </p:cNvSpPr>
           <p:nvPr>
-            <p:ph idx="1" type="body"/>
+            <p:ph type="body" idx="1"/>
           </p:nvPr>
         </p:nvSpPr>
         <p:spPr>
@@ -10200,12 +10360,12 @@
           </a:solidFill>
         </p:spPr>
         <p:txBody>
-          <a:bodyPr anchorCtr="0" anchor="t" bIns="91425" lIns="91425" spcFirstLastPara="1" rIns="91425" wrap="square" tIns="91425">
-            <a:normAutofit fontScale="92500"/>
+          <a:bodyPr spcFirstLastPara="1" wrap="square" lIns="91425" tIns="91425" rIns="91425" bIns="91425" anchor="t" anchorCtr="0">
+            <a:normAutofit fontScale="40000" lnSpcReduction="20000"/>
           </a:bodyPr>
           <a:lstStyle/>
           <a:p>
-            <a:pPr indent="0" lvl="0" marL="0" rtl="0" algn="l">
+            <a:pPr marL="0" lvl="0" indent="0" algn="l" rtl="0">
               <a:lnSpc>
                 <a:spcPct val="95000"/>
               </a:lnSpc>
@@ -10325,32 +10485,32 @@
   <p:timing>
     <p:tnLst>
       <p:par>
-        <p:cTn dur="indefinite" nodeType="tmRoot" restart="never">
+        <p:cTn id="1" dur="indefinite" restart="never" nodeType="tmRoot">
           <p:childTnLst>
             <p:seq concurrent="1" nextAc="seek">
-              <p:cTn dur="indefinite" id="2" nodeType="mainSeq">
+              <p:cTn id="2" dur="indefinite" nodeType="mainSeq">
                 <p:childTnLst>
                   <p:par>
-                    <p:cTn fill="hold">
+                    <p:cTn id="3" fill="hold">
                       <p:stCondLst>
                         <p:cond delay="indefinite"/>
                       </p:stCondLst>
                       <p:childTnLst>
                         <p:par>
-                          <p:cTn fill="hold">
+                          <p:cTn id="4" fill="hold">
                             <p:stCondLst>
                               <p:cond delay="0"/>
                             </p:stCondLst>
                             <p:childTnLst>
                               <p:par>
-                                <p:cTn fill="hold" nodeType="clickEffect" presetClass="entr" presetID="1" presetSubtype="0">
+                                <p:cTn id="5" presetID="1" presetClass="entr" presetSubtype="0" fill="hold" nodeType="clickEffect">
                                   <p:stCondLst>
                                     <p:cond delay="0"/>
                                   </p:stCondLst>
                                   <p:childTnLst>
                                     <p:set>
                                       <p:cBhvr>
-                                        <p:cTn dur="1" fill="hold">
+                                        <p:cTn id="6" dur="1" fill="hold">
                                           <p:stCondLst>
                                             <p:cond delay="0"/>
                                           </p:stCondLst>
@@ -10370,14 +10530,14 @@
                                 </p:cTn>
                               </p:par>
                               <p:par>
-                                <p:cTn fill="hold" nodeType="withEffect" presetClass="entr" presetID="1" presetSubtype="0">
+                                <p:cTn id="7" presetID="1" presetClass="entr" presetSubtype="0" fill="hold" nodeType="withEffect">
                                   <p:stCondLst>
                                     <p:cond delay="0"/>
                                   </p:stCondLst>
                                   <p:childTnLst>
                                     <p:set>
                                       <p:cBhvr>
-                                        <p:cTn dur="1" fill="hold">
+                                        <p:cTn id="8" dur="1" fill="hold">
                                           <p:stCondLst>
                                             <p:cond delay="0"/>
                                           </p:stCondLst>
@@ -10397,14 +10557,14 @@
                                 </p:cTn>
                               </p:par>
                               <p:par>
-                                <p:cTn fill="hold" nodeType="withEffect" presetClass="entr" presetID="1" presetSubtype="0">
+                                <p:cTn id="9" presetID="1" presetClass="entr" presetSubtype="0" fill="hold" nodeType="withEffect">
                                   <p:stCondLst>
                                     <p:cond delay="0"/>
                                   </p:stCondLst>
                                   <p:childTnLst>
                                     <p:set>
                                       <p:cBhvr>
-                                        <p:cTn dur="1" fill="hold">
+                                        <p:cTn id="10" dur="1" fill="hold">
                                           <p:stCondLst>
                                             <p:cond delay="0"/>
                                           </p:stCondLst>
@@ -10424,14 +10584,14 @@
                                 </p:cTn>
                               </p:par>
                               <p:par>
-                                <p:cTn fill="hold" nodeType="withEffect" presetClass="entr" presetID="1" presetSubtype="0">
+                                <p:cTn id="11" presetID="1" presetClass="entr" presetSubtype="0" fill="hold" nodeType="withEffect">
                                   <p:stCondLst>
                                     <p:cond delay="0"/>
                                   </p:stCondLst>
                                   <p:childTnLst>
                                     <p:set>
                                       <p:cBhvr>
-                                        <p:cTn dur="1" fill="hold">
+                                        <p:cTn id="12" dur="1" fill="hold">
                                           <p:stCondLst>
                                             <p:cond delay="0"/>
                                           </p:stCondLst>
@@ -10459,14 +10619,14 @@
                 </p:childTnLst>
               </p:cTn>
               <p:prevCondLst>
-                <p:cond evt="onPrev">
+                <p:cond evt="onPrev" delay="0">
                   <p:tgtEl>
                     <p:sldTgt/>
                   </p:tgtEl>
                 </p:cond>
               </p:prevCondLst>
               <p:nextCondLst>
-                <p:cond evt="onNext">
+                <p:cond evt="onNext" delay="0">
                   <p:tgtEl>
                     <p:sldTgt/>
                   </p:tgtEl>
@@ -10482,11 +10642,11 @@
 </file>
 
 <file path=ppt/slides/slide12.xml><?xml version="1.0" encoding="utf-8"?>
-<p:sld xmlns:a="http://schemas.openxmlformats.org/drawingml/2006/main" xmlns:r="http://schemas.openxmlformats.org/officeDocument/2006/relationships" xmlns:mc="http://schemas.openxmlformats.org/markup-compatibility/2006" xmlns:mv="urn:schemas-microsoft-com:mac:vml" xmlns:p="http://schemas.openxmlformats.org/presentationml/2006/main" xmlns:c="http://schemas.openxmlformats.org/drawingml/2006/chart" xmlns:dgm="http://schemas.openxmlformats.org/drawingml/2006/diagram" xmlns:o="urn:schemas-microsoft-com:office:office" xmlns:v="urn:schemas-microsoft-com:vml" xmlns:pvml="urn:schemas-microsoft-com:office:powerpoint" xmlns:com="http://schemas.openxmlformats.org/drawingml/2006/compatibility" xmlns:p14="http://schemas.microsoft.com/office/powerpoint/2010/main" xmlns:p15="http://schemas.microsoft.com/office/powerpoint/2012/main" xmlns:ahyp="http://schemas.microsoft.com/office/drawing/2018/hyperlinkcolor">
+<p:sld xmlns:a="http://schemas.openxmlformats.org/drawingml/2006/main" xmlns:r="http://schemas.openxmlformats.org/officeDocument/2006/relationships" xmlns:p="http://schemas.openxmlformats.org/presentationml/2006/main">
   <p:cSld>
     <p:spTree>
       <p:nvGrpSpPr>
-        <p:cNvPr id="188" name="Shape 188"/>
+        <p:cNvPr id="1" name="Shape 188"/>
         <p:cNvGrpSpPr/>
         <p:nvPr/>
       </p:nvGrpSpPr>
@@ -10501,9 +10661,11 @@
       <p:sp>
         <p:nvSpPr>
           <p:cNvPr id="189" name="Google Shape;189;p24"/>
-          <p:cNvSpPr txBox="1"/>
+          <p:cNvSpPr txBox="1">
+            <a:spLocks noGrp="1"/>
+          </p:cNvSpPr>
           <p:nvPr>
-            <p:ph idx="1" type="body"/>
+            <p:ph type="body" idx="1"/>
           </p:nvPr>
         </p:nvSpPr>
         <p:spPr>
@@ -10516,12 +10678,12 @@
           </a:prstGeom>
         </p:spPr>
         <p:txBody>
-          <a:bodyPr anchorCtr="0" anchor="t" bIns="91425" lIns="91425" spcFirstLastPara="1" rIns="91425" wrap="square" tIns="91425">
+          <a:bodyPr spcFirstLastPara="1" wrap="square" lIns="91425" tIns="91425" rIns="91425" bIns="91425" anchor="t" anchorCtr="0">
             <a:normAutofit/>
           </a:bodyPr>
           <a:lstStyle/>
           <a:p>
-            <a:pPr indent="-304800" lvl="0" marL="457200" rtl="0" algn="l">
+            <a:pPr marL="457200" lvl="0" indent="-304800" algn="l" rtl="0">
               <a:spcBef>
                 <a:spcPts val="0"/>
               </a:spcBef>
@@ -10538,7 +10700,7 @@
             <a:endParaRPr sz="1200"/>
           </a:p>
           <a:p>
-            <a:pPr indent="-304800" lvl="1" marL="914400" rtl="0" algn="l">
+            <a:pPr marL="914400" lvl="1" indent="-304800" algn="l" rtl="0">
               <a:spcBef>
                 <a:spcPts val="0"/>
               </a:spcBef>
@@ -10555,7 +10717,7 @@
             <a:endParaRPr sz="1200"/>
           </a:p>
           <a:p>
-            <a:pPr indent="-304800" lvl="1" marL="914400" rtl="0" algn="l">
+            <a:pPr marL="914400" lvl="1" indent="-304800" algn="l" rtl="0">
               <a:spcBef>
                 <a:spcPts val="0"/>
               </a:spcBef>
@@ -10576,7 +10738,9 @@
       <p:sp>
         <p:nvSpPr>
           <p:cNvPr id="190" name="Google Shape;190;p24"/>
-          <p:cNvSpPr txBox="1"/>
+          <p:cNvSpPr txBox="1">
+            <a:spLocks noGrp="1"/>
+          </p:cNvSpPr>
           <p:nvPr>
             <p:ph type="title"/>
           </p:nvPr>
@@ -10591,12 +10755,12 @@
           </a:prstGeom>
         </p:spPr>
         <p:txBody>
-          <a:bodyPr anchorCtr="0" anchor="t" bIns="91425" lIns="91425" spcFirstLastPara="1" rIns="91425" wrap="square" tIns="91425">
+          <a:bodyPr spcFirstLastPara="1" wrap="square" lIns="91425" tIns="91425" rIns="91425" bIns="91425" anchor="t" anchorCtr="0">
             <a:normAutofit fontScale="90000"/>
           </a:bodyPr>
           <a:lstStyle/>
           <a:p>
-            <a:pPr indent="0" lvl="0" marL="0" rtl="0" algn="l">
+            <a:pPr marL="0" lvl="0" indent="0" algn="l" rtl="0">
               <a:spcBef>
                 <a:spcPts val="0"/>
               </a:spcBef>
@@ -10631,11 +10795,41 @@
                 <a:tableStyleId>{FECFCC1D-3961-4416-9844-A90D724FFB5B}</a:tableStyleId>
               </a:tblPr>
               <a:tblGrid>
-                <a:gridCol w="1057700"/>
-                <a:gridCol w="1057700"/>
-                <a:gridCol w="1057700"/>
-                <a:gridCol w="1057700"/>
-                <a:gridCol w="1057700"/>
+                <a:gridCol w="1057700">
+                  <a:extLst>
+                    <a:ext uri="{9D8B030D-6E8A-4147-A177-3AD203B41FA5}">
+                      <a16:colId xmlns:a16="http://schemas.microsoft.com/office/drawing/2014/main" val="20000"/>
+                    </a:ext>
+                  </a:extLst>
+                </a:gridCol>
+                <a:gridCol w="1057700">
+                  <a:extLst>
+                    <a:ext uri="{9D8B030D-6E8A-4147-A177-3AD203B41FA5}">
+                      <a16:colId xmlns:a16="http://schemas.microsoft.com/office/drawing/2014/main" val="20001"/>
+                    </a:ext>
+                  </a:extLst>
+                </a:gridCol>
+                <a:gridCol w="1057700">
+                  <a:extLst>
+                    <a:ext uri="{9D8B030D-6E8A-4147-A177-3AD203B41FA5}">
+                      <a16:colId xmlns:a16="http://schemas.microsoft.com/office/drawing/2014/main" val="20002"/>
+                    </a:ext>
+                  </a:extLst>
+                </a:gridCol>
+                <a:gridCol w="1057700">
+                  <a:extLst>
+                    <a:ext uri="{9D8B030D-6E8A-4147-A177-3AD203B41FA5}">
+                      <a16:colId xmlns:a16="http://schemas.microsoft.com/office/drawing/2014/main" val="20003"/>
+                    </a:ext>
+                  </a:extLst>
+                </a:gridCol>
+                <a:gridCol w="1057700">
+                  <a:extLst>
+                    <a:ext uri="{9D8B030D-6E8A-4147-A177-3AD203B41FA5}">
+                      <a16:colId xmlns:a16="http://schemas.microsoft.com/office/drawing/2014/main" val="20004"/>
+                    </a:ext>
+                  </a:extLst>
+                </a:gridCol>
               </a:tblGrid>
               <a:tr h="389775">
                 <a:tc>
@@ -10643,7 +10837,7 @@
                     <a:bodyPr/>
                     <a:lstStyle/>
                     <a:p>
-                      <a:pPr indent="0" lvl="0" marL="0" rtl="0" algn="ctr">
+                      <a:pPr marL="0" lvl="0" indent="0" algn="ctr" rtl="0">
                         <a:spcBef>
                           <a:spcPts val="0"/>
                         </a:spcBef>
@@ -10653,20 +10847,20 @@
                         <a:buNone/>
                       </a:pPr>
                       <a:r>
-                        <a:rPr b="1" lang="en" sz="1200"/>
+                        <a:rPr lang="en" sz="1200" b="1"/>
                         <a:t>Method</a:t>
                       </a:r>
-                      <a:endParaRPr b="1" sz="1200"/>
+                      <a:endParaRPr sz="1200" b="1"/>
                     </a:p>
                   </a:txBody>
-                  <a:tcPr marT="91425" marB="91425" marR="91425" marL="91425"/>
+                  <a:tcPr marL="91425" marR="91425" marT="91425" marB="91425"/>
                 </a:tc>
                 <a:tc>
                   <a:txBody>
                     <a:bodyPr/>
                     <a:lstStyle/>
                     <a:p>
-                      <a:pPr indent="0" lvl="0" marL="0" rtl="0" algn="ctr">
+                      <a:pPr marL="0" lvl="0" indent="0" algn="ctr" rtl="0">
                         <a:spcBef>
                           <a:spcPts val="0"/>
                         </a:spcBef>
@@ -10676,20 +10870,20 @@
                         <a:buNone/>
                       </a:pPr>
                       <a:r>
-                        <a:rPr b="1" lang="en" sz="1200"/>
+                        <a:rPr lang="en" sz="1200" b="1"/>
                         <a:t>Accuracy (%)</a:t>
                       </a:r>
-                      <a:endParaRPr b="1" sz="1200"/>
+                      <a:endParaRPr sz="1200" b="1"/>
                     </a:p>
                   </a:txBody>
-                  <a:tcPr marT="91425" marB="91425" marR="91425" marL="91425"/>
+                  <a:tcPr marL="91425" marR="91425" marT="91425" marB="91425"/>
                 </a:tc>
                 <a:tc>
                   <a:txBody>
                     <a:bodyPr/>
                     <a:lstStyle/>
                     <a:p>
-                      <a:pPr indent="0" lvl="0" marL="0" rtl="0" algn="ctr">
+                      <a:pPr marL="0" lvl="0" indent="0" algn="ctr" rtl="0">
                         <a:spcBef>
                           <a:spcPts val="0"/>
                         </a:spcBef>
@@ -10699,20 +10893,20 @@
                         <a:buNone/>
                       </a:pPr>
                       <a:r>
-                        <a:rPr b="1" lang="en" sz="1200"/>
+                        <a:rPr lang="en" sz="1200" b="1"/>
                         <a:t>FPR (B) (%)</a:t>
                       </a:r>
-                      <a:endParaRPr b="1" sz="1200"/>
+                      <a:endParaRPr sz="1200" b="1"/>
                     </a:p>
                   </a:txBody>
-                  <a:tcPr marT="91425" marB="91425" marR="91425" marL="91425"/>
+                  <a:tcPr marL="91425" marR="91425" marT="91425" marB="91425"/>
                 </a:tc>
                 <a:tc>
                   <a:txBody>
                     <a:bodyPr/>
                     <a:lstStyle/>
                     <a:p>
-                      <a:pPr indent="0" lvl="0" marL="0" rtl="0" algn="ctr">
+                      <a:pPr marL="0" lvl="0" indent="0" algn="ctr" rtl="0">
                         <a:spcBef>
                           <a:spcPts val="0"/>
                         </a:spcBef>
@@ -10722,20 +10916,20 @@
                         <a:buNone/>
                       </a:pPr>
                       <a:r>
-                        <a:rPr b="1" lang="en" sz="1200"/>
+                        <a:rPr lang="en" sz="1200" b="1"/>
                         <a:t>FPR (W) (%)</a:t>
                       </a:r>
-                      <a:endParaRPr b="1" sz="1200"/>
+                      <a:endParaRPr sz="1200" b="1"/>
                     </a:p>
                   </a:txBody>
-                  <a:tcPr marT="91425" marB="91425" marR="91425" marL="91425"/>
+                  <a:tcPr marL="91425" marR="91425" marT="91425" marB="91425"/>
                 </a:tc>
                 <a:tc>
                   <a:txBody>
                     <a:bodyPr/>
                     <a:lstStyle/>
                     <a:p>
-                      <a:pPr indent="0" lvl="0" marL="0" rtl="0" algn="ctr">
+                      <a:pPr marL="0" lvl="0" indent="0" algn="ctr" rtl="0">
                         <a:spcBef>
                           <a:spcPts val="0"/>
                         </a:spcBef>
@@ -10745,18 +10939,23 @@
                         <a:buNone/>
                       </a:pPr>
                       <a:r>
-                        <a:rPr b="1" lang="en" sz="1200"/>
+                        <a:rPr lang="en" sz="1200" b="1"/>
                         <a:t>FPR (diff) (%)</a:t>
                       </a:r>
-                      <a:endParaRPr b="1" sz="1200"/>
+                      <a:endParaRPr sz="1200" b="1"/>
                     </a:p>
                   </a:txBody>
-                  <a:tcPr marT="91425" marB="91425" marR="91425" marL="91425">
+                  <a:tcPr marL="91425" marR="91425" marT="91425" marB="91425">
                     <a:solidFill>
                       <a:schemeClr val="lt1"/>
                     </a:solidFill>
                   </a:tcPr>
                 </a:tc>
+                <a:extLst>
+                  <a:ext uri="{0D108BD9-81ED-4DB2-BD59-A6C34878D82A}">
+                    <a16:rowId xmlns:a16="http://schemas.microsoft.com/office/drawing/2014/main" val="10000"/>
+                  </a:ext>
+                </a:extLst>
               </a:tr>
               <a:tr h="389775">
                 <a:tc>
@@ -10764,7 +10963,7 @@
                     <a:bodyPr/>
                     <a:lstStyle/>
                     <a:p>
-                      <a:pPr indent="0" lvl="0" marL="0" rtl="0" algn="ctr">
+                      <a:pPr marL="0" lvl="0" indent="0" algn="ctr" rtl="0">
                         <a:spcBef>
                           <a:spcPts val="0"/>
                         </a:spcBef>
@@ -10780,14 +10979,14 @@
                       <a:endParaRPr sz="1100"/>
                     </a:p>
                   </a:txBody>
-                  <a:tcPr marT="91425" marB="91425" marR="91425" marL="91425"/>
+                  <a:tcPr marL="91425" marR="91425" marT="91425" marB="91425"/>
                 </a:tc>
                 <a:tc>
                   <a:txBody>
                     <a:bodyPr/>
                     <a:lstStyle/>
                     <a:p>
-                      <a:pPr indent="0" lvl="0" marL="0" rtl="0" algn="ctr">
+                      <a:pPr marL="0" lvl="0" indent="0" algn="ctr" rtl="0">
                         <a:spcBef>
                           <a:spcPts val="0"/>
                         </a:spcBef>
@@ -10803,14 +11002,14 @@
                       <a:endParaRPr sz="1100"/>
                     </a:p>
                   </a:txBody>
-                  <a:tcPr marT="91425" marB="91425" marR="91425" marL="91425"/>
+                  <a:tcPr marL="91425" marR="91425" marT="91425" marB="91425"/>
                 </a:tc>
                 <a:tc>
                   <a:txBody>
                     <a:bodyPr/>
                     <a:lstStyle/>
                     <a:p>
-                      <a:pPr indent="0" lvl="0" marL="0" rtl="0" algn="ctr">
+                      <a:pPr marL="0" lvl="0" indent="0" algn="ctr" rtl="0">
                         <a:spcBef>
                           <a:spcPts val="0"/>
                         </a:spcBef>
@@ -10826,14 +11025,14 @@
                       <a:endParaRPr sz="1100"/>
                     </a:p>
                   </a:txBody>
-                  <a:tcPr marT="91425" marB="91425" marR="91425" marL="91425"/>
+                  <a:tcPr marL="91425" marR="91425" marT="91425" marB="91425"/>
                 </a:tc>
                 <a:tc>
                   <a:txBody>
                     <a:bodyPr/>
                     <a:lstStyle/>
                     <a:p>
-                      <a:pPr indent="0" lvl="0" marL="0" rtl="0" algn="ctr">
+                      <a:pPr marL="0" lvl="0" indent="0" algn="ctr" rtl="0">
                         <a:spcBef>
                           <a:spcPts val="0"/>
                         </a:spcBef>
@@ -10849,14 +11048,14 @@
                       <a:endParaRPr sz="1100"/>
                     </a:p>
                   </a:txBody>
-                  <a:tcPr marT="91425" marB="91425" marR="91425" marL="91425"/>
+                  <a:tcPr marL="91425" marR="91425" marT="91425" marB="91425"/>
                 </a:tc>
                 <a:tc>
                   <a:txBody>
                     <a:bodyPr/>
                     <a:lstStyle/>
                     <a:p>
-                      <a:pPr indent="0" lvl="0" marL="0" rtl="0" algn="ctr">
+                      <a:pPr marL="0" lvl="0" indent="0" algn="ctr" rtl="0">
                         <a:spcBef>
                           <a:spcPts val="0"/>
                         </a:spcBef>
@@ -10872,8 +11071,13 @@
                       <a:endParaRPr sz="1100"/>
                     </a:p>
                   </a:txBody>
-                  <a:tcPr marT="91425" marB="91425" marR="91425" marL="91425"/>
+                  <a:tcPr marL="91425" marR="91425" marT="91425" marB="91425"/>
                 </a:tc>
+                <a:extLst>
+                  <a:ext uri="{0D108BD9-81ED-4DB2-BD59-A6C34878D82A}">
+                    <a16:rowId xmlns:a16="http://schemas.microsoft.com/office/drawing/2014/main" val="10001"/>
+                  </a:ext>
+                </a:extLst>
               </a:tr>
               <a:tr h="389775">
                 <a:tc>
@@ -10881,7 +11085,7 @@
                     <a:bodyPr/>
                     <a:lstStyle/>
                     <a:p>
-                      <a:pPr indent="0" lvl="0" marL="0" rtl="0" algn="ctr">
+                      <a:pPr marL="0" lvl="0" indent="0" algn="ctr" rtl="0">
                         <a:spcBef>
                           <a:spcPts val="0"/>
                         </a:spcBef>
@@ -10897,14 +11101,14 @@
                       <a:endParaRPr sz="1100"/>
                     </a:p>
                   </a:txBody>
-                  <a:tcPr marT="91425" marB="91425" marR="91425" marL="91425"/>
+                  <a:tcPr marL="91425" marR="91425" marT="91425" marB="91425"/>
                 </a:tc>
                 <a:tc>
                   <a:txBody>
                     <a:bodyPr/>
                     <a:lstStyle/>
                     <a:p>
-                      <a:pPr indent="0" lvl="0" marL="0" rtl="0" algn="ctr">
+                      <a:pPr marL="0" lvl="0" indent="0" algn="ctr" rtl="0">
                         <a:spcBef>
                           <a:spcPts val="0"/>
                         </a:spcBef>
@@ -10920,14 +11124,14 @@
                       <a:endParaRPr sz="1100"/>
                     </a:p>
                   </a:txBody>
-                  <a:tcPr marT="91425" marB="91425" marR="91425" marL="91425"/>
+                  <a:tcPr marL="91425" marR="91425" marT="91425" marB="91425"/>
                 </a:tc>
                 <a:tc>
                   <a:txBody>
                     <a:bodyPr/>
                     <a:lstStyle/>
                     <a:p>
-                      <a:pPr indent="0" lvl="0" marL="0" rtl="0" algn="ctr">
+                      <a:pPr marL="0" lvl="0" indent="0" algn="ctr" rtl="0">
                         <a:spcBef>
                           <a:spcPts val="0"/>
                         </a:spcBef>
@@ -10943,14 +11147,14 @@
                       <a:endParaRPr sz="1100"/>
                     </a:p>
                   </a:txBody>
-                  <a:tcPr marT="91425" marB="91425" marR="91425" marL="91425"/>
+                  <a:tcPr marL="91425" marR="91425" marT="91425" marB="91425"/>
                 </a:tc>
                 <a:tc>
                   <a:txBody>
                     <a:bodyPr/>
                     <a:lstStyle/>
                     <a:p>
-                      <a:pPr indent="0" lvl="0" marL="0" rtl="0" algn="ctr">
+                      <a:pPr marL="0" lvl="0" indent="0" algn="ctr" rtl="0">
                         <a:spcBef>
                           <a:spcPts val="0"/>
                         </a:spcBef>
@@ -10966,14 +11170,14 @@
                       <a:endParaRPr sz="1100"/>
                     </a:p>
                   </a:txBody>
-                  <a:tcPr marT="91425" marB="91425" marR="91425" marL="91425"/>
+                  <a:tcPr marL="91425" marR="91425" marT="91425" marB="91425"/>
                 </a:tc>
                 <a:tc>
                   <a:txBody>
                     <a:bodyPr/>
                     <a:lstStyle/>
                     <a:p>
-                      <a:pPr indent="0" lvl="0" marL="0" rtl="0" algn="ctr">
+                      <a:pPr marL="0" lvl="0" indent="0" algn="ctr" rtl="0">
                         <a:spcBef>
                           <a:spcPts val="0"/>
                         </a:spcBef>
@@ -10989,8 +11193,13 @@
                       <a:endParaRPr sz="1100"/>
                     </a:p>
                   </a:txBody>
-                  <a:tcPr marT="91425" marB="91425" marR="91425" marL="91425"/>
+                  <a:tcPr marL="91425" marR="91425" marT="91425" marB="91425"/>
                 </a:tc>
+                <a:extLst>
+                  <a:ext uri="{0D108BD9-81ED-4DB2-BD59-A6C34878D82A}">
+                    <a16:rowId xmlns:a16="http://schemas.microsoft.com/office/drawing/2014/main" val="10002"/>
+                  </a:ext>
+                </a:extLst>
               </a:tr>
               <a:tr h="389775">
                 <a:tc>
@@ -10998,7 +11207,7 @@
                     <a:bodyPr/>
                     <a:lstStyle/>
                     <a:p>
-                      <a:pPr indent="0" lvl="0" marL="0" rtl="0" algn="ctr">
+                      <a:pPr marL="0" lvl="0" indent="0" algn="ctr" rtl="0">
                         <a:spcBef>
                           <a:spcPts val="0"/>
                         </a:spcBef>
@@ -11014,14 +11223,14 @@
                       <a:endParaRPr sz="1100"/>
                     </a:p>
                   </a:txBody>
-                  <a:tcPr marT="91425" marB="91425" marR="91425" marL="91425"/>
+                  <a:tcPr marL="91425" marR="91425" marT="91425" marB="91425"/>
                 </a:tc>
                 <a:tc>
                   <a:txBody>
                     <a:bodyPr/>
                     <a:lstStyle/>
                     <a:p>
-                      <a:pPr indent="0" lvl="0" marL="0" rtl="0" algn="ctr">
+                      <a:pPr marL="0" lvl="0" indent="0" algn="ctr" rtl="0">
                         <a:spcBef>
                           <a:spcPts val="0"/>
                         </a:spcBef>
@@ -11037,7 +11246,7 @@
                       <a:endParaRPr sz="1100"/>
                     </a:p>
                   </a:txBody>
-                  <a:tcPr marT="91425" marB="91425" marR="91425" marL="91425">
+                  <a:tcPr marL="91425" marR="91425" marT="91425" marB="91425">
                     <a:solidFill>
                       <a:srgbClr val="B6D7A8"/>
                     </a:solidFill>
@@ -11048,7 +11257,7 @@
                     <a:bodyPr/>
                     <a:lstStyle/>
                     <a:p>
-                      <a:pPr indent="0" lvl="0" marL="0" rtl="0" algn="ctr">
+                      <a:pPr marL="0" lvl="0" indent="0" algn="ctr" rtl="0">
                         <a:spcBef>
                           <a:spcPts val="0"/>
                         </a:spcBef>
@@ -11064,14 +11273,14 @@
                       <a:endParaRPr sz="1100"/>
                     </a:p>
                   </a:txBody>
-                  <a:tcPr marT="91425" marB="91425" marR="91425" marL="91425"/>
+                  <a:tcPr marL="91425" marR="91425" marT="91425" marB="91425"/>
                 </a:tc>
                 <a:tc>
                   <a:txBody>
                     <a:bodyPr/>
                     <a:lstStyle/>
                     <a:p>
-                      <a:pPr indent="0" lvl="0" marL="0" rtl="0" algn="ctr">
+                      <a:pPr marL="0" lvl="0" indent="0" algn="ctr" rtl="0">
                         <a:spcBef>
                           <a:spcPts val="0"/>
                         </a:spcBef>
@@ -11087,14 +11296,14 @@
                       <a:endParaRPr sz="1100"/>
                     </a:p>
                   </a:txBody>
-                  <a:tcPr marT="91425" marB="91425" marR="91425" marL="91425"/>
+                  <a:tcPr marL="91425" marR="91425" marT="91425" marB="91425"/>
                 </a:tc>
                 <a:tc>
                   <a:txBody>
                     <a:bodyPr/>
                     <a:lstStyle/>
                     <a:p>
-                      <a:pPr indent="0" lvl="0" marL="0" rtl="0" algn="ctr">
+                      <a:pPr marL="0" lvl="0" indent="0" algn="ctr" rtl="0">
                         <a:spcBef>
                           <a:spcPts val="0"/>
                         </a:spcBef>
@@ -11110,12 +11319,17 @@
                       <a:endParaRPr sz="1100"/>
                     </a:p>
                   </a:txBody>
-                  <a:tcPr marT="91425" marB="91425" marR="91425" marL="91425">
+                  <a:tcPr marL="91425" marR="91425" marT="91425" marB="91425">
                     <a:solidFill>
                       <a:srgbClr val="B6D7A8"/>
                     </a:solidFill>
                   </a:tcPr>
                 </a:tc>
+                <a:extLst>
+                  <a:ext uri="{0D108BD9-81ED-4DB2-BD59-A6C34878D82A}">
+                    <a16:rowId xmlns:a16="http://schemas.microsoft.com/office/drawing/2014/main" val="10003"/>
+                  </a:ext>
+                </a:extLst>
               </a:tr>
               <a:tr h="389775">
                 <a:tc>
@@ -11123,7 +11337,7 @@
                     <a:bodyPr/>
                     <a:lstStyle/>
                     <a:p>
-                      <a:pPr indent="0" lvl="0" marL="0" rtl="0" algn="ctr">
+                      <a:pPr marL="0" lvl="0" indent="0" algn="ctr" rtl="0">
                         <a:spcBef>
                           <a:spcPts val="0"/>
                         </a:spcBef>
@@ -11139,14 +11353,14 @@
                       <a:endParaRPr sz="1100"/>
                     </a:p>
                   </a:txBody>
-                  <a:tcPr marT="91425" marB="91425" marR="91425" marL="91425"/>
+                  <a:tcPr marL="91425" marR="91425" marT="91425" marB="91425"/>
                 </a:tc>
                 <a:tc>
                   <a:txBody>
                     <a:bodyPr/>
                     <a:lstStyle/>
                     <a:p>
-                      <a:pPr indent="0" lvl="0" marL="0" rtl="0" algn="ctr">
+                      <a:pPr marL="0" lvl="0" indent="0" algn="ctr" rtl="0">
                         <a:spcBef>
                           <a:spcPts val="0"/>
                         </a:spcBef>
@@ -11162,14 +11376,14 @@
                       <a:endParaRPr sz="1100"/>
                     </a:p>
                   </a:txBody>
-                  <a:tcPr marT="91425" marB="91425" marR="91425" marL="91425"/>
+                  <a:tcPr marL="91425" marR="91425" marT="91425" marB="91425"/>
                 </a:tc>
                 <a:tc>
                   <a:txBody>
                     <a:bodyPr/>
                     <a:lstStyle/>
                     <a:p>
-                      <a:pPr indent="0" lvl="0" marL="0" rtl="0" algn="ctr">
+                      <a:pPr marL="0" lvl="0" indent="0" algn="ctr" rtl="0">
                         <a:spcBef>
                           <a:spcPts val="0"/>
                         </a:spcBef>
@@ -11185,7 +11399,7 @@
                       <a:endParaRPr sz="1100"/>
                     </a:p>
                   </a:txBody>
-                  <a:tcPr marT="91425" marB="91425" marR="91425" marL="91425">
+                  <a:tcPr marL="91425" marR="91425" marT="91425" marB="91425">
                     <a:solidFill>
                       <a:srgbClr val="B6D7A8"/>
                     </a:solidFill>
@@ -11196,7 +11410,7 @@
                     <a:bodyPr/>
                     <a:lstStyle/>
                     <a:p>
-                      <a:pPr indent="0" lvl="0" marL="0" rtl="0" algn="ctr">
+                      <a:pPr marL="0" lvl="0" indent="0" algn="ctr" rtl="0">
                         <a:spcBef>
                           <a:spcPts val="0"/>
                         </a:spcBef>
@@ -11212,14 +11426,14 @@
                       <a:endParaRPr sz="1100"/>
                     </a:p>
                   </a:txBody>
-                  <a:tcPr marT="91425" marB="91425" marR="91425" marL="91425"/>
+                  <a:tcPr marL="91425" marR="91425" marT="91425" marB="91425"/>
                 </a:tc>
                 <a:tc>
                   <a:txBody>
                     <a:bodyPr/>
                     <a:lstStyle/>
                     <a:p>
-                      <a:pPr indent="0" lvl="0" marL="0" rtl="0" algn="ctr">
+                      <a:pPr marL="0" lvl="0" indent="0" algn="ctr" rtl="0">
                         <a:spcBef>
                           <a:spcPts val="0"/>
                         </a:spcBef>
@@ -11235,8 +11449,13 @@
                       <a:endParaRPr sz="1100"/>
                     </a:p>
                   </a:txBody>
-                  <a:tcPr marT="91425" marB="91425" marR="91425" marL="91425"/>
+                  <a:tcPr marL="91425" marR="91425" marT="91425" marB="91425"/>
                 </a:tc>
+                <a:extLst>
+                  <a:ext uri="{0D108BD9-81ED-4DB2-BD59-A6C34878D82A}">
+                    <a16:rowId xmlns:a16="http://schemas.microsoft.com/office/drawing/2014/main" val="10004"/>
+                  </a:ext>
+                </a:extLst>
               </a:tr>
               <a:tr h="389775">
                 <a:tc>
@@ -11244,7 +11463,7 @@
                     <a:bodyPr/>
                     <a:lstStyle/>
                     <a:p>
-                      <a:pPr indent="0" lvl="0" marL="0" rtl="0" algn="ctr">
+                      <a:pPr marL="0" lvl="0" indent="0" algn="ctr" rtl="0">
                         <a:spcBef>
                           <a:spcPts val="0"/>
                         </a:spcBef>
@@ -11260,14 +11479,14 @@
                       <a:endParaRPr sz="1100"/>
                     </a:p>
                   </a:txBody>
-                  <a:tcPr marT="91425" marB="91425" marR="91425" marL="91425"/>
+                  <a:tcPr marL="91425" marR="91425" marT="91425" marB="91425"/>
                 </a:tc>
                 <a:tc>
                   <a:txBody>
                     <a:bodyPr/>
                     <a:lstStyle/>
                     <a:p>
-                      <a:pPr indent="0" lvl="0" marL="0" rtl="0" algn="ctr">
+                      <a:pPr marL="0" lvl="0" indent="0" algn="ctr" rtl="0">
                         <a:spcBef>
                           <a:spcPts val="0"/>
                         </a:spcBef>
@@ -11283,14 +11502,14 @@
                       <a:endParaRPr sz="1100"/>
                     </a:p>
                   </a:txBody>
-                  <a:tcPr marT="91425" marB="91425" marR="91425" marL="91425"/>
+                  <a:tcPr marL="91425" marR="91425" marT="91425" marB="91425"/>
                 </a:tc>
                 <a:tc>
                   <a:txBody>
                     <a:bodyPr/>
                     <a:lstStyle/>
                     <a:p>
-                      <a:pPr indent="0" lvl="0" marL="0" rtl="0" algn="ctr">
+                      <a:pPr marL="0" lvl="0" indent="0" algn="ctr" rtl="0">
                         <a:spcBef>
                           <a:spcPts val="0"/>
                         </a:spcBef>
@@ -11306,14 +11525,14 @@
                       <a:endParaRPr sz="1100"/>
                     </a:p>
                   </a:txBody>
-                  <a:tcPr marT="91425" marB="91425" marR="91425" marL="91425"/>
+                  <a:tcPr marL="91425" marR="91425" marT="91425" marB="91425"/>
                 </a:tc>
                 <a:tc>
                   <a:txBody>
                     <a:bodyPr/>
                     <a:lstStyle/>
                     <a:p>
-                      <a:pPr indent="0" lvl="0" marL="0" rtl="0" algn="ctr">
+                      <a:pPr marL="0" lvl="0" indent="0" algn="ctr" rtl="0">
                         <a:spcBef>
                           <a:spcPts val="0"/>
                         </a:spcBef>
@@ -11329,7 +11548,7 @@
                       <a:endParaRPr sz="1100"/>
                     </a:p>
                   </a:txBody>
-                  <a:tcPr marT="91425" marB="91425" marR="91425" marL="91425">
+                  <a:tcPr marL="91425" marR="91425" marT="91425" marB="91425">
                     <a:solidFill>
                       <a:srgbClr val="B6D7A8"/>
                     </a:solidFill>
@@ -11340,7 +11559,7 @@
                     <a:bodyPr/>
                     <a:lstStyle/>
                     <a:p>
-                      <a:pPr indent="0" lvl="0" marL="0" rtl="0" algn="ctr">
+                      <a:pPr marL="0" lvl="0" indent="0" algn="ctr" rtl="0">
                         <a:spcBef>
                           <a:spcPts val="0"/>
                         </a:spcBef>
@@ -11356,8 +11575,13 @@
                       <a:endParaRPr sz="1100"/>
                     </a:p>
                   </a:txBody>
-                  <a:tcPr marT="91425" marB="91425" marR="91425" marL="91425"/>
+                  <a:tcPr marL="91425" marR="91425" marT="91425" marB="91425"/>
                 </a:tc>
+                <a:extLst>
+                  <a:ext uri="{0D108BD9-81ED-4DB2-BD59-A6C34878D82A}">
+                    <a16:rowId xmlns:a16="http://schemas.microsoft.com/office/drawing/2014/main" val="10005"/>
+                  </a:ext>
+                </a:extLst>
               </a:tr>
             </a:tbl>
           </a:graphicData>
@@ -11366,9 +11590,11 @@
       <p:sp>
         <p:nvSpPr>
           <p:cNvPr id="192" name="Google Shape;192;p24"/>
-          <p:cNvSpPr txBox="1"/>
+          <p:cNvSpPr txBox="1">
+            <a:spLocks noGrp="1"/>
+          </p:cNvSpPr>
           <p:nvPr>
-            <p:ph idx="1" type="body"/>
+            <p:ph type="body" idx="1"/>
           </p:nvPr>
         </p:nvSpPr>
         <p:spPr>
@@ -11384,12 +11610,12 @@
           </a:solidFill>
         </p:spPr>
         <p:txBody>
-          <a:bodyPr anchorCtr="0" anchor="t" bIns="91425" lIns="91425" spcFirstLastPara="1" rIns="91425" wrap="square" tIns="91425">
-            <a:normAutofit lnSpcReduction="20000"/>
+          <a:bodyPr spcFirstLastPara="1" wrap="square" lIns="91425" tIns="91425" rIns="91425" bIns="91425" anchor="t" anchorCtr="0">
+            <a:normAutofit fontScale="32500" lnSpcReduction="20000"/>
           </a:bodyPr>
           <a:lstStyle/>
           <a:p>
-            <a:pPr indent="0" lvl="0" marL="0" rtl="0" algn="l">
+            <a:pPr marL="0" lvl="0" indent="0" algn="l" rtl="0">
               <a:spcBef>
                 <a:spcPts val="0"/>
               </a:spcBef>
@@ -11423,18 +11649,19 @@
 </file>
 
 <file path=ppt/slides/slide13.xml><?xml version="1.0" encoding="utf-8"?>
-<p:sld xmlns:a="http://schemas.openxmlformats.org/drawingml/2006/main" xmlns:r="http://schemas.openxmlformats.org/officeDocument/2006/relationships" xmlns:mc="http://schemas.openxmlformats.org/markup-compatibility/2006" xmlns:mv="urn:schemas-microsoft-com:mac:vml" xmlns:p="http://schemas.openxmlformats.org/presentationml/2006/main" xmlns:c="http://schemas.openxmlformats.org/drawingml/2006/chart" xmlns:dgm="http://schemas.openxmlformats.org/drawingml/2006/diagram" xmlns:o="urn:schemas-microsoft-com:office:office" xmlns:v="urn:schemas-microsoft-com:vml" xmlns:pvml="urn:schemas-microsoft-com:office:powerpoint" xmlns:com="http://schemas.openxmlformats.org/drawingml/2006/compatibility" xmlns:p14="http://schemas.microsoft.com/office/powerpoint/2010/main" xmlns:p15="http://schemas.microsoft.com/office/powerpoint/2012/main" xmlns:ahyp="http://schemas.microsoft.com/office/drawing/2018/hyperlinkcolor">
+<p:sld xmlns:a="http://schemas.openxmlformats.org/drawingml/2006/main" xmlns:r="http://schemas.openxmlformats.org/officeDocument/2006/relationships" xmlns:p="http://schemas.openxmlformats.org/presentationml/2006/main">
   <p:cSld>
     <p:bg>
       <p:bgPr>
         <a:solidFill>
           <a:schemeClr val="accent2"/>
         </a:solidFill>
+        <a:effectLst/>
       </p:bgPr>
     </p:bg>
     <p:spTree>
       <p:nvGrpSpPr>
-        <p:cNvPr id="196" name="Shape 196"/>
+        <p:cNvPr id="1" name="Shape 196"/>
         <p:cNvGrpSpPr/>
         <p:nvPr/>
       </p:nvGrpSpPr>
@@ -11449,7 +11676,9 @@
       <p:sp>
         <p:nvSpPr>
           <p:cNvPr id="197" name="Google Shape;197;p25"/>
-          <p:cNvSpPr txBox="1"/>
+          <p:cNvSpPr txBox="1">
+            <a:spLocks noGrp="1"/>
+          </p:cNvSpPr>
           <p:nvPr>
             <p:ph type="title"/>
           </p:nvPr>
@@ -11464,12 +11693,12 @@
           </a:prstGeom>
         </p:spPr>
         <p:txBody>
-          <a:bodyPr anchorCtr="0" anchor="ctr" bIns="91425" lIns="91425" spcFirstLastPara="1" rIns="91425" wrap="square" tIns="91425">
+          <a:bodyPr spcFirstLastPara="1" wrap="square" lIns="91425" tIns="91425" rIns="91425" bIns="91425" anchor="ctr" anchorCtr="0">
             <a:normAutofit/>
           </a:bodyPr>
           <a:lstStyle/>
           <a:p>
-            <a:pPr indent="0" lvl="0" marL="0" rtl="0" algn="l">
+            <a:pPr marL="0" lvl="0" indent="0" algn="l" rtl="0">
               <a:spcBef>
                 <a:spcPts val="0"/>
               </a:spcBef>
@@ -11495,11 +11724,11 @@
 </file>
 
 <file path=ppt/slides/slide14.xml><?xml version="1.0" encoding="utf-8"?>
-<p:sld xmlns:a="http://schemas.openxmlformats.org/drawingml/2006/main" xmlns:r="http://schemas.openxmlformats.org/officeDocument/2006/relationships" xmlns:mc="http://schemas.openxmlformats.org/markup-compatibility/2006" xmlns:mv="urn:schemas-microsoft-com:mac:vml" xmlns:p="http://schemas.openxmlformats.org/presentationml/2006/main" xmlns:c="http://schemas.openxmlformats.org/drawingml/2006/chart" xmlns:dgm="http://schemas.openxmlformats.org/drawingml/2006/diagram" xmlns:o="urn:schemas-microsoft-com:office:office" xmlns:v="urn:schemas-microsoft-com:vml" xmlns:pvml="urn:schemas-microsoft-com:office:powerpoint" xmlns:com="http://schemas.openxmlformats.org/drawingml/2006/compatibility" xmlns:p14="http://schemas.microsoft.com/office/powerpoint/2010/main" xmlns:p15="http://schemas.microsoft.com/office/powerpoint/2012/main" xmlns:ahyp="http://schemas.microsoft.com/office/drawing/2018/hyperlinkcolor">
+<p:sld xmlns:a="http://schemas.openxmlformats.org/drawingml/2006/main" xmlns:r="http://schemas.openxmlformats.org/officeDocument/2006/relationships" xmlns:p="http://schemas.openxmlformats.org/presentationml/2006/main">
   <p:cSld>
     <p:spTree>
       <p:nvGrpSpPr>
-        <p:cNvPr id="201" name="Shape 201"/>
+        <p:cNvPr id="1" name="Shape 201"/>
         <p:cNvGrpSpPr/>
         <p:nvPr/>
       </p:nvGrpSpPr>
@@ -11514,7 +11743,9 @@
       <p:sp>
         <p:nvSpPr>
           <p:cNvPr id="202" name="Google Shape;202;p26"/>
-          <p:cNvSpPr txBox="1"/>
+          <p:cNvSpPr txBox="1">
+            <a:spLocks noGrp="1"/>
+          </p:cNvSpPr>
           <p:nvPr>
             <p:ph type="title"/>
           </p:nvPr>
@@ -11529,12 +11760,12 @@
           </a:prstGeom>
         </p:spPr>
         <p:txBody>
-          <a:bodyPr anchorCtr="0" anchor="t" bIns="91425" lIns="91425" spcFirstLastPara="1" rIns="91425" wrap="square" tIns="91425">
+          <a:bodyPr spcFirstLastPara="1" wrap="square" lIns="91425" tIns="91425" rIns="91425" bIns="91425" anchor="t" anchorCtr="0">
             <a:normAutofit/>
           </a:bodyPr>
           <a:lstStyle/>
           <a:p>
-            <a:pPr indent="0" lvl="0" marL="0" rtl="0" algn="l">
+            <a:pPr marL="0" lvl="0" indent="0" algn="l" rtl="0">
               <a:spcBef>
                 <a:spcPts val="0"/>
               </a:spcBef>
@@ -11560,11 +11791,11 @@
 </file>
 
 <file path=ppt/slides/slide15.xml><?xml version="1.0" encoding="utf-8"?>
-<p:sld xmlns:a="http://schemas.openxmlformats.org/drawingml/2006/main" xmlns:r="http://schemas.openxmlformats.org/officeDocument/2006/relationships" xmlns:mc="http://schemas.openxmlformats.org/markup-compatibility/2006" xmlns:mv="urn:schemas-microsoft-com:mac:vml" xmlns:p="http://schemas.openxmlformats.org/presentationml/2006/main" xmlns:c="http://schemas.openxmlformats.org/drawingml/2006/chart" xmlns:dgm="http://schemas.openxmlformats.org/drawingml/2006/diagram" xmlns:o="urn:schemas-microsoft-com:office:office" xmlns:v="urn:schemas-microsoft-com:vml" xmlns:pvml="urn:schemas-microsoft-com:office:powerpoint" xmlns:com="http://schemas.openxmlformats.org/drawingml/2006/compatibility" xmlns:p14="http://schemas.microsoft.com/office/powerpoint/2010/main" xmlns:p15="http://schemas.microsoft.com/office/powerpoint/2012/main" xmlns:ahyp="http://schemas.microsoft.com/office/drawing/2018/hyperlinkcolor">
+<p:sld xmlns:a="http://schemas.openxmlformats.org/drawingml/2006/main" xmlns:r="http://schemas.openxmlformats.org/officeDocument/2006/relationships" xmlns:p="http://schemas.openxmlformats.org/presentationml/2006/main">
   <p:cSld>
     <p:spTree>
       <p:nvGrpSpPr>
-        <p:cNvPr id="206" name="Shape 206"/>
+        <p:cNvPr id="1" name="Shape 206"/>
         <p:cNvGrpSpPr/>
         <p:nvPr/>
       </p:nvGrpSpPr>
@@ -11579,9 +11810,11 @@
       <p:sp>
         <p:nvSpPr>
           <p:cNvPr id="207" name="Google Shape;207;p27"/>
-          <p:cNvSpPr txBox="1"/>
+          <p:cNvSpPr txBox="1">
+            <a:spLocks noGrp="1"/>
+          </p:cNvSpPr>
           <p:nvPr>
-            <p:ph idx="1" type="body"/>
+            <p:ph type="body" idx="1"/>
           </p:nvPr>
         </p:nvSpPr>
         <p:spPr>
@@ -11594,12 +11827,12 @@
           </a:prstGeom>
         </p:spPr>
         <p:txBody>
-          <a:bodyPr anchorCtr="0" anchor="ctr" bIns="91425" lIns="91425" spcFirstLastPara="1" rIns="91425" wrap="square" tIns="91425">
+          <a:bodyPr spcFirstLastPara="1" wrap="square" lIns="91425" tIns="91425" rIns="91425" bIns="91425" anchor="ctr" anchorCtr="0">
             <a:normAutofit/>
           </a:bodyPr>
           <a:lstStyle/>
           <a:p>
-            <a:pPr indent="0" lvl="0" marL="0" rtl="0" algn="ctr">
+            <a:pPr marL="0" lvl="0" indent="0" algn="ctr" rtl="0">
               <a:spcBef>
                 <a:spcPts val="0"/>
               </a:spcBef>
@@ -11720,12 +11953,12 @@
           </a:ln>
         </p:spPr>
         <p:txBody>
-          <a:bodyPr anchorCtr="0" anchor="t" bIns="91425" lIns="91425" spcFirstLastPara="1" rIns="91425" wrap="square" tIns="91425">
+          <a:bodyPr spcFirstLastPara="1" wrap="square" lIns="91425" tIns="91425" rIns="91425" bIns="91425" anchor="t" anchorCtr="0">
             <a:spAutoFit/>
           </a:bodyPr>
           <a:lstStyle/>
           <a:p>
-            <a:pPr indent="0" lvl="0" marL="0" rtl="0" algn="l">
+            <a:pPr marL="0" lvl="0" indent="0" algn="l" rtl="0">
               <a:spcBef>
                 <a:spcPts val="0"/>
               </a:spcBef>
@@ -11772,12 +12005,12 @@
           </a:ln>
         </p:spPr>
         <p:txBody>
-          <a:bodyPr anchorCtr="0" anchor="t" bIns="91425" lIns="91425" spcFirstLastPara="1" rIns="91425" wrap="square" tIns="91425">
+          <a:bodyPr spcFirstLastPara="1" wrap="square" lIns="91425" tIns="91425" rIns="91425" bIns="91425" anchor="t" anchorCtr="0">
             <a:spAutoFit/>
           </a:bodyPr>
           <a:lstStyle/>
           <a:p>
-            <a:pPr indent="0" lvl="0" marL="0" rtl="0" algn="l">
+            <a:pPr marL="0" lvl="0" indent="0" algn="l" rtl="0">
               <a:spcBef>
                 <a:spcPts val="0"/>
               </a:spcBef>
@@ -11841,11 +12074,11 @@
 </file>
 
 <file path=ppt/slides/slide16.xml><?xml version="1.0" encoding="utf-8"?>
-<p:sld xmlns:a="http://schemas.openxmlformats.org/drawingml/2006/main" xmlns:r="http://schemas.openxmlformats.org/officeDocument/2006/relationships" xmlns:mc="http://schemas.openxmlformats.org/markup-compatibility/2006" xmlns:mv="urn:schemas-microsoft-com:mac:vml" xmlns:p="http://schemas.openxmlformats.org/presentationml/2006/main" xmlns:c="http://schemas.openxmlformats.org/drawingml/2006/chart" xmlns:dgm="http://schemas.openxmlformats.org/drawingml/2006/diagram" xmlns:o="urn:schemas-microsoft-com:office:office" xmlns:v="urn:schemas-microsoft-com:vml" xmlns:pvml="urn:schemas-microsoft-com:office:powerpoint" xmlns:com="http://schemas.openxmlformats.org/drawingml/2006/compatibility" xmlns:p14="http://schemas.microsoft.com/office/powerpoint/2010/main" xmlns:p15="http://schemas.microsoft.com/office/powerpoint/2012/main" xmlns:ahyp="http://schemas.microsoft.com/office/drawing/2018/hyperlinkcolor">
+<p:sld xmlns:a="http://schemas.openxmlformats.org/drawingml/2006/main" xmlns:r="http://schemas.openxmlformats.org/officeDocument/2006/relationships" xmlns:p="http://schemas.openxmlformats.org/presentationml/2006/main">
   <p:cSld>
     <p:spTree>
       <p:nvGrpSpPr>
-        <p:cNvPr id="217" name="Shape 217"/>
+        <p:cNvPr id="1" name="Shape 217"/>
         <p:cNvGrpSpPr/>
         <p:nvPr/>
       </p:nvGrpSpPr>
@@ -11860,9 +12093,11 @@
       <p:sp>
         <p:nvSpPr>
           <p:cNvPr id="218" name="Google Shape;218;p28"/>
-          <p:cNvSpPr txBox="1"/>
+          <p:cNvSpPr txBox="1">
+            <a:spLocks noGrp="1"/>
+          </p:cNvSpPr>
           <p:nvPr>
-            <p:ph idx="1" type="body"/>
+            <p:ph type="body" idx="1"/>
           </p:nvPr>
         </p:nvSpPr>
         <p:spPr>
@@ -11875,12 +12110,12 @@
           </a:prstGeom>
         </p:spPr>
         <p:txBody>
-          <a:bodyPr anchorCtr="0" anchor="ctr" bIns="91425" lIns="91425" spcFirstLastPara="1" rIns="91425" wrap="square" tIns="91425">
+          <a:bodyPr spcFirstLastPara="1" wrap="square" lIns="91425" tIns="91425" rIns="91425" bIns="91425" anchor="ctr" anchorCtr="0">
             <a:normAutofit/>
           </a:bodyPr>
           <a:lstStyle/>
           <a:p>
-            <a:pPr indent="0" lvl="0" marL="0" rtl="0" algn="ctr">
+            <a:pPr marL="0" lvl="0" indent="0" algn="ctr" rtl="0">
               <a:spcBef>
                 <a:spcPts val="0"/>
               </a:spcBef>
@@ -11934,11 +12169,11 @@
 </file>
 
 <file path=ppt/slides/slide17.xml><?xml version="1.0" encoding="utf-8"?>
-<p:sld xmlns:a="http://schemas.openxmlformats.org/drawingml/2006/main" xmlns:r="http://schemas.openxmlformats.org/officeDocument/2006/relationships" xmlns:mc="http://schemas.openxmlformats.org/markup-compatibility/2006" xmlns:mv="urn:schemas-microsoft-com:mac:vml" xmlns:p="http://schemas.openxmlformats.org/presentationml/2006/main" xmlns:c="http://schemas.openxmlformats.org/drawingml/2006/chart" xmlns:dgm="http://schemas.openxmlformats.org/drawingml/2006/diagram" xmlns:o="urn:schemas-microsoft-com:office:office" xmlns:v="urn:schemas-microsoft-com:vml" xmlns:pvml="urn:schemas-microsoft-com:office:powerpoint" xmlns:com="http://schemas.openxmlformats.org/drawingml/2006/compatibility" xmlns:p14="http://schemas.microsoft.com/office/powerpoint/2010/main" xmlns:p15="http://schemas.microsoft.com/office/powerpoint/2012/main" xmlns:ahyp="http://schemas.microsoft.com/office/drawing/2018/hyperlinkcolor">
+<p:sld xmlns:a="http://schemas.openxmlformats.org/drawingml/2006/main" xmlns:r="http://schemas.openxmlformats.org/officeDocument/2006/relationships" xmlns:p="http://schemas.openxmlformats.org/presentationml/2006/main">
   <p:cSld>
     <p:spTree>
       <p:nvGrpSpPr>
-        <p:cNvPr id="223" name="Shape 223"/>
+        <p:cNvPr id="1" name="Shape 223"/>
         <p:cNvGrpSpPr/>
         <p:nvPr/>
       </p:nvGrpSpPr>
@@ -11953,9 +12188,11 @@
       <p:sp>
         <p:nvSpPr>
           <p:cNvPr id="224" name="Google Shape;224;p29"/>
-          <p:cNvSpPr txBox="1"/>
+          <p:cNvSpPr txBox="1">
+            <a:spLocks noGrp="1"/>
+          </p:cNvSpPr>
           <p:nvPr>
-            <p:ph idx="1" type="body"/>
+            <p:ph type="body" idx="1"/>
           </p:nvPr>
         </p:nvSpPr>
         <p:spPr>
@@ -11968,12 +12205,12 @@
           </a:prstGeom>
         </p:spPr>
         <p:txBody>
-          <a:bodyPr anchorCtr="0" anchor="ctr" bIns="91425" lIns="91425" spcFirstLastPara="1" rIns="91425" wrap="square" tIns="91425">
+          <a:bodyPr spcFirstLastPara="1" wrap="square" lIns="91425" tIns="91425" rIns="91425" bIns="91425" anchor="ctr" anchorCtr="0">
             <a:normAutofit/>
           </a:bodyPr>
           <a:lstStyle/>
           <a:p>
-            <a:pPr indent="0" lvl="0" marL="0" rtl="0" algn="ctr">
+            <a:pPr marL="0" lvl="0" indent="0" algn="ctr" rtl="0">
               <a:spcBef>
                 <a:spcPts val="0"/>
               </a:spcBef>
@@ -12038,12 +12275,12 @@
           </a:ln>
         </p:spPr>
         <p:txBody>
-          <a:bodyPr anchorCtr="0" anchor="t" bIns="91425" lIns="91425" spcFirstLastPara="1" rIns="91425" wrap="square" tIns="91425">
+          <a:bodyPr spcFirstLastPara="1" wrap="square" lIns="91425" tIns="91425" rIns="91425" bIns="91425" anchor="t" anchorCtr="0">
             <a:noAutofit/>
           </a:bodyPr>
           <a:lstStyle/>
           <a:p>
-            <a:pPr indent="0" lvl="0" marL="0" rtl="0" algn="l">
+            <a:pPr marL="0" lvl="0" indent="0" algn="l" rtl="0">
               <a:spcBef>
                 <a:spcPts val="0"/>
               </a:spcBef>
@@ -12079,11 +12316,11 @@
 </file>
 
 <file path=ppt/slides/slide18.xml><?xml version="1.0" encoding="utf-8"?>
-<p:sld xmlns:a="http://schemas.openxmlformats.org/drawingml/2006/main" xmlns:r="http://schemas.openxmlformats.org/officeDocument/2006/relationships" xmlns:mc="http://schemas.openxmlformats.org/markup-compatibility/2006" xmlns:mv="urn:schemas-microsoft-com:mac:vml" xmlns:p="http://schemas.openxmlformats.org/presentationml/2006/main" xmlns:c="http://schemas.openxmlformats.org/drawingml/2006/chart" xmlns:dgm="http://schemas.openxmlformats.org/drawingml/2006/diagram" xmlns:o="urn:schemas-microsoft-com:office:office" xmlns:v="urn:schemas-microsoft-com:vml" xmlns:pvml="urn:schemas-microsoft-com:office:powerpoint" xmlns:com="http://schemas.openxmlformats.org/drawingml/2006/compatibility" xmlns:p14="http://schemas.microsoft.com/office/powerpoint/2010/main" xmlns:p15="http://schemas.microsoft.com/office/powerpoint/2012/main" xmlns:ahyp="http://schemas.microsoft.com/office/drawing/2018/hyperlinkcolor">
+<p:sld xmlns:a="http://schemas.openxmlformats.org/drawingml/2006/main" xmlns:r="http://schemas.openxmlformats.org/officeDocument/2006/relationships" xmlns:p="http://schemas.openxmlformats.org/presentationml/2006/main">
   <p:cSld>
     <p:spTree>
       <p:nvGrpSpPr>
-        <p:cNvPr id="230" name="Shape 230"/>
+        <p:cNvPr id="1" name="Shape 230"/>
         <p:cNvGrpSpPr/>
         <p:nvPr/>
       </p:nvGrpSpPr>
@@ -12098,9 +12335,11 @@
       <p:sp>
         <p:nvSpPr>
           <p:cNvPr id="231" name="Google Shape;231;p30"/>
-          <p:cNvSpPr txBox="1"/>
+          <p:cNvSpPr txBox="1">
+            <a:spLocks noGrp="1"/>
+          </p:cNvSpPr>
           <p:nvPr>
-            <p:ph idx="1" type="body"/>
+            <p:ph type="body" idx="1"/>
           </p:nvPr>
         </p:nvSpPr>
         <p:spPr>
@@ -12113,12 +12352,12 @@
           </a:prstGeom>
         </p:spPr>
         <p:txBody>
-          <a:bodyPr anchorCtr="0" anchor="ctr" bIns="91425" lIns="91425" spcFirstLastPara="1" rIns="91425" wrap="square" tIns="91425">
+          <a:bodyPr spcFirstLastPara="1" wrap="square" lIns="91425" tIns="91425" rIns="91425" bIns="91425" anchor="ctr" anchorCtr="0">
             <a:normAutofit/>
           </a:bodyPr>
           <a:lstStyle/>
           <a:p>
-            <a:pPr indent="0" lvl="0" marL="0" rtl="0" algn="ctr">
+            <a:pPr marL="0" lvl="0" indent="0" algn="ctr" rtl="0">
               <a:spcBef>
                 <a:spcPts val="0"/>
               </a:spcBef>
@@ -12172,11 +12411,11 @@
 </file>
 
 <file path=ppt/slides/slide19.xml><?xml version="1.0" encoding="utf-8"?>
-<p:sld xmlns:a="http://schemas.openxmlformats.org/drawingml/2006/main" xmlns:r="http://schemas.openxmlformats.org/officeDocument/2006/relationships" xmlns:mc="http://schemas.openxmlformats.org/markup-compatibility/2006" xmlns:mv="urn:schemas-microsoft-com:mac:vml" xmlns:p="http://schemas.openxmlformats.org/presentationml/2006/main" xmlns:c="http://schemas.openxmlformats.org/drawingml/2006/chart" xmlns:dgm="http://schemas.openxmlformats.org/drawingml/2006/diagram" xmlns:o="urn:schemas-microsoft-com:office:office" xmlns:v="urn:schemas-microsoft-com:vml" xmlns:pvml="urn:schemas-microsoft-com:office:powerpoint" xmlns:com="http://schemas.openxmlformats.org/drawingml/2006/compatibility" xmlns:p14="http://schemas.microsoft.com/office/powerpoint/2010/main" xmlns:p15="http://schemas.microsoft.com/office/powerpoint/2012/main" xmlns:ahyp="http://schemas.microsoft.com/office/drawing/2018/hyperlinkcolor">
+<p:sld xmlns:a="http://schemas.openxmlformats.org/drawingml/2006/main" xmlns:r="http://schemas.openxmlformats.org/officeDocument/2006/relationships" xmlns:p="http://schemas.openxmlformats.org/presentationml/2006/main">
   <p:cSld>
     <p:spTree>
       <p:nvGrpSpPr>
-        <p:cNvPr id="236" name="Shape 236"/>
+        <p:cNvPr id="1" name="Shape 236"/>
         <p:cNvGrpSpPr/>
         <p:nvPr/>
       </p:nvGrpSpPr>
@@ -12191,9 +12430,11 @@
       <p:sp>
         <p:nvSpPr>
           <p:cNvPr id="237" name="Google Shape;237;p31"/>
-          <p:cNvSpPr txBox="1"/>
+          <p:cNvSpPr txBox="1">
+            <a:spLocks noGrp="1"/>
+          </p:cNvSpPr>
           <p:nvPr>
-            <p:ph idx="1" type="body"/>
+            <p:ph type="body" idx="1"/>
           </p:nvPr>
         </p:nvSpPr>
         <p:spPr>
@@ -12206,12 +12447,12 @@
           </a:prstGeom>
         </p:spPr>
         <p:txBody>
-          <a:bodyPr anchorCtr="0" anchor="ctr" bIns="91425" lIns="91425" spcFirstLastPara="1" rIns="91425" wrap="square" tIns="91425">
+          <a:bodyPr spcFirstLastPara="1" wrap="square" lIns="91425" tIns="91425" rIns="91425" bIns="91425" anchor="ctr" anchorCtr="0">
             <a:normAutofit/>
           </a:bodyPr>
           <a:lstStyle/>
           <a:p>
-            <a:pPr indent="0" lvl="0" marL="0" rtl="0" algn="ctr">
+            <a:pPr marL="0" lvl="0" indent="0" algn="ctr" rtl="0">
               <a:spcBef>
                 <a:spcPts val="0"/>
               </a:spcBef>
@@ -12278,12 +12519,12 @@
           </a:ln>
         </p:spPr>
         <p:txBody>
-          <a:bodyPr anchorCtr="0" anchor="t" bIns="91425" lIns="91425" spcFirstLastPara="1" rIns="91425" wrap="square" tIns="91425">
+          <a:bodyPr spcFirstLastPara="1" wrap="square" lIns="91425" tIns="91425" rIns="91425" bIns="91425" anchor="t" anchorCtr="0">
             <a:noAutofit/>
           </a:bodyPr>
           <a:lstStyle/>
           <a:p>
-            <a:pPr indent="0" lvl="0" marL="0" rtl="0" algn="l">
+            <a:pPr marL="0" lvl="0" indent="0" algn="l" rtl="0">
               <a:spcBef>
                 <a:spcPts val="0"/>
               </a:spcBef>
@@ -12332,12 +12573,12 @@
           </a:ln>
         </p:spPr>
         <p:txBody>
-          <a:bodyPr anchorCtr="0" anchor="t" bIns="91425" lIns="91425" spcFirstLastPara="1" rIns="91425" wrap="square" tIns="91425">
+          <a:bodyPr spcFirstLastPara="1" wrap="square" lIns="91425" tIns="91425" rIns="91425" bIns="91425" anchor="t" anchorCtr="0">
             <a:noAutofit/>
           </a:bodyPr>
           <a:lstStyle/>
           <a:p>
-            <a:pPr indent="0" lvl="0" marL="0" rtl="0" algn="r">
+            <a:pPr marL="0" lvl="0" indent="0" algn="r" rtl="0">
               <a:spcBef>
                 <a:spcPts val="0"/>
               </a:spcBef>
@@ -12373,11 +12614,11 @@
 </file>
 
 <file path=ppt/slides/slide2.xml><?xml version="1.0" encoding="utf-8"?>
-<p:sld xmlns:a="http://schemas.openxmlformats.org/drawingml/2006/main" xmlns:r="http://schemas.openxmlformats.org/officeDocument/2006/relationships" xmlns:mc="http://schemas.openxmlformats.org/markup-compatibility/2006" xmlns:mv="urn:schemas-microsoft-com:mac:vml" xmlns:p="http://schemas.openxmlformats.org/presentationml/2006/main" xmlns:c="http://schemas.openxmlformats.org/drawingml/2006/chart" xmlns:dgm="http://schemas.openxmlformats.org/drawingml/2006/diagram" xmlns:o="urn:schemas-microsoft-com:office:office" xmlns:v="urn:schemas-microsoft-com:vml" xmlns:pvml="urn:schemas-microsoft-com:office:powerpoint" xmlns:com="http://schemas.openxmlformats.org/drawingml/2006/compatibility" xmlns:p14="http://schemas.microsoft.com/office/powerpoint/2010/main" xmlns:p15="http://schemas.microsoft.com/office/powerpoint/2012/main" xmlns:ahyp="http://schemas.microsoft.com/office/drawing/2018/hyperlinkcolor">
+<p:sld xmlns:a="http://schemas.openxmlformats.org/drawingml/2006/main" xmlns:r="http://schemas.openxmlformats.org/officeDocument/2006/relationships" xmlns:p="http://schemas.openxmlformats.org/presentationml/2006/main">
   <p:cSld>
     <p:spTree>
       <p:nvGrpSpPr>
-        <p:cNvPr id="91" name="Shape 91"/>
+        <p:cNvPr id="1" name="Shape 91"/>
         <p:cNvGrpSpPr/>
         <p:nvPr/>
       </p:nvGrpSpPr>
@@ -12392,7 +12633,9 @@
       <p:sp>
         <p:nvSpPr>
           <p:cNvPr id="92" name="Google Shape;92;p14"/>
-          <p:cNvSpPr txBox="1"/>
+          <p:cNvSpPr txBox="1">
+            <a:spLocks noGrp="1"/>
+          </p:cNvSpPr>
           <p:nvPr>
             <p:ph type="title"/>
           </p:nvPr>
@@ -12407,12 +12650,12 @@
           </a:prstGeom>
         </p:spPr>
         <p:txBody>
-          <a:bodyPr anchorCtr="0" anchor="t" bIns="91425" lIns="91425" spcFirstLastPara="1" rIns="91425" wrap="square" tIns="91425">
+          <a:bodyPr spcFirstLastPara="1" wrap="square" lIns="91425" tIns="91425" rIns="91425" bIns="91425" anchor="t" anchorCtr="0">
             <a:normAutofit fontScale="90000"/>
           </a:bodyPr>
           <a:lstStyle/>
           <a:p>
-            <a:pPr indent="0" lvl="0" marL="0" rtl="0" algn="l">
+            <a:pPr marL="0" lvl="0" indent="0" algn="l" rtl="0">
               <a:spcBef>
                 <a:spcPts val="0"/>
               </a:spcBef>
@@ -12432,9 +12675,11 @@
       <p:sp>
         <p:nvSpPr>
           <p:cNvPr id="93" name="Google Shape;93;p14"/>
-          <p:cNvSpPr txBox="1"/>
+          <p:cNvSpPr txBox="1">
+            <a:spLocks noGrp="1"/>
+          </p:cNvSpPr>
           <p:nvPr>
-            <p:ph idx="1" type="body"/>
+            <p:ph type="body" idx="1"/>
           </p:nvPr>
         </p:nvSpPr>
         <p:spPr>
@@ -12447,12 +12692,12 @@
           </a:prstGeom>
         </p:spPr>
         <p:txBody>
-          <a:bodyPr anchorCtr="0" anchor="t" bIns="91425" lIns="91425" spcFirstLastPara="1" rIns="91425" wrap="square" tIns="91425">
-            <a:normAutofit lnSpcReduction="20000"/>
+          <a:bodyPr spcFirstLastPara="1" wrap="square" lIns="91425" tIns="91425" rIns="91425" bIns="91425" anchor="t" anchorCtr="0">
+            <a:normAutofit fontScale="92500"/>
           </a:bodyPr>
           <a:lstStyle/>
           <a:p>
-            <a:pPr indent="0" lvl="0" marL="0" rtl="0" algn="l">
+            <a:pPr marL="0" lvl="0" indent="0" algn="l" rtl="0">
               <a:spcBef>
                 <a:spcPts val="0"/>
               </a:spcBef>
@@ -12468,7 +12713,7 @@
             <a:endParaRPr/>
           </a:p>
           <a:p>
-            <a:pPr indent="0" lvl="0" marL="0" rtl="0" algn="l">
+            <a:pPr marL="0" lvl="0" indent="0" algn="l" rtl="0">
               <a:spcBef>
                 <a:spcPts val="1200"/>
               </a:spcBef>
@@ -12484,7 +12729,7 @@
             <a:endParaRPr/>
           </a:p>
           <a:p>
-            <a:pPr indent="0" lvl="0" marL="0" rtl="0" algn="l">
+            <a:pPr marL="0" lvl="0" indent="0" algn="l" rtl="0">
               <a:spcBef>
                 <a:spcPts val="1200"/>
               </a:spcBef>
@@ -12500,7 +12745,7 @@
             <a:endParaRPr/>
           </a:p>
           <a:p>
-            <a:pPr indent="0" lvl="0" marL="0" rtl="0" algn="l">
+            <a:pPr marL="0" lvl="0" indent="0" algn="l" rtl="0">
               <a:spcBef>
                 <a:spcPts val="1200"/>
               </a:spcBef>
@@ -12516,7 +12761,7 @@
             <a:endParaRPr/>
           </a:p>
           <a:p>
-            <a:pPr indent="0" lvl="0" marL="0" rtl="0" algn="l">
+            <a:pPr marL="0" lvl="0" indent="0" algn="l" rtl="0">
               <a:lnSpc>
                 <a:spcPct val="100000"/>
               </a:lnSpc>
@@ -12535,7 +12780,7 @@
             <a:endParaRPr/>
           </a:p>
           <a:p>
-            <a:pPr indent="-311150" lvl="0" marL="457200" rtl="0" algn="l">
+            <a:pPr marL="457200" lvl="0" indent="-311150" algn="l" rtl="0">
               <a:spcBef>
                 <a:spcPts val="1200"/>
               </a:spcBef>
@@ -12552,7 +12797,7 @@
             <a:endParaRPr/>
           </a:p>
           <a:p>
-            <a:pPr indent="-311150" lvl="0" marL="457200" rtl="0" algn="l">
+            <a:pPr marL="457200" lvl="0" indent="-311150" algn="l" rtl="0">
               <a:spcBef>
                 <a:spcPts val="0"/>
               </a:spcBef>
@@ -12569,7 +12814,7 @@
             <a:endParaRPr/>
           </a:p>
           <a:p>
-            <a:pPr indent="-311150" lvl="0" marL="457200" rtl="0" algn="l">
+            <a:pPr marL="457200" lvl="0" indent="-311150" algn="l" rtl="0">
               <a:spcBef>
                 <a:spcPts val="0"/>
               </a:spcBef>
@@ -12596,11 +12841,11 @@
 </file>
 
 <file path=ppt/slides/slide20.xml><?xml version="1.0" encoding="utf-8"?>
-<p:sld xmlns:a="http://schemas.openxmlformats.org/drawingml/2006/main" xmlns:r="http://schemas.openxmlformats.org/officeDocument/2006/relationships" xmlns:mc="http://schemas.openxmlformats.org/markup-compatibility/2006" xmlns:mv="urn:schemas-microsoft-com:mac:vml" xmlns:p="http://schemas.openxmlformats.org/presentationml/2006/main" xmlns:c="http://schemas.openxmlformats.org/drawingml/2006/chart" xmlns:dgm="http://schemas.openxmlformats.org/drawingml/2006/diagram" xmlns:o="urn:schemas-microsoft-com:office:office" xmlns:v="urn:schemas-microsoft-com:vml" xmlns:pvml="urn:schemas-microsoft-com:office:powerpoint" xmlns:com="http://schemas.openxmlformats.org/drawingml/2006/compatibility" xmlns:p14="http://schemas.microsoft.com/office/powerpoint/2010/main" xmlns:p15="http://schemas.microsoft.com/office/powerpoint/2012/main" xmlns:ahyp="http://schemas.microsoft.com/office/drawing/2018/hyperlinkcolor">
+<p:sld xmlns:a="http://schemas.openxmlformats.org/drawingml/2006/main" xmlns:r="http://schemas.openxmlformats.org/officeDocument/2006/relationships" xmlns:p="http://schemas.openxmlformats.org/presentationml/2006/main">
   <p:cSld>
     <p:spTree>
       <p:nvGrpSpPr>
-        <p:cNvPr id="244" name="Shape 244"/>
+        <p:cNvPr id="1" name="Shape 244"/>
         <p:cNvGrpSpPr/>
         <p:nvPr/>
       </p:nvGrpSpPr>
@@ -12615,9 +12860,11 @@
       <p:sp>
         <p:nvSpPr>
           <p:cNvPr id="245" name="Google Shape;245;p32"/>
-          <p:cNvSpPr txBox="1"/>
+          <p:cNvSpPr txBox="1">
+            <a:spLocks noGrp="1"/>
+          </p:cNvSpPr>
           <p:nvPr>
-            <p:ph idx="1" type="body"/>
+            <p:ph type="body" idx="1"/>
           </p:nvPr>
         </p:nvSpPr>
         <p:spPr>
@@ -12630,12 +12877,12 @@
           </a:prstGeom>
         </p:spPr>
         <p:txBody>
-          <a:bodyPr anchorCtr="0" anchor="ctr" bIns="91425" lIns="91425" spcFirstLastPara="1" rIns="91425" wrap="square" tIns="91425">
+          <a:bodyPr spcFirstLastPara="1" wrap="square" lIns="91425" tIns="91425" rIns="91425" bIns="91425" anchor="ctr" anchorCtr="0">
             <a:normAutofit/>
           </a:bodyPr>
           <a:lstStyle/>
           <a:p>
-            <a:pPr indent="0" lvl="0" marL="0" rtl="0" algn="ctr">
+            <a:pPr marL="0" lvl="0" indent="0" algn="ctr" rtl="0">
               <a:spcBef>
                 <a:spcPts val="0"/>
               </a:spcBef>
@@ -12646,11 +12893,7 @@
             </a:pPr>
             <a:r>
               <a:rPr lang="en"/>
-              <a:t>LM+LPS</a:t>
-            </a:r>
-            <a:r>
-              <a:rPr lang="en"/>
-              <a:t>: Calibration Experiments</a:t>
+              <a:t>LM+LPS: Calibration Experiments</a:t>
             </a:r>
             <a:endParaRPr/>
           </a:p>
@@ -12693,11 +12936,11 @@
 </file>
 
 <file path=ppt/slides/slide3.xml><?xml version="1.0" encoding="utf-8"?>
-<p:sld xmlns:a="http://schemas.openxmlformats.org/drawingml/2006/main" xmlns:r="http://schemas.openxmlformats.org/officeDocument/2006/relationships" xmlns:mc="http://schemas.openxmlformats.org/markup-compatibility/2006" xmlns:mv="urn:schemas-microsoft-com:mac:vml" xmlns:p="http://schemas.openxmlformats.org/presentationml/2006/main" xmlns:c="http://schemas.openxmlformats.org/drawingml/2006/chart" xmlns:dgm="http://schemas.openxmlformats.org/drawingml/2006/diagram" xmlns:o="urn:schemas-microsoft-com:office:office" xmlns:v="urn:schemas-microsoft-com:vml" xmlns:pvml="urn:schemas-microsoft-com:office:powerpoint" xmlns:com="http://schemas.openxmlformats.org/drawingml/2006/compatibility" xmlns:p14="http://schemas.microsoft.com/office/powerpoint/2010/main" xmlns:p15="http://schemas.microsoft.com/office/powerpoint/2012/main" xmlns:ahyp="http://schemas.microsoft.com/office/drawing/2018/hyperlinkcolor">
+<p:sld xmlns:a="http://schemas.openxmlformats.org/drawingml/2006/main" xmlns:r="http://schemas.openxmlformats.org/officeDocument/2006/relationships" xmlns:p="http://schemas.openxmlformats.org/presentationml/2006/main">
   <p:cSld>
     <p:spTree>
       <p:nvGrpSpPr>
-        <p:cNvPr id="97" name="Shape 97"/>
+        <p:cNvPr id="1" name="Shape 97"/>
         <p:cNvGrpSpPr/>
         <p:nvPr/>
       </p:nvGrpSpPr>
@@ -12712,7 +12955,9 @@
       <p:sp>
         <p:nvSpPr>
           <p:cNvPr id="98" name="Google Shape;98;p15"/>
-          <p:cNvSpPr txBox="1"/>
+          <p:cNvSpPr txBox="1">
+            <a:spLocks noGrp="1"/>
+          </p:cNvSpPr>
           <p:nvPr>
             <p:ph type="title"/>
           </p:nvPr>
@@ -12727,12 +12972,12 @@
           </a:prstGeom>
         </p:spPr>
         <p:txBody>
-          <a:bodyPr anchorCtr="0" anchor="t" bIns="91425" lIns="91425" spcFirstLastPara="1" rIns="91425" wrap="square" tIns="91425">
+          <a:bodyPr spcFirstLastPara="1" wrap="square" lIns="91425" tIns="91425" rIns="91425" bIns="91425" anchor="t" anchorCtr="0">
             <a:normAutofit/>
           </a:bodyPr>
           <a:lstStyle/>
           <a:p>
-            <a:pPr indent="0" lvl="0" marL="0" rtl="0" algn="l">
+            <a:pPr marL="0" lvl="0" indent="0" algn="l" rtl="0">
               <a:spcBef>
                 <a:spcPts val="0"/>
               </a:spcBef>
@@ -12768,17 +13013,35 @@
                 <a:tableStyleId>{FECFCC1D-3961-4416-9844-A90D724FFB5B}</a:tableStyleId>
               </a:tblPr>
               <a:tblGrid>
-                <a:gridCol w="2413000"/>
-                <a:gridCol w="2413000"/>
-                <a:gridCol w="2413000"/>
+                <a:gridCol w="2413000">
+                  <a:extLst>
+                    <a:ext uri="{9D8B030D-6E8A-4147-A177-3AD203B41FA5}">
+                      <a16:colId xmlns:a16="http://schemas.microsoft.com/office/drawing/2014/main" val="20000"/>
+                    </a:ext>
+                  </a:extLst>
+                </a:gridCol>
+                <a:gridCol w="2413000">
+                  <a:extLst>
+                    <a:ext uri="{9D8B030D-6E8A-4147-A177-3AD203B41FA5}">
+                      <a16:colId xmlns:a16="http://schemas.microsoft.com/office/drawing/2014/main" val="20001"/>
+                    </a:ext>
+                  </a:extLst>
+                </a:gridCol>
+                <a:gridCol w="2413000">
+                  <a:extLst>
+                    <a:ext uri="{9D8B030D-6E8A-4147-A177-3AD203B41FA5}">
+                      <a16:colId xmlns:a16="http://schemas.microsoft.com/office/drawing/2014/main" val="20002"/>
+                    </a:ext>
+                  </a:extLst>
+                </a:gridCol>
               </a:tblGrid>
-              <a:tr h="207150">
+              <a:tr h="0">
                 <a:tc>
                   <a:txBody>
                     <a:bodyPr/>
                     <a:lstStyle/>
                     <a:p>
-                      <a:pPr indent="0" lvl="0" marL="0" rtl="0" algn="ctr">
+                      <a:pPr marL="0" lvl="0" indent="0" algn="ctr" rtl="0">
                         <a:spcBef>
                           <a:spcPts val="0"/>
                         </a:spcBef>
@@ -12788,20 +13051,20 @@
                         <a:buNone/>
                       </a:pPr>
                       <a:r>
-                        <a:rPr b="1" lang="en" sz="1200"/>
+                        <a:rPr lang="en" sz="1200" b="1"/>
                         <a:t>Metric</a:t>
                       </a:r>
-                      <a:endParaRPr b="1" sz="1200"/>
+                      <a:endParaRPr sz="1200" b="1"/>
                     </a:p>
                   </a:txBody>
-                  <a:tcPr marT="91425" marB="91425" marR="91425" marL="91425"/>
+                  <a:tcPr marL="91425" marR="91425" marT="91425" marB="91425"/>
                 </a:tc>
                 <a:tc>
                   <a:txBody>
                     <a:bodyPr/>
                     <a:lstStyle/>
                     <a:p>
-                      <a:pPr indent="0" lvl="0" marL="0" rtl="0" algn="ctr">
+                      <a:pPr marL="0" lvl="0" indent="0" algn="ctr" rtl="0">
                         <a:spcBef>
                           <a:spcPts val="0"/>
                         </a:spcBef>
@@ -12811,20 +13074,20 @@
                         <a:buNone/>
                       </a:pPr>
                       <a:r>
-                        <a:rPr b="1" lang="en" sz="1200"/>
+                        <a:rPr lang="en" sz="1200" b="1"/>
                         <a:t>Including Race</a:t>
                       </a:r>
-                      <a:endParaRPr b="1" sz="1200"/>
+                      <a:endParaRPr sz="1200" b="1"/>
                     </a:p>
                   </a:txBody>
-                  <a:tcPr marT="91425" marB="91425" marR="91425" marL="91425"/>
+                  <a:tcPr marL="91425" marR="91425" marT="91425" marB="91425"/>
                 </a:tc>
                 <a:tc>
                   <a:txBody>
                     <a:bodyPr/>
                     <a:lstStyle/>
                     <a:p>
-                      <a:pPr indent="0" lvl="0" marL="0" rtl="0" algn="ctr">
+                      <a:pPr marL="0" lvl="0" indent="0" algn="ctr" rtl="0">
                         <a:spcBef>
                           <a:spcPts val="0"/>
                         </a:spcBef>
@@ -12834,14 +13097,19 @@
                         <a:buNone/>
                       </a:pPr>
                       <a:r>
-                        <a:rPr b="1" lang="en" sz="1200"/>
+                        <a:rPr lang="en" sz="1200" b="1"/>
                         <a:t>Excluding Race</a:t>
                       </a:r>
-                      <a:endParaRPr b="1" sz="1200"/>
+                      <a:endParaRPr sz="1200" b="1"/>
                     </a:p>
                   </a:txBody>
-                  <a:tcPr marT="91425" marB="91425" marR="91425" marL="91425"/>
+                  <a:tcPr marL="91425" marR="91425" marT="91425" marB="91425"/>
                 </a:tc>
+                <a:extLst>
+                  <a:ext uri="{0D108BD9-81ED-4DB2-BD59-A6C34878D82A}">
+                    <a16:rowId xmlns:a16="http://schemas.microsoft.com/office/drawing/2014/main" val="10000"/>
+                  </a:ext>
+                </a:extLst>
               </a:tr>
               <a:tr h="381000">
                 <a:tc>
@@ -12849,7 +13117,7 @@
                     <a:bodyPr/>
                     <a:lstStyle/>
                     <a:p>
-                      <a:pPr indent="0" lvl="0" marL="0" rtl="0" algn="ctr">
+                      <a:pPr marL="0" lvl="0" indent="0" algn="ctr" rtl="0">
                         <a:spcBef>
                           <a:spcPts val="0"/>
                         </a:spcBef>
@@ -12865,14 +13133,14 @@
                       <a:endParaRPr sz="1200"/>
                     </a:p>
                   </a:txBody>
-                  <a:tcPr marT="91425" marB="91425" marR="91425" marL="91425"/>
+                  <a:tcPr marL="91425" marR="91425" marT="91425" marB="91425"/>
                 </a:tc>
                 <a:tc>
                   <a:txBody>
                     <a:bodyPr/>
                     <a:lstStyle/>
                     <a:p>
-                      <a:pPr indent="0" lvl="0" marL="0" rtl="0" algn="ctr">
+                      <a:pPr marL="0" lvl="0" indent="0" algn="ctr" rtl="0">
                         <a:spcBef>
                           <a:spcPts val="0"/>
                         </a:spcBef>
@@ -12888,14 +13156,14 @@
                       <a:endParaRPr sz="1100"/>
                     </a:p>
                   </a:txBody>
-                  <a:tcPr marT="91425" marB="91425" marR="91425" marL="91425"/>
+                  <a:tcPr marL="91425" marR="91425" marT="91425" marB="91425"/>
                 </a:tc>
                 <a:tc>
                   <a:txBody>
                     <a:bodyPr/>
                     <a:lstStyle/>
                     <a:p>
-                      <a:pPr indent="0" lvl="0" marL="0" rtl="0" algn="ctr">
+                      <a:pPr marL="0" lvl="0" indent="0" algn="ctr" rtl="0">
                         <a:spcBef>
                           <a:spcPts val="0"/>
                         </a:spcBef>
@@ -12911,8 +13179,13 @@
                       <a:endParaRPr sz="1100"/>
                     </a:p>
                   </a:txBody>
-                  <a:tcPr marT="91425" marB="91425" marR="91425" marL="91425"/>
+                  <a:tcPr marL="91425" marR="91425" marT="91425" marB="91425"/>
                 </a:tc>
+                <a:extLst>
+                  <a:ext uri="{0D108BD9-81ED-4DB2-BD59-A6C34878D82A}">
+                    <a16:rowId xmlns:a16="http://schemas.microsoft.com/office/drawing/2014/main" val="10001"/>
+                  </a:ext>
+                </a:extLst>
               </a:tr>
               <a:tr h="381000">
                 <a:tc>
@@ -12920,7 +13193,7 @@
                     <a:bodyPr/>
                     <a:lstStyle/>
                     <a:p>
-                      <a:pPr indent="0" lvl="0" marL="0" rtl="0" algn="ctr">
+                      <a:pPr marL="0" lvl="0" indent="0" algn="ctr" rtl="0">
                         <a:spcBef>
                           <a:spcPts val="0"/>
                         </a:spcBef>
@@ -12936,14 +13209,14 @@
                       <a:endParaRPr sz="1200"/>
                     </a:p>
                   </a:txBody>
-                  <a:tcPr marT="91425" marB="91425" marR="91425" marL="91425"/>
+                  <a:tcPr marL="91425" marR="91425" marT="91425" marB="91425"/>
                 </a:tc>
                 <a:tc>
                   <a:txBody>
                     <a:bodyPr/>
                     <a:lstStyle/>
                     <a:p>
-                      <a:pPr indent="0" lvl="0" marL="0" rtl="0" algn="ctr">
+                      <a:pPr marL="0" lvl="0" indent="0" algn="ctr" rtl="0">
                         <a:spcBef>
                           <a:spcPts val="0"/>
                         </a:spcBef>
@@ -12959,14 +13232,14 @@
                       <a:endParaRPr sz="1100"/>
                     </a:p>
                   </a:txBody>
-                  <a:tcPr marT="91425" marB="91425" marR="91425" marL="91425"/>
+                  <a:tcPr marL="91425" marR="91425" marT="91425" marB="91425"/>
                 </a:tc>
                 <a:tc>
                   <a:txBody>
                     <a:bodyPr/>
                     <a:lstStyle/>
                     <a:p>
-                      <a:pPr indent="0" lvl="0" marL="0" rtl="0" algn="ctr">
+                      <a:pPr marL="0" lvl="0" indent="0" algn="ctr" rtl="0">
                         <a:spcBef>
                           <a:spcPts val="0"/>
                         </a:spcBef>
@@ -12982,8 +13255,13 @@
                       <a:endParaRPr sz="1100"/>
                     </a:p>
                   </a:txBody>
-                  <a:tcPr marT="91425" marB="91425" marR="91425" marL="91425"/>
+                  <a:tcPr marL="91425" marR="91425" marT="91425" marB="91425"/>
                 </a:tc>
+                <a:extLst>
+                  <a:ext uri="{0D108BD9-81ED-4DB2-BD59-A6C34878D82A}">
+                    <a16:rowId xmlns:a16="http://schemas.microsoft.com/office/drawing/2014/main" val="10002"/>
+                  </a:ext>
+                </a:extLst>
               </a:tr>
               <a:tr h="381000">
                 <a:tc>
@@ -12991,7 +13269,7 @@
                     <a:bodyPr/>
                     <a:lstStyle/>
                     <a:p>
-                      <a:pPr indent="0" lvl="0" marL="0" rtl="0" algn="ctr">
+                      <a:pPr marL="0" lvl="0" indent="0" algn="ctr" rtl="0">
                         <a:spcBef>
                           <a:spcPts val="0"/>
                         </a:spcBef>
@@ -13007,7 +13285,7 @@
                       <a:endParaRPr sz="1200"/>
                     </a:p>
                   </a:txBody>
-                  <a:tcPr marT="91425" marB="91425" marR="91425" marL="91425">
+                  <a:tcPr marL="91425" marR="91425" marT="91425" marB="91425">
                     <a:solidFill>
                       <a:srgbClr val="F3C8C8"/>
                     </a:solidFill>
@@ -13018,7 +13296,7 @@
                     <a:bodyPr/>
                     <a:lstStyle/>
                     <a:p>
-                      <a:pPr indent="0" lvl="0" marL="0" rtl="0" algn="ctr">
+                      <a:pPr marL="0" lvl="0" indent="0" algn="ctr" rtl="0">
                         <a:spcBef>
                           <a:spcPts val="0"/>
                         </a:spcBef>
@@ -13034,7 +13312,7 @@
                       <a:endParaRPr sz="1100"/>
                     </a:p>
                   </a:txBody>
-                  <a:tcPr marT="91425" marB="91425" marR="91425" marL="91425">
+                  <a:tcPr marL="91425" marR="91425" marT="91425" marB="91425">
                     <a:solidFill>
                       <a:srgbClr val="F3C8C8"/>
                     </a:solidFill>
@@ -13045,7 +13323,7 @@
                     <a:bodyPr/>
                     <a:lstStyle/>
                     <a:p>
-                      <a:pPr indent="0" lvl="0" marL="0" rtl="0" algn="ctr">
+                      <a:pPr marL="0" lvl="0" indent="0" algn="ctr" rtl="0">
                         <a:spcBef>
                           <a:spcPts val="0"/>
                         </a:spcBef>
@@ -13061,12 +13339,17 @@
                       <a:endParaRPr sz="1100"/>
                     </a:p>
                   </a:txBody>
-                  <a:tcPr marT="91425" marB="91425" marR="91425" marL="91425">
+                  <a:tcPr marL="91425" marR="91425" marT="91425" marB="91425">
                     <a:solidFill>
                       <a:srgbClr val="F3C8C8"/>
                     </a:solidFill>
                   </a:tcPr>
                 </a:tc>
+                <a:extLst>
+                  <a:ext uri="{0D108BD9-81ED-4DB2-BD59-A6C34878D82A}">
+                    <a16:rowId xmlns:a16="http://schemas.microsoft.com/office/drawing/2014/main" val="10003"/>
+                  </a:ext>
+                </a:extLst>
               </a:tr>
               <a:tr h="381000">
                 <a:tc>
@@ -13074,7 +13357,7 @@
                     <a:bodyPr/>
                     <a:lstStyle/>
                     <a:p>
-                      <a:pPr indent="0" lvl="0" marL="0" rtl="0" algn="ctr">
+                      <a:pPr marL="0" lvl="0" indent="0" algn="ctr" rtl="0">
                         <a:spcBef>
                           <a:spcPts val="0"/>
                         </a:spcBef>
@@ -13090,7 +13373,7 @@
                       <a:endParaRPr sz="1200"/>
                     </a:p>
                   </a:txBody>
-                  <a:tcPr marT="91425" marB="91425" marR="91425" marL="91425">
+                  <a:tcPr marL="91425" marR="91425" marT="91425" marB="91425">
                     <a:solidFill>
                       <a:srgbClr val="F3C8C8"/>
                     </a:solidFill>
@@ -13101,7 +13384,7 @@
                     <a:bodyPr/>
                     <a:lstStyle/>
                     <a:p>
-                      <a:pPr indent="0" lvl="0" marL="0" rtl="0" algn="ctr">
+                      <a:pPr marL="0" lvl="0" indent="0" algn="ctr" rtl="0">
                         <a:spcBef>
                           <a:spcPts val="0"/>
                         </a:spcBef>
@@ -13117,7 +13400,7 @@
                       <a:endParaRPr sz="1100"/>
                     </a:p>
                   </a:txBody>
-                  <a:tcPr marT="91425" marB="91425" marR="91425" marL="91425">
+                  <a:tcPr marL="91425" marR="91425" marT="91425" marB="91425">
                     <a:solidFill>
                       <a:srgbClr val="F3C8C8"/>
                     </a:solidFill>
@@ -13128,7 +13411,7 @@
                     <a:bodyPr/>
                     <a:lstStyle/>
                     <a:p>
-                      <a:pPr indent="0" lvl="0" marL="0" rtl="0" algn="ctr">
+                      <a:pPr marL="0" lvl="0" indent="0" algn="ctr" rtl="0">
                         <a:spcBef>
                           <a:spcPts val="0"/>
                         </a:spcBef>
@@ -13144,12 +13427,17 @@
                       <a:endParaRPr sz="1100"/>
                     </a:p>
                   </a:txBody>
-                  <a:tcPr marT="91425" marB="91425" marR="91425" marL="91425">
+                  <a:tcPr marL="91425" marR="91425" marT="91425" marB="91425">
                     <a:solidFill>
                       <a:srgbClr val="F3C8C8"/>
                     </a:solidFill>
                   </a:tcPr>
                 </a:tc>
+                <a:extLst>
+                  <a:ext uri="{0D108BD9-81ED-4DB2-BD59-A6C34878D82A}">
+                    <a16:rowId xmlns:a16="http://schemas.microsoft.com/office/drawing/2014/main" val="10004"/>
+                  </a:ext>
+                </a:extLst>
               </a:tr>
               <a:tr h="381000">
                 <a:tc>
@@ -13157,7 +13445,7 @@
                     <a:bodyPr/>
                     <a:lstStyle/>
                     <a:p>
-                      <a:pPr indent="0" lvl="0" marL="0" rtl="0" algn="ctr">
+                      <a:pPr marL="0" lvl="0" indent="0" algn="ctr" rtl="0">
                         <a:spcBef>
                           <a:spcPts val="0"/>
                         </a:spcBef>
@@ -13173,14 +13461,14 @@
                       <a:endParaRPr sz="1200"/>
                     </a:p>
                   </a:txBody>
-                  <a:tcPr marT="91425" marB="91425" marR="91425" marL="91425"/>
+                  <a:tcPr marL="91425" marR="91425" marT="91425" marB="91425"/>
                 </a:tc>
                 <a:tc>
                   <a:txBody>
                     <a:bodyPr/>
                     <a:lstStyle/>
                     <a:p>
-                      <a:pPr indent="0" lvl="0" marL="0" rtl="0" algn="ctr">
+                      <a:pPr marL="0" lvl="0" indent="0" algn="ctr" rtl="0">
                         <a:spcBef>
                           <a:spcPts val="0"/>
                         </a:spcBef>
@@ -13196,14 +13484,14 @@
                       <a:endParaRPr sz="1100"/>
                     </a:p>
                   </a:txBody>
-                  <a:tcPr marT="91425" marB="91425" marR="91425" marL="91425"/>
+                  <a:tcPr marL="91425" marR="91425" marT="91425" marB="91425"/>
                 </a:tc>
                 <a:tc>
                   <a:txBody>
                     <a:bodyPr/>
                     <a:lstStyle/>
                     <a:p>
-                      <a:pPr indent="0" lvl="0" marL="0" rtl="0" algn="ctr">
+                      <a:pPr marL="0" lvl="0" indent="0" algn="ctr" rtl="0">
                         <a:spcBef>
                           <a:spcPts val="0"/>
                         </a:spcBef>
@@ -13219,8 +13507,13 @@
                       <a:endParaRPr sz="1100"/>
                     </a:p>
                   </a:txBody>
-                  <a:tcPr marT="91425" marB="91425" marR="91425" marL="91425"/>
+                  <a:tcPr marL="91425" marR="91425" marT="91425" marB="91425"/>
                 </a:tc>
+                <a:extLst>
+                  <a:ext uri="{0D108BD9-81ED-4DB2-BD59-A6C34878D82A}">
+                    <a16:rowId xmlns:a16="http://schemas.microsoft.com/office/drawing/2014/main" val="10005"/>
+                  </a:ext>
+                </a:extLst>
               </a:tr>
             </a:tbl>
           </a:graphicData>
@@ -13229,9 +13522,11 @@
       <p:sp>
         <p:nvSpPr>
           <p:cNvPr id="100" name="Google Shape;100;p15"/>
-          <p:cNvSpPr txBox="1"/>
+          <p:cNvSpPr txBox="1">
+            <a:spLocks noGrp="1"/>
+          </p:cNvSpPr>
           <p:nvPr>
-            <p:ph idx="1" type="body"/>
+            <p:ph type="body" idx="1"/>
           </p:nvPr>
         </p:nvSpPr>
         <p:spPr>
@@ -13247,12 +13542,12 @@
           </a:solidFill>
         </p:spPr>
         <p:txBody>
-          <a:bodyPr anchorCtr="0" anchor="t" bIns="91425" lIns="91425" spcFirstLastPara="1" rIns="91425" wrap="square" tIns="91425">
-            <a:normAutofit/>
+          <a:bodyPr spcFirstLastPara="1" wrap="square" lIns="91425" tIns="91425" rIns="91425" bIns="91425" anchor="t" anchorCtr="0">
+            <a:normAutofit fontScale="40000" lnSpcReduction="20000"/>
           </a:bodyPr>
           <a:lstStyle/>
           <a:p>
-            <a:pPr indent="0" lvl="0" marL="0" rtl="0" algn="l">
+            <a:pPr marL="0" lvl="0" indent="0" algn="l" rtl="0">
               <a:lnSpc>
                 <a:spcPct val="95000"/>
               </a:lnSpc>
@@ -13300,12 +13595,12 @@
           </a:ln>
         </p:spPr>
         <p:txBody>
-          <a:bodyPr anchorCtr="0" anchor="t" bIns="91425" lIns="91425" spcFirstLastPara="1" rIns="91425" wrap="square" tIns="91425">
+          <a:bodyPr spcFirstLastPara="1" wrap="square" lIns="91425" tIns="91425" rIns="91425" bIns="91425" anchor="t" anchorCtr="0">
             <a:spAutoFit/>
           </a:bodyPr>
           <a:lstStyle/>
           <a:p>
-            <a:pPr indent="0" lvl="0" marL="0" rtl="0" algn="l">
+            <a:pPr marL="0" lvl="0" indent="0" algn="l" rtl="0">
               <a:spcBef>
                 <a:spcPts val="0"/>
               </a:spcBef>
@@ -13341,11 +13636,11 @@
 </file>
 
 <file path=ppt/slides/slide4.xml><?xml version="1.0" encoding="utf-8"?>
-<p:sld xmlns:a="http://schemas.openxmlformats.org/drawingml/2006/main" xmlns:r="http://schemas.openxmlformats.org/officeDocument/2006/relationships" xmlns:mc="http://schemas.openxmlformats.org/markup-compatibility/2006" xmlns:mv="urn:schemas-microsoft-com:mac:vml" xmlns:p="http://schemas.openxmlformats.org/presentationml/2006/main" xmlns:c="http://schemas.openxmlformats.org/drawingml/2006/chart" xmlns:dgm="http://schemas.openxmlformats.org/drawingml/2006/diagram" xmlns:o="urn:schemas-microsoft-com:office:office" xmlns:v="urn:schemas-microsoft-com:vml" xmlns:pvml="urn:schemas-microsoft-com:office:powerpoint" xmlns:com="http://schemas.openxmlformats.org/drawingml/2006/compatibility" xmlns:p14="http://schemas.microsoft.com/office/powerpoint/2010/main" xmlns:p15="http://schemas.microsoft.com/office/powerpoint/2012/main" xmlns:ahyp="http://schemas.microsoft.com/office/drawing/2018/hyperlinkcolor">
+<p:sld xmlns:a="http://schemas.openxmlformats.org/drawingml/2006/main" xmlns:r="http://schemas.openxmlformats.org/officeDocument/2006/relationships" xmlns:p="http://schemas.openxmlformats.org/presentationml/2006/main">
   <p:cSld>
     <p:spTree>
       <p:nvGrpSpPr>
-        <p:cNvPr id="105" name="Shape 105"/>
+        <p:cNvPr id="1" name="Shape 105"/>
         <p:cNvGrpSpPr/>
         <p:nvPr/>
       </p:nvGrpSpPr>
@@ -13360,7 +13655,9 @@
       <p:sp>
         <p:nvSpPr>
           <p:cNvPr id="106" name="Google Shape;106;p16"/>
-          <p:cNvSpPr txBox="1"/>
+          <p:cNvSpPr txBox="1">
+            <a:spLocks noGrp="1"/>
+          </p:cNvSpPr>
           <p:nvPr>
             <p:ph type="title"/>
           </p:nvPr>
@@ -13375,12 +13672,12 @@
           </a:prstGeom>
         </p:spPr>
         <p:txBody>
-          <a:bodyPr anchorCtr="0" anchor="t" bIns="91425" lIns="91425" spcFirstLastPara="1" rIns="91425" wrap="square" tIns="91425">
+          <a:bodyPr spcFirstLastPara="1" wrap="square" lIns="91425" tIns="91425" rIns="91425" bIns="91425" anchor="t" anchorCtr="0">
             <a:noAutofit/>
           </a:bodyPr>
           <a:lstStyle/>
           <a:p>
-            <a:pPr indent="0" lvl="0" marL="0" rtl="0" algn="l">
+            <a:pPr marL="0" lvl="0" indent="0" algn="l" rtl="0">
               <a:spcBef>
                 <a:spcPts val="0"/>
               </a:spcBef>
@@ -13391,19 +13688,29 @@
               <a:buNone/>
             </a:pPr>
             <a:r>
+              <a:rPr lang="en" sz="1940" dirty="0"/>
+              <a:t>Intro to LM (Local M</a:t>
+            </a:r>
+            <a:r>
+              <a:rPr lang="en-US" altLang="zh-CN" sz="1940"/>
+              <a:t>a</a:t>
+            </a:r>
+            <a:r>
               <a:rPr lang="en" sz="1940"/>
-              <a:t>Intro to LM (Local Messaging) &amp; LPS (Local Preferential Sampling)</a:t>
+              <a:t>ssaging) &amp; LPS (Local Preferential Sampling)</a:t>
             </a:r>
-            <a:endParaRPr sz="1940"/>
+            <a:endParaRPr sz="1940" dirty="0"/>
           </a:p>
         </p:txBody>
       </p:sp>
       <p:sp>
         <p:nvSpPr>
           <p:cNvPr id="107" name="Google Shape;107;p16"/>
-          <p:cNvSpPr txBox="1"/>
+          <p:cNvSpPr txBox="1">
+            <a:spLocks noGrp="1"/>
+          </p:cNvSpPr>
           <p:nvPr>
-            <p:ph idx="1" type="body"/>
+            <p:ph type="body" idx="1"/>
           </p:nvPr>
         </p:nvSpPr>
         <p:spPr>
@@ -13416,12 +13723,12 @@
           </a:prstGeom>
         </p:spPr>
         <p:txBody>
-          <a:bodyPr anchorCtr="0" anchor="t" bIns="91425" lIns="91425" spcFirstLastPara="1" rIns="91425" wrap="square" tIns="91425">
+          <a:bodyPr spcFirstLastPara="1" wrap="square" lIns="91425" tIns="91425" rIns="91425" bIns="91425" anchor="t" anchorCtr="0">
             <a:normAutofit/>
           </a:bodyPr>
           <a:lstStyle/>
           <a:p>
-            <a:pPr indent="0" lvl="0" marL="0" rtl="0" algn="l">
+            <a:pPr marL="0" lvl="0" indent="0" algn="l" rtl="0">
               <a:spcBef>
                 <a:spcPts val="0"/>
               </a:spcBef>
@@ -13437,7 +13744,7 @@
             <a:endParaRPr sz="1500"/>
           </a:p>
           <a:p>
-            <a:pPr indent="0" lvl="0" marL="0" rtl="0" algn="l">
+            <a:pPr marL="0" lvl="0" indent="0" algn="l" rtl="0">
               <a:spcBef>
                 <a:spcPts val="1200"/>
               </a:spcBef>
@@ -13490,7 +13797,7 @@
         </p:nvGraphicFramePr>
         <p:xfrm>
           <a:off x="4417725" y="2383975"/>
-          <a:ext cx="3000000" cy="3000000"/>
+          <a:ext cx="4671800" cy="2255425"/>
         </p:xfrm>
         <a:graphic>
           <a:graphicData uri="http://schemas.openxmlformats.org/drawingml/2006/table">
@@ -13500,10 +13807,34 @@
                 <a:tableStyleId>{FECFCC1D-3961-4416-9844-A90D724FFB5B}</a:tableStyleId>
               </a:tblPr>
               <a:tblGrid>
-                <a:gridCol w="1167950"/>
-                <a:gridCol w="1102575"/>
-                <a:gridCol w="1146150"/>
-                <a:gridCol w="1255125"/>
+                <a:gridCol w="1167950">
+                  <a:extLst>
+                    <a:ext uri="{9D8B030D-6E8A-4147-A177-3AD203B41FA5}">
+                      <a16:colId xmlns:a16="http://schemas.microsoft.com/office/drawing/2014/main" val="20000"/>
+                    </a:ext>
+                  </a:extLst>
+                </a:gridCol>
+                <a:gridCol w="1102575">
+                  <a:extLst>
+                    <a:ext uri="{9D8B030D-6E8A-4147-A177-3AD203B41FA5}">
+                      <a16:colId xmlns:a16="http://schemas.microsoft.com/office/drawing/2014/main" val="20001"/>
+                    </a:ext>
+                  </a:extLst>
+                </a:gridCol>
+                <a:gridCol w="1146150">
+                  <a:extLst>
+                    <a:ext uri="{9D8B030D-6E8A-4147-A177-3AD203B41FA5}">
+                      <a16:colId xmlns:a16="http://schemas.microsoft.com/office/drawing/2014/main" val="20002"/>
+                    </a:ext>
+                  </a:extLst>
+                </a:gridCol>
+                <a:gridCol w="1255125">
+                  <a:extLst>
+                    <a:ext uri="{9D8B030D-6E8A-4147-A177-3AD203B41FA5}">
+                      <a16:colId xmlns:a16="http://schemas.microsoft.com/office/drawing/2014/main" val="20003"/>
+                    </a:ext>
+                  </a:extLst>
+                </a:gridCol>
               </a:tblGrid>
               <a:tr h="822925">
                 <a:tc>
@@ -13511,7 +13842,7 @@
                     <a:bodyPr/>
                     <a:lstStyle/>
                     <a:p>
-                      <a:pPr indent="0" lvl="0" marL="0" rtl="0" algn="ctr">
+                      <a:pPr marL="0" lvl="0" indent="0" algn="ctr" rtl="0">
                         <a:spcBef>
                           <a:spcPts val="0"/>
                         </a:spcBef>
@@ -13521,20 +13852,20 @@
                         <a:buNone/>
                       </a:pPr>
                       <a:r>
-                        <a:rPr b="1" lang="en"/>
+                        <a:rPr lang="en" b="1"/>
                         <a:t>Has prior</a:t>
                       </a:r>
                       <a:endParaRPr b="1"/>
                     </a:p>
                   </a:txBody>
-                  <a:tcPr marT="91425" marB="91425" marR="91425" marL="91425" anchor="ctr"/>
+                  <a:tcPr marL="91425" marR="91425" marT="91425" marB="91425" anchor="ctr"/>
                 </a:tc>
                 <a:tc>
                   <a:txBody>
                     <a:bodyPr/>
                     <a:lstStyle/>
                     <a:p>
-                      <a:pPr indent="0" lvl="0" marL="0" rtl="0" algn="ctr">
+                      <a:pPr marL="0" lvl="0" indent="0" algn="ctr" rtl="0">
                         <a:spcBef>
                           <a:spcPts val="0"/>
                         </a:spcBef>
@@ -13544,20 +13875,20 @@
                         <a:buNone/>
                       </a:pPr>
                       <a:r>
-                        <a:rPr b="1" lang="en"/>
+                        <a:rPr lang="en" b="1"/>
                         <a:t>Race</a:t>
                       </a:r>
                       <a:endParaRPr b="1"/>
                     </a:p>
                   </a:txBody>
-                  <a:tcPr marT="91425" marB="91425" marR="91425" marL="91425" anchor="ctr"/>
+                  <a:tcPr marL="91425" marR="91425" marT="91425" marB="91425" anchor="ctr"/>
                 </a:tc>
                 <a:tc>
                   <a:txBody>
                     <a:bodyPr/>
                     <a:lstStyle/>
                     <a:p>
-                      <a:pPr indent="0" lvl="0" marL="0" rtl="0" algn="ctr">
+                      <a:pPr marL="0" lvl="0" indent="0" algn="ctr" rtl="0">
                         <a:spcBef>
                           <a:spcPts val="0"/>
                         </a:spcBef>
@@ -13567,13 +13898,13 @@
                         <a:buNone/>
                       </a:pPr>
                       <a:r>
-                        <a:rPr b="1" lang="en"/>
+                        <a:rPr lang="en" b="1"/>
                         <a:t>Recidivate</a:t>
                       </a:r>
                       <a:endParaRPr b="1"/>
                     </a:p>
                     <a:p>
-                      <a:pPr indent="0" lvl="0" marL="0" rtl="0" algn="ctr">
+                      <a:pPr marL="0" lvl="0" indent="0" algn="ctr" rtl="0">
                         <a:spcBef>
                           <a:spcPts val="0"/>
                         </a:spcBef>
@@ -13583,20 +13914,20 @@
                         <a:buNone/>
                       </a:pPr>
                       <a:r>
-                        <a:rPr b="1" lang="en"/>
+                        <a:rPr lang="en" b="1"/>
                         <a:t>rate</a:t>
                       </a:r>
                       <a:endParaRPr b="1"/>
                     </a:p>
                   </a:txBody>
-                  <a:tcPr marT="91425" marB="91425" marR="91425" marL="91425" anchor="ctr"/>
+                  <a:tcPr marL="91425" marR="91425" marT="91425" marB="91425" anchor="ctr"/>
                 </a:tc>
                 <a:tc>
                   <a:txBody>
                     <a:bodyPr/>
                     <a:lstStyle/>
                     <a:p>
-                      <a:pPr indent="0" lvl="0" marL="0" rtl="0" algn="ctr">
+                      <a:pPr marL="0" lvl="0" indent="0" algn="ctr" rtl="0">
                         <a:spcBef>
                           <a:spcPts val="0"/>
                         </a:spcBef>
@@ -13606,18 +13937,19 @@
                         <a:buNone/>
                       </a:pPr>
                       <a:r>
-                        <a:rPr b="1" lang="en"/>
-                        <a:t>Expectati</a:t>
-                      </a:r>
-                      <a:r>
-                        <a:rPr b="1" lang="en"/>
-                        <a:t>on</a:t>
+                        <a:rPr lang="en" b="1"/>
+                        <a:t>Expectation</a:t>
                       </a:r>
                       <a:endParaRPr b="1"/>
                     </a:p>
                   </a:txBody>
-                  <a:tcPr marT="91425" marB="91425" marR="91425" marL="91425" anchor="ctr"/>
+                  <a:tcPr marL="91425" marR="91425" marT="91425" marB="91425" anchor="ctr"/>
                 </a:tc>
+                <a:extLst>
+                  <a:ext uri="{0D108BD9-81ED-4DB2-BD59-A6C34878D82A}">
+                    <a16:rowId xmlns:a16="http://schemas.microsoft.com/office/drawing/2014/main" val="10000"/>
+                  </a:ext>
+                </a:extLst>
               </a:tr>
               <a:tr h="822925">
                 <a:tc>
@@ -13625,7 +13957,7 @@
                     <a:bodyPr/>
                     <a:lstStyle/>
                     <a:p>
-                      <a:pPr indent="0" lvl="0" marL="0" rtl="0" algn="ctr">
+                      <a:pPr marL="0" lvl="0" indent="0" algn="ctr" rtl="0">
                         <a:spcBef>
                           <a:spcPts val="0"/>
                         </a:spcBef>
@@ -13641,15 +13973,15 @@
                       <a:endParaRPr/>
                     </a:p>
                   </a:txBody>
-                  <a:tcPr marT="91425" marB="91425" marR="91425" marL="91425" anchor="ctr">
-                    <a:lnB cap="flat" cmpd="sng" w="9525">
+                  <a:tcPr marL="91425" marR="91425" marT="91425" marB="91425" anchor="ctr">
+                    <a:lnB w="9525" cap="flat" cmpd="sng">
                       <a:solidFill>
                         <a:srgbClr val="9E9E9E"/>
                       </a:solidFill>
                       <a:prstDash val="solid"/>
                       <a:round/>
-                      <a:headEnd len="sm" w="sm" type="none"/>
-                      <a:tailEnd len="sm" w="sm" type="none"/>
+                      <a:headEnd type="none" w="sm" len="sm"/>
+                      <a:tailEnd type="none" w="sm" len="sm"/>
                     </a:lnB>
                   </a:tcPr>
                 </a:tc>
@@ -13658,7 +13990,7 @@
                     <a:bodyPr/>
                     <a:lstStyle/>
                     <a:p>
-                      <a:pPr indent="0" lvl="0" marL="0" rtl="0" algn="ctr">
+                      <a:pPr marL="0" lvl="0" indent="0" algn="ctr" rtl="0">
                         <a:spcBef>
                           <a:spcPts val="0"/>
                         </a:spcBef>
@@ -13674,7 +14006,7 @@
                       <a:endParaRPr/>
                     </a:p>
                     <a:p>
-                      <a:pPr indent="0" lvl="0" marL="0" rtl="0" algn="ctr">
+                      <a:pPr marL="0" lvl="0" indent="0" algn="ctr" rtl="0">
                         <a:spcBef>
                           <a:spcPts val="0"/>
                         </a:spcBef>
@@ -13690,14 +14022,14 @@
                       <a:endParaRPr/>
                     </a:p>
                   </a:txBody>
-                  <a:tcPr marT="91425" marB="91425" marR="91425" marL="91425" anchor="ctr"/>
+                  <a:tcPr marL="91425" marR="91425" marT="91425" marB="91425" anchor="ctr"/>
                 </a:tc>
                 <a:tc>
                   <a:txBody>
                     <a:bodyPr/>
                     <a:lstStyle/>
                     <a:p>
-                      <a:pPr indent="0" lvl="0" marL="0" rtl="0" algn="ctr">
+                      <a:pPr marL="0" lvl="0" indent="0" algn="ctr" rtl="0">
                         <a:spcBef>
                           <a:spcPts val="0"/>
                         </a:spcBef>
@@ -13713,14 +14045,14 @@
                       <a:endParaRPr/>
                     </a:p>
                   </a:txBody>
-                  <a:tcPr marT="91425" marB="91425" marR="91425" marL="91425" anchor="ctr"/>
+                  <a:tcPr marL="91425" marR="91425" marT="91425" marB="91425" anchor="ctr"/>
                 </a:tc>
                 <a:tc>
                   <a:txBody>
                     <a:bodyPr/>
                     <a:lstStyle/>
                     <a:p>
-                      <a:pPr indent="0" lvl="0" marL="0" rtl="0" algn="ctr">
+                      <a:pPr marL="0" lvl="0" indent="0" algn="ctr" rtl="0">
                         <a:spcBef>
                           <a:spcPts val="0"/>
                         </a:spcBef>
@@ -13736,8 +14068,13 @@
                       <a:endParaRPr/>
                     </a:p>
                   </a:txBody>
-                  <a:tcPr marT="91425" marB="91425" marR="91425" marL="91425" anchor="ctr"/>
+                  <a:tcPr marL="91425" marR="91425" marT="91425" marB="91425" anchor="ctr"/>
                 </a:tc>
+                <a:extLst>
+                  <a:ext uri="{0D108BD9-81ED-4DB2-BD59-A6C34878D82A}">
+                    <a16:rowId xmlns:a16="http://schemas.microsoft.com/office/drawing/2014/main" val="10001"/>
+                  </a:ext>
+                </a:extLst>
               </a:tr>
               <a:tr h="609575">
                 <a:tc>
@@ -13745,7 +14082,7 @@
                     <a:bodyPr/>
                     <a:lstStyle/>
                     <a:p>
-                      <a:pPr indent="0" lvl="0" marL="0" rtl="0" algn="ctr">
+                      <a:pPr marL="0" lvl="0" indent="0" algn="ctr" rtl="0">
                         <a:spcBef>
                           <a:spcPts val="0"/>
                         </a:spcBef>
@@ -13761,42 +14098,42 @@
                       <a:endParaRPr/>
                     </a:p>
                   </a:txBody>
-                  <a:tcPr marT="91425" marB="91425" marR="91425" marL="91425" anchor="ctr">
-                    <a:lnL cap="flat" cmpd="sng" w="9525">
+                  <a:tcPr marL="91425" marR="91425" marT="91425" marB="91425" anchor="ctr">
+                    <a:lnL w="9525" cap="flat" cmpd="sng">
                       <a:solidFill>
                         <a:srgbClr val="9E9E9E"/>
                       </a:solidFill>
                       <a:prstDash val="solid"/>
                       <a:round/>
-                      <a:headEnd len="sm" w="sm" type="none"/>
-                      <a:tailEnd len="sm" w="sm" type="none"/>
+                      <a:headEnd type="none" w="sm" len="sm"/>
+                      <a:tailEnd type="none" w="sm" len="sm"/>
                     </a:lnL>
-                    <a:lnR cap="flat" cmpd="sng" w="9525">
+                    <a:lnR w="9525" cap="flat" cmpd="sng">
                       <a:solidFill>
                         <a:srgbClr val="9E9E9E"/>
                       </a:solidFill>
                       <a:prstDash val="solid"/>
                       <a:round/>
-                      <a:headEnd len="sm" w="sm" type="none"/>
-                      <a:tailEnd len="sm" w="sm" type="none"/>
+                      <a:headEnd type="none" w="sm" len="sm"/>
+                      <a:tailEnd type="none" w="sm" len="sm"/>
                     </a:lnR>
-                    <a:lnT cap="flat" cmpd="sng" w="9525">
+                    <a:lnT w="9525" cap="flat" cmpd="sng">
                       <a:solidFill>
                         <a:srgbClr val="9E9E9E"/>
                       </a:solidFill>
                       <a:prstDash val="solid"/>
                       <a:round/>
-                      <a:headEnd len="sm" w="sm" type="none"/>
-                      <a:tailEnd len="sm" w="sm" type="none"/>
+                      <a:headEnd type="none" w="sm" len="sm"/>
+                      <a:tailEnd type="none" w="sm" len="sm"/>
                     </a:lnT>
-                    <a:lnB cap="flat" cmpd="sng" w="9525">
+                    <a:lnB w="9525" cap="flat" cmpd="sng">
                       <a:solidFill>
                         <a:srgbClr val="9E9E9E"/>
                       </a:solidFill>
                       <a:prstDash val="solid"/>
                       <a:round/>
-                      <a:headEnd len="sm" w="sm" type="none"/>
-                      <a:tailEnd len="sm" w="sm" type="none"/>
+                      <a:headEnd type="none" w="sm" len="sm"/>
+                      <a:tailEnd type="none" w="sm" len="sm"/>
                     </a:lnB>
                   </a:tcPr>
                 </a:tc>
@@ -13805,7 +14142,7 @@
                     <a:bodyPr/>
                     <a:lstStyle/>
                     <a:p>
-                      <a:pPr indent="0" lvl="0" marL="0" rtl="0" algn="ctr">
+                      <a:pPr marL="0" lvl="0" indent="0" algn="ctr" rtl="0">
                         <a:spcBef>
                           <a:spcPts val="0"/>
                         </a:spcBef>
@@ -13821,15 +14158,15 @@
                       <a:endParaRPr/>
                     </a:p>
                   </a:txBody>
-                  <a:tcPr marT="91425" marB="91425" marR="91425" marL="91425" anchor="ctr">
-                    <a:lnL cap="flat" cmpd="sng" w="9525">
+                  <a:tcPr marL="91425" marR="91425" marT="91425" marB="91425" anchor="ctr">
+                    <a:lnL w="9525" cap="flat" cmpd="sng">
                       <a:solidFill>
                         <a:srgbClr val="9E9E9E"/>
                       </a:solidFill>
                       <a:prstDash val="solid"/>
                       <a:round/>
-                      <a:headEnd len="sm" w="sm" type="none"/>
-                      <a:tailEnd len="sm" w="sm" type="none"/>
+                      <a:headEnd type="none" w="sm" len="sm"/>
+                      <a:tailEnd type="none" w="sm" len="sm"/>
                     </a:lnL>
                   </a:tcPr>
                 </a:tc>
@@ -13838,7 +14175,7 @@
                     <a:bodyPr/>
                     <a:lstStyle/>
                     <a:p>
-                      <a:pPr indent="0" lvl="0" marL="0" rtl="0" algn="ctr">
+                      <a:pPr marL="0" lvl="0" indent="0" algn="ctr" rtl="0">
                         <a:lnSpc>
                           <a:spcPct val="115000"/>
                         </a:lnSpc>
@@ -13857,14 +14194,14 @@
                       <a:endParaRPr/>
                     </a:p>
                   </a:txBody>
-                  <a:tcPr marT="66675" marB="66675" marR="66675" marL="66675" anchor="ctr"/>
+                  <a:tcPr marL="66675" marR="66675" marT="66675" marB="66675" anchor="ctr"/>
                 </a:tc>
                 <a:tc>
                   <a:txBody>
                     <a:bodyPr/>
                     <a:lstStyle/>
                     <a:p>
-                      <a:pPr indent="0" lvl="0" marL="0" rtl="0" algn="ctr">
+                      <a:pPr marL="0" lvl="0" indent="0" algn="ctr" rtl="0">
                         <a:lnSpc>
                           <a:spcPct val="115000"/>
                         </a:lnSpc>
@@ -13883,8 +14220,13 @@
                       <a:endParaRPr/>
                     </a:p>
                   </a:txBody>
-                  <a:tcPr marT="66675" marB="66675" marR="66675" marL="66675" anchor="ctr"/>
+                  <a:tcPr marL="66675" marR="66675" marT="66675" marB="66675" anchor="ctr"/>
                 </a:tc>
+                <a:extLst>
+                  <a:ext uri="{0D108BD9-81ED-4DB2-BD59-A6C34878D82A}">
+                    <a16:rowId xmlns:a16="http://schemas.microsoft.com/office/drawing/2014/main" val="10002"/>
+                  </a:ext>
+                </a:extLst>
               </a:tr>
             </a:tbl>
           </a:graphicData>
@@ -13955,11 +14297,11 @@
 </file>
 
 <file path=ppt/slides/slide5.xml><?xml version="1.0" encoding="utf-8"?>
-<p:sld xmlns:a="http://schemas.openxmlformats.org/drawingml/2006/main" xmlns:r="http://schemas.openxmlformats.org/officeDocument/2006/relationships" xmlns:mc="http://schemas.openxmlformats.org/markup-compatibility/2006" xmlns:mv="urn:schemas-microsoft-com:mac:vml" xmlns:p="http://schemas.openxmlformats.org/presentationml/2006/main" xmlns:c="http://schemas.openxmlformats.org/drawingml/2006/chart" xmlns:dgm="http://schemas.openxmlformats.org/drawingml/2006/diagram" xmlns:o="urn:schemas-microsoft-com:office:office" xmlns:v="urn:schemas-microsoft-com:vml" xmlns:pvml="urn:schemas-microsoft-com:office:powerpoint" xmlns:com="http://schemas.openxmlformats.org/drawingml/2006/compatibility" xmlns:p14="http://schemas.microsoft.com/office/powerpoint/2010/main" xmlns:p15="http://schemas.microsoft.com/office/powerpoint/2012/main" xmlns:ahyp="http://schemas.microsoft.com/office/drawing/2018/hyperlinkcolor">
+<p:sld xmlns:a="http://schemas.openxmlformats.org/drawingml/2006/main" xmlns:r="http://schemas.openxmlformats.org/officeDocument/2006/relationships" xmlns:p="http://schemas.openxmlformats.org/presentationml/2006/main">
   <p:cSld>
     <p:spTree>
       <p:nvGrpSpPr>
-        <p:cNvPr id="115" name="Shape 115"/>
+        <p:cNvPr id="1" name="Shape 115"/>
         <p:cNvGrpSpPr/>
         <p:nvPr/>
       </p:nvGrpSpPr>
@@ -13991,12 +14333,12 @@
           </a:ln>
         </p:spPr>
         <p:txBody>
-          <a:bodyPr anchorCtr="0" anchor="t" bIns="91425" lIns="91425" spcFirstLastPara="1" rIns="91425" wrap="square" tIns="91425">
+          <a:bodyPr spcFirstLastPara="1" wrap="square" lIns="91425" tIns="91425" rIns="91425" bIns="91425" anchor="t" anchorCtr="0">
             <a:spAutoFit/>
           </a:bodyPr>
           <a:lstStyle/>
           <a:p>
-            <a:pPr indent="0" lvl="0" marL="0" rtl="0" algn="l">
+            <a:pPr marL="0" lvl="0" indent="0" algn="l" rtl="0">
               <a:spcBef>
                 <a:spcPts val="0"/>
               </a:spcBef>
@@ -14022,7 +14364,7 @@
             </a:endParaRPr>
           </a:p>
           <a:p>
-            <a:pPr indent="0" lvl="0" marL="0" rtl="0" algn="l">
+            <a:pPr marL="0" lvl="0" indent="0" algn="l" rtl="0">
               <a:spcBef>
                 <a:spcPts val="0"/>
               </a:spcBef>
@@ -14031,9 +14373,6 @@
               </a:spcAft>
               <a:buNone/>
             </a:pPr>
-            <a:r>
-              <a:t/>
-            </a:r>
             <a:endParaRPr>
               <a:latin typeface="Lato"/>
               <a:ea typeface="Lato"/>
@@ -14042,7 +14381,7 @@
             </a:endParaRPr>
           </a:p>
           <a:p>
-            <a:pPr indent="0" lvl="0" marL="0" rtl="0" algn="l">
+            <a:pPr marL="0" lvl="0" indent="0" algn="l" rtl="0">
               <a:spcBef>
                 <a:spcPts val="0"/>
               </a:spcBef>
@@ -14114,23 +14453,23 @@
           <a:solidFill>
             <a:srgbClr val="4A86E8"/>
           </a:solidFill>
-          <a:ln cap="flat" cmpd="sng" w="9525">
+          <a:ln w="9525" cap="flat" cmpd="sng">
             <a:solidFill>
               <a:schemeClr val="dk2"/>
             </a:solidFill>
             <a:prstDash val="solid"/>
             <a:round/>
-            <a:headEnd len="sm" w="sm" type="none"/>
-            <a:tailEnd len="sm" w="sm" type="none"/>
+            <a:headEnd type="none" w="sm" len="sm"/>
+            <a:tailEnd type="none" w="sm" len="sm"/>
           </a:ln>
         </p:spPr>
         <p:txBody>
-          <a:bodyPr anchorCtr="0" anchor="ctr" bIns="91425" lIns="91425" spcFirstLastPara="1" rIns="91425" wrap="square" tIns="91425">
+          <a:bodyPr spcFirstLastPara="1" wrap="square" lIns="91425" tIns="91425" rIns="91425" bIns="91425" anchor="ctr" anchorCtr="0">
             <a:noAutofit/>
           </a:bodyPr>
           <a:lstStyle/>
           <a:p>
-            <a:pPr indent="0" lvl="0" marL="0" rtl="0" algn="l">
+            <a:pPr marL="0" lvl="0" indent="0" algn="l" rtl="0">
               <a:spcBef>
                 <a:spcPts val="0"/>
               </a:spcBef>
@@ -14139,9 +14478,6 @@
               </a:spcAft>
               <a:buNone/>
             </a:pPr>
-            <a:r>
-              <a:t/>
-            </a:r>
             <a:endParaRPr/>
           </a:p>
         </p:txBody>
@@ -14163,23 +14499,23 @@
           <a:solidFill>
             <a:srgbClr val="4A86E8"/>
           </a:solidFill>
-          <a:ln cap="flat" cmpd="sng" w="9525">
+          <a:ln w="9525" cap="flat" cmpd="sng">
             <a:solidFill>
               <a:schemeClr val="dk2"/>
             </a:solidFill>
             <a:prstDash val="solid"/>
             <a:round/>
-            <a:headEnd len="sm" w="sm" type="none"/>
-            <a:tailEnd len="sm" w="sm" type="none"/>
+            <a:headEnd type="none" w="sm" len="sm"/>
+            <a:tailEnd type="none" w="sm" len="sm"/>
           </a:ln>
         </p:spPr>
         <p:txBody>
-          <a:bodyPr anchorCtr="0" anchor="ctr" bIns="91425" lIns="91425" spcFirstLastPara="1" rIns="91425" wrap="square" tIns="91425">
+          <a:bodyPr spcFirstLastPara="1" wrap="square" lIns="91425" tIns="91425" rIns="91425" bIns="91425" anchor="ctr" anchorCtr="0">
             <a:noAutofit/>
           </a:bodyPr>
           <a:lstStyle/>
           <a:p>
-            <a:pPr indent="0" lvl="0" marL="0" rtl="0" algn="l">
+            <a:pPr marL="0" lvl="0" indent="0" algn="l" rtl="0">
               <a:spcBef>
                 <a:spcPts val="0"/>
               </a:spcBef>
@@ -14188,9 +14524,6 @@
               </a:spcAft>
               <a:buNone/>
             </a:pPr>
-            <a:r>
-              <a:t/>
-            </a:r>
             <a:endParaRPr/>
           </a:p>
         </p:txBody>
@@ -14204,11 +14537,11 @@
 </file>
 
 <file path=ppt/slides/slide6.xml><?xml version="1.0" encoding="utf-8"?>
-<p:sld xmlns:a="http://schemas.openxmlformats.org/drawingml/2006/main" xmlns:r="http://schemas.openxmlformats.org/officeDocument/2006/relationships" xmlns:mc="http://schemas.openxmlformats.org/markup-compatibility/2006" xmlns:mv="urn:schemas-microsoft-com:mac:vml" xmlns:p="http://schemas.openxmlformats.org/presentationml/2006/main" xmlns:c="http://schemas.openxmlformats.org/drawingml/2006/chart" xmlns:dgm="http://schemas.openxmlformats.org/drawingml/2006/diagram" xmlns:o="urn:schemas-microsoft-com:office:office" xmlns:v="urn:schemas-microsoft-com:vml" xmlns:pvml="urn:schemas-microsoft-com:office:powerpoint" xmlns:com="http://schemas.openxmlformats.org/drawingml/2006/compatibility" xmlns:p14="http://schemas.microsoft.com/office/powerpoint/2010/main" xmlns:p15="http://schemas.microsoft.com/office/powerpoint/2012/main" xmlns:ahyp="http://schemas.microsoft.com/office/drawing/2018/hyperlinkcolor">
+<p:sld xmlns:a="http://schemas.openxmlformats.org/drawingml/2006/main" xmlns:r="http://schemas.openxmlformats.org/officeDocument/2006/relationships" xmlns:p="http://schemas.openxmlformats.org/presentationml/2006/main">
   <p:cSld>
     <p:spTree>
       <p:nvGrpSpPr>
-        <p:cNvPr id="123" name="Shape 123"/>
+        <p:cNvPr id="1" name="Shape 123"/>
         <p:cNvGrpSpPr/>
         <p:nvPr/>
       </p:nvGrpSpPr>
@@ -14223,7 +14556,9 @@
       <p:sp>
         <p:nvSpPr>
           <p:cNvPr id="124" name="Google Shape;124;p18"/>
-          <p:cNvSpPr txBox="1"/>
+          <p:cNvSpPr txBox="1">
+            <a:spLocks noGrp="1"/>
+          </p:cNvSpPr>
           <p:nvPr>
             <p:ph type="title"/>
           </p:nvPr>
@@ -14238,12 +14573,12 @@
           </a:prstGeom>
         </p:spPr>
         <p:txBody>
-          <a:bodyPr anchorCtr="0" anchor="t" bIns="91425" lIns="91425" spcFirstLastPara="1" rIns="91425" wrap="square" tIns="91425">
+          <a:bodyPr spcFirstLastPara="1" wrap="square" lIns="91425" tIns="91425" rIns="91425" bIns="91425" anchor="t" anchorCtr="0">
             <a:normAutofit fontScale="90000"/>
           </a:bodyPr>
           <a:lstStyle/>
           <a:p>
-            <a:pPr indent="0" lvl="0" marL="0" rtl="0" algn="l">
+            <a:pPr marL="0" lvl="0" indent="0" algn="l" rtl="0">
               <a:spcBef>
                 <a:spcPts val="0"/>
               </a:spcBef>
@@ -14263,9 +14598,11 @@
       <p:sp>
         <p:nvSpPr>
           <p:cNvPr id="125" name="Google Shape;125;p18"/>
-          <p:cNvSpPr txBox="1"/>
+          <p:cNvSpPr txBox="1">
+            <a:spLocks noGrp="1"/>
+          </p:cNvSpPr>
           <p:nvPr>
-            <p:ph idx="1" type="body"/>
+            <p:ph type="body" idx="1"/>
           </p:nvPr>
         </p:nvSpPr>
         <p:spPr>
@@ -14278,12 +14615,12 @@
           </a:prstGeom>
         </p:spPr>
         <p:txBody>
-          <a:bodyPr anchorCtr="0" anchor="t" bIns="91425" lIns="91425" spcFirstLastPara="1" rIns="91425" wrap="square" tIns="91425">
+          <a:bodyPr spcFirstLastPara="1" wrap="square" lIns="91425" tIns="91425" rIns="91425" bIns="91425" anchor="t" anchorCtr="0">
             <a:normAutofit/>
           </a:bodyPr>
           <a:lstStyle/>
           <a:p>
-            <a:pPr indent="0" lvl="0" marL="0" rtl="0" algn="l">
+            <a:pPr marL="0" lvl="0" indent="0" algn="l" rtl="0">
               <a:spcBef>
                 <a:spcPts val="0"/>
               </a:spcBef>
@@ -14294,11 +14631,7 @@
             </a:pPr>
             <a:r>
               <a:rPr lang="en" sz="1400"/>
-              <a:t>Choosing ‘has_prior’ as explanatory attribute since it has h</a:t>
-            </a:r>
-            <a:r>
-              <a:rPr lang="en" sz="1400"/>
-              <a:t>ighest explanatory discriminaiton</a:t>
+              <a:t>Choosing ‘has_prior’ as explanatory attribute since it has highest explanatory discriminaiton</a:t>
             </a:r>
             <a:endParaRPr sz="1400"/>
           </a:p>
@@ -14380,12 +14713,12 @@
           </a:ln>
         </p:spPr>
         <p:txBody>
-          <a:bodyPr anchorCtr="0" anchor="t" bIns="91425" lIns="91425" spcFirstLastPara="1" rIns="91425" wrap="square" tIns="91425">
+          <a:bodyPr spcFirstLastPara="1" wrap="square" lIns="91425" tIns="91425" rIns="91425" bIns="91425" anchor="t" anchorCtr="0">
             <a:noAutofit/>
           </a:bodyPr>
           <a:lstStyle/>
           <a:p>
-            <a:pPr indent="0" lvl="0" marL="0" rtl="0" algn="l">
+            <a:pPr marL="0" lvl="0" indent="0" algn="l" rtl="0">
               <a:spcBef>
                 <a:spcPts val="0"/>
               </a:spcBef>
@@ -14394,9 +14727,6 @@
               </a:spcAft>
               <a:buNone/>
             </a:pPr>
-            <a:r>
-              <a:t/>
-            </a:r>
             <a:endParaRPr>
               <a:latin typeface="Lato"/>
               <a:ea typeface="Lato"/>
@@ -14405,7 +14735,7 @@
             </a:endParaRPr>
           </a:p>
           <a:p>
-            <a:pPr indent="0" lvl="0" marL="0" rtl="0" algn="l">
+            <a:pPr marL="0" lvl="0" indent="0" algn="l" rtl="0">
               <a:spcBef>
                 <a:spcPts val="0"/>
               </a:spcBef>
@@ -14414,9 +14744,6 @@
               </a:spcAft>
               <a:buNone/>
             </a:pPr>
-            <a:r>
-              <a:t/>
-            </a:r>
             <a:endParaRPr>
               <a:latin typeface="Lato"/>
               <a:ea typeface="Lato"/>
@@ -14425,7 +14752,7 @@
             </a:endParaRPr>
           </a:p>
           <a:p>
-            <a:pPr indent="0" lvl="0" marL="0" rtl="0" algn="l">
+            <a:pPr marL="0" lvl="0" indent="0" algn="l" rtl="0">
               <a:spcBef>
                 <a:spcPts val="0"/>
               </a:spcBef>
@@ -14434,9 +14761,6 @@
               </a:spcAft>
               <a:buNone/>
             </a:pPr>
-            <a:r>
-              <a:t/>
-            </a:r>
             <a:endParaRPr>
               <a:latin typeface="Lato"/>
               <a:ea typeface="Lato"/>
@@ -14539,11 +14863,11 @@
 </file>
 
 <file path=ppt/slides/slide7.xml><?xml version="1.0" encoding="utf-8"?>
-<p:sld xmlns:a="http://schemas.openxmlformats.org/drawingml/2006/main" xmlns:r="http://schemas.openxmlformats.org/officeDocument/2006/relationships" xmlns:mc="http://schemas.openxmlformats.org/markup-compatibility/2006" xmlns:mv="urn:schemas-microsoft-com:mac:vml" xmlns:p="http://schemas.openxmlformats.org/presentationml/2006/main" xmlns:c="http://schemas.openxmlformats.org/drawingml/2006/chart" xmlns:dgm="http://schemas.openxmlformats.org/drawingml/2006/diagram" xmlns:o="urn:schemas-microsoft-com:office:office" xmlns:v="urn:schemas-microsoft-com:vml" xmlns:pvml="urn:schemas-microsoft-com:office:powerpoint" xmlns:com="http://schemas.openxmlformats.org/drawingml/2006/compatibility" xmlns:p14="http://schemas.microsoft.com/office/powerpoint/2010/main" xmlns:p15="http://schemas.microsoft.com/office/powerpoint/2012/main" xmlns:ahyp="http://schemas.microsoft.com/office/drawing/2018/hyperlinkcolor">
+<p:sld xmlns:a="http://schemas.openxmlformats.org/drawingml/2006/main" xmlns:r="http://schemas.openxmlformats.org/officeDocument/2006/relationships" xmlns:p="http://schemas.openxmlformats.org/presentationml/2006/main">
   <p:cSld>
     <p:spTree>
       <p:nvGrpSpPr>
-        <p:cNvPr id="135" name="Shape 135"/>
+        <p:cNvPr id="1" name="Shape 135"/>
         <p:cNvGrpSpPr/>
         <p:nvPr/>
       </p:nvGrpSpPr>
@@ -14558,9 +14882,11 @@
       <p:sp>
         <p:nvSpPr>
           <p:cNvPr id="136" name="Google Shape;136;p19"/>
-          <p:cNvSpPr txBox="1"/>
+          <p:cNvSpPr txBox="1">
+            <a:spLocks noGrp="1"/>
+          </p:cNvSpPr>
           <p:nvPr>
-            <p:ph idx="1" type="body"/>
+            <p:ph type="body" idx="1"/>
           </p:nvPr>
         </p:nvSpPr>
         <p:spPr>
@@ -14573,12 +14899,12 @@
           </a:prstGeom>
         </p:spPr>
         <p:txBody>
-          <a:bodyPr anchorCtr="0" anchor="t" bIns="91425" lIns="91425" spcFirstLastPara="1" rIns="91425" wrap="square" tIns="91425">
-            <a:normAutofit/>
+          <a:bodyPr spcFirstLastPara="1" wrap="square" lIns="91425" tIns="91425" rIns="91425" bIns="91425" anchor="t" anchorCtr="0">
+            <a:normAutofit fontScale="25000" lnSpcReduction="20000"/>
           </a:bodyPr>
           <a:lstStyle/>
           <a:p>
-            <a:pPr indent="0" lvl="0" marL="0" rtl="0" algn="ctr">
+            <a:pPr marL="0" lvl="0" indent="0" algn="ctr" rtl="0">
               <a:spcBef>
                 <a:spcPts val="0"/>
               </a:spcBef>
@@ -14588,7 +14914,7 @@
               <a:buNone/>
             </a:pPr>
             <a:r>
-              <a:rPr b="1" lang="en">
+              <a:rPr lang="en" b="1">
                 <a:solidFill>
                   <a:srgbClr val="0D1117"/>
                 </a:solidFill>
@@ -14606,9 +14932,11 @@
       <p:sp>
         <p:nvSpPr>
           <p:cNvPr id="137" name="Google Shape;137;p19"/>
-          <p:cNvSpPr txBox="1"/>
+          <p:cNvSpPr txBox="1">
+            <a:spLocks noGrp="1"/>
+          </p:cNvSpPr>
           <p:nvPr>
-            <p:ph idx="1" type="body"/>
+            <p:ph type="body" idx="1"/>
           </p:nvPr>
         </p:nvSpPr>
         <p:spPr>
@@ -14621,12 +14949,12 @@
           </a:prstGeom>
         </p:spPr>
         <p:txBody>
-          <a:bodyPr anchorCtr="0" anchor="t" bIns="91425" lIns="91425" spcFirstLastPara="1" rIns="91425" wrap="square" tIns="91425">
-            <a:normAutofit/>
+          <a:bodyPr spcFirstLastPara="1" wrap="square" lIns="91425" tIns="91425" rIns="91425" bIns="91425" anchor="t" anchorCtr="0">
+            <a:normAutofit fontScale="25000" lnSpcReduction="20000"/>
           </a:bodyPr>
           <a:lstStyle/>
           <a:p>
-            <a:pPr indent="0" lvl="0" marL="0" rtl="0" algn="ctr">
+            <a:pPr marL="0" lvl="0" indent="0" algn="ctr" rtl="0">
               <a:spcBef>
                 <a:spcPts val="0"/>
               </a:spcBef>
@@ -14636,7 +14964,7 @@
               <a:buNone/>
             </a:pPr>
             <a:r>
-              <a:rPr b="1" lang="en">
+              <a:rPr lang="en" b="1">
                 <a:solidFill>
                   <a:srgbClr val="0D1117"/>
                 </a:solidFill>
@@ -14654,9 +14982,11 @@
       <p:sp>
         <p:nvSpPr>
           <p:cNvPr id="138" name="Google Shape;138;p19"/>
-          <p:cNvSpPr txBox="1"/>
+          <p:cNvSpPr txBox="1">
+            <a:spLocks noGrp="1"/>
+          </p:cNvSpPr>
           <p:nvPr>
-            <p:ph idx="1" type="body"/>
+            <p:ph type="body" idx="1"/>
           </p:nvPr>
         </p:nvSpPr>
         <p:spPr>
@@ -14669,12 +14999,12 @@
           </a:prstGeom>
         </p:spPr>
         <p:txBody>
-          <a:bodyPr anchorCtr="0" anchor="t" bIns="91425" lIns="91425" spcFirstLastPara="1" rIns="91425" wrap="square" tIns="91425">
-            <a:normAutofit/>
+          <a:bodyPr spcFirstLastPara="1" wrap="square" lIns="91425" tIns="91425" rIns="91425" bIns="91425" anchor="t" anchorCtr="0">
+            <a:normAutofit fontScale="25000" lnSpcReduction="20000"/>
           </a:bodyPr>
           <a:lstStyle/>
           <a:p>
-            <a:pPr indent="0" lvl="0" marL="0" rtl="0" algn="ctr">
+            <a:pPr marL="0" lvl="0" indent="0" algn="ctr" rtl="0">
               <a:spcBef>
                 <a:spcPts val="0"/>
               </a:spcBef>
@@ -14684,7 +15014,7 @@
               <a:buNone/>
             </a:pPr>
             <a:r>
-              <a:rPr b="1" lang="en">
+              <a:rPr lang="en" b="1">
                 <a:solidFill>
                   <a:srgbClr val="0D1117"/>
                 </a:solidFill>
@@ -14702,9 +15032,11 @@
       <p:sp>
         <p:nvSpPr>
           <p:cNvPr id="139" name="Google Shape;139;p19"/>
-          <p:cNvSpPr txBox="1"/>
+          <p:cNvSpPr txBox="1">
+            <a:spLocks noGrp="1"/>
+          </p:cNvSpPr>
           <p:nvPr>
-            <p:ph idx="1" type="body"/>
+            <p:ph type="body" idx="1"/>
           </p:nvPr>
         </p:nvSpPr>
         <p:spPr>
@@ -14720,12 +15052,12 @@
           </a:solidFill>
         </p:spPr>
         <p:txBody>
-          <a:bodyPr anchorCtr="0" anchor="t" bIns="91425" lIns="91425" spcFirstLastPara="1" rIns="91425" wrap="square" tIns="91425">
-            <a:normAutofit lnSpcReduction="20000"/>
+          <a:bodyPr spcFirstLastPara="1" wrap="square" lIns="91425" tIns="91425" rIns="91425" bIns="91425" anchor="t" anchorCtr="0">
+            <a:normAutofit fontScale="32500" lnSpcReduction="20000"/>
           </a:bodyPr>
           <a:lstStyle/>
           <a:p>
-            <a:pPr indent="0" lvl="0" marL="0" rtl="0" algn="l">
+            <a:pPr marL="0" lvl="0" indent="0" algn="l" rtl="0">
               <a:spcBef>
                 <a:spcPts val="0"/>
               </a:spcBef>
@@ -14842,32 +15174,32 @@
   <p:timing>
     <p:tnLst>
       <p:par>
-        <p:cTn dur="indefinite" nodeType="tmRoot" restart="never">
+        <p:cTn id="1" dur="indefinite" restart="never" nodeType="tmRoot">
           <p:childTnLst>
             <p:seq concurrent="1" nextAc="seek">
-              <p:cTn dur="indefinite" id="2" nodeType="mainSeq">
+              <p:cTn id="2" dur="indefinite" nodeType="mainSeq">
                 <p:childTnLst>
                   <p:par>
-                    <p:cTn fill="hold">
+                    <p:cTn id="3" fill="hold">
                       <p:stCondLst>
                         <p:cond delay="indefinite"/>
                       </p:stCondLst>
                       <p:childTnLst>
                         <p:par>
-                          <p:cTn fill="hold">
+                          <p:cTn id="4" fill="hold">
                             <p:stCondLst>
                               <p:cond delay="0"/>
                             </p:stCondLst>
                             <p:childTnLst>
                               <p:par>
-                                <p:cTn fill="hold" nodeType="clickEffect" presetClass="entr" presetID="10" presetSubtype="0">
+                                <p:cTn id="5" presetID="10" presetClass="entr" presetSubtype="0" fill="hold" nodeType="clickEffect">
                                   <p:stCondLst>
                                     <p:cond delay="0"/>
                                   </p:stCondLst>
                                   <p:childTnLst>
                                     <p:set>
                                       <p:cBhvr>
-                                        <p:cTn dur="1" fill="hold">
+                                        <p:cTn id="6" dur="1" fill="hold">
                                           <p:stCondLst>
                                             <p:cond delay="0"/>
                                           </p:stCondLst>
@@ -14883,9 +15215,9 @@
                                         <p:strVal val="visible"/>
                                       </p:to>
                                     </p:set>
-                                    <p:animEffect filter="fade" transition="in">
+                                    <p:animEffect transition="in" filter="fade">
                                       <p:cBhvr>
-                                        <p:cTn dur="1000"/>
+                                        <p:cTn id="7" dur="1000"/>
                                         <p:tgtEl>
                                           <p:spTgt spid="137"/>
                                         </p:tgtEl>
@@ -14895,14 +15227,14 @@
                                 </p:cTn>
                               </p:par>
                               <p:par>
-                                <p:cTn fill="hold" nodeType="withEffect" presetClass="entr" presetID="10" presetSubtype="0">
+                                <p:cTn id="8" presetID="10" presetClass="entr" presetSubtype="0" fill="hold" nodeType="withEffect">
                                   <p:stCondLst>
                                     <p:cond delay="0"/>
                                   </p:stCondLst>
                                   <p:childTnLst>
                                     <p:set>
                                       <p:cBhvr>
-                                        <p:cTn dur="1" fill="hold">
+                                        <p:cTn id="9" dur="1" fill="hold">
                                           <p:stCondLst>
                                             <p:cond delay="0"/>
                                           </p:stCondLst>
@@ -14918,9 +15250,9 @@
                                         <p:strVal val="visible"/>
                                       </p:to>
                                     </p:set>
-                                    <p:animEffect filter="fade" transition="in">
+                                    <p:animEffect transition="in" filter="fade">
                                       <p:cBhvr>
-                                        <p:cTn dur="1000"/>
+                                        <p:cTn id="10" dur="1000"/>
                                         <p:tgtEl>
                                           <p:spTgt spid="141"/>
                                         </p:tgtEl>
@@ -14930,14 +15262,14 @@
                                 </p:cTn>
                               </p:par>
                               <p:par>
-                                <p:cTn fill="hold" nodeType="withEffect" presetClass="entr" presetID="10" presetSubtype="0">
+                                <p:cTn id="11" presetID="10" presetClass="entr" presetSubtype="0" fill="hold" nodeType="withEffect">
                                   <p:stCondLst>
                                     <p:cond delay="0"/>
                                   </p:stCondLst>
                                   <p:childTnLst>
                                     <p:set>
                                       <p:cBhvr>
-                                        <p:cTn dur="1" fill="hold">
+                                        <p:cTn id="12" dur="1" fill="hold">
                                           <p:stCondLst>
                                             <p:cond delay="0"/>
                                           </p:stCondLst>
@@ -14953,9 +15285,9 @@
                                         <p:strVal val="visible"/>
                                       </p:to>
                                     </p:set>
-                                    <p:animEffect filter="fade" transition="in">
+                                    <p:animEffect transition="in" filter="fade">
                                       <p:cBhvr>
-                                        <p:cTn dur="1000"/>
+                                        <p:cTn id="13" dur="1000"/>
                                         <p:tgtEl>
                                           <p:spTgt spid="142"/>
                                         </p:tgtEl>
@@ -14965,14 +15297,14 @@
                                 </p:cTn>
                               </p:par>
                               <p:par>
-                                <p:cTn fill="hold" nodeType="withEffect" presetClass="entr" presetID="10" presetSubtype="0">
+                                <p:cTn id="14" presetID="10" presetClass="entr" presetSubtype="0" fill="hold" nodeType="withEffect">
                                   <p:stCondLst>
                                     <p:cond delay="0"/>
                                   </p:stCondLst>
                                   <p:childTnLst>
                                     <p:set>
                                       <p:cBhvr>
-                                        <p:cTn dur="1" fill="hold">
+                                        <p:cTn id="15" dur="1" fill="hold">
                                           <p:stCondLst>
                                             <p:cond delay="0"/>
                                           </p:stCondLst>
@@ -14988,9 +15320,9 @@
                                         <p:strVal val="visible"/>
                                       </p:to>
                                     </p:set>
-                                    <p:animEffect filter="fade" transition="in">
+                                    <p:animEffect transition="in" filter="fade">
                                       <p:cBhvr>
-                                        <p:cTn dur="1000"/>
+                                        <p:cTn id="16" dur="1000"/>
                                         <p:tgtEl>
                                           <p:spTgt spid="138"/>
                                         </p:tgtEl>
@@ -15008,14 +15340,14 @@
                 </p:childTnLst>
               </p:cTn>
               <p:prevCondLst>
-                <p:cond evt="onPrev">
+                <p:cond evt="onPrev" delay="0">
                   <p:tgtEl>
                     <p:sldTgt/>
                   </p:tgtEl>
                 </p:cond>
               </p:prevCondLst>
               <p:nextCondLst>
-                <p:cond evt="onNext">
+                <p:cond evt="onNext" delay="0">
                   <p:tgtEl>
                     <p:sldTgt/>
                   </p:tgtEl>
@@ -15031,11 +15363,11 @@
 </file>
 
 <file path=ppt/slides/slide8.xml><?xml version="1.0" encoding="utf-8"?>
-<p:sld xmlns:a="http://schemas.openxmlformats.org/drawingml/2006/main" xmlns:r="http://schemas.openxmlformats.org/officeDocument/2006/relationships" xmlns:mc="http://schemas.openxmlformats.org/markup-compatibility/2006" xmlns:mv="urn:schemas-microsoft-com:mac:vml" xmlns:p="http://schemas.openxmlformats.org/presentationml/2006/main" xmlns:c="http://schemas.openxmlformats.org/drawingml/2006/chart" xmlns:dgm="http://schemas.openxmlformats.org/drawingml/2006/diagram" xmlns:o="urn:schemas-microsoft-com:office:office" xmlns:v="urn:schemas-microsoft-com:vml" xmlns:pvml="urn:schemas-microsoft-com:office:powerpoint" xmlns:com="http://schemas.openxmlformats.org/drawingml/2006/compatibility" xmlns:p14="http://schemas.microsoft.com/office/powerpoint/2010/main" xmlns:p15="http://schemas.microsoft.com/office/powerpoint/2012/main" xmlns:ahyp="http://schemas.microsoft.com/office/drawing/2018/hyperlinkcolor">
+<p:sld xmlns:a="http://schemas.openxmlformats.org/drawingml/2006/main" xmlns:r="http://schemas.openxmlformats.org/officeDocument/2006/relationships" xmlns:p="http://schemas.openxmlformats.org/presentationml/2006/main">
   <p:cSld>
     <p:spTree>
       <p:nvGrpSpPr>
-        <p:cNvPr id="146" name="Shape 146"/>
+        <p:cNvPr id="1" name="Shape 146"/>
         <p:cNvGrpSpPr/>
         <p:nvPr/>
       </p:nvGrpSpPr>
@@ -15078,7 +15410,9 @@
       <p:sp>
         <p:nvSpPr>
           <p:cNvPr id="148" name="Google Shape;148;p20"/>
-          <p:cNvSpPr txBox="1"/>
+          <p:cNvSpPr txBox="1">
+            <a:spLocks noGrp="1"/>
+          </p:cNvSpPr>
           <p:nvPr>
             <p:ph type="title"/>
           </p:nvPr>
@@ -15093,12 +15427,12 @@
           </a:prstGeom>
         </p:spPr>
         <p:txBody>
-          <a:bodyPr anchorCtr="0" anchor="t" bIns="91425" lIns="91425" spcFirstLastPara="1" rIns="91425" wrap="square" tIns="91425">
+          <a:bodyPr spcFirstLastPara="1" wrap="square" lIns="91425" tIns="91425" rIns="91425" bIns="91425" anchor="t" anchorCtr="0">
             <a:normAutofit fontScale="90000"/>
           </a:bodyPr>
           <a:lstStyle/>
           <a:p>
-            <a:pPr indent="0" lvl="0" marL="0" rtl="0" algn="l">
+            <a:pPr marL="0" lvl="0" indent="0" algn="l" rtl="0">
               <a:spcBef>
                 <a:spcPts val="0"/>
               </a:spcBef>
@@ -15118,9 +15452,11 @@
       <p:sp>
         <p:nvSpPr>
           <p:cNvPr id="149" name="Google Shape;149;p20"/>
-          <p:cNvSpPr txBox="1"/>
+          <p:cNvSpPr txBox="1">
+            <a:spLocks noGrp="1"/>
+          </p:cNvSpPr>
           <p:nvPr>
-            <p:ph idx="1" type="body"/>
+            <p:ph type="body" idx="1"/>
           </p:nvPr>
         </p:nvSpPr>
         <p:spPr>
@@ -15133,12 +15469,12 @@
           </a:prstGeom>
         </p:spPr>
         <p:txBody>
-          <a:bodyPr anchorCtr="0" anchor="t" bIns="91425" lIns="91425" spcFirstLastPara="1" rIns="91425" wrap="square" tIns="91425">
+          <a:bodyPr spcFirstLastPara="1" wrap="square" lIns="91425" tIns="91425" rIns="91425" bIns="91425" anchor="t" anchorCtr="0">
             <a:normAutofit/>
           </a:bodyPr>
           <a:lstStyle/>
           <a:p>
-            <a:pPr indent="0" lvl="0" marL="0" rtl="0" algn="l">
+            <a:pPr marL="0" lvl="0" indent="0" algn="l" rtl="0">
               <a:spcBef>
                 <a:spcPts val="0"/>
               </a:spcBef>
@@ -15154,7 +15490,7 @@
             <a:endParaRPr sz="1400"/>
           </a:p>
           <a:p>
-            <a:pPr indent="0" lvl="0" marL="0" rtl="0" algn="l">
+            <a:pPr marL="0" lvl="0" indent="0" algn="l" rtl="0">
               <a:spcBef>
                 <a:spcPts val="1200"/>
               </a:spcBef>
@@ -15170,7 +15506,7 @@
             <a:endParaRPr sz="1400"/>
           </a:p>
           <a:p>
-            <a:pPr indent="0" lvl="0" marL="0" rtl="0" algn="l">
+            <a:pPr marL="0" lvl="0" indent="0" algn="l" rtl="0">
               <a:spcBef>
                 <a:spcPts val="1200"/>
               </a:spcBef>
@@ -15186,7 +15522,7 @@
             <a:endParaRPr sz="1400"/>
           </a:p>
           <a:p>
-            <a:pPr indent="0" lvl="0" marL="0" rtl="0" algn="l">
+            <a:pPr marL="0" lvl="0" indent="0" algn="l" rtl="0">
               <a:spcBef>
                 <a:spcPts val="1200"/>
               </a:spcBef>
@@ -15195,9 +15531,6 @@
               </a:spcAft>
               <a:buNone/>
             </a:pPr>
-            <a:r>
-              <a:t/>
-            </a:r>
             <a:endParaRPr sz="1500">
               <a:solidFill>
                 <a:srgbClr val="666666"/>
@@ -15226,12 +15559,12 @@
           </a:ln>
         </p:spPr>
         <p:txBody>
-          <a:bodyPr anchorCtr="0" anchor="t" bIns="91425" lIns="91425" spcFirstLastPara="1" rIns="91425" wrap="square" tIns="91425">
+          <a:bodyPr spcFirstLastPara="1" wrap="square" lIns="91425" tIns="91425" rIns="91425" bIns="91425" anchor="t" anchorCtr="0">
             <a:noAutofit/>
           </a:bodyPr>
           <a:lstStyle/>
           <a:p>
-            <a:pPr indent="0" lvl="0" marL="0" rtl="0" algn="l">
+            <a:pPr marL="0" lvl="0" indent="0" algn="l" rtl="0">
               <a:spcBef>
                 <a:spcPts val="0"/>
               </a:spcBef>
@@ -15240,9 +15573,6 @@
               </a:spcAft>
               <a:buNone/>
             </a:pPr>
-            <a:r>
-              <a:t/>
-            </a:r>
             <a:endParaRPr>
               <a:latin typeface="Lato"/>
               <a:ea typeface="Lato"/>
@@ -15272,12 +15602,12 @@
           </a:ln>
         </p:spPr>
         <p:txBody>
-          <a:bodyPr anchorCtr="0" anchor="t" bIns="91425" lIns="91425" spcFirstLastPara="1" rIns="91425" wrap="square" tIns="91425">
+          <a:bodyPr spcFirstLastPara="1" wrap="square" lIns="91425" tIns="91425" rIns="91425" bIns="91425" anchor="t" anchorCtr="0">
             <a:noAutofit/>
           </a:bodyPr>
           <a:lstStyle/>
           <a:p>
-            <a:pPr indent="0" lvl="0" marL="0" rtl="0" algn="r">
+            <a:pPr marL="0" lvl="0" indent="0" algn="r" rtl="0">
               <a:spcBef>
                 <a:spcPts val="0"/>
               </a:spcBef>
@@ -15324,12 +15654,12 @@
           </a:ln>
         </p:spPr>
         <p:txBody>
-          <a:bodyPr anchorCtr="0" anchor="t" bIns="91425" lIns="91425" spcFirstLastPara="1" rIns="91425" wrap="square" tIns="91425">
+          <a:bodyPr spcFirstLastPara="1" wrap="square" lIns="91425" tIns="91425" rIns="91425" bIns="91425" anchor="t" anchorCtr="0">
             <a:noAutofit/>
           </a:bodyPr>
           <a:lstStyle/>
           <a:p>
-            <a:pPr indent="0" lvl="0" marL="0" rtl="0" algn="l">
+            <a:pPr marL="0" lvl="0" indent="0" algn="l" rtl="0">
               <a:spcBef>
                 <a:spcPts val="0"/>
               </a:spcBef>
@@ -15371,23 +15701,23 @@
             <a:avLst/>
           </a:prstGeom>
           <a:noFill/>
-          <a:ln cap="flat" cmpd="sng" w="19050">
+          <a:ln w="19050" cap="flat" cmpd="sng">
             <a:solidFill>
               <a:schemeClr val="accent3"/>
             </a:solidFill>
             <a:prstDash val="solid"/>
             <a:round/>
-            <a:headEnd len="sm" w="sm" type="none"/>
-            <a:tailEnd len="sm" w="sm" type="none"/>
+            <a:headEnd type="none" w="sm" len="sm"/>
+            <a:tailEnd type="none" w="sm" len="sm"/>
           </a:ln>
         </p:spPr>
         <p:txBody>
-          <a:bodyPr anchorCtr="0" anchor="ctr" bIns="91425" lIns="91425" spcFirstLastPara="1" rIns="91425" wrap="square" tIns="91425">
+          <a:bodyPr spcFirstLastPara="1" wrap="square" lIns="91425" tIns="91425" rIns="91425" bIns="91425" anchor="ctr" anchorCtr="0">
             <a:noAutofit/>
           </a:bodyPr>
           <a:lstStyle/>
           <a:p>
-            <a:pPr indent="0" lvl="0" marL="0" rtl="0" algn="l">
+            <a:pPr marL="0" lvl="0" indent="0" algn="l" rtl="0">
               <a:spcBef>
                 <a:spcPts val="0"/>
               </a:spcBef>
@@ -15396,9 +15726,6 @@
               </a:spcAft>
               <a:buNone/>
             </a:pPr>
-            <a:r>
-              <a:t/>
-            </a:r>
             <a:endParaRPr/>
           </a:p>
         </p:txBody>
@@ -15423,12 +15750,12 @@
           </a:ln>
         </p:spPr>
         <p:txBody>
-          <a:bodyPr anchorCtr="0" anchor="t" bIns="91425" lIns="91425" spcFirstLastPara="1" rIns="91425" wrap="square" tIns="91425">
+          <a:bodyPr spcFirstLastPara="1" wrap="square" lIns="91425" tIns="91425" rIns="91425" bIns="91425" anchor="t" anchorCtr="0">
             <a:noAutofit/>
           </a:bodyPr>
           <a:lstStyle/>
           <a:p>
-            <a:pPr indent="0" lvl="0" marL="0" rtl="0" algn="r">
+            <a:pPr marL="0" lvl="0" indent="0" algn="r" rtl="0">
               <a:spcBef>
                 <a:spcPts val="0"/>
               </a:spcBef>
@@ -15475,12 +15802,12 @@
           </a:ln>
         </p:spPr>
         <p:txBody>
-          <a:bodyPr anchorCtr="0" anchor="t" bIns="91425" lIns="91425" spcFirstLastPara="1" rIns="91425" wrap="square" tIns="91425">
+          <a:bodyPr spcFirstLastPara="1" wrap="square" lIns="91425" tIns="91425" rIns="91425" bIns="91425" anchor="t" anchorCtr="0">
             <a:noAutofit/>
           </a:bodyPr>
           <a:lstStyle/>
           <a:p>
-            <a:pPr indent="0" lvl="0" marL="0" rtl="0" algn="l">
+            <a:pPr marL="0" lvl="0" indent="0" algn="l" rtl="0">
               <a:spcBef>
                 <a:spcPts val="0"/>
               </a:spcBef>
@@ -15516,11 +15843,11 @@
 </file>
 
 <file path=ppt/slides/slide9.xml><?xml version="1.0" encoding="utf-8"?>
-<p:sld xmlns:a="http://schemas.openxmlformats.org/drawingml/2006/main" xmlns:r="http://schemas.openxmlformats.org/officeDocument/2006/relationships" xmlns:mc="http://schemas.openxmlformats.org/markup-compatibility/2006" xmlns:mv="urn:schemas-microsoft-com:mac:vml" xmlns:p="http://schemas.openxmlformats.org/presentationml/2006/main" xmlns:c="http://schemas.openxmlformats.org/drawingml/2006/chart" xmlns:dgm="http://schemas.openxmlformats.org/drawingml/2006/diagram" xmlns:o="urn:schemas-microsoft-com:office:office" xmlns:v="urn:schemas-microsoft-com:vml" xmlns:pvml="urn:schemas-microsoft-com:office:powerpoint" xmlns:com="http://schemas.openxmlformats.org/drawingml/2006/compatibility" xmlns:p14="http://schemas.microsoft.com/office/powerpoint/2010/main" xmlns:p15="http://schemas.microsoft.com/office/powerpoint/2012/main" xmlns:ahyp="http://schemas.microsoft.com/office/drawing/2018/hyperlinkcolor">
+<p:sld xmlns:a="http://schemas.openxmlformats.org/drawingml/2006/main" xmlns:r="http://schemas.openxmlformats.org/officeDocument/2006/relationships" xmlns:p="http://schemas.openxmlformats.org/presentationml/2006/main">
   <p:cSld>
     <p:spTree>
       <p:nvGrpSpPr>
-        <p:cNvPr id="159" name="Shape 159"/>
+        <p:cNvPr id="1" name="Shape 159"/>
         <p:cNvGrpSpPr/>
         <p:nvPr/>
       </p:nvGrpSpPr>
@@ -15569,7 +15896,7 @@
 </file>
 
 <file path=ppt/theme/theme1.xml><?xml version="1.0" encoding="utf-8"?>
-<a:theme xmlns:a="http://schemas.openxmlformats.org/drawingml/2006/main" xmlns:r="http://schemas.openxmlformats.org/officeDocument/2006/relationships" name="Streamline">
+<a:theme xmlns:a="http://schemas.openxmlformats.org/drawingml/2006/main" name="Streamline">
   <a:themeElements>
     <a:clrScheme name="Streamline">
       <a:dk1>
@@ -15844,11 +16171,13 @@
       </a:bgFillStyleLst>
     </a:fmtScheme>
   </a:themeElements>
+  <a:objectDefaults/>
+  <a:extraClrSchemeLst/>
 </a:theme>
 </file>
 
 <file path=ppt/theme/theme2.xml><?xml version="1.0" encoding="utf-8"?>
-<a:theme xmlns:a="http://schemas.openxmlformats.org/drawingml/2006/main" xmlns:r="http://schemas.openxmlformats.org/officeDocument/2006/relationships">
+<a:theme xmlns:a="http://schemas.openxmlformats.org/drawingml/2006/main">
   <a:themeElements>
     <a:clrScheme name="Default">
       <a:dk1>
@@ -16123,5 +16452,7 @@
       </a:bgFillStyleLst>
     </a:fmtScheme>
   </a:themeElements>
+  <a:objectDefaults/>
+  <a:extraClrSchemeLst/>
 </a:theme>
 </file>